--- a/Experiments.pptx
+++ b/Experiments.pptx
@@ -3773,7 +3773,7 @@
         <p:spPr>
           <a:xfrm>
             <a:off x="630945" y="1254860"/>
-            <a:ext cx="4724178" cy="369332"/>
+            <a:ext cx="4102213" cy="369332"/>
           </a:xfrm>
           <a:prstGeom prst="rect">
             <a:avLst/>
@@ -3788,7 +3788,7 @@
           <a:p>
             <a:r>
               <a:rPr lang="en-US" dirty="0"/>
-              <a:t>Pretrain (masked language model mode) with:</a:t>
+              <a:t>Pretrain (masked language model) with:</a:t>
             </a:r>
           </a:p>
         </p:txBody>
@@ -4023,7 +4023,11 @@
           <a:lstStyle/>
           <a:p>
             <a:r>
-              <a:rPr lang="en-US" dirty="0"/>
+              <a:rPr lang="en-US" dirty="0">
+                <a:highlight>
+                  <a:srgbClr val="FFFF00"/>
+                </a:highlight>
+              </a:rPr>
               <a:t>remove all seqs &lt; 90 length</a:t>
             </a:r>
           </a:p>
@@ -4187,7 +4191,7 @@
         <p:spPr>
           <a:xfrm>
             <a:off x="966158" y="715992"/>
-            <a:ext cx="10325819" cy="1477328"/>
+            <a:ext cx="10325819" cy="2031325"/>
           </a:xfrm>
           <a:prstGeom prst="rect">
             <a:avLst/>
@@ -4212,7 +4216,7 @@
             </a:pPr>
             <a:r>
               <a:rPr lang="en-US" dirty="0"/>
-              <a:t>Use absolute position in the specific aa sequence</a:t>
+              <a:t>Use absolute position in the specific aa sequence?</a:t>
             </a:r>
           </a:p>
           <a:p>
@@ -4245,6 +4249,21 @@
             <a:r>
               <a:rPr lang="en-US" dirty="0" err="1"/>
               <a:t>etc</a:t>
+            </a:r>
+            <a:endParaRPr lang="en-US" dirty="0"/>
+          </a:p>
+          <a:p>
+            <a:pPr marL="742950" lvl="1" indent="-285750">
+              <a:buFont typeface="Arial" panose="020B0604020202020204" pitchFamily="34" charset="0"/>
+              <a:buChar char="•"/>
+            </a:pPr>
+            <a:r>
+              <a:rPr lang="en-US" dirty="0"/>
+              <a:t>There is no absolute light chain length for human IgG abs.  A few different chains have slightly different lengths.  Absolute alignment with reference light chains is probably </a:t>
+            </a:r>
+            <a:r>
+              <a:rPr lang="en-US"/>
+              <a:t>not practical.</a:t>
             </a:r>
             <a:endParaRPr lang="en-US" dirty="0"/>
           </a:p>

--- a/Experiments.pptx
+++ b/Experiments.pptx
@@ -6,11 +6,15 @@
   </p:sldMasterIdLst>
   <p:sldIdLst>
     <p:sldId id="256" r:id="rId2"/>
-    <p:sldId id="257" r:id="rId3"/>
-    <p:sldId id="258" r:id="rId4"/>
-    <p:sldId id="259" r:id="rId5"/>
-    <p:sldId id="260" r:id="rId6"/>
-    <p:sldId id="261" r:id="rId7"/>
+    <p:sldId id="320" r:id="rId3"/>
+    <p:sldId id="318" r:id="rId4"/>
+    <p:sldId id="257" r:id="rId5"/>
+    <p:sldId id="258" r:id="rId6"/>
+    <p:sldId id="259" r:id="rId7"/>
+    <p:sldId id="322" r:id="rId8"/>
+    <p:sldId id="260" r:id="rId9"/>
+    <p:sldId id="321" r:id="rId10"/>
+    <p:sldId id="261" r:id="rId11"/>
   </p:sldIdLst>
   <p:sldSz cx="12192000" cy="6858000"/>
   <p:notesSz cx="6858000" cy="9144000"/>
@@ -3326,6 +3330,245 @@
           <a:chExt cx="0" cy="0"/>
         </a:xfrm>
       </p:grpSpPr>
+      <p:grpSp>
+        <p:nvGrpSpPr>
+          <p:cNvPr id="25" name="Group 24">
+            <a:extLst>
+              <a:ext uri="{FF2B5EF4-FFF2-40B4-BE49-F238E27FC236}">
+                <a16:creationId xmlns:a16="http://schemas.microsoft.com/office/drawing/2014/main" id="{72EE7BFB-5F0D-894F-C7A7-B9A1B603B72B}"/>
+              </a:ext>
+            </a:extLst>
+          </p:cNvPr>
+          <p:cNvGrpSpPr/>
+          <p:nvPr/>
+        </p:nvGrpSpPr>
+        <p:grpSpPr>
+          <a:xfrm>
+            <a:off x="8272272" y="2752067"/>
+            <a:ext cx="3523768" cy="2400387"/>
+            <a:chOff x="8272272" y="2752067"/>
+            <a:chExt cx="3523768" cy="2400387"/>
+          </a:xfrm>
+        </p:grpSpPr>
+        <p:grpSp>
+          <p:nvGrpSpPr>
+            <p:cNvPr id="19" name="Group 18">
+              <a:extLst>
+                <a:ext uri="{FF2B5EF4-FFF2-40B4-BE49-F238E27FC236}">
+                  <a16:creationId xmlns:a16="http://schemas.microsoft.com/office/drawing/2014/main" id="{6B1F2256-4172-982C-F7AF-142D204AC7D7}"/>
+                </a:ext>
+              </a:extLst>
+            </p:cNvPr>
+            <p:cNvGrpSpPr/>
+            <p:nvPr/>
+          </p:nvGrpSpPr>
+          <p:grpSpPr>
+            <a:xfrm>
+              <a:off x="8272272" y="2752067"/>
+              <a:ext cx="3523768" cy="2400387"/>
+              <a:chOff x="7851648" y="2889227"/>
+              <a:chExt cx="3523768" cy="2400387"/>
+            </a:xfrm>
+          </p:grpSpPr>
+          <p:pic>
+            <p:nvPicPr>
+              <p:cNvPr id="5" name="Picture 4">
+                <a:extLst>
+                  <a:ext uri="{FF2B5EF4-FFF2-40B4-BE49-F238E27FC236}">
+                    <a16:creationId xmlns:a16="http://schemas.microsoft.com/office/drawing/2014/main" id="{97D044E9-3FBF-1F4A-A6B8-5C39B4D5330C}"/>
+                  </a:ext>
+                </a:extLst>
+              </p:cNvPr>
+              <p:cNvPicPr>
+                <a:picLocks noChangeAspect="1"/>
+              </p:cNvPicPr>
+              <p:nvPr/>
+            </p:nvPicPr>
+            <p:blipFill>
+              <a:blip r:embed="rId2"/>
+              <a:stretch>
+                <a:fillRect/>
+              </a:stretch>
+            </p:blipFill>
+            <p:spPr>
+              <a:xfrm>
+                <a:off x="7851648" y="2889227"/>
+                <a:ext cx="3523768" cy="2400387"/>
+              </a:xfrm>
+              <a:prstGeom prst="rect">
+                <a:avLst/>
+              </a:prstGeom>
+            </p:spPr>
+          </p:pic>
+          <p:sp>
+            <p:nvSpPr>
+              <p:cNvPr id="17" name="Rectangle 16">
+                <a:extLst>
+                  <a:ext uri="{FF2B5EF4-FFF2-40B4-BE49-F238E27FC236}">
+                    <a16:creationId xmlns:a16="http://schemas.microsoft.com/office/drawing/2014/main" id="{66DC3C92-BCB8-3C88-3BD3-E07C98F3FB4A}"/>
+                  </a:ext>
+                </a:extLst>
+              </p:cNvPr>
+              <p:cNvSpPr/>
+              <p:nvPr/>
+            </p:nvSpPr>
+            <p:spPr>
+              <a:xfrm>
+                <a:off x="8037576" y="2889372"/>
+                <a:ext cx="3337840" cy="1508892"/>
+              </a:xfrm>
+              <a:prstGeom prst="rect">
+                <a:avLst/>
+              </a:prstGeom>
+              <a:solidFill>
+                <a:schemeClr val="bg2">
+                  <a:lumMod val="90000"/>
+                  <a:alpha val="54000"/>
+                </a:schemeClr>
+              </a:solidFill>
+              <a:ln>
+                <a:noFill/>
+              </a:ln>
+            </p:spPr>
+            <p:style>
+              <a:lnRef idx="2">
+                <a:schemeClr val="accent1">
+                  <a:shade val="15000"/>
+                </a:schemeClr>
+              </a:lnRef>
+              <a:fillRef idx="1">
+                <a:schemeClr val="accent1"/>
+              </a:fillRef>
+              <a:effectRef idx="0">
+                <a:schemeClr val="accent1"/>
+              </a:effectRef>
+              <a:fontRef idx="minor">
+                <a:schemeClr val="lt1"/>
+              </a:fontRef>
+            </p:style>
+            <p:txBody>
+              <a:bodyPr rtlCol="0" anchor="ctr"/>
+              <a:lstStyle/>
+              <a:p>
+                <a:pPr algn="ctr"/>
+                <a:endParaRPr lang="en-US" dirty="0"/>
+              </a:p>
+            </p:txBody>
+          </p:sp>
+          <p:sp>
+            <p:nvSpPr>
+              <p:cNvPr id="18" name="Rectangle 17">
+                <a:extLst>
+                  <a:ext uri="{FF2B5EF4-FFF2-40B4-BE49-F238E27FC236}">
+                    <a16:creationId xmlns:a16="http://schemas.microsoft.com/office/drawing/2014/main" id="{597B5FE6-6C38-5C75-1470-BF01CAD47906}"/>
+                  </a:ext>
+                </a:extLst>
+              </p:cNvPr>
+              <p:cNvSpPr/>
+              <p:nvPr/>
+            </p:nvSpPr>
+            <p:spPr>
+              <a:xfrm>
+                <a:off x="9582912" y="4400389"/>
+                <a:ext cx="1792504" cy="889225"/>
+              </a:xfrm>
+              <a:prstGeom prst="rect">
+                <a:avLst/>
+              </a:prstGeom>
+              <a:solidFill>
+                <a:schemeClr val="bg2">
+                  <a:lumMod val="90000"/>
+                  <a:alpha val="54000"/>
+                </a:schemeClr>
+              </a:solidFill>
+              <a:ln>
+                <a:noFill/>
+              </a:ln>
+            </p:spPr>
+            <p:style>
+              <a:lnRef idx="2">
+                <a:schemeClr val="accent1">
+                  <a:shade val="15000"/>
+                </a:schemeClr>
+              </a:lnRef>
+              <a:fillRef idx="1">
+                <a:schemeClr val="accent1"/>
+              </a:fillRef>
+              <a:effectRef idx="0">
+                <a:schemeClr val="accent1"/>
+              </a:effectRef>
+              <a:fontRef idx="minor">
+                <a:schemeClr val="lt1"/>
+              </a:fontRef>
+            </p:style>
+            <p:txBody>
+              <a:bodyPr rtlCol="0" anchor="ctr"/>
+              <a:lstStyle/>
+              <a:p>
+                <a:pPr algn="ctr"/>
+                <a:endParaRPr lang="en-US" dirty="0"/>
+              </a:p>
+            </p:txBody>
+          </p:sp>
+        </p:grpSp>
+        <p:sp>
+          <p:nvSpPr>
+            <p:cNvPr id="24" name="Rectangle 23">
+              <a:extLst>
+                <a:ext uri="{FF2B5EF4-FFF2-40B4-BE49-F238E27FC236}">
+                  <a16:creationId xmlns:a16="http://schemas.microsoft.com/office/drawing/2014/main" id="{A03D85A4-00D9-CBE6-231B-9E414DA53E7F}"/>
+                </a:ext>
+              </a:extLst>
+            </p:cNvPr>
+            <p:cNvSpPr/>
+            <p:nvPr/>
+          </p:nvSpPr>
+          <p:spPr>
+            <a:xfrm>
+              <a:off x="8458201" y="4263229"/>
+              <a:ext cx="1545336" cy="889225"/>
+            </a:xfrm>
+            <a:prstGeom prst="rect">
+              <a:avLst/>
+            </a:prstGeom>
+            <a:solidFill>
+              <a:schemeClr val="bg2">
+                <a:lumMod val="90000"/>
+                <a:alpha val="0"/>
+              </a:schemeClr>
+            </a:solidFill>
+            <a:ln>
+              <a:solidFill>
+                <a:schemeClr val="tx1"/>
+              </a:solidFill>
+            </a:ln>
+          </p:spPr>
+          <p:style>
+            <a:lnRef idx="2">
+              <a:schemeClr val="accent1">
+                <a:shade val="15000"/>
+              </a:schemeClr>
+            </a:lnRef>
+            <a:fillRef idx="1">
+              <a:schemeClr val="accent1"/>
+            </a:fillRef>
+            <a:effectRef idx="0">
+              <a:schemeClr val="accent1"/>
+            </a:effectRef>
+            <a:fontRef idx="minor">
+              <a:schemeClr val="lt1"/>
+            </a:fontRef>
+          </p:style>
+          <p:txBody>
+            <a:bodyPr rtlCol="0" anchor="ctr"/>
+            <a:lstStyle/>
+            <a:p>
+              <a:pPr algn="ctr"/>
+              <a:endParaRPr lang="en-US" dirty="0"/>
+            </a:p>
+          </p:txBody>
+        </p:sp>
+      </p:grpSp>
       <p:sp>
         <p:nvSpPr>
           <p:cNvPr id="2" name="Title 1">
@@ -3342,14 +3585,21 @@
             <p:ph type="ctrTitle"/>
           </p:nvPr>
         </p:nvSpPr>
-        <p:spPr/>
+        <p:spPr>
+          <a:xfrm>
+            <a:off x="1524000" y="380127"/>
+            <a:ext cx="9144000" cy="1174353"/>
+          </a:xfrm>
+        </p:spPr>
         <p:txBody>
-          <a:bodyPr/>
+          <a:bodyPr>
+            <a:normAutofit/>
+          </a:bodyPr>
           <a:lstStyle/>
           <a:p>
             <a:r>
               <a:rPr lang="en-US" dirty="0"/>
-              <a:t>BERT stuff with antibodies</a:t>
+              <a:t>BERT Homework</a:t>
             </a:r>
           </a:p>
         </p:txBody>
@@ -3370,9 +3620,16 @@
             <p:ph type="subTitle" idx="1"/>
           </p:nvPr>
         </p:nvSpPr>
-        <p:spPr/>
+        <p:spPr>
+          <a:xfrm>
+            <a:off x="1524000" y="1745806"/>
+            <a:ext cx="9144000" cy="860379"/>
+          </a:xfrm>
+        </p:spPr>
         <p:txBody>
-          <a:bodyPr/>
+          <a:bodyPr>
+            <a:normAutofit lnSpcReduction="10000"/>
+          </a:bodyPr>
           <a:lstStyle/>
           <a:p>
             <a:r>
@@ -3383,7 +3640,182 @@
           <a:p>
             <a:r>
               <a:rPr lang="en-US" dirty="0"/>
-              <a:t>April, 2024</a:t>
+              <a:t>April 15-24,  2024</a:t>
+            </a:r>
+          </a:p>
+        </p:txBody>
+      </p:sp>
+      <p:sp>
+        <p:nvSpPr>
+          <p:cNvPr id="4" name="TextBox 3">
+            <a:extLst>
+              <a:ext uri="{FF2B5EF4-FFF2-40B4-BE49-F238E27FC236}">
+                <a16:creationId xmlns:a16="http://schemas.microsoft.com/office/drawing/2014/main" id="{24AAA7FB-145E-863C-573B-ECD14CB5C579}"/>
+              </a:ext>
+            </a:extLst>
+          </p:cNvPr>
+          <p:cNvSpPr txBox="1"/>
+          <p:nvPr/>
+        </p:nvSpPr>
+        <p:spPr>
+          <a:xfrm>
+            <a:off x="137160" y="3651651"/>
+            <a:ext cx="6931152" cy="2400657"/>
+          </a:xfrm>
+          <a:prstGeom prst="rect">
+            <a:avLst/>
+          </a:prstGeom>
+          <a:noFill/>
+        </p:spPr>
+        <p:txBody>
+          <a:bodyPr wrap="square" rtlCol="0">
+            <a:spAutoFit/>
+          </a:bodyPr>
+          <a:lstStyle/>
+          <a:p>
+            <a:r>
+              <a:rPr lang="en-US" sz="2400" dirty="0"/>
+              <a:t>Purpose </a:t>
+            </a:r>
+          </a:p>
+          <a:p>
+            <a:endParaRPr lang="en-US" dirty="0"/>
+          </a:p>
+          <a:p>
+            <a:pPr marL="285750" indent="-285750">
+              <a:buFont typeface="Arial" panose="020B0604020202020204" pitchFamily="34" charset="0"/>
+              <a:buChar char="•"/>
+            </a:pPr>
+            <a:r>
+              <a:rPr lang="en-US" dirty="0"/>
+              <a:t>Enhance my understanding of BERT (and LLMs) for drug design</a:t>
+            </a:r>
+          </a:p>
+          <a:p>
+            <a:pPr marL="285750" indent="-285750">
+              <a:buFont typeface="Arial" panose="020B0604020202020204" pitchFamily="34" charset="0"/>
+              <a:buChar char="•"/>
+            </a:pPr>
+            <a:endParaRPr lang="en-US" dirty="0"/>
+          </a:p>
+          <a:p>
+            <a:pPr marL="285750" indent="-285750">
+              <a:buFont typeface="Arial" panose="020B0604020202020204" pitchFamily="34" charset="0"/>
+              <a:buChar char="•"/>
+            </a:pPr>
+            <a:r>
+              <a:rPr lang="en-US" dirty="0"/>
+              <a:t>Familiarize myself with how model is structured and works</a:t>
+            </a:r>
+          </a:p>
+          <a:p>
+            <a:pPr marL="285750" indent="-285750">
+              <a:buFont typeface="Arial" panose="020B0604020202020204" pitchFamily="34" charset="0"/>
+              <a:buChar char="•"/>
+            </a:pPr>
+            <a:endParaRPr lang="en-US" dirty="0"/>
+          </a:p>
+          <a:p>
+            <a:pPr marL="285750" indent="-285750">
+              <a:buFont typeface="Arial" panose="020B0604020202020204" pitchFamily="34" charset="0"/>
+              <a:buChar char="•"/>
+            </a:pPr>
+            <a:r>
+              <a:rPr lang="en-US" dirty="0"/>
+              <a:t>Reproduce parts of a-</a:t>
+            </a:r>
+            <a:r>
+              <a:rPr lang="en-US" dirty="0" err="1"/>
+              <a:t>AlphaBio</a:t>
+            </a:r>
+            <a:r>
+              <a:rPr lang="en-US" dirty="0"/>
+              <a:t> study </a:t>
+            </a:r>
+          </a:p>
+          <a:p>
+            <a:r>
+              <a:rPr lang="en-US" dirty="0"/>
+              <a:t>	(NOT the actual results, but simplified overall process)</a:t>
+            </a:r>
+          </a:p>
+        </p:txBody>
+      </p:sp>
+      <p:cxnSp>
+        <p:nvCxnSpPr>
+          <p:cNvPr id="13" name="Straight Arrow Connector 12">
+            <a:extLst>
+              <a:ext uri="{FF2B5EF4-FFF2-40B4-BE49-F238E27FC236}">
+                <a16:creationId xmlns:a16="http://schemas.microsoft.com/office/drawing/2014/main" id="{B9489B2C-178E-AFD8-1427-6BC96E6E7644}"/>
+              </a:ext>
+            </a:extLst>
+          </p:cNvPr>
+          <p:cNvCxnSpPr>
+            <a:cxnSpLocks/>
+          </p:cNvCxnSpPr>
+          <p:nvPr/>
+        </p:nvCxnSpPr>
+        <p:spPr>
+          <a:xfrm flipV="1">
+            <a:off x="6096000" y="4814125"/>
+            <a:ext cx="2231837" cy="879009"/>
+          </a:xfrm>
+          <a:prstGeom prst="straightConnector1">
+            <a:avLst/>
+          </a:prstGeom>
+          <a:ln>
+            <a:solidFill>
+              <a:schemeClr val="tx1"/>
+            </a:solidFill>
+            <a:tailEnd type="triangle"/>
+          </a:ln>
+        </p:spPr>
+        <p:style>
+          <a:lnRef idx="2">
+            <a:schemeClr val="accent1"/>
+          </a:lnRef>
+          <a:fillRef idx="0">
+            <a:schemeClr val="accent1"/>
+          </a:fillRef>
+          <a:effectRef idx="1">
+            <a:schemeClr val="accent1"/>
+          </a:effectRef>
+          <a:fontRef idx="minor">
+            <a:schemeClr val="tx1"/>
+          </a:fontRef>
+        </p:style>
+      </p:cxnSp>
+      <p:sp>
+        <p:nvSpPr>
+          <p:cNvPr id="20" name="TextBox 19">
+            <a:extLst>
+              <a:ext uri="{FF2B5EF4-FFF2-40B4-BE49-F238E27FC236}">
+                <a16:creationId xmlns:a16="http://schemas.microsoft.com/office/drawing/2014/main" id="{C8415788-B23C-4C5B-7F45-A8B17FBAF41A}"/>
+              </a:ext>
+            </a:extLst>
+          </p:cNvPr>
+          <p:cNvSpPr txBox="1"/>
+          <p:nvPr/>
+        </p:nvSpPr>
+        <p:spPr>
+          <a:xfrm rot="20343250">
+            <a:off x="6765543" y="5136133"/>
+            <a:ext cx="1284711" cy="338554"/>
+          </a:xfrm>
+          <a:prstGeom prst="rect">
+            <a:avLst/>
+          </a:prstGeom>
+          <a:noFill/>
+        </p:spPr>
+        <p:txBody>
+          <a:bodyPr wrap="none" rtlCol="0">
+            <a:spAutoFit/>
+          </a:bodyPr>
+          <a:lstStyle/>
+          <a:p>
+            <a:r>
+              <a:rPr lang="en-US" sz="1600" dirty="0"/>
+              <a:t>just this part</a:t>
             </a:r>
           </a:p>
         </p:txBody>
@@ -3392,6 +3824,110 @@
     <p:extLst>
       <p:ext uri="{BB962C8B-B14F-4D97-AF65-F5344CB8AC3E}">
         <p14:creationId xmlns:p14="http://schemas.microsoft.com/office/powerpoint/2010/main" val="2476315324"/>
+      </p:ext>
+    </p:extLst>
+  </p:cSld>
+  <p:clrMapOvr>
+    <a:masterClrMapping/>
+  </p:clrMapOvr>
+</p:sld>
+</file>
+
+<file path=ppt/slides/slide10.xml><?xml version="1.0" encoding="utf-8"?>
+<p:sld xmlns:a="http://schemas.openxmlformats.org/drawingml/2006/main" xmlns:r="http://schemas.openxmlformats.org/officeDocument/2006/relationships" xmlns:p="http://schemas.openxmlformats.org/presentationml/2006/main">
+  <p:cSld>
+    <p:spTree>
+      <p:nvGrpSpPr>
+        <p:cNvPr id="1" name=""/>
+        <p:cNvGrpSpPr/>
+        <p:nvPr/>
+      </p:nvGrpSpPr>
+      <p:grpSpPr>
+        <a:xfrm>
+          <a:off x="0" y="0"/>
+          <a:ext cx="0" cy="0"/>
+          <a:chOff x="0" y="0"/>
+          <a:chExt cx="0" cy="0"/>
+        </a:xfrm>
+      </p:grpSpPr>
+      <p:sp>
+        <p:nvSpPr>
+          <p:cNvPr id="2" name="TextBox 1">
+            <a:extLst>
+              <a:ext uri="{FF2B5EF4-FFF2-40B4-BE49-F238E27FC236}">
+                <a16:creationId xmlns:a16="http://schemas.microsoft.com/office/drawing/2014/main" id="{FFDAADAE-17FC-1795-F7A0-EC68D5D19BBA}"/>
+              </a:ext>
+            </a:extLst>
+          </p:cNvPr>
+          <p:cNvSpPr txBox="1"/>
+          <p:nvPr/>
+        </p:nvSpPr>
+        <p:spPr>
+          <a:xfrm>
+            <a:off x="136762" y="204349"/>
+            <a:ext cx="2383473" cy="461665"/>
+          </a:xfrm>
+          <a:prstGeom prst="rect">
+            <a:avLst/>
+          </a:prstGeom>
+          <a:noFill/>
+        </p:spPr>
+        <p:txBody>
+          <a:bodyPr wrap="none" rtlCol="0">
+            <a:spAutoFit/>
+          </a:bodyPr>
+          <a:lstStyle/>
+          <a:p>
+            <a:r>
+              <a:rPr lang="en-US" sz="2400" dirty="0"/>
+              <a:t>Fine tune results</a:t>
+            </a:r>
+          </a:p>
+        </p:txBody>
+      </p:sp>
+      <p:sp>
+        <p:nvSpPr>
+          <p:cNvPr id="3" name="TextBox 2">
+            <a:extLst>
+              <a:ext uri="{FF2B5EF4-FFF2-40B4-BE49-F238E27FC236}">
+                <a16:creationId xmlns:a16="http://schemas.microsoft.com/office/drawing/2014/main" id="{72E67A6E-78A0-730F-7A46-B503BAF44592}"/>
+              </a:ext>
+            </a:extLst>
+          </p:cNvPr>
+          <p:cNvSpPr txBox="1"/>
+          <p:nvPr/>
+        </p:nvSpPr>
+        <p:spPr>
+          <a:xfrm>
+            <a:off x="1160890" y="1590261"/>
+            <a:ext cx="1279646" cy="369332"/>
+          </a:xfrm>
+          <a:prstGeom prst="rect">
+            <a:avLst/>
+          </a:prstGeom>
+          <a:noFill/>
+        </p:spPr>
+        <p:txBody>
+          <a:bodyPr wrap="none" rtlCol="0">
+            <a:spAutoFit/>
+          </a:bodyPr>
+          <a:lstStyle/>
+          <a:p>
+            <a:r>
+              <a:rPr lang="en-US" dirty="0">
+                <a:highlight>
+                  <a:srgbClr val="FFFF00"/>
+                </a:highlight>
+              </a:rPr>
+              <a:t>In progress</a:t>
+            </a:r>
+          </a:p>
+        </p:txBody>
+      </p:sp>
+    </p:spTree>
+    <p:extLst>
+      <p:ext uri="{BB962C8B-B14F-4D97-AF65-F5344CB8AC3E}">
+        <p14:creationId xmlns:p14="http://schemas.microsoft.com/office/powerpoint/2010/main" val="312208813"/>
       </p:ext>
     </p:extLst>
   </p:cSld>
@@ -3420,10 +3956,10 @@
       </p:grpSpPr>
       <p:sp>
         <p:nvSpPr>
-          <p:cNvPr id="3" name="TextBox 2">
-            <a:extLst>
-              <a:ext uri="{FF2B5EF4-FFF2-40B4-BE49-F238E27FC236}">
-                <a16:creationId xmlns:a16="http://schemas.microsoft.com/office/drawing/2014/main" id="{956EFD40-D78B-378C-E823-CCF3AB5FFDA0}"/>
+          <p:cNvPr id="2" name="TextBox 1">
+            <a:extLst>
+              <a:ext uri="{FF2B5EF4-FFF2-40B4-BE49-F238E27FC236}">
+                <a16:creationId xmlns:a16="http://schemas.microsoft.com/office/drawing/2014/main" id="{A6B8D544-62FB-BED5-1F3D-8DE1F9A51DC3}"/>
               </a:ext>
             </a:extLst>
           </p:cNvPr>
@@ -3432,216 +3968,8 @@
         </p:nvSpPr>
         <p:spPr>
           <a:xfrm>
-            <a:off x="630945" y="2726793"/>
-            <a:ext cx="8760123" cy="3416320"/>
-          </a:xfrm>
-          <a:prstGeom prst="rect">
-            <a:avLst/>
-          </a:prstGeom>
-          <a:noFill/>
-        </p:spPr>
-        <p:txBody>
-          <a:bodyPr wrap="square">
-            <a:spAutoFit/>
-          </a:bodyPr>
-          <a:lstStyle/>
-          <a:p>
-            <a:r>
-              <a:rPr lang="en-US" b="1" dirty="0">
-                <a:effectLst/>
-              </a:rPr>
-              <a:t>Plan</a:t>
-            </a:r>
-            <a:endParaRPr lang="en-US" b="0" dirty="0">
-              <a:effectLst/>
-            </a:endParaRPr>
-          </a:p>
-          <a:p>
-            <a:pPr marL="285750" indent="-285750">
-              <a:buFont typeface="Arial" panose="020B0604020202020204" pitchFamily="34" charset="0"/>
-              <a:buChar char="•"/>
-            </a:pPr>
-            <a:r>
-              <a:rPr lang="en-US" b="0" dirty="0">
-                <a:effectLst/>
-              </a:rPr>
-              <a:t>focus on just </a:t>
-            </a:r>
-            <a:r>
-              <a:rPr lang="en-US" b="0" dirty="0" err="1">
-                <a:effectLst/>
-              </a:rPr>
-              <a:t>sequence_alignment_aa</a:t>
-            </a:r>
-            <a:r>
-              <a:rPr lang="en-US" b="0" dirty="0">
-                <a:effectLst/>
-              </a:rPr>
-              <a:t> column (not germline)</a:t>
-            </a:r>
-          </a:p>
-          <a:p>
-            <a:pPr marL="742950" lvl="1" indent="-285750">
-              <a:buFont typeface="Arial" panose="020B0604020202020204" pitchFamily="34" charset="0"/>
-              <a:buChar char="•"/>
-            </a:pPr>
-            <a:r>
-              <a:rPr lang="en-US" b="0" dirty="0">
-                <a:effectLst/>
-              </a:rPr>
-              <a:t>eliminate duplicates</a:t>
-            </a:r>
-          </a:p>
-          <a:p>
-            <a:pPr marL="285750" indent="-285750">
-              <a:buFont typeface="Arial" panose="020B0604020202020204" pitchFamily="34" charset="0"/>
-              <a:buChar char="•"/>
-            </a:pPr>
-            <a:r>
-              <a:rPr lang="en-US" b="0" dirty="0">
-                <a:effectLst/>
-              </a:rPr>
-              <a:t>ignore the separate v, d, and j (they are already in the light chain)</a:t>
-            </a:r>
-          </a:p>
-          <a:p>
-            <a:pPr marL="285750" indent="-285750">
-              <a:buFont typeface="Arial" panose="020B0604020202020204" pitchFamily="34" charset="0"/>
-              <a:buChar char="•"/>
-            </a:pPr>
-            <a:r>
-              <a:rPr lang="en-US" b="0" dirty="0">
-                <a:effectLst/>
-              </a:rPr>
-              <a:t>ignore fwr1, fwr2, fwr3, fwr4 regions (on the heavy chain?)</a:t>
-            </a:r>
-          </a:p>
-          <a:p>
-            <a:pPr marL="285750" indent="-285750">
-              <a:buFont typeface="Arial" panose="020B0604020202020204" pitchFamily="34" charset="0"/>
-              <a:buChar char="•"/>
-            </a:pPr>
-            <a:r>
-              <a:rPr lang="en-US" b="0" dirty="0">
-                <a:effectLst/>
-              </a:rPr>
-              <a:t>ignore </a:t>
-            </a:r>
-            <a:r>
-              <a:rPr lang="en-US" b="0" dirty="0" err="1">
-                <a:effectLst/>
-              </a:rPr>
-              <a:t>cdr</a:t>
-            </a:r>
-            <a:r>
-              <a:rPr lang="en-US" b="0" dirty="0">
-                <a:effectLst/>
-              </a:rPr>
-              <a:t> sequences (they are already contained in the longer light-chain sequences)</a:t>
-            </a:r>
-          </a:p>
-          <a:p>
-            <a:br>
-              <a:rPr lang="en-US" b="0" dirty="0">
-                <a:effectLst/>
-              </a:rPr>
-            </a:br>
-            <a:r>
-              <a:rPr lang="en-US" b="1" dirty="0">
-                <a:effectLst/>
-              </a:rPr>
-              <a:t>Result of data extraction</a:t>
-            </a:r>
-            <a:endParaRPr lang="en-US" b="0" dirty="0">
-              <a:effectLst/>
-            </a:endParaRPr>
-          </a:p>
-          <a:p>
-            <a:pPr marL="285750" indent="-285750">
-              <a:buFont typeface="Arial" panose="020B0604020202020204" pitchFamily="34" charset="0"/>
-              <a:buChar char="•"/>
-            </a:pPr>
-            <a:r>
-              <a:rPr lang="en-US" b="0" dirty="0">
-                <a:effectLst/>
-              </a:rPr>
-              <a:t>total rows 20306305, num unique, </a:t>
-            </a:r>
-            <a:r>
-              <a:rPr lang="en-US" b="0" dirty="0" err="1">
-                <a:effectLst/>
-              </a:rPr>
-              <a:t>len</a:t>
-            </a:r>
-            <a:r>
-              <a:rPr lang="en-US" b="0" dirty="0">
-                <a:effectLst/>
-              </a:rPr>
-              <a:t>(seqs): 18061315</a:t>
-            </a:r>
-          </a:p>
-          <a:p>
-            <a:pPr marL="285750" indent="-285750">
-              <a:buFont typeface="Arial" panose="020B0604020202020204" pitchFamily="34" charset="0"/>
-              <a:buChar char="•"/>
-            </a:pPr>
-            <a:r>
-              <a:rPr lang="en-US" b="0" dirty="0">
-                <a:effectLst/>
-              </a:rPr>
-              <a:t>range in length from </a:t>
-            </a:r>
-            <a:r>
-              <a:rPr lang="en-US" b="0" dirty="0" err="1">
-                <a:effectLst/>
-              </a:rPr>
-              <a:t>min_len</a:t>
-            </a:r>
-            <a:r>
-              <a:rPr lang="en-US" b="0" dirty="0">
-                <a:effectLst/>
-              </a:rPr>
-              <a:t>: 43 , </a:t>
-            </a:r>
-            <a:r>
-              <a:rPr lang="en-US" b="0" dirty="0" err="1">
-                <a:effectLst/>
-              </a:rPr>
-              <a:t>max_len</a:t>
-            </a:r>
-            <a:r>
-              <a:rPr lang="en-US" b="0" dirty="0">
-                <a:effectLst/>
-              </a:rPr>
-              <a:t>: 132</a:t>
-            </a:r>
-            <a:br>
-              <a:rPr lang="en-US" b="0" dirty="0">
-                <a:effectLst/>
-              </a:rPr>
-            </a:br>
-            <a:endParaRPr lang="en-US" b="0" dirty="0">
-              <a:effectLst/>
-            </a:endParaRPr>
-          </a:p>
-        </p:txBody>
-      </p:sp>
-      <p:sp>
-        <p:nvSpPr>
-          <p:cNvPr id="4" name="TextBox 3">
-            <a:extLst>
-              <a:ext uri="{FF2B5EF4-FFF2-40B4-BE49-F238E27FC236}">
-                <a16:creationId xmlns:a16="http://schemas.microsoft.com/office/drawing/2014/main" id="{A072AF5A-DBE3-D421-E801-9A6EADFE9058}"/>
-              </a:ext>
-            </a:extLst>
-          </p:cNvPr>
-          <p:cNvSpPr txBox="1"/>
-          <p:nvPr/>
-        </p:nvSpPr>
-        <p:spPr>
-          <a:xfrm>
-            <a:off x="630945" y="484054"/>
-            <a:ext cx="5736763" cy="461665"/>
+            <a:off x="140127" y="221836"/>
+            <a:ext cx="4721421" cy="461665"/>
           </a:xfrm>
           <a:prstGeom prst="rect">
             <a:avLst/>
@@ -3656,17 +3984,17 @@
           <a:p>
             <a:r>
               <a:rPr lang="en-US" sz="2400" dirty="0"/>
-              <a:t>OAS (Observed Antibody Space) database</a:t>
+              <a:t>Relevant literature, code, and data</a:t>
             </a:r>
           </a:p>
         </p:txBody>
       </p:sp>
       <p:sp>
         <p:nvSpPr>
-          <p:cNvPr id="5" name="TextBox 4">
-            <a:extLst>
-              <a:ext uri="{FF2B5EF4-FFF2-40B4-BE49-F238E27FC236}">
-                <a16:creationId xmlns:a16="http://schemas.microsoft.com/office/drawing/2014/main" id="{134BD8A0-CE7C-283D-1E05-408E2C1C9AAE}"/>
+          <p:cNvPr id="3" name="TextBox 2">
+            <a:extLst>
+              <a:ext uri="{FF2B5EF4-FFF2-40B4-BE49-F238E27FC236}">
+                <a16:creationId xmlns:a16="http://schemas.microsoft.com/office/drawing/2014/main" id="{9750003C-8501-0DA4-F28D-311FF3F150A4}"/>
               </a:ext>
             </a:extLst>
           </p:cNvPr>
@@ -3675,8 +4003,8 @@
         </p:nvSpPr>
         <p:spPr>
           <a:xfrm>
-            <a:off x="698740" y="1849564"/>
-            <a:ext cx="4439420" cy="646331"/>
+            <a:off x="774013" y="886174"/>
+            <a:ext cx="9574610" cy="5632311"/>
           </a:xfrm>
           <a:prstGeom prst="rect">
             <a:avLst/>
@@ -3684,16 +4012,10 @@
           <a:noFill/>
         </p:spPr>
         <p:txBody>
-          <a:bodyPr wrap="none" rtlCol="0">
+          <a:bodyPr wrap="square" rtlCol="0">
             <a:spAutoFit/>
           </a:bodyPr>
           <a:lstStyle/>
-          <a:p>
-            <a:r>
-              <a:rPr lang="en-US" dirty="0"/>
-              <a:t>Human, SARS-COV-2, light chain, unpaired</a:t>
-            </a:r>
-          </a:p>
           <a:p>
             <a:pPr marL="285750" indent="-285750">
               <a:buFont typeface="Arial" panose="020B0604020202020204" pitchFamily="34" charset="0"/>
@@ -3701,102 +4023,287 @@
             </a:pPr>
             <a:r>
               <a:rPr lang="en-US" dirty="0"/>
-              <a:t>175 datafiles </a:t>
-            </a:r>
-          </a:p>
-        </p:txBody>
-      </p:sp>
-      <p:sp>
-        <p:nvSpPr>
-          <p:cNvPr id="6" name="TextBox 5">
-            <a:hlinkClick r:id="rId2"/>
-            <a:extLst>
-              <a:ext uri="{FF2B5EF4-FFF2-40B4-BE49-F238E27FC236}">
-                <a16:creationId xmlns:a16="http://schemas.microsoft.com/office/drawing/2014/main" id="{29B86055-40FC-B110-8BF1-C3F390607AFB}"/>
-              </a:ext>
-            </a:extLst>
-          </p:cNvPr>
-          <p:cNvSpPr txBox="1"/>
-          <p:nvPr/>
-        </p:nvSpPr>
-        <p:spPr>
-          <a:xfrm>
-            <a:off x="7625751" y="6374011"/>
-            <a:ext cx="4270400" cy="369332"/>
-          </a:xfrm>
-          <a:prstGeom prst="rect">
-            <a:avLst/>
-          </a:prstGeom>
-          <a:noFill/>
-        </p:spPr>
-        <p:txBody>
-          <a:bodyPr wrap="none" rtlCol="0">
-            <a:spAutoFit/>
-          </a:bodyPr>
-          <a:lstStyle/>
-          <a:p>
+              <a:t>BERT : </a:t>
+            </a:r>
+            <a:r>
+              <a:rPr lang="en-US" dirty="0">
+                <a:hlinkClick r:id="rId2"/>
+              </a:rPr>
+              <a:t>https://aclanthology.org/N19-1423.pdf</a:t>
+            </a:r>
+            <a:endParaRPr lang="en-US" dirty="0"/>
+          </a:p>
+          <a:p>
+            <a:pPr marL="285750" indent="-285750">
+              <a:buFont typeface="Arial" panose="020B0604020202020204" pitchFamily="34" charset="0"/>
+              <a:buChar char="•"/>
+            </a:pPr>
+            <a:endParaRPr lang="en-US" dirty="0"/>
+          </a:p>
+          <a:p>
+            <a:pPr marL="285750" indent="-285750">
+              <a:buFont typeface="Arial" panose="020B0604020202020204" pitchFamily="34" charset="0"/>
+              <a:buChar char="•"/>
+            </a:pPr>
+            <a:r>
+              <a:rPr lang="en-US" dirty="0" err="1"/>
+              <a:t>ProteinBERT</a:t>
+            </a:r>
             <a:r>
               <a:rPr lang="en-US" dirty="0"/>
-              <a:t>https://</a:t>
+              <a:t> : </a:t>
+            </a:r>
+            <a:r>
+              <a:rPr lang="en-US" dirty="0">
+                <a:hlinkClick r:id="rId3"/>
+              </a:rPr>
+              <a:t>https://doi.org/10.1093/bioinformatics/btac020</a:t>
+            </a:r>
+            <a:endParaRPr lang="en-US" dirty="0"/>
+          </a:p>
+          <a:p>
+            <a:endParaRPr lang="en-US" dirty="0"/>
+          </a:p>
+          <a:p>
+            <a:pPr marL="285750" indent="-285750">
+              <a:buFont typeface="Arial" panose="020B0604020202020204" pitchFamily="34" charset="0"/>
+              <a:buChar char="•"/>
+            </a:pPr>
+            <a:r>
+              <a:rPr lang="en-US" dirty="0"/>
+              <a:t>Code fragments taken from:</a:t>
+            </a:r>
+          </a:p>
+          <a:p>
+            <a:pPr marL="742950" lvl="1" indent="-285750">
+              <a:buFont typeface="Arial" panose="020B0604020202020204" pitchFamily="34" charset="0"/>
+              <a:buChar char="•"/>
+            </a:pPr>
+            <a:r>
+              <a:rPr lang="en-US" dirty="0"/>
+              <a:t>Barney Hill : </a:t>
+            </a:r>
+            <a:r>
+              <a:rPr lang="en-US" b="0" dirty="0">
+                <a:effectLst/>
+                <a:hlinkClick r:id="rId4"/>
+              </a:rPr>
+              <a:t>https://github.com/barneyhill/minBERT</a:t>
+            </a:r>
+            <a:endParaRPr lang="en-US" b="0" dirty="0">
+              <a:effectLst/>
+            </a:endParaRPr>
+          </a:p>
+          <a:p>
+            <a:pPr marL="742950" lvl="1" indent="-285750">
+              <a:buFont typeface="Arial" panose="020B0604020202020204" pitchFamily="34" charset="0"/>
+              <a:buChar char="•"/>
+            </a:pPr>
+            <a:r>
+              <a:rPr lang="en-US" dirty="0"/>
+              <a:t>Andrej </a:t>
             </a:r>
             <a:r>
               <a:rPr lang="en-US" dirty="0" err="1"/>
-              <a:t>opig.stats.ox.ac.uk</a:t>
+              <a:t>Karpathy</a:t>
             </a:r>
             <a:r>
               <a:rPr lang="en-US" dirty="0"/>
-              <a:t>/webapps/</a:t>
-            </a:r>
+              <a:t>: </a:t>
+            </a:r>
+            <a:r>
+              <a:rPr lang="en-US" b="0" dirty="0">
+                <a:effectLst/>
+                <a:hlinkClick r:id="rId5"/>
+              </a:rPr>
+              <a:t>https://github.com/karpathy/minGPT</a:t>
+            </a:r>
+            <a:endParaRPr lang="en-US" b="0" dirty="0">
+              <a:effectLst/>
+            </a:endParaRPr>
+          </a:p>
+          <a:p>
+            <a:pPr marL="742950" lvl="1" indent="-285750">
+              <a:buFont typeface="Arial" panose="020B0604020202020204" pitchFamily="34" charset="0"/>
+              <a:buChar char="•"/>
+            </a:pPr>
+            <a:r>
+              <a:rPr lang="en-US" dirty="0"/>
+              <a:t>my Table Transformer code (from real-estate automated valuation model development)</a:t>
+            </a:r>
+          </a:p>
+          <a:p>
+            <a:pPr marL="742950" lvl="1" indent="-285750">
+              <a:buFont typeface="Arial" panose="020B0604020202020204" pitchFamily="34" charset="0"/>
+              <a:buChar char="•"/>
+            </a:pPr>
+            <a:endParaRPr lang="en-US" dirty="0"/>
+          </a:p>
+          <a:p>
+            <a:pPr marL="285750" indent="-285750">
+              <a:buFont typeface="Arial" panose="020B0604020202020204" pitchFamily="34" charset="0"/>
+              <a:buChar char="•"/>
+            </a:pPr>
+            <a:r>
+              <a:rPr lang="en-US" b="0" dirty="0">
+                <a:effectLst/>
+              </a:rPr>
+              <a:t>a-Alpha-Bio:</a:t>
+            </a:r>
+          </a:p>
+          <a:p>
+            <a:pPr marL="742950" lvl="1" indent="-285750">
+              <a:buFont typeface="Arial" panose="020B0604020202020204" pitchFamily="34" charset="0"/>
+              <a:buChar char="•"/>
+            </a:pPr>
+            <a:r>
+              <a:rPr lang="en-US" dirty="0"/>
+              <a:t>Nature Comm: </a:t>
+            </a:r>
+            <a:r>
+              <a:rPr lang="en-US" dirty="0">
+                <a:hlinkClick r:id="rId6"/>
+              </a:rPr>
+              <a:t>http://biorxiv.org/lookup/doi/10.1101/2022.10.07.502662</a:t>
+            </a:r>
+            <a:endParaRPr lang="en-US" dirty="0"/>
+          </a:p>
+          <a:p>
+            <a:pPr marL="742950" lvl="1" indent="-285750">
+              <a:buFont typeface="Arial" panose="020B0604020202020204" pitchFamily="34" charset="0"/>
+              <a:buChar char="•"/>
+            </a:pPr>
+            <a:r>
+              <a:rPr lang="en-US" dirty="0"/>
+              <a:t>Nature: </a:t>
+            </a:r>
+            <a:r>
+              <a:rPr lang="en-US" dirty="0">
+                <a:hlinkClick r:id="rId7"/>
+              </a:rPr>
+              <a:t>https://www.nature.com/articles/s41597-022-01779-4</a:t>
+            </a:r>
+            <a:endParaRPr lang="en-US" dirty="0"/>
+          </a:p>
+          <a:p>
+            <a:pPr marL="742950" lvl="1" indent="-285750">
+              <a:buFont typeface="Arial" panose="020B0604020202020204" pitchFamily="34" charset="0"/>
+              <a:buChar char="•"/>
+            </a:pPr>
             <a:r>
               <a:rPr lang="en-US" dirty="0" err="1"/>
-              <a:t>oas</a:t>
+              <a:t>scFv</a:t>
             </a:r>
             <a:r>
               <a:rPr lang="en-US" dirty="0"/>
-              <a:t>/</a:t>
-            </a:r>
-          </a:p>
-        </p:txBody>
-      </p:sp>
-      <p:sp>
-        <p:nvSpPr>
-          <p:cNvPr id="7" name="TextBox 6">
-            <a:extLst>
-              <a:ext uri="{FF2B5EF4-FFF2-40B4-BE49-F238E27FC236}">
-                <a16:creationId xmlns:a16="http://schemas.microsoft.com/office/drawing/2014/main" id="{9FCB3EB8-5AA1-7DF9-6F60-2FAA11D05739}"/>
-              </a:ext>
-            </a:extLst>
-          </p:cNvPr>
-          <p:cNvSpPr txBox="1"/>
-          <p:nvPr/>
-        </p:nvSpPr>
-        <p:spPr>
-          <a:xfrm>
-            <a:off x="630945" y="1254860"/>
-            <a:ext cx="4102213" cy="369332"/>
-          </a:xfrm>
-          <a:prstGeom prst="rect">
-            <a:avLst/>
-          </a:prstGeom>
-          <a:noFill/>
-        </p:spPr>
-        <p:txBody>
-          <a:bodyPr wrap="none" rtlCol="0">
-            <a:spAutoFit/>
-          </a:bodyPr>
-          <a:lstStyle/>
-          <a:p>
+              <a:t> Datasets: </a:t>
+            </a:r>
+            <a:r>
+              <a:rPr lang="en-US" dirty="0">
+                <a:hlinkClick r:id="rId8"/>
+              </a:rPr>
+              <a:t>https://github.com/mit-ll/AlphaSeq_Antibody_Dataset.git</a:t>
+            </a:r>
+            <a:endParaRPr lang="en-US" b="0" dirty="0">
+              <a:effectLst/>
+            </a:endParaRPr>
+          </a:p>
+          <a:p>
+            <a:pPr marL="742950" lvl="1" indent="-285750">
+              <a:buFont typeface="Arial" panose="020B0604020202020204" pitchFamily="34" charset="0"/>
+              <a:buChar char="•"/>
+            </a:pPr>
+            <a:endParaRPr lang="en-US" dirty="0"/>
+          </a:p>
+          <a:p>
+            <a:pPr marL="285750" indent="-285750">
+              <a:buFont typeface="Arial" panose="020B0604020202020204" pitchFamily="34" charset="0"/>
+              <a:buChar char="•"/>
+            </a:pPr>
+            <a:r>
+              <a:rPr lang="en-US" b="0" dirty="0">
+                <a:effectLst/>
+              </a:rPr>
+              <a:t>Observed Antibody Space :  </a:t>
+            </a:r>
+          </a:p>
+          <a:p>
+            <a:pPr marL="742950" lvl="1" indent="-285750">
+              <a:buFont typeface="Arial" panose="020B0604020202020204" pitchFamily="34" charset="0"/>
+              <a:buChar char="•"/>
+            </a:pPr>
+            <a:r>
+              <a:rPr lang="en-US" b="0" dirty="0">
+                <a:effectLst/>
+                <a:hlinkClick r:id="rId9"/>
+              </a:rPr>
+              <a:t>https://doi.org/10.4049/jimmunol.1800708</a:t>
+            </a:r>
+            <a:endParaRPr lang="en-US" b="0" dirty="0">
+              <a:effectLst/>
+            </a:endParaRPr>
+          </a:p>
+          <a:p>
+            <a:pPr marL="742950" lvl="1" indent="-285750">
+              <a:buFont typeface="Arial" panose="020B0604020202020204" pitchFamily="34" charset="0"/>
+              <a:buChar char="•"/>
+            </a:pPr>
+            <a:r>
+              <a:rPr lang="en-US" b="0" dirty="0">
+                <a:effectLst/>
+                <a:hlinkClick r:id="rId10"/>
+              </a:rPr>
+              <a:t>https://opig.stats.ox.ac.uk/webapps/oas/</a:t>
+            </a:r>
+            <a:endParaRPr lang="en-US" b="0" dirty="0">
+              <a:effectLst/>
+            </a:endParaRPr>
+          </a:p>
+          <a:p>
+            <a:pPr marL="742950" lvl="1" indent="-285750">
+              <a:buFont typeface="Arial" panose="020B0604020202020204" pitchFamily="34" charset="0"/>
+              <a:buChar char="•"/>
+            </a:pPr>
+            <a:endParaRPr lang="en-US" dirty="0"/>
+          </a:p>
+          <a:p>
+            <a:pPr marL="285750" indent="-285750">
+              <a:buFont typeface="Arial" panose="020B0604020202020204" pitchFamily="34" charset="0"/>
+              <a:buChar char="•"/>
+            </a:pPr>
             <a:r>
               <a:rPr lang="en-US" dirty="0"/>
-              <a:t>Pretrain (masked language model) with:</a:t>
-            </a:r>
+              <a:t>My </a:t>
+            </a:r>
+            <a:r>
+              <a:rPr lang="en-US" dirty="0" err="1"/>
+              <a:t>Github</a:t>
+            </a:r>
+            <a:r>
+              <a:rPr lang="en-US" dirty="0"/>
+              <a:t> repo for this homework’s code: </a:t>
+            </a:r>
+            <a:r>
+              <a:rPr lang="en-US" dirty="0">
+                <a:hlinkClick r:id="rId11"/>
+              </a:rPr>
+              <a:t>https://github.com/planaria158/BERT.git</a:t>
+            </a:r>
+            <a:endParaRPr lang="en-US" dirty="0"/>
+          </a:p>
+          <a:p>
+            <a:pPr marL="285750" indent="-285750">
+              <a:buFont typeface="Arial" panose="020B0604020202020204" pitchFamily="34" charset="0"/>
+              <a:buChar char="•"/>
+            </a:pPr>
+            <a:endParaRPr lang="en-US" dirty="0"/>
           </a:p>
         </p:txBody>
       </p:sp>
     </p:spTree>
     <p:extLst>
       <p:ext uri="{BB962C8B-B14F-4D97-AF65-F5344CB8AC3E}">
-        <p14:creationId xmlns:p14="http://schemas.microsoft.com/office/powerpoint/2010/main" val="2598926606"/>
+        <p14:creationId xmlns:p14="http://schemas.microsoft.com/office/powerpoint/2010/main" val="1592508389"/>
       </p:ext>
     </p:extLst>
   </p:cSld>
@@ -3823,72 +4330,528 @@
           <a:chExt cx="0" cy="0"/>
         </a:xfrm>
       </p:grpSpPr>
-      <p:pic>
-        <p:nvPicPr>
-          <p:cNvPr id="3" name="Picture 2">
-            <a:extLst>
-              <a:ext uri="{FF2B5EF4-FFF2-40B4-BE49-F238E27FC236}">
-                <a16:creationId xmlns:a16="http://schemas.microsoft.com/office/drawing/2014/main" id="{64948729-3F72-C5CE-039F-870B604CA0CB}"/>
-              </a:ext>
-            </a:extLst>
-          </p:cNvPr>
-          <p:cNvPicPr>
-            <a:picLocks noChangeAspect="1"/>
-          </p:cNvPicPr>
+      <p:grpSp>
+        <p:nvGrpSpPr>
+          <p:cNvPr id="207" name="Group 206">
+            <a:extLst>
+              <a:ext uri="{FF2B5EF4-FFF2-40B4-BE49-F238E27FC236}">
+                <a16:creationId xmlns:a16="http://schemas.microsoft.com/office/drawing/2014/main" id="{F218CA4C-DDFA-AA0A-2F19-1E2915AB2BE1}"/>
+              </a:ext>
+            </a:extLst>
+          </p:cNvPr>
+          <p:cNvGrpSpPr/>
           <p:nvPr/>
-        </p:nvPicPr>
-        <p:blipFill>
-          <a:blip r:embed="rId2"/>
-          <a:stretch>
-            <a:fillRect/>
-          </a:stretch>
-        </p:blipFill>
-        <p:spPr>
+        </p:nvGrpSpPr>
+        <p:grpSpPr>
           <a:xfrm>
-            <a:off x="6324241" y="1681912"/>
-            <a:ext cx="3390900" cy="2717800"/>
+            <a:off x="7635061" y="1351067"/>
+            <a:ext cx="707886" cy="2520669"/>
+            <a:chOff x="1562764" y="1371634"/>
+            <a:chExt cx="707886" cy="2520669"/>
           </a:xfrm>
-          <a:prstGeom prst="rect">
-            <a:avLst/>
-          </a:prstGeom>
-        </p:spPr>
-      </p:pic>
-      <p:pic>
-        <p:nvPicPr>
-          <p:cNvPr id="4" name="Picture 3">
-            <a:extLst>
-              <a:ext uri="{FF2B5EF4-FFF2-40B4-BE49-F238E27FC236}">
-                <a16:creationId xmlns:a16="http://schemas.microsoft.com/office/drawing/2014/main" id="{3FC35F10-2E2B-6C99-CFDE-7CC76685FCFE}"/>
-              </a:ext>
-            </a:extLst>
-          </p:cNvPr>
-          <p:cNvPicPr>
-            <a:picLocks noChangeAspect="1"/>
-          </p:cNvPicPr>
-          <p:nvPr/>
-        </p:nvPicPr>
-        <p:blipFill>
-          <a:blip r:embed="rId3"/>
-          <a:stretch>
-            <a:fillRect/>
-          </a:stretch>
-        </p:blipFill>
-        <p:spPr>
-          <a:xfrm>
-            <a:off x="1009093" y="1681912"/>
-            <a:ext cx="3390900" cy="2717800"/>
-          </a:xfrm>
-          <a:prstGeom prst="rect">
-            <a:avLst/>
-          </a:prstGeom>
-        </p:spPr>
-      </p:pic>
+        </p:grpSpPr>
+        <p:sp>
+          <p:nvSpPr>
+            <p:cNvPr id="208" name="TextBox 207">
+              <a:extLst>
+                <a:ext uri="{FF2B5EF4-FFF2-40B4-BE49-F238E27FC236}">
+                  <a16:creationId xmlns:a16="http://schemas.microsoft.com/office/drawing/2014/main" id="{0F716FFF-042B-D954-3A79-1E0D35D1133F}"/>
+                </a:ext>
+              </a:extLst>
+            </p:cNvPr>
+            <p:cNvSpPr txBox="1"/>
+            <p:nvPr/>
+          </p:nvSpPr>
+          <p:spPr>
+            <a:xfrm rot="5400000">
+              <a:off x="1614380" y="2480610"/>
+              <a:ext cx="604653" cy="707886"/>
+            </a:xfrm>
+            <a:prstGeom prst="rect">
+              <a:avLst/>
+            </a:prstGeom>
+            <a:noFill/>
+          </p:spPr>
+          <p:txBody>
+            <a:bodyPr wrap="none" rtlCol="0">
+              <a:spAutoFit/>
+            </a:bodyPr>
+            <a:lstStyle/>
+            <a:p>
+              <a:r>
+                <a:rPr lang="en-US" sz="4000" dirty="0"/>
+                <a:t>…</a:t>
+              </a:r>
+            </a:p>
+          </p:txBody>
+        </p:sp>
+        <p:grpSp>
+          <p:nvGrpSpPr>
+            <p:cNvPr id="209" name="Group 208">
+              <a:extLst>
+                <a:ext uri="{FF2B5EF4-FFF2-40B4-BE49-F238E27FC236}">
+                  <a16:creationId xmlns:a16="http://schemas.microsoft.com/office/drawing/2014/main" id="{BA540839-CB2B-494F-6C2F-FAB7BF38F0DD}"/>
+                </a:ext>
+              </a:extLst>
+            </p:cNvPr>
+            <p:cNvGrpSpPr/>
+            <p:nvPr/>
+          </p:nvGrpSpPr>
+          <p:grpSpPr>
+            <a:xfrm>
+              <a:off x="1589275" y="1371634"/>
+              <a:ext cx="464878" cy="2520669"/>
+              <a:chOff x="1589275" y="2286038"/>
+              <a:chExt cx="464878" cy="2520669"/>
+            </a:xfrm>
+          </p:grpSpPr>
+          <p:grpSp>
+            <p:nvGrpSpPr>
+              <p:cNvPr id="210" name="Group 209">
+                <a:extLst>
+                  <a:ext uri="{FF2B5EF4-FFF2-40B4-BE49-F238E27FC236}">
+                    <a16:creationId xmlns:a16="http://schemas.microsoft.com/office/drawing/2014/main" id="{950977CB-4E33-CD68-5AEB-18ADB72BC943}"/>
+                  </a:ext>
+                </a:extLst>
+              </p:cNvPr>
+              <p:cNvGrpSpPr/>
+              <p:nvPr/>
+            </p:nvGrpSpPr>
+            <p:grpSpPr>
+              <a:xfrm>
+                <a:off x="1606673" y="2724827"/>
+                <a:ext cx="447480" cy="755423"/>
+                <a:chOff x="826241" y="2998440"/>
+                <a:chExt cx="633279" cy="520584"/>
+              </a:xfrm>
+            </p:grpSpPr>
+            <p:sp>
+              <p:nvSpPr>
+                <p:cNvPr id="216" name="Rectangle 215">
+                  <a:extLst>
+                    <a:ext uri="{FF2B5EF4-FFF2-40B4-BE49-F238E27FC236}">
+                      <a16:creationId xmlns:a16="http://schemas.microsoft.com/office/drawing/2014/main" id="{092B60A9-0B9A-124E-CC87-72B8F07D839E}"/>
+                    </a:ext>
+                  </a:extLst>
+                </p:cNvPr>
+                <p:cNvSpPr/>
+                <p:nvPr/>
+              </p:nvSpPr>
+              <p:spPr>
+                <a:xfrm>
+                  <a:off x="826241" y="2998440"/>
+                  <a:ext cx="633277" cy="175596"/>
+                </a:xfrm>
+                <a:prstGeom prst="rect">
+                  <a:avLst/>
+                </a:prstGeom>
+                <a:solidFill>
+                  <a:srgbClr val="00B0F0"/>
+                </a:solidFill>
+              </p:spPr>
+              <p:style>
+                <a:lnRef idx="2">
+                  <a:schemeClr val="accent1">
+                    <a:shade val="15000"/>
+                  </a:schemeClr>
+                </a:lnRef>
+                <a:fillRef idx="1">
+                  <a:schemeClr val="accent1"/>
+                </a:fillRef>
+                <a:effectRef idx="0">
+                  <a:schemeClr val="accent1"/>
+                </a:effectRef>
+                <a:fontRef idx="minor">
+                  <a:schemeClr val="lt1"/>
+                </a:fontRef>
+              </p:style>
+              <p:txBody>
+                <a:bodyPr rtlCol="0" anchor="ctr"/>
+                <a:lstStyle/>
+                <a:p>
+                  <a:pPr algn="ctr"/>
+                  <a:r>
+                    <a:rPr lang="en-US" sz="1000" dirty="0">
+                      <a:solidFill>
+                        <a:schemeClr val="tx1"/>
+                      </a:solidFill>
+                    </a:rPr>
+                    <a:t>14 ?</a:t>
+                  </a:r>
+                </a:p>
+              </p:txBody>
+            </p:sp>
+            <p:sp>
+              <p:nvSpPr>
+                <p:cNvPr id="217" name="Rectangle 216">
+                  <a:extLst>
+                    <a:ext uri="{FF2B5EF4-FFF2-40B4-BE49-F238E27FC236}">
+                      <a16:creationId xmlns:a16="http://schemas.microsoft.com/office/drawing/2014/main" id="{1AE3FA5B-7F18-4A64-C695-26933A043DB3}"/>
+                    </a:ext>
+                  </a:extLst>
+                </p:cNvPr>
+                <p:cNvSpPr/>
+                <p:nvPr/>
+              </p:nvSpPr>
+              <p:spPr>
+                <a:xfrm>
+                  <a:off x="826241" y="3170927"/>
+                  <a:ext cx="633279" cy="175596"/>
+                </a:xfrm>
+                <a:prstGeom prst="rect">
+                  <a:avLst/>
+                </a:prstGeom>
+                <a:solidFill>
+                  <a:srgbClr val="00B0F0"/>
+                </a:solidFill>
+              </p:spPr>
+              <p:style>
+                <a:lnRef idx="2">
+                  <a:schemeClr val="accent1">
+                    <a:shade val="15000"/>
+                  </a:schemeClr>
+                </a:lnRef>
+                <a:fillRef idx="1">
+                  <a:schemeClr val="accent1"/>
+                </a:fillRef>
+                <a:effectRef idx="0">
+                  <a:schemeClr val="accent1"/>
+                </a:effectRef>
+                <a:fontRef idx="minor">
+                  <a:schemeClr val="lt1"/>
+                </a:fontRef>
+              </p:style>
+              <p:txBody>
+                <a:bodyPr rtlCol="0" anchor="ctr"/>
+                <a:lstStyle/>
+                <a:p>
+                  <a:pPr algn="ctr"/>
+                  <a:r>
+                    <a:rPr lang="en-US" sz="1000" dirty="0">
+                      <a:solidFill>
+                        <a:schemeClr val="tx1"/>
+                      </a:solidFill>
+                    </a:rPr>
+                    <a:t>16 ?</a:t>
+                  </a:r>
+                </a:p>
+              </p:txBody>
+            </p:sp>
+            <p:sp>
+              <p:nvSpPr>
+                <p:cNvPr id="218" name="Rectangle 217">
+                  <a:extLst>
+                    <a:ext uri="{FF2B5EF4-FFF2-40B4-BE49-F238E27FC236}">
+                      <a16:creationId xmlns:a16="http://schemas.microsoft.com/office/drawing/2014/main" id="{E35B4A30-53DE-2AB4-8735-13840FDE69CB}"/>
+                    </a:ext>
+                  </a:extLst>
+                </p:cNvPr>
+                <p:cNvSpPr/>
+                <p:nvPr/>
+              </p:nvSpPr>
+              <p:spPr>
+                <a:xfrm>
+                  <a:off x="826242" y="3343428"/>
+                  <a:ext cx="633275" cy="175596"/>
+                </a:xfrm>
+                <a:prstGeom prst="rect">
+                  <a:avLst/>
+                </a:prstGeom>
+                <a:solidFill>
+                  <a:srgbClr val="00B0F0"/>
+                </a:solidFill>
+              </p:spPr>
+              <p:style>
+                <a:lnRef idx="2">
+                  <a:schemeClr val="accent1">
+                    <a:shade val="15000"/>
+                  </a:schemeClr>
+                </a:lnRef>
+                <a:fillRef idx="1">
+                  <a:schemeClr val="accent1"/>
+                </a:fillRef>
+                <a:effectRef idx="0">
+                  <a:schemeClr val="accent1"/>
+                </a:effectRef>
+                <a:fontRef idx="minor">
+                  <a:schemeClr val="lt1"/>
+                </a:fontRef>
+              </p:style>
+              <p:txBody>
+                <a:bodyPr rtlCol="0" anchor="ctr"/>
+                <a:lstStyle/>
+                <a:p>
+                  <a:pPr algn="ctr"/>
+                  <a:r>
+                    <a:rPr lang="en-US" sz="1000" dirty="0">
+                      <a:solidFill>
+                        <a:schemeClr val="tx1"/>
+                      </a:solidFill>
+                    </a:rPr>
+                    <a:t>18 ?</a:t>
+                  </a:r>
+                </a:p>
+              </p:txBody>
+            </p:sp>
+          </p:grpSp>
+          <p:sp>
+            <p:nvSpPr>
+              <p:cNvPr id="211" name="Rectangle 210">
+                <a:extLst>
+                  <a:ext uri="{FF2B5EF4-FFF2-40B4-BE49-F238E27FC236}">
+                    <a16:creationId xmlns:a16="http://schemas.microsoft.com/office/drawing/2014/main" id="{05455E13-1E13-8236-25D2-356171E1086D}"/>
+                  </a:ext>
+                </a:extLst>
+              </p:cNvPr>
+              <p:cNvSpPr/>
+              <p:nvPr/>
+            </p:nvSpPr>
+            <p:spPr>
+              <a:xfrm>
+                <a:off x="1589275" y="2286038"/>
+                <a:ext cx="464878" cy="279400"/>
+              </a:xfrm>
+              <a:prstGeom prst="rect">
+                <a:avLst/>
+              </a:prstGeom>
+              <a:solidFill>
+                <a:srgbClr val="FFFF00"/>
+              </a:solidFill>
+              <a:ln>
+                <a:solidFill>
+                  <a:schemeClr val="tx1"/>
+                </a:solidFill>
+              </a:ln>
+            </p:spPr>
+            <p:style>
+              <a:lnRef idx="2">
+                <a:schemeClr val="accent1">
+                  <a:shade val="15000"/>
+                </a:schemeClr>
+              </a:lnRef>
+              <a:fillRef idx="1">
+                <a:schemeClr val="accent1"/>
+              </a:fillRef>
+              <a:effectRef idx="0">
+                <a:schemeClr val="accent1"/>
+              </a:effectRef>
+              <a:fontRef idx="minor">
+                <a:schemeClr val="lt1"/>
+              </a:fontRef>
+            </p:style>
+            <p:txBody>
+              <a:bodyPr rtlCol="0" anchor="ctr"/>
+              <a:lstStyle/>
+              <a:p>
+                <a:pPr algn="ctr"/>
+                <a:r>
+                  <a:rPr lang="en-US" sz="1200" dirty="0">
+                    <a:solidFill>
+                      <a:schemeClr val="tx1"/>
+                    </a:solidFill>
+                  </a:rPr>
+                  <a:t>0</a:t>
+                </a:r>
+              </a:p>
+            </p:txBody>
+          </p:sp>
+          <p:grpSp>
+            <p:nvGrpSpPr>
+              <p:cNvPr id="212" name="Group 211">
+                <a:extLst>
+                  <a:ext uri="{FF2B5EF4-FFF2-40B4-BE49-F238E27FC236}">
+                    <a16:creationId xmlns:a16="http://schemas.microsoft.com/office/drawing/2014/main" id="{BB64D29D-9BD6-0145-B2A3-97A9E39E1263}"/>
+                  </a:ext>
+                </a:extLst>
+              </p:cNvPr>
+              <p:cNvGrpSpPr/>
+              <p:nvPr/>
+            </p:nvGrpSpPr>
+            <p:grpSpPr>
+              <a:xfrm>
+                <a:off x="1596587" y="4051284"/>
+                <a:ext cx="433491" cy="755423"/>
+                <a:chOff x="826241" y="2998440"/>
+                <a:chExt cx="613481" cy="520584"/>
+              </a:xfrm>
+            </p:grpSpPr>
+            <p:sp>
+              <p:nvSpPr>
+                <p:cNvPr id="213" name="Rectangle 212">
+                  <a:extLst>
+                    <a:ext uri="{FF2B5EF4-FFF2-40B4-BE49-F238E27FC236}">
+                      <a16:creationId xmlns:a16="http://schemas.microsoft.com/office/drawing/2014/main" id="{5011B5AD-D3EC-C5AF-E5BD-D0004C756F7F}"/>
+                    </a:ext>
+                  </a:extLst>
+                </p:cNvPr>
+                <p:cNvSpPr/>
+                <p:nvPr/>
+              </p:nvSpPr>
+              <p:spPr>
+                <a:xfrm>
+                  <a:off x="826242" y="2998440"/>
+                  <a:ext cx="613480" cy="175596"/>
+                </a:xfrm>
+                <a:prstGeom prst="rect">
+                  <a:avLst/>
+                </a:prstGeom>
+                <a:solidFill>
+                  <a:srgbClr val="00B0F0"/>
+                </a:solidFill>
+              </p:spPr>
+              <p:style>
+                <a:lnRef idx="2">
+                  <a:schemeClr val="accent1">
+                    <a:shade val="15000"/>
+                  </a:schemeClr>
+                </a:lnRef>
+                <a:fillRef idx="1">
+                  <a:schemeClr val="accent1"/>
+                </a:fillRef>
+                <a:effectRef idx="0">
+                  <a:schemeClr val="accent1"/>
+                </a:effectRef>
+                <a:fontRef idx="minor">
+                  <a:schemeClr val="lt1"/>
+                </a:fontRef>
+              </p:style>
+              <p:txBody>
+                <a:bodyPr rtlCol="0" anchor="ctr"/>
+                <a:lstStyle/>
+                <a:p>
+                  <a:pPr algn="ctr"/>
+                  <a:r>
+                    <a:rPr lang="en-US" sz="1000" dirty="0">
+                      <a:solidFill>
+                        <a:schemeClr val="tx1"/>
+                      </a:solidFill>
+                    </a:rPr>
+                    <a:t>13 ?</a:t>
+                  </a:r>
+                </a:p>
+              </p:txBody>
+            </p:sp>
+            <p:sp>
+              <p:nvSpPr>
+                <p:cNvPr id="214" name="Rectangle 213">
+                  <a:extLst>
+                    <a:ext uri="{FF2B5EF4-FFF2-40B4-BE49-F238E27FC236}">
+                      <a16:creationId xmlns:a16="http://schemas.microsoft.com/office/drawing/2014/main" id="{5F156D46-D42D-4C87-B631-B75F1F550530}"/>
+                    </a:ext>
+                  </a:extLst>
+                </p:cNvPr>
+                <p:cNvSpPr/>
+                <p:nvPr/>
+              </p:nvSpPr>
+              <p:spPr>
+                <a:xfrm>
+                  <a:off x="826242" y="3170927"/>
+                  <a:ext cx="613480" cy="175596"/>
+                </a:xfrm>
+                <a:prstGeom prst="rect">
+                  <a:avLst/>
+                </a:prstGeom>
+                <a:solidFill>
+                  <a:srgbClr val="00B0F0"/>
+                </a:solidFill>
+              </p:spPr>
+              <p:style>
+                <a:lnRef idx="2">
+                  <a:schemeClr val="accent1">
+                    <a:shade val="15000"/>
+                  </a:schemeClr>
+                </a:lnRef>
+                <a:fillRef idx="1">
+                  <a:schemeClr val="accent1"/>
+                </a:fillRef>
+                <a:effectRef idx="0">
+                  <a:schemeClr val="accent1"/>
+                </a:effectRef>
+                <a:fontRef idx="minor">
+                  <a:schemeClr val="lt1"/>
+                </a:fontRef>
+              </p:style>
+              <p:txBody>
+                <a:bodyPr rtlCol="0" anchor="ctr"/>
+                <a:lstStyle/>
+                <a:p>
+                  <a:pPr algn="ctr"/>
+                  <a:r>
+                    <a:rPr lang="en-US" sz="1000" dirty="0">
+                      <a:solidFill>
+                        <a:schemeClr val="tx1"/>
+                      </a:solidFill>
+                    </a:rPr>
+                    <a:t>17 ?</a:t>
+                  </a:r>
+                </a:p>
+              </p:txBody>
+            </p:sp>
+            <p:sp>
+              <p:nvSpPr>
+                <p:cNvPr id="215" name="Rectangle 214">
+                  <a:extLst>
+                    <a:ext uri="{FF2B5EF4-FFF2-40B4-BE49-F238E27FC236}">
+                      <a16:creationId xmlns:a16="http://schemas.microsoft.com/office/drawing/2014/main" id="{64E18857-DA43-AECD-3275-884B07471DAC}"/>
+                    </a:ext>
+                  </a:extLst>
+                </p:cNvPr>
+                <p:cNvSpPr/>
+                <p:nvPr/>
+              </p:nvSpPr>
+              <p:spPr>
+                <a:xfrm>
+                  <a:off x="826241" y="3343428"/>
+                  <a:ext cx="613479" cy="175596"/>
+                </a:xfrm>
+                <a:prstGeom prst="rect">
+                  <a:avLst/>
+                </a:prstGeom>
+                <a:solidFill>
+                  <a:srgbClr val="00B0F0"/>
+                </a:solidFill>
+              </p:spPr>
+              <p:style>
+                <a:lnRef idx="2">
+                  <a:schemeClr val="accent1">
+                    <a:shade val="15000"/>
+                  </a:schemeClr>
+                </a:lnRef>
+                <a:fillRef idx="1">
+                  <a:schemeClr val="accent1"/>
+                </a:fillRef>
+                <a:effectRef idx="0">
+                  <a:schemeClr val="accent1"/>
+                </a:effectRef>
+                <a:fontRef idx="minor">
+                  <a:schemeClr val="lt1"/>
+                </a:fontRef>
+              </p:style>
+              <p:txBody>
+                <a:bodyPr rtlCol="0" anchor="ctr"/>
+                <a:lstStyle/>
+                <a:p>
+                  <a:pPr algn="ctr"/>
+                  <a:r>
+                    <a:rPr lang="en-US" sz="1000" dirty="0">
+                      <a:solidFill>
+                        <a:schemeClr val="tx1"/>
+                      </a:solidFill>
+                    </a:rPr>
+                    <a:t>16 ?</a:t>
+                  </a:r>
+                </a:p>
+              </p:txBody>
+            </p:sp>
+          </p:grpSp>
+        </p:grpSp>
+      </p:grpSp>
       <p:sp>
         <p:nvSpPr>
-          <p:cNvPr id="5" name="TextBox 4">
-            <a:extLst>
-              <a:ext uri="{FF2B5EF4-FFF2-40B4-BE49-F238E27FC236}">
-                <a16:creationId xmlns:a16="http://schemas.microsoft.com/office/drawing/2014/main" id="{3263153C-4088-0D30-46AC-9C60901E6F67}"/>
+          <p:cNvPr id="2" name="TextBox 1">
+            <a:extLst>
+              <a:ext uri="{FF2B5EF4-FFF2-40B4-BE49-F238E27FC236}">
+                <a16:creationId xmlns:a16="http://schemas.microsoft.com/office/drawing/2014/main" id="{82E9340A-18C0-A348-FE6D-9AD3709D1616}"/>
               </a:ext>
             </a:extLst>
           </p:cNvPr>
@@ -3897,8 +4860,8 @@
         </p:nvSpPr>
         <p:spPr>
           <a:xfrm>
-            <a:off x="1820173" y="4330289"/>
-            <a:ext cx="1837362" cy="369332"/>
+            <a:off x="136762" y="204349"/>
+            <a:ext cx="869725" cy="461665"/>
           </a:xfrm>
           <a:prstGeom prst="rect">
             <a:avLst/>
@@ -3912,18 +4875,3235 @@
           <a:lstStyle/>
           <a:p>
             <a:r>
-              <a:rPr lang="en-US" dirty="0"/>
-              <a:t>sequence length</a:t>
-            </a:r>
+              <a:rPr lang="en-US" sz="2400" dirty="0"/>
+              <a:t>BERT</a:t>
+            </a:r>
+            <a:endParaRPr lang="en-US" sz="2400" dirty="0">
+              <a:highlight>
+                <a:srgbClr val="FFFF00"/>
+              </a:highlight>
+            </a:endParaRPr>
           </a:p>
         </p:txBody>
       </p:sp>
       <p:sp>
         <p:nvSpPr>
-          <p:cNvPr id="6" name="TextBox 5">
-            <a:extLst>
-              <a:ext uri="{FF2B5EF4-FFF2-40B4-BE49-F238E27FC236}">
-                <a16:creationId xmlns:a16="http://schemas.microsoft.com/office/drawing/2014/main" id="{7BEA78C9-A044-5DEF-4A91-AEAD6C084346}"/>
+          <p:cNvPr id="31" name="Rectangle 30">
+            <a:extLst>
+              <a:ext uri="{FF2B5EF4-FFF2-40B4-BE49-F238E27FC236}">
+                <a16:creationId xmlns:a16="http://schemas.microsoft.com/office/drawing/2014/main" id="{CB9B49F4-C05C-BB69-8A3E-4392A162C6FE}"/>
+              </a:ext>
+            </a:extLst>
+          </p:cNvPr>
+          <p:cNvSpPr/>
+          <p:nvPr/>
+        </p:nvSpPr>
+        <p:spPr>
+          <a:xfrm>
+            <a:off x="4126297" y="2425473"/>
+            <a:ext cx="1240385" cy="621435"/>
+          </a:xfrm>
+          <a:prstGeom prst="rect">
+            <a:avLst/>
+          </a:prstGeom>
+          <a:solidFill>
+            <a:schemeClr val="bg2">
+              <a:lumMod val="75000"/>
+            </a:schemeClr>
+          </a:solidFill>
+        </p:spPr>
+        <p:style>
+          <a:lnRef idx="2">
+            <a:schemeClr val="accent1">
+              <a:shade val="15000"/>
+            </a:schemeClr>
+          </a:lnRef>
+          <a:fillRef idx="1">
+            <a:schemeClr val="accent1"/>
+          </a:fillRef>
+          <a:effectRef idx="0">
+            <a:schemeClr val="accent1"/>
+          </a:effectRef>
+          <a:fontRef idx="minor">
+            <a:schemeClr val="lt1"/>
+          </a:fontRef>
+        </p:style>
+        <p:txBody>
+          <a:bodyPr rtlCol="0" anchor="ctr"/>
+          <a:lstStyle/>
+          <a:p>
+            <a:pPr algn="ctr"/>
+            <a:r>
+              <a:rPr lang="en-US" sz="1600" dirty="0">
+                <a:solidFill>
+                  <a:schemeClr val="tx1"/>
+                </a:solidFill>
+              </a:rPr>
+              <a:t>Transformer</a:t>
+            </a:r>
+          </a:p>
+        </p:txBody>
+      </p:sp>
+      <p:sp>
+        <p:nvSpPr>
+          <p:cNvPr id="32" name="Right Brace 31">
+            <a:extLst>
+              <a:ext uri="{FF2B5EF4-FFF2-40B4-BE49-F238E27FC236}">
+                <a16:creationId xmlns:a16="http://schemas.microsoft.com/office/drawing/2014/main" id="{AAE10190-D77A-C3A1-6AC5-34C3B6F9FC9B}"/>
+              </a:ext>
+            </a:extLst>
+          </p:cNvPr>
+          <p:cNvSpPr/>
+          <p:nvPr/>
+        </p:nvSpPr>
+        <p:spPr>
+          <a:xfrm>
+            <a:off x="3781835" y="1432315"/>
+            <a:ext cx="237811" cy="2623430"/>
+          </a:xfrm>
+          <a:prstGeom prst="rightBrace">
+            <a:avLst/>
+          </a:prstGeom>
+          <a:ln>
+            <a:solidFill>
+              <a:schemeClr val="tx1"/>
+            </a:solidFill>
+          </a:ln>
+        </p:spPr>
+        <p:style>
+          <a:lnRef idx="2">
+            <a:schemeClr val="accent1"/>
+          </a:lnRef>
+          <a:fillRef idx="0">
+            <a:schemeClr val="accent1"/>
+          </a:fillRef>
+          <a:effectRef idx="1">
+            <a:schemeClr val="accent1"/>
+          </a:effectRef>
+          <a:fontRef idx="minor">
+            <a:schemeClr val="tx1"/>
+          </a:fontRef>
+        </p:style>
+        <p:txBody>
+          <a:bodyPr rtlCol="0" anchor="ctr"/>
+          <a:lstStyle/>
+          <a:p>
+            <a:pPr algn="ctr"/>
+            <a:endParaRPr lang="en-US" dirty="0"/>
+          </a:p>
+        </p:txBody>
+      </p:sp>
+      <p:cxnSp>
+        <p:nvCxnSpPr>
+          <p:cNvPr id="38" name="Straight Arrow Connector 37">
+            <a:extLst>
+              <a:ext uri="{FF2B5EF4-FFF2-40B4-BE49-F238E27FC236}">
+                <a16:creationId xmlns:a16="http://schemas.microsoft.com/office/drawing/2014/main" id="{8F657D18-5914-69A6-9AFB-FCD3E127DCC5}"/>
+              </a:ext>
+            </a:extLst>
+          </p:cNvPr>
+          <p:cNvCxnSpPr>
+            <a:cxnSpLocks/>
+          </p:cNvCxnSpPr>
+          <p:nvPr/>
+        </p:nvCxnSpPr>
+        <p:spPr>
+          <a:xfrm flipV="1">
+            <a:off x="5471763" y="2756452"/>
+            <a:ext cx="241615" cy="1087"/>
+          </a:xfrm>
+          <a:prstGeom prst="straightConnector1">
+            <a:avLst/>
+          </a:prstGeom>
+          <a:ln>
+            <a:solidFill>
+              <a:schemeClr val="tx1"/>
+            </a:solidFill>
+            <a:tailEnd type="triangle"/>
+          </a:ln>
+        </p:spPr>
+        <p:style>
+          <a:lnRef idx="2">
+            <a:schemeClr val="accent1"/>
+          </a:lnRef>
+          <a:fillRef idx="0">
+            <a:schemeClr val="accent1"/>
+          </a:fillRef>
+          <a:effectRef idx="1">
+            <a:schemeClr val="accent1"/>
+          </a:effectRef>
+          <a:fontRef idx="minor">
+            <a:schemeClr val="tx1"/>
+          </a:fontRef>
+        </p:style>
+      </p:cxnSp>
+      <p:grpSp>
+        <p:nvGrpSpPr>
+          <p:cNvPr id="64" name="Group 63">
+            <a:extLst>
+              <a:ext uri="{FF2B5EF4-FFF2-40B4-BE49-F238E27FC236}">
+                <a16:creationId xmlns:a16="http://schemas.microsoft.com/office/drawing/2014/main" id="{AD6A53F5-6FC8-799B-3759-A35F535094B1}"/>
+              </a:ext>
+            </a:extLst>
+          </p:cNvPr>
+          <p:cNvGrpSpPr/>
+          <p:nvPr/>
+        </p:nvGrpSpPr>
+        <p:grpSpPr>
+          <a:xfrm>
+            <a:off x="1188621" y="1351067"/>
+            <a:ext cx="707886" cy="2520669"/>
+            <a:chOff x="794657" y="2313552"/>
+            <a:chExt cx="707886" cy="2520669"/>
+          </a:xfrm>
+        </p:grpSpPr>
+        <p:grpSp>
+          <p:nvGrpSpPr>
+            <p:cNvPr id="59" name="Group 58">
+              <a:extLst>
+                <a:ext uri="{FF2B5EF4-FFF2-40B4-BE49-F238E27FC236}">
+                  <a16:creationId xmlns:a16="http://schemas.microsoft.com/office/drawing/2014/main" id="{E9D2FAA8-5906-2EB8-8AED-4E7D65FD08FF}"/>
+                </a:ext>
+              </a:extLst>
+            </p:cNvPr>
+            <p:cNvGrpSpPr/>
+            <p:nvPr/>
+          </p:nvGrpSpPr>
+          <p:grpSpPr>
+            <a:xfrm>
+              <a:off x="838567" y="2752341"/>
+              <a:ext cx="343652" cy="755423"/>
+              <a:chOff x="826242" y="2998440"/>
+              <a:chExt cx="486340" cy="520584"/>
+            </a:xfrm>
+          </p:grpSpPr>
+          <p:sp>
+            <p:nvSpPr>
+              <p:cNvPr id="4" name="Rectangle 3">
+                <a:extLst>
+                  <a:ext uri="{FF2B5EF4-FFF2-40B4-BE49-F238E27FC236}">
+                    <a16:creationId xmlns:a16="http://schemas.microsoft.com/office/drawing/2014/main" id="{C4C864D8-23AD-3F9B-B17A-C9E95344F8AD}"/>
+                  </a:ext>
+                </a:extLst>
+              </p:cNvPr>
+              <p:cNvSpPr/>
+              <p:nvPr/>
+            </p:nvSpPr>
+            <p:spPr>
+              <a:xfrm>
+                <a:off x="826242" y="2998440"/>
+                <a:ext cx="486340" cy="175596"/>
+              </a:xfrm>
+              <a:prstGeom prst="rect">
+                <a:avLst/>
+              </a:prstGeom>
+              <a:solidFill>
+                <a:srgbClr val="00B0F0"/>
+              </a:solidFill>
+            </p:spPr>
+            <p:style>
+              <a:lnRef idx="2">
+                <a:schemeClr val="accent1">
+                  <a:shade val="15000"/>
+                </a:schemeClr>
+              </a:lnRef>
+              <a:fillRef idx="1">
+                <a:schemeClr val="accent1"/>
+              </a:fillRef>
+              <a:effectRef idx="0">
+                <a:schemeClr val="accent1"/>
+              </a:effectRef>
+              <a:fontRef idx="minor">
+                <a:schemeClr val="lt1"/>
+              </a:fontRef>
+            </p:style>
+            <p:txBody>
+              <a:bodyPr rtlCol="0" anchor="ctr"/>
+              <a:lstStyle/>
+              <a:p>
+                <a:pPr algn="ctr"/>
+                <a:r>
+                  <a:rPr lang="en-US" sz="1200" dirty="0">
+                    <a:solidFill>
+                      <a:schemeClr val="tx1"/>
+                    </a:solidFill>
+                  </a:rPr>
+                  <a:t>Q</a:t>
+                </a:r>
+              </a:p>
+            </p:txBody>
+          </p:sp>
+          <p:sp>
+            <p:nvSpPr>
+              <p:cNvPr id="5" name="Rectangle 4">
+                <a:extLst>
+                  <a:ext uri="{FF2B5EF4-FFF2-40B4-BE49-F238E27FC236}">
+                    <a16:creationId xmlns:a16="http://schemas.microsoft.com/office/drawing/2014/main" id="{5EABA0B3-985A-C0A7-6226-C534738A104E}"/>
+                  </a:ext>
+                </a:extLst>
+              </p:cNvPr>
+              <p:cNvSpPr/>
+              <p:nvPr/>
+            </p:nvSpPr>
+            <p:spPr>
+              <a:xfrm>
+                <a:off x="826242" y="3170927"/>
+                <a:ext cx="486340" cy="175596"/>
+              </a:xfrm>
+              <a:prstGeom prst="rect">
+                <a:avLst/>
+              </a:prstGeom>
+              <a:solidFill>
+                <a:srgbClr val="00B0F0"/>
+              </a:solidFill>
+            </p:spPr>
+            <p:style>
+              <a:lnRef idx="2">
+                <a:schemeClr val="accent1">
+                  <a:shade val="15000"/>
+                </a:schemeClr>
+              </a:lnRef>
+              <a:fillRef idx="1">
+                <a:schemeClr val="accent1"/>
+              </a:fillRef>
+              <a:effectRef idx="0">
+                <a:schemeClr val="accent1"/>
+              </a:effectRef>
+              <a:fontRef idx="minor">
+                <a:schemeClr val="lt1"/>
+              </a:fontRef>
+            </p:style>
+            <p:txBody>
+              <a:bodyPr rtlCol="0" anchor="ctr"/>
+              <a:lstStyle/>
+              <a:p>
+                <a:pPr algn="ctr"/>
+                <a:r>
+                  <a:rPr lang="en-US" sz="1200" dirty="0">
+                    <a:solidFill>
+                      <a:schemeClr val="tx1"/>
+                    </a:solidFill>
+                  </a:rPr>
+                  <a:t>S</a:t>
+                </a:r>
+              </a:p>
+            </p:txBody>
+          </p:sp>
+          <p:sp>
+            <p:nvSpPr>
+              <p:cNvPr id="6" name="Rectangle 5">
+                <a:extLst>
+                  <a:ext uri="{FF2B5EF4-FFF2-40B4-BE49-F238E27FC236}">
+                    <a16:creationId xmlns:a16="http://schemas.microsoft.com/office/drawing/2014/main" id="{50406C6C-B4E7-F211-BCBC-32C3067F2632}"/>
+                  </a:ext>
+                </a:extLst>
+              </p:cNvPr>
+              <p:cNvSpPr/>
+              <p:nvPr/>
+            </p:nvSpPr>
+            <p:spPr>
+              <a:xfrm>
+                <a:off x="826242" y="3343428"/>
+                <a:ext cx="486340" cy="175596"/>
+              </a:xfrm>
+              <a:prstGeom prst="rect">
+                <a:avLst/>
+              </a:prstGeom>
+              <a:solidFill>
+                <a:srgbClr val="00B0F0"/>
+              </a:solidFill>
+            </p:spPr>
+            <p:style>
+              <a:lnRef idx="2">
+                <a:schemeClr val="accent1">
+                  <a:shade val="15000"/>
+                </a:schemeClr>
+              </a:lnRef>
+              <a:fillRef idx="1">
+                <a:schemeClr val="accent1"/>
+              </a:fillRef>
+              <a:effectRef idx="0">
+                <a:schemeClr val="accent1"/>
+              </a:effectRef>
+              <a:fontRef idx="minor">
+                <a:schemeClr val="lt1"/>
+              </a:fontRef>
+            </p:style>
+            <p:txBody>
+              <a:bodyPr rtlCol="0" anchor="ctr"/>
+              <a:lstStyle/>
+              <a:p>
+                <a:pPr algn="ctr"/>
+                <a:r>
+                  <a:rPr lang="en-US" sz="1200" dirty="0">
+                    <a:solidFill>
+                      <a:schemeClr val="tx1"/>
+                    </a:solidFill>
+                  </a:rPr>
+                  <a:t>V</a:t>
+                </a:r>
+              </a:p>
+            </p:txBody>
+          </p:sp>
+        </p:grpSp>
+        <p:sp>
+          <p:nvSpPr>
+            <p:cNvPr id="39" name="TextBox 38">
+              <a:extLst>
+                <a:ext uri="{FF2B5EF4-FFF2-40B4-BE49-F238E27FC236}">
+                  <a16:creationId xmlns:a16="http://schemas.microsoft.com/office/drawing/2014/main" id="{D5CB9BD8-BEFF-B8CA-CF7E-32948BDA828F}"/>
+                </a:ext>
+              </a:extLst>
+            </p:cNvPr>
+            <p:cNvSpPr txBox="1"/>
+            <p:nvPr/>
+          </p:nvSpPr>
+          <p:spPr>
+            <a:xfrm rot="5400000">
+              <a:off x="846273" y="3422528"/>
+              <a:ext cx="604653" cy="707886"/>
+            </a:xfrm>
+            <a:prstGeom prst="rect">
+              <a:avLst/>
+            </a:prstGeom>
+            <a:noFill/>
+          </p:spPr>
+          <p:txBody>
+            <a:bodyPr wrap="none" rtlCol="0">
+              <a:spAutoFit/>
+            </a:bodyPr>
+            <a:lstStyle/>
+            <a:p>
+              <a:r>
+                <a:rPr lang="en-US" sz="4000" dirty="0"/>
+                <a:t>…</a:t>
+              </a:r>
+            </a:p>
+          </p:txBody>
+        </p:sp>
+        <p:sp>
+          <p:nvSpPr>
+            <p:cNvPr id="40" name="Rectangle 39">
+              <a:extLst>
+                <a:ext uri="{FF2B5EF4-FFF2-40B4-BE49-F238E27FC236}">
+                  <a16:creationId xmlns:a16="http://schemas.microsoft.com/office/drawing/2014/main" id="{99659B51-5FC4-1CC2-1CF9-811AC8C3B6D7}"/>
+                </a:ext>
+              </a:extLst>
+            </p:cNvPr>
+            <p:cNvSpPr/>
+            <p:nvPr/>
+          </p:nvSpPr>
+          <p:spPr>
+            <a:xfrm>
+              <a:off x="821168" y="2313552"/>
+              <a:ext cx="415961" cy="279400"/>
+            </a:xfrm>
+            <a:prstGeom prst="rect">
+              <a:avLst/>
+            </a:prstGeom>
+            <a:solidFill>
+              <a:srgbClr val="FFFF00"/>
+            </a:solidFill>
+            <a:ln>
+              <a:solidFill>
+                <a:schemeClr val="tx1"/>
+              </a:solidFill>
+            </a:ln>
+          </p:spPr>
+          <p:style>
+            <a:lnRef idx="2">
+              <a:schemeClr val="accent1">
+                <a:shade val="15000"/>
+              </a:schemeClr>
+            </a:lnRef>
+            <a:fillRef idx="1">
+              <a:schemeClr val="accent1"/>
+            </a:fillRef>
+            <a:effectRef idx="0">
+              <a:schemeClr val="accent1"/>
+            </a:effectRef>
+            <a:fontRef idx="minor">
+              <a:schemeClr val="lt1"/>
+            </a:fontRef>
+          </p:style>
+          <p:txBody>
+            <a:bodyPr rtlCol="0" anchor="ctr"/>
+            <a:lstStyle/>
+            <a:p>
+              <a:pPr algn="ctr"/>
+              <a:r>
+                <a:rPr lang="en-US" sz="1000" dirty="0">
+                  <a:solidFill>
+                    <a:schemeClr val="tx1"/>
+                  </a:solidFill>
+                </a:rPr>
+                <a:t>CLS</a:t>
+              </a:r>
+            </a:p>
+          </p:txBody>
+        </p:sp>
+        <p:grpSp>
+          <p:nvGrpSpPr>
+            <p:cNvPr id="60" name="Group 59">
+              <a:extLst>
+                <a:ext uri="{FF2B5EF4-FFF2-40B4-BE49-F238E27FC236}">
+                  <a16:creationId xmlns:a16="http://schemas.microsoft.com/office/drawing/2014/main" id="{0CA855F1-DB88-A525-B072-1C3DB8DF3682}"/>
+                </a:ext>
+              </a:extLst>
+            </p:cNvPr>
+            <p:cNvGrpSpPr/>
+            <p:nvPr/>
+          </p:nvGrpSpPr>
+          <p:grpSpPr>
+            <a:xfrm>
+              <a:off x="828480" y="4078798"/>
+              <a:ext cx="343652" cy="755423"/>
+              <a:chOff x="826242" y="2998440"/>
+              <a:chExt cx="486340" cy="520584"/>
+            </a:xfrm>
+          </p:grpSpPr>
+          <p:sp>
+            <p:nvSpPr>
+              <p:cNvPr id="61" name="Rectangle 60">
+                <a:extLst>
+                  <a:ext uri="{FF2B5EF4-FFF2-40B4-BE49-F238E27FC236}">
+                    <a16:creationId xmlns:a16="http://schemas.microsoft.com/office/drawing/2014/main" id="{DB91EEAC-4DB2-9F8E-1230-9D812DA7F3D9}"/>
+                  </a:ext>
+                </a:extLst>
+              </p:cNvPr>
+              <p:cNvSpPr/>
+              <p:nvPr/>
+            </p:nvSpPr>
+            <p:spPr>
+              <a:xfrm>
+                <a:off x="826242" y="2998440"/>
+                <a:ext cx="486340" cy="175596"/>
+              </a:xfrm>
+              <a:prstGeom prst="rect">
+                <a:avLst/>
+              </a:prstGeom>
+              <a:solidFill>
+                <a:srgbClr val="00B0F0"/>
+              </a:solidFill>
+            </p:spPr>
+            <p:style>
+              <a:lnRef idx="2">
+                <a:schemeClr val="accent1">
+                  <a:shade val="15000"/>
+                </a:schemeClr>
+              </a:lnRef>
+              <a:fillRef idx="1">
+                <a:schemeClr val="accent1"/>
+              </a:fillRef>
+              <a:effectRef idx="0">
+                <a:schemeClr val="accent1"/>
+              </a:effectRef>
+              <a:fontRef idx="minor">
+                <a:schemeClr val="lt1"/>
+              </a:fontRef>
+            </p:style>
+            <p:txBody>
+              <a:bodyPr rtlCol="0" anchor="ctr"/>
+              <a:lstStyle/>
+              <a:p>
+                <a:pPr algn="ctr"/>
+                <a:r>
+                  <a:rPr lang="en-US" sz="1200" dirty="0">
+                    <a:solidFill>
+                      <a:schemeClr val="tx1"/>
+                    </a:solidFill>
+                  </a:rPr>
+                  <a:t>P</a:t>
+                </a:r>
+              </a:p>
+            </p:txBody>
+          </p:sp>
+          <p:sp>
+            <p:nvSpPr>
+              <p:cNvPr id="62" name="Rectangle 61">
+                <a:extLst>
+                  <a:ext uri="{FF2B5EF4-FFF2-40B4-BE49-F238E27FC236}">
+                    <a16:creationId xmlns:a16="http://schemas.microsoft.com/office/drawing/2014/main" id="{245FD8C5-9608-5D24-664C-FAC96D65A044}"/>
+                  </a:ext>
+                </a:extLst>
+              </p:cNvPr>
+              <p:cNvSpPr/>
+              <p:nvPr/>
+            </p:nvSpPr>
+            <p:spPr>
+              <a:xfrm>
+                <a:off x="826242" y="3170927"/>
+                <a:ext cx="486340" cy="175596"/>
+              </a:xfrm>
+              <a:prstGeom prst="rect">
+                <a:avLst/>
+              </a:prstGeom>
+              <a:solidFill>
+                <a:srgbClr val="00B0F0"/>
+              </a:solidFill>
+            </p:spPr>
+            <p:style>
+              <a:lnRef idx="2">
+                <a:schemeClr val="accent1">
+                  <a:shade val="15000"/>
+                </a:schemeClr>
+              </a:lnRef>
+              <a:fillRef idx="1">
+                <a:schemeClr val="accent1"/>
+              </a:fillRef>
+              <a:effectRef idx="0">
+                <a:schemeClr val="accent1"/>
+              </a:effectRef>
+              <a:fontRef idx="minor">
+                <a:schemeClr val="lt1"/>
+              </a:fontRef>
+            </p:style>
+            <p:txBody>
+              <a:bodyPr rtlCol="0" anchor="ctr"/>
+              <a:lstStyle/>
+              <a:p>
+                <a:pPr algn="ctr"/>
+                <a:r>
+                  <a:rPr lang="en-US" sz="1200" dirty="0">
+                    <a:solidFill>
+                      <a:schemeClr val="tx1"/>
+                    </a:solidFill>
+                  </a:rPr>
+                  <a:t>T</a:t>
+                </a:r>
+              </a:p>
+            </p:txBody>
+          </p:sp>
+          <p:sp>
+            <p:nvSpPr>
+              <p:cNvPr id="63" name="Rectangle 62">
+                <a:extLst>
+                  <a:ext uri="{FF2B5EF4-FFF2-40B4-BE49-F238E27FC236}">
+                    <a16:creationId xmlns:a16="http://schemas.microsoft.com/office/drawing/2014/main" id="{4C03EE80-F3CA-DD08-71AB-6A544FB61F81}"/>
+                  </a:ext>
+                </a:extLst>
+              </p:cNvPr>
+              <p:cNvSpPr/>
+              <p:nvPr/>
+            </p:nvSpPr>
+            <p:spPr>
+              <a:xfrm>
+                <a:off x="826242" y="3343428"/>
+                <a:ext cx="486340" cy="175596"/>
+              </a:xfrm>
+              <a:prstGeom prst="rect">
+                <a:avLst/>
+              </a:prstGeom>
+              <a:solidFill>
+                <a:srgbClr val="00B0F0"/>
+              </a:solidFill>
+            </p:spPr>
+            <p:style>
+              <a:lnRef idx="2">
+                <a:schemeClr val="accent1">
+                  <a:shade val="15000"/>
+                </a:schemeClr>
+              </a:lnRef>
+              <a:fillRef idx="1">
+                <a:schemeClr val="accent1"/>
+              </a:fillRef>
+              <a:effectRef idx="0">
+                <a:schemeClr val="accent1"/>
+              </a:effectRef>
+              <a:fontRef idx="minor">
+                <a:schemeClr val="lt1"/>
+              </a:fontRef>
+            </p:style>
+            <p:txBody>
+              <a:bodyPr rtlCol="0" anchor="ctr"/>
+              <a:lstStyle/>
+              <a:p>
+                <a:pPr algn="ctr"/>
+                <a:r>
+                  <a:rPr lang="en-US" sz="1200" dirty="0">
+                    <a:solidFill>
+                      <a:schemeClr val="tx1"/>
+                    </a:solidFill>
+                  </a:rPr>
+                  <a:t>S</a:t>
+                </a:r>
+              </a:p>
+            </p:txBody>
+          </p:sp>
+        </p:grpSp>
+      </p:grpSp>
+      <p:sp>
+        <p:nvSpPr>
+          <p:cNvPr id="65" name="TextBox 64">
+            <a:extLst>
+              <a:ext uri="{FF2B5EF4-FFF2-40B4-BE49-F238E27FC236}">
+                <a16:creationId xmlns:a16="http://schemas.microsoft.com/office/drawing/2014/main" id="{31857FF4-F8E9-4EF8-D172-C8DD16BD5F76}"/>
+              </a:ext>
+            </a:extLst>
+          </p:cNvPr>
+          <p:cNvSpPr txBox="1"/>
+          <p:nvPr/>
+        </p:nvSpPr>
+        <p:spPr>
+          <a:xfrm rot="4384904">
+            <a:off x="732921" y="4579303"/>
+            <a:ext cx="1569005" cy="307777"/>
+          </a:xfrm>
+          <a:prstGeom prst="rect">
+            <a:avLst/>
+          </a:prstGeom>
+          <a:noFill/>
+        </p:spPr>
+        <p:txBody>
+          <a:bodyPr wrap="square" rtlCol="0">
+            <a:spAutoFit/>
+          </a:bodyPr>
+          <a:lstStyle/>
+          <a:p>
+            <a:r>
+              <a:rPr lang="en-US" sz="1400" dirty="0"/>
+              <a:t>CLS + aa residues</a:t>
+            </a:r>
+          </a:p>
+        </p:txBody>
+      </p:sp>
+      <p:grpSp>
+        <p:nvGrpSpPr>
+          <p:cNvPr id="124" name="Group 123">
+            <a:extLst>
+              <a:ext uri="{FF2B5EF4-FFF2-40B4-BE49-F238E27FC236}">
+                <a16:creationId xmlns:a16="http://schemas.microsoft.com/office/drawing/2014/main" id="{D7087214-E592-8643-B2C5-EBA71BF2DA31}"/>
+              </a:ext>
+            </a:extLst>
+          </p:cNvPr>
+          <p:cNvGrpSpPr/>
+          <p:nvPr/>
+        </p:nvGrpSpPr>
+        <p:grpSpPr>
+          <a:xfrm>
+            <a:off x="1986346" y="1351067"/>
+            <a:ext cx="707886" cy="2520669"/>
+            <a:chOff x="1562764" y="1371634"/>
+            <a:chExt cx="707886" cy="2520669"/>
+          </a:xfrm>
+        </p:grpSpPr>
+        <p:sp>
+          <p:nvSpPr>
+            <p:cNvPr id="68" name="TextBox 67">
+              <a:extLst>
+                <a:ext uri="{FF2B5EF4-FFF2-40B4-BE49-F238E27FC236}">
+                  <a16:creationId xmlns:a16="http://schemas.microsoft.com/office/drawing/2014/main" id="{B505B256-A2A7-7488-4DAD-8547B8F32BED}"/>
+                </a:ext>
+              </a:extLst>
+            </p:cNvPr>
+            <p:cNvSpPr txBox="1"/>
+            <p:nvPr/>
+          </p:nvSpPr>
+          <p:spPr>
+            <a:xfrm rot="5400000">
+              <a:off x="1614380" y="2480610"/>
+              <a:ext cx="604653" cy="707886"/>
+            </a:xfrm>
+            <a:prstGeom prst="rect">
+              <a:avLst/>
+            </a:prstGeom>
+            <a:noFill/>
+          </p:spPr>
+          <p:txBody>
+            <a:bodyPr wrap="none" rtlCol="0">
+              <a:spAutoFit/>
+            </a:bodyPr>
+            <a:lstStyle/>
+            <a:p>
+              <a:r>
+                <a:rPr lang="en-US" sz="4000" dirty="0"/>
+                <a:t>…</a:t>
+              </a:r>
+            </a:p>
+          </p:txBody>
+        </p:sp>
+        <p:grpSp>
+          <p:nvGrpSpPr>
+            <p:cNvPr id="84" name="Group 83">
+              <a:extLst>
+                <a:ext uri="{FF2B5EF4-FFF2-40B4-BE49-F238E27FC236}">
+                  <a16:creationId xmlns:a16="http://schemas.microsoft.com/office/drawing/2014/main" id="{8360462A-3CE7-DA2C-7810-5D6703548719}"/>
+                </a:ext>
+              </a:extLst>
+            </p:cNvPr>
+            <p:cNvGrpSpPr/>
+            <p:nvPr/>
+          </p:nvGrpSpPr>
+          <p:grpSpPr>
+            <a:xfrm>
+              <a:off x="1589275" y="1371634"/>
+              <a:ext cx="464879" cy="2520669"/>
+              <a:chOff x="1589275" y="2286038"/>
+              <a:chExt cx="464879" cy="2520669"/>
+            </a:xfrm>
+          </p:grpSpPr>
+          <p:grpSp>
+            <p:nvGrpSpPr>
+              <p:cNvPr id="67" name="Group 66">
+                <a:extLst>
+                  <a:ext uri="{FF2B5EF4-FFF2-40B4-BE49-F238E27FC236}">
+                    <a16:creationId xmlns:a16="http://schemas.microsoft.com/office/drawing/2014/main" id="{615A5D28-85F4-35D4-1429-ABCE89804760}"/>
+                  </a:ext>
+                </a:extLst>
+              </p:cNvPr>
+              <p:cNvGrpSpPr/>
+              <p:nvPr/>
+            </p:nvGrpSpPr>
+            <p:grpSpPr>
+              <a:xfrm>
+                <a:off x="1606674" y="2724827"/>
+                <a:ext cx="447480" cy="755423"/>
+                <a:chOff x="826241" y="2998440"/>
+                <a:chExt cx="633278" cy="520584"/>
+              </a:xfrm>
+            </p:grpSpPr>
+            <p:sp>
+              <p:nvSpPr>
+                <p:cNvPr id="74" name="Rectangle 73">
+                  <a:extLst>
+                    <a:ext uri="{FF2B5EF4-FFF2-40B4-BE49-F238E27FC236}">
+                      <a16:creationId xmlns:a16="http://schemas.microsoft.com/office/drawing/2014/main" id="{0511B4C5-29A1-C8A4-A3A0-A853335784E3}"/>
+                    </a:ext>
+                  </a:extLst>
+                </p:cNvPr>
+                <p:cNvSpPr/>
+                <p:nvPr/>
+              </p:nvSpPr>
+              <p:spPr>
+                <a:xfrm>
+                  <a:off x="826241" y="2998440"/>
+                  <a:ext cx="633277" cy="175596"/>
+                </a:xfrm>
+                <a:prstGeom prst="rect">
+                  <a:avLst/>
+                </a:prstGeom>
+                <a:solidFill>
+                  <a:srgbClr val="00B0F0"/>
+                </a:solidFill>
+              </p:spPr>
+              <p:style>
+                <a:lnRef idx="2">
+                  <a:schemeClr val="accent1">
+                    <a:shade val="15000"/>
+                  </a:schemeClr>
+                </a:lnRef>
+                <a:fillRef idx="1">
+                  <a:schemeClr val="accent1"/>
+                </a:fillRef>
+                <a:effectRef idx="0">
+                  <a:schemeClr val="accent1"/>
+                </a:effectRef>
+                <a:fontRef idx="minor">
+                  <a:schemeClr val="lt1"/>
+                </a:fontRef>
+              </p:style>
+              <p:txBody>
+                <a:bodyPr rtlCol="0" anchor="ctr"/>
+                <a:lstStyle/>
+                <a:p>
+                  <a:pPr algn="ctr"/>
+                  <a:r>
+                    <a:rPr lang="en-US" sz="1000" dirty="0">
+                      <a:solidFill>
+                        <a:schemeClr val="tx1"/>
+                      </a:solidFill>
+                    </a:rPr>
+                    <a:t>14</a:t>
+                  </a:r>
+                </a:p>
+              </p:txBody>
+            </p:sp>
+            <p:sp>
+              <p:nvSpPr>
+                <p:cNvPr id="79" name="Rectangle 78">
+                  <a:extLst>
+                    <a:ext uri="{FF2B5EF4-FFF2-40B4-BE49-F238E27FC236}">
+                      <a16:creationId xmlns:a16="http://schemas.microsoft.com/office/drawing/2014/main" id="{01E94BCF-0B38-48AA-CC97-4719202D24A2}"/>
+                    </a:ext>
+                  </a:extLst>
+                </p:cNvPr>
+                <p:cNvSpPr/>
+                <p:nvPr/>
+              </p:nvSpPr>
+              <p:spPr>
+                <a:xfrm>
+                  <a:off x="826241" y="3170927"/>
+                  <a:ext cx="633278" cy="175596"/>
+                </a:xfrm>
+                <a:prstGeom prst="rect">
+                  <a:avLst/>
+                </a:prstGeom>
+                <a:solidFill>
+                  <a:srgbClr val="00B0F0"/>
+                </a:solidFill>
+              </p:spPr>
+              <p:style>
+                <a:lnRef idx="2">
+                  <a:schemeClr val="accent1">
+                    <a:shade val="15000"/>
+                  </a:schemeClr>
+                </a:lnRef>
+                <a:fillRef idx="1">
+                  <a:schemeClr val="accent1"/>
+                </a:fillRef>
+                <a:effectRef idx="0">
+                  <a:schemeClr val="accent1"/>
+                </a:effectRef>
+                <a:fontRef idx="minor">
+                  <a:schemeClr val="lt1"/>
+                </a:fontRef>
+              </p:style>
+              <p:txBody>
+                <a:bodyPr rtlCol="0" anchor="ctr"/>
+                <a:lstStyle/>
+                <a:p>
+                  <a:pPr algn="ctr"/>
+                  <a:r>
+                    <a:rPr lang="en-US" sz="800" dirty="0">
+                      <a:solidFill>
+                        <a:schemeClr val="tx1"/>
+                      </a:solidFill>
+                    </a:rPr>
+                    <a:t>Mask</a:t>
+                  </a:r>
+                </a:p>
+              </p:txBody>
+            </p:sp>
+            <p:sp>
+              <p:nvSpPr>
+                <p:cNvPr id="81" name="Rectangle 80">
+                  <a:extLst>
+                    <a:ext uri="{FF2B5EF4-FFF2-40B4-BE49-F238E27FC236}">
+                      <a16:creationId xmlns:a16="http://schemas.microsoft.com/office/drawing/2014/main" id="{29285862-28DE-7FA3-D3CA-1199CF4B9A40}"/>
+                    </a:ext>
+                  </a:extLst>
+                </p:cNvPr>
+                <p:cNvSpPr/>
+                <p:nvPr/>
+              </p:nvSpPr>
+              <p:spPr>
+                <a:xfrm>
+                  <a:off x="826242" y="3343428"/>
+                  <a:ext cx="633275" cy="175596"/>
+                </a:xfrm>
+                <a:prstGeom prst="rect">
+                  <a:avLst/>
+                </a:prstGeom>
+                <a:solidFill>
+                  <a:srgbClr val="00B0F0"/>
+                </a:solidFill>
+              </p:spPr>
+              <p:style>
+                <a:lnRef idx="2">
+                  <a:schemeClr val="accent1">
+                    <a:shade val="15000"/>
+                  </a:schemeClr>
+                </a:lnRef>
+                <a:fillRef idx="1">
+                  <a:schemeClr val="accent1"/>
+                </a:fillRef>
+                <a:effectRef idx="0">
+                  <a:schemeClr val="accent1"/>
+                </a:effectRef>
+                <a:fontRef idx="minor">
+                  <a:schemeClr val="lt1"/>
+                </a:fontRef>
+              </p:style>
+              <p:txBody>
+                <a:bodyPr rtlCol="0" anchor="ctr"/>
+                <a:lstStyle/>
+                <a:p>
+                  <a:pPr algn="ctr"/>
+                  <a:r>
+                    <a:rPr lang="en-US" sz="1000" dirty="0">
+                      <a:solidFill>
+                        <a:schemeClr val="tx1"/>
+                      </a:solidFill>
+                    </a:rPr>
+                    <a:t>18</a:t>
+                  </a:r>
+                </a:p>
+              </p:txBody>
+            </p:sp>
+          </p:grpSp>
+          <p:sp>
+            <p:nvSpPr>
+              <p:cNvPr id="69" name="Rectangle 68">
+                <a:extLst>
+                  <a:ext uri="{FF2B5EF4-FFF2-40B4-BE49-F238E27FC236}">
+                    <a16:creationId xmlns:a16="http://schemas.microsoft.com/office/drawing/2014/main" id="{FA9507B8-F5E0-62B2-F910-60103BF766BB}"/>
+                  </a:ext>
+                </a:extLst>
+              </p:cNvPr>
+              <p:cNvSpPr/>
+              <p:nvPr/>
+            </p:nvSpPr>
+            <p:spPr>
+              <a:xfrm>
+                <a:off x="1589275" y="2286038"/>
+                <a:ext cx="464878" cy="279400"/>
+              </a:xfrm>
+              <a:prstGeom prst="rect">
+                <a:avLst/>
+              </a:prstGeom>
+              <a:solidFill>
+                <a:srgbClr val="FFFF00"/>
+              </a:solidFill>
+              <a:ln>
+                <a:solidFill>
+                  <a:schemeClr val="tx1"/>
+                </a:solidFill>
+              </a:ln>
+            </p:spPr>
+            <p:style>
+              <a:lnRef idx="2">
+                <a:schemeClr val="accent1">
+                  <a:shade val="15000"/>
+                </a:schemeClr>
+              </a:lnRef>
+              <a:fillRef idx="1">
+                <a:schemeClr val="accent1"/>
+              </a:fillRef>
+              <a:effectRef idx="0">
+                <a:schemeClr val="accent1"/>
+              </a:effectRef>
+              <a:fontRef idx="minor">
+                <a:schemeClr val="lt1"/>
+              </a:fontRef>
+            </p:style>
+            <p:txBody>
+              <a:bodyPr rtlCol="0" anchor="ctr"/>
+              <a:lstStyle/>
+              <a:p>
+                <a:pPr algn="ctr"/>
+                <a:r>
+                  <a:rPr lang="en-US" sz="1200" dirty="0">
+                    <a:solidFill>
+                      <a:schemeClr val="tx1"/>
+                    </a:solidFill>
+                  </a:rPr>
+                  <a:t>0</a:t>
+                </a:r>
+              </a:p>
+            </p:txBody>
+          </p:sp>
+          <p:grpSp>
+            <p:nvGrpSpPr>
+              <p:cNvPr id="70" name="Group 69">
+                <a:extLst>
+                  <a:ext uri="{FF2B5EF4-FFF2-40B4-BE49-F238E27FC236}">
+                    <a16:creationId xmlns:a16="http://schemas.microsoft.com/office/drawing/2014/main" id="{78361089-DAA3-2409-6A1E-22A70028F63C}"/>
+                  </a:ext>
+                </a:extLst>
+              </p:cNvPr>
+              <p:cNvGrpSpPr/>
+              <p:nvPr/>
+            </p:nvGrpSpPr>
+            <p:grpSpPr>
+              <a:xfrm>
+                <a:off x="1596587" y="4051284"/>
+                <a:ext cx="433491" cy="755423"/>
+                <a:chOff x="826241" y="2998440"/>
+                <a:chExt cx="613481" cy="520584"/>
+              </a:xfrm>
+            </p:grpSpPr>
+            <p:sp>
+              <p:nvSpPr>
+                <p:cNvPr id="71" name="Rectangle 70">
+                  <a:extLst>
+                    <a:ext uri="{FF2B5EF4-FFF2-40B4-BE49-F238E27FC236}">
+                      <a16:creationId xmlns:a16="http://schemas.microsoft.com/office/drawing/2014/main" id="{35F4A33B-64CE-B4AE-3504-62B66069BEC8}"/>
+                    </a:ext>
+                  </a:extLst>
+                </p:cNvPr>
+                <p:cNvSpPr/>
+                <p:nvPr/>
+              </p:nvSpPr>
+              <p:spPr>
+                <a:xfrm>
+                  <a:off x="826242" y="2998440"/>
+                  <a:ext cx="613480" cy="175596"/>
+                </a:xfrm>
+                <a:prstGeom prst="rect">
+                  <a:avLst/>
+                </a:prstGeom>
+                <a:solidFill>
+                  <a:srgbClr val="00B0F0"/>
+                </a:solidFill>
+              </p:spPr>
+              <p:style>
+                <a:lnRef idx="2">
+                  <a:schemeClr val="accent1">
+                    <a:shade val="15000"/>
+                  </a:schemeClr>
+                </a:lnRef>
+                <a:fillRef idx="1">
+                  <a:schemeClr val="accent1"/>
+                </a:fillRef>
+                <a:effectRef idx="0">
+                  <a:schemeClr val="accent1"/>
+                </a:effectRef>
+                <a:fontRef idx="minor">
+                  <a:schemeClr val="lt1"/>
+                </a:fontRef>
+              </p:style>
+              <p:txBody>
+                <a:bodyPr rtlCol="0" anchor="ctr"/>
+                <a:lstStyle/>
+                <a:p>
+                  <a:pPr algn="ctr"/>
+                  <a:r>
+                    <a:rPr lang="en-US" sz="800" dirty="0">
+                      <a:solidFill>
+                        <a:schemeClr val="tx1"/>
+                      </a:solidFill>
+                    </a:rPr>
+                    <a:t>Mask</a:t>
+                  </a:r>
+                </a:p>
+              </p:txBody>
+            </p:sp>
+            <p:sp>
+              <p:nvSpPr>
+                <p:cNvPr id="72" name="Rectangle 71">
+                  <a:extLst>
+                    <a:ext uri="{FF2B5EF4-FFF2-40B4-BE49-F238E27FC236}">
+                      <a16:creationId xmlns:a16="http://schemas.microsoft.com/office/drawing/2014/main" id="{D6F672A4-CCCA-ADDD-9186-3D7A597D40A7}"/>
+                    </a:ext>
+                  </a:extLst>
+                </p:cNvPr>
+                <p:cNvSpPr/>
+                <p:nvPr/>
+              </p:nvSpPr>
+              <p:spPr>
+                <a:xfrm>
+                  <a:off x="826242" y="3170927"/>
+                  <a:ext cx="613480" cy="175596"/>
+                </a:xfrm>
+                <a:prstGeom prst="rect">
+                  <a:avLst/>
+                </a:prstGeom>
+                <a:solidFill>
+                  <a:srgbClr val="00B0F0"/>
+                </a:solidFill>
+              </p:spPr>
+              <p:style>
+                <a:lnRef idx="2">
+                  <a:schemeClr val="accent1">
+                    <a:shade val="15000"/>
+                  </a:schemeClr>
+                </a:lnRef>
+                <a:fillRef idx="1">
+                  <a:schemeClr val="accent1"/>
+                </a:fillRef>
+                <a:effectRef idx="0">
+                  <a:schemeClr val="accent1"/>
+                </a:effectRef>
+                <a:fontRef idx="minor">
+                  <a:schemeClr val="lt1"/>
+                </a:fontRef>
+              </p:style>
+              <p:txBody>
+                <a:bodyPr rtlCol="0" anchor="ctr"/>
+                <a:lstStyle/>
+                <a:p>
+                  <a:pPr algn="ctr"/>
+                  <a:r>
+                    <a:rPr lang="en-US" sz="1000" dirty="0">
+                      <a:solidFill>
+                        <a:schemeClr val="tx1"/>
+                      </a:solidFill>
+                    </a:rPr>
+                    <a:t>17</a:t>
+                  </a:r>
+                </a:p>
+              </p:txBody>
+            </p:sp>
+            <p:sp>
+              <p:nvSpPr>
+                <p:cNvPr id="73" name="Rectangle 72">
+                  <a:extLst>
+                    <a:ext uri="{FF2B5EF4-FFF2-40B4-BE49-F238E27FC236}">
+                      <a16:creationId xmlns:a16="http://schemas.microsoft.com/office/drawing/2014/main" id="{EDA4C7AA-DE90-76A2-0B58-FBFEE30E6FB3}"/>
+                    </a:ext>
+                  </a:extLst>
+                </p:cNvPr>
+                <p:cNvSpPr/>
+                <p:nvPr/>
+              </p:nvSpPr>
+              <p:spPr>
+                <a:xfrm>
+                  <a:off x="826241" y="3343428"/>
+                  <a:ext cx="613479" cy="175596"/>
+                </a:xfrm>
+                <a:prstGeom prst="rect">
+                  <a:avLst/>
+                </a:prstGeom>
+                <a:solidFill>
+                  <a:srgbClr val="00B0F0"/>
+                </a:solidFill>
+              </p:spPr>
+              <p:style>
+                <a:lnRef idx="2">
+                  <a:schemeClr val="accent1">
+                    <a:shade val="15000"/>
+                  </a:schemeClr>
+                </a:lnRef>
+                <a:fillRef idx="1">
+                  <a:schemeClr val="accent1"/>
+                </a:fillRef>
+                <a:effectRef idx="0">
+                  <a:schemeClr val="accent1"/>
+                </a:effectRef>
+                <a:fontRef idx="minor">
+                  <a:schemeClr val="lt1"/>
+                </a:fontRef>
+              </p:style>
+              <p:txBody>
+                <a:bodyPr rtlCol="0" anchor="ctr"/>
+                <a:lstStyle/>
+                <a:p>
+                  <a:pPr algn="ctr"/>
+                  <a:r>
+                    <a:rPr lang="en-US" sz="1000" dirty="0">
+                      <a:solidFill>
+                        <a:schemeClr val="tx1"/>
+                      </a:solidFill>
+                    </a:rPr>
+                    <a:t>16</a:t>
+                  </a:r>
+                </a:p>
+              </p:txBody>
+            </p:sp>
+          </p:grpSp>
+        </p:grpSp>
+      </p:grpSp>
+      <p:grpSp>
+        <p:nvGrpSpPr>
+          <p:cNvPr id="123" name="Group 122">
+            <a:extLst>
+              <a:ext uri="{FF2B5EF4-FFF2-40B4-BE49-F238E27FC236}">
+                <a16:creationId xmlns:a16="http://schemas.microsoft.com/office/drawing/2014/main" id="{03B94C03-321F-3BB6-B0B6-F9B570CB4C15}"/>
+              </a:ext>
+            </a:extLst>
+          </p:cNvPr>
+          <p:cNvGrpSpPr/>
+          <p:nvPr/>
+        </p:nvGrpSpPr>
+        <p:grpSpPr>
+          <a:xfrm>
+            <a:off x="2792557" y="1351067"/>
+            <a:ext cx="934503" cy="2520669"/>
+            <a:chOff x="2368975" y="1356675"/>
+            <a:chExt cx="934503" cy="2520669"/>
+          </a:xfrm>
+        </p:grpSpPr>
+        <p:grpSp>
+          <p:nvGrpSpPr>
+            <p:cNvPr id="85" name="Group 84">
+              <a:extLst>
+                <a:ext uri="{FF2B5EF4-FFF2-40B4-BE49-F238E27FC236}">
+                  <a16:creationId xmlns:a16="http://schemas.microsoft.com/office/drawing/2014/main" id="{19829FE7-2340-9AE2-78E7-038C777A68CD}"/>
+                </a:ext>
+              </a:extLst>
+            </p:cNvPr>
+            <p:cNvGrpSpPr/>
+            <p:nvPr/>
+          </p:nvGrpSpPr>
+          <p:grpSpPr>
+            <a:xfrm>
+              <a:off x="2368975" y="1356675"/>
+              <a:ext cx="885451" cy="2520669"/>
+              <a:chOff x="1596587" y="2286038"/>
+              <a:chExt cx="353739" cy="2520669"/>
+            </a:xfrm>
+            <a:pattFill prst="pct5">
+              <a:fgClr>
+                <a:schemeClr val="tx1"/>
+              </a:fgClr>
+              <a:bgClr>
+                <a:schemeClr val="bg1"/>
+              </a:bgClr>
+            </a:pattFill>
+          </p:grpSpPr>
+          <p:grpSp>
+            <p:nvGrpSpPr>
+              <p:cNvPr id="86" name="Group 85">
+                <a:extLst>
+                  <a:ext uri="{FF2B5EF4-FFF2-40B4-BE49-F238E27FC236}">
+                    <a16:creationId xmlns:a16="http://schemas.microsoft.com/office/drawing/2014/main" id="{4D0536C4-157F-A5F1-4D46-18732BF0AC82}"/>
+                  </a:ext>
+                </a:extLst>
+              </p:cNvPr>
+              <p:cNvGrpSpPr/>
+              <p:nvPr/>
+            </p:nvGrpSpPr>
+            <p:grpSpPr>
+              <a:xfrm>
+                <a:off x="1606674" y="2724827"/>
+                <a:ext cx="343652" cy="755423"/>
+                <a:chOff x="826242" y="2998440"/>
+                <a:chExt cx="486340" cy="520584"/>
+              </a:xfrm>
+              <a:grpFill/>
+            </p:grpSpPr>
+            <p:sp>
+              <p:nvSpPr>
+                <p:cNvPr id="95" name="Rectangle 94">
+                  <a:extLst>
+                    <a:ext uri="{FF2B5EF4-FFF2-40B4-BE49-F238E27FC236}">
+                      <a16:creationId xmlns:a16="http://schemas.microsoft.com/office/drawing/2014/main" id="{1F03CE2F-A842-C122-3118-2DDB896659B8}"/>
+                    </a:ext>
+                  </a:extLst>
+                </p:cNvPr>
+                <p:cNvSpPr/>
+                <p:nvPr/>
+              </p:nvSpPr>
+              <p:spPr>
+                <a:xfrm>
+                  <a:off x="826242" y="2998440"/>
+                  <a:ext cx="486340" cy="175596"/>
+                </a:xfrm>
+                <a:prstGeom prst="rect">
+                  <a:avLst/>
+                </a:prstGeom>
+                <a:pattFill prst="pct5">
+                  <a:fgClr>
+                    <a:schemeClr val="tx1"/>
+                  </a:fgClr>
+                  <a:bgClr>
+                    <a:srgbClr val="00B0F0"/>
+                  </a:bgClr>
+                </a:pattFill>
+              </p:spPr>
+              <p:style>
+                <a:lnRef idx="2">
+                  <a:schemeClr val="accent1">
+                    <a:shade val="15000"/>
+                  </a:schemeClr>
+                </a:lnRef>
+                <a:fillRef idx="1">
+                  <a:schemeClr val="accent1"/>
+                </a:fillRef>
+                <a:effectRef idx="0">
+                  <a:schemeClr val="accent1"/>
+                </a:effectRef>
+                <a:fontRef idx="minor">
+                  <a:schemeClr val="lt1"/>
+                </a:fontRef>
+              </p:style>
+              <p:txBody>
+                <a:bodyPr rtlCol="0" anchor="ctr"/>
+                <a:lstStyle/>
+                <a:p>
+                  <a:pPr algn="ctr"/>
+                  <a:endParaRPr lang="en-US" sz="1000" dirty="0">
+                    <a:solidFill>
+                      <a:schemeClr val="tx1"/>
+                    </a:solidFill>
+                  </a:endParaRPr>
+                </a:p>
+              </p:txBody>
+            </p:sp>
+            <p:sp>
+              <p:nvSpPr>
+                <p:cNvPr id="96" name="Rectangle 95">
+                  <a:extLst>
+                    <a:ext uri="{FF2B5EF4-FFF2-40B4-BE49-F238E27FC236}">
+                      <a16:creationId xmlns:a16="http://schemas.microsoft.com/office/drawing/2014/main" id="{826A67FF-AB2D-184C-953B-3A08D6ED08F0}"/>
+                    </a:ext>
+                  </a:extLst>
+                </p:cNvPr>
+                <p:cNvSpPr/>
+                <p:nvPr/>
+              </p:nvSpPr>
+              <p:spPr>
+                <a:xfrm>
+                  <a:off x="826242" y="3170927"/>
+                  <a:ext cx="486340" cy="175596"/>
+                </a:xfrm>
+                <a:prstGeom prst="rect">
+                  <a:avLst/>
+                </a:prstGeom>
+                <a:pattFill prst="pct5">
+                  <a:fgClr>
+                    <a:schemeClr val="tx1"/>
+                  </a:fgClr>
+                  <a:bgClr>
+                    <a:srgbClr val="00B0F0"/>
+                  </a:bgClr>
+                </a:pattFill>
+              </p:spPr>
+              <p:style>
+                <a:lnRef idx="2">
+                  <a:schemeClr val="accent1">
+                    <a:shade val="15000"/>
+                  </a:schemeClr>
+                </a:lnRef>
+                <a:fillRef idx="1">
+                  <a:schemeClr val="accent1"/>
+                </a:fillRef>
+                <a:effectRef idx="0">
+                  <a:schemeClr val="accent1"/>
+                </a:effectRef>
+                <a:fontRef idx="minor">
+                  <a:schemeClr val="lt1"/>
+                </a:fontRef>
+              </p:style>
+              <p:txBody>
+                <a:bodyPr rtlCol="0" anchor="ctr"/>
+                <a:lstStyle/>
+                <a:p>
+                  <a:pPr algn="ctr"/>
+                  <a:endParaRPr lang="en-US" sz="1000" dirty="0">
+                    <a:solidFill>
+                      <a:schemeClr val="tx1"/>
+                    </a:solidFill>
+                  </a:endParaRPr>
+                </a:p>
+              </p:txBody>
+            </p:sp>
+            <p:sp>
+              <p:nvSpPr>
+                <p:cNvPr id="97" name="Rectangle 96">
+                  <a:extLst>
+                    <a:ext uri="{FF2B5EF4-FFF2-40B4-BE49-F238E27FC236}">
+                      <a16:creationId xmlns:a16="http://schemas.microsoft.com/office/drawing/2014/main" id="{3F0B4F63-C5C8-B17F-397C-D7D7169DBC63}"/>
+                    </a:ext>
+                  </a:extLst>
+                </p:cNvPr>
+                <p:cNvSpPr/>
+                <p:nvPr/>
+              </p:nvSpPr>
+              <p:spPr>
+                <a:xfrm>
+                  <a:off x="826242" y="3343428"/>
+                  <a:ext cx="486340" cy="175596"/>
+                </a:xfrm>
+                <a:prstGeom prst="rect">
+                  <a:avLst/>
+                </a:prstGeom>
+                <a:pattFill prst="pct5">
+                  <a:fgClr>
+                    <a:schemeClr val="tx1"/>
+                  </a:fgClr>
+                  <a:bgClr>
+                    <a:srgbClr val="00B0F0"/>
+                  </a:bgClr>
+                </a:pattFill>
+              </p:spPr>
+              <p:style>
+                <a:lnRef idx="2">
+                  <a:schemeClr val="accent1">
+                    <a:shade val="15000"/>
+                  </a:schemeClr>
+                </a:lnRef>
+                <a:fillRef idx="1">
+                  <a:schemeClr val="accent1"/>
+                </a:fillRef>
+                <a:effectRef idx="0">
+                  <a:schemeClr val="accent1"/>
+                </a:effectRef>
+                <a:fontRef idx="minor">
+                  <a:schemeClr val="lt1"/>
+                </a:fontRef>
+              </p:style>
+              <p:txBody>
+                <a:bodyPr rtlCol="0" anchor="ctr"/>
+                <a:lstStyle/>
+                <a:p>
+                  <a:pPr algn="ctr"/>
+                  <a:endParaRPr lang="en-US" sz="1000" dirty="0">
+                    <a:solidFill>
+                      <a:schemeClr val="tx1"/>
+                    </a:solidFill>
+                  </a:endParaRPr>
+                </a:p>
+              </p:txBody>
+            </p:sp>
+          </p:grpSp>
+          <p:sp>
+            <p:nvSpPr>
+              <p:cNvPr id="90" name="Rectangle 89">
+                <a:extLst>
+                  <a:ext uri="{FF2B5EF4-FFF2-40B4-BE49-F238E27FC236}">
+                    <a16:creationId xmlns:a16="http://schemas.microsoft.com/office/drawing/2014/main" id="{A054DAD1-07DA-1694-84C3-0CC393B19EA5}"/>
+                  </a:ext>
+                </a:extLst>
+              </p:cNvPr>
+              <p:cNvSpPr/>
+              <p:nvPr/>
+            </p:nvSpPr>
+            <p:spPr>
+              <a:xfrm>
+                <a:off x="1611340" y="2286038"/>
+                <a:ext cx="338986" cy="279400"/>
+              </a:xfrm>
+              <a:prstGeom prst="rect">
+                <a:avLst/>
+              </a:prstGeom>
+              <a:pattFill prst="pct5">
+                <a:fgClr>
+                  <a:schemeClr val="tx1"/>
+                </a:fgClr>
+                <a:bgClr>
+                  <a:srgbClr val="FFFF00"/>
+                </a:bgClr>
+              </a:pattFill>
+              <a:ln>
+                <a:solidFill>
+                  <a:schemeClr val="tx1"/>
+                </a:solidFill>
+              </a:ln>
+            </p:spPr>
+            <p:style>
+              <a:lnRef idx="2">
+                <a:schemeClr val="accent1">
+                  <a:shade val="15000"/>
+                </a:schemeClr>
+              </a:lnRef>
+              <a:fillRef idx="1">
+                <a:schemeClr val="accent1"/>
+              </a:fillRef>
+              <a:effectRef idx="0">
+                <a:schemeClr val="accent1"/>
+              </a:effectRef>
+              <a:fontRef idx="minor">
+                <a:schemeClr val="lt1"/>
+              </a:fontRef>
+            </p:style>
+            <p:txBody>
+              <a:bodyPr rtlCol="0" anchor="ctr"/>
+              <a:lstStyle/>
+              <a:p>
+                <a:pPr algn="ctr"/>
+                <a:endParaRPr lang="en-US" sz="1200" dirty="0">
+                  <a:solidFill>
+                    <a:schemeClr val="tx1"/>
+                  </a:solidFill>
+                </a:endParaRPr>
+              </a:p>
+            </p:txBody>
+          </p:sp>
+          <p:grpSp>
+            <p:nvGrpSpPr>
+              <p:cNvPr id="91" name="Group 90">
+                <a:extLst>
+                  <a:ext uri="{FF2B5EF4-FFF2-40B4-BE49-F238E27FC236}">
+                    <a16:creationId xmlns:a16="http://schemas.microsoft.com/office/drawing/2014/main" id="{0934CBA1-9E0B-6B88-9E84-A5691A784DEB}"/>
+                  </a:ext>
+                </a:extLst>
+              </p:cNvPr>
+              <p:cNvGrpSpPr/>
+              <p:nvPr/>
+            </p:nvGrpSpPr>
+            <p:grpSpPr>
+              <a:xfrm>
+                <a:off x="1596587" y="4051284"/>
+                <a:ext cx="343652" cy="755423"/>
+                <a:chOff x="826242" y="2998440"/>
+                <a:chExt cx="486340" cy="520584"/>
+              </a:xfrm>
+              <a:grpFill/>
+            </p:grpSpPr>
+            <p:sp>
+              <p:nvSpPr>
+                <p:cNvPr id="92" name="Rectangle 91">
+                  <a:extLst>
+                    <a:ext uri="{FF2B5EF4-FFF2-40B4-BE49-F238E27FC236}">
+                      <a16:creationId xmlns:a16="http://schemas.microsoft.com/office/drawing/2014/main" id="{E234BC74-C205-27AF-2A51-F273B4C17AAF}"/>
+                    </a:ext>
+                  </a:extLst>
+                </p:cNvPr>
+                <p:cNvSpPr/>
+                <p:nvPr/>
+              </p:nvSpPr>
+              <p:spPr>
+                <a:xfrm>
+                  <a:off x="826242" y="2998440"/>
+                  <a:ext cx="486340" cy="175596"/>
+                </a:xfrm>
+                <a:prstGeom prst="rect">
+                  <a:avLst/>
+                </a:prstGeom>
+                <a:pattFill prst="pct5">
+                  <a:fgClr>
+                    <a:schemeClr val="tx1"/>
+                  </a:fgClr>
+                  <a:bgClr>
+                    <a:srgbClr val="00B0F0"/>
+                  </a:bgClr>
+                </a:pattFill>
+              </p:spPr>
+              <p:style>
+                <a:lnRef idx="2">
+                  <a:schemeClr val="accent1">
+                    <a:shade val="15000"/>
+                  </a:schemeClr>
+                </a:lnRef>
+                <a:fillRef idx="1">
+                  <a:schemeClr val="accent1"/>
+                </a:fillRef>
+                <a:effectRef idx="0">
+                  <a:schemeClr val="accent1"/>
+                </a:effectRef>
+                <a:fontRef idx="minor">
+                  <a:schemeClr val="lt1"/>
+                </a:fontRef>
+              </p:style>
+              <p:txBody>
+                <a:bodyPr rtlCol="0" anchor="ctr"/>
+                <a:lstStyle/>
+                <a:p>
+                  <a:pPr algn="ctr"/>
+                  <a:endParaRPr lang="en-US" sz="1000" dirty="0">
+                    <a:solidFill>
+                      <a:schemeClr val="tx1"/>
+                    </a:solidFill>
+                  </a:endParaRPr>
+                </a:p>
+              </p:txBody>
+            </p:sp>
+            <p:sp>
+              <p:nvSpPr>
+                <p:cNvPr id="93" name="Rectangle 92">
+                  <a:extLst>
+                    <a:ext uri="{FF2B5EF4-FFF2-40B4-BE49-F238E27FC236}">
+                      <a16:creationId xmlns:a16="http://schemas.microsoft.com/office/drawing/2014/main" id="{AF948747-C58B-496D-4EC0-86DC1183EFD4}"/>
+                    </a:ext>
+                  </a:extLst>
+                </p:cNvPr>
+                <p:cNvSpPr/>
+                <p:nvPr/>
+              </p:nvSpPr>
+              <p:spPr>
+                <a:xfrm>
+                  <a:off x="826242" y="3170927"/>
+                  <a:ext cx="486340" cy="175596"/>
+                </a:xfrm>
+                <a:prstGeom prst="rect">
+                  <a:avLst/>
+                </a:prstGeom>
+                <a:pattFill prst="pct5">
+                  <a:fgClr>
+                    <a:schemeClr val="tx1"/>
+                  </a:fgClr>
+                  <a:bgClr>
+                    <a:srgbClr val="00B0F0"/>
+                  </a:bgClr>
+                </a:pattFill>
+              </p:spPr>
+              <p:style>
+                <a:lnRef idx="2">
+                  <a:schemeClr val="accent1">
+                    <a:shade val="15000"/>
+                  </a:schemeClr>
+                </a:lnRef>
+                <a:fillRef idx="1">
+                  <a:schemeClr val="accent1"/>
+                </a:fillRef>
+                <a:effectRef idx="0">
+                  <a:schemeClr val="accent1"/>
+                </a:effectRef>
+                <a:fontRef idx="minor">
+                  <a:schemeClr val="lt1"/>
+                </a:fontRef>
+              </p:style>
+              <p:txBody>
+                <a:bodyPr rtlCol="0" anchor="ctr"/>
+                <a:lstStyle/>
+                <a:p>
+                  <a:pPr algn="ctr"/>
+                  <a:endParaRPr lang="en-US" sz="1000" dirty="0">
+                    <a:solidFill>
+                      <a:schemeClr val="tx1"/>
+                    </a:solidFill>
+                  </a:endParaRPr>
+                </a:p>
+              </p:txBody>
+            </p:sp>
+            <p:sp>
+              <p:nvSpPr>
+                <p:cNvPr id="94" name="Rectangle 93">
+                  <a:extLst>
+                    <a:ext uri="{FF2B5EF4-FFF2-40B4-BE49-F238E27FC236}">
+                      <a16:creationId xmlns:a16="http://schemas.microsoft.com/office/drawing/2014/main" id="{48A79A65-CED4-5FC0-8B89-CB649EAF5D94}"/>
+                    </a:ext>
+                  </a:extLst>
+                </p:cNvPr>
+                <p:cNvSpPr/>
+                <p:nvPr/>
+              </p:nvSpPr>
+              <p:spPr>
+                <a:xfrm>
+                  <a:off x="826242" y="3343428"/>
+                  <a:ext cx="486340" cy="175596"/>
+                </a:xfrm>
+                <a:prstGeom prst="rect">
+                  <a:avLst/>
+                </a:prstGeom>
+                <a:pattFill prst="pct5">
+                  <a:fgClr>
+                    <a:schemeClr val="tx1"/>
+                  </a:fgClr>
+                  <a:bgClr>
+                    <a:srgbClr val="00B0F0"/>
+                  </a:bgClr>
+                </a:pattFill>
+              </p:spPr>
+              <p:style>
+                <a:lnRef idx="2">
+                  <a:schemeClr val="accent1">
+                    <a:shade val="15000"/>
+                  </a:schemeClr>
+                </a:lnRef>
+                <a:fillRef idx="1">
+                  <a:schemeClr val="accent1"/>
+                </a:fillRef>
+                <a:effectRef idx="0">
+                  <a:schemeClr val="accent1"/>
+                </a:effectRef>
+                <a:fontRef idx="minor">
+                  <a:schemeClr val="lt1"/>
+                </a:fontRef>
+              </p:style>
+              <p:txBody>
+                <a:bodyPr rtlCol="0" anchor="ctr"/>
+                <a:lstStyle/>
+                <a:p>
+                  <a:pPr algn="ctr"/>
+                  <a:endParaRPr lang="en-US" sz="1000" dirty="0">
+                    <a:solidFill>
+                      <a:schemeClr val="tx1"/>
+                    </a:solidFill>
+                  </a:endParaRPr>
+                </a:p>
+              </p:txBody>
+            </p:sp>
+          </p:grpSp>
+        </p:grpSp>
+        <p:sp>
+          <p:nvSpPr>
+            <p:cNvPr id="108" name="TextBox 107">
+              <a:extLst>
+                <a:ext uri="{FF2B5EF4-FFF2-40B4-BE49-F238E27FC236}">
+                  <a16:creationId xmlns:a16="http://schemas.microsoft.com/office/drawing/2014/main" id="{7A98645A-EF68-13DD-7B81-9A3746CF1C44}"/>
+                </a:ext>
+              </a:extLst>
+            </p:cNvPr>
+            <p:cNvSpPr txBox="1"/>
+            <p:nvPr/>
+          </p:nvSpPr>
+          <p:spPr>
+            <a:xfrm rot="5400000">
+              <a:off x="2647208" y="2483254"/>
+              <a:ext cx="604653" cy="707886"/>
+            </a:xfrm>
+            <a:prstGeom prst="rect">
+              <a:avLst/>
+            </a:prstGeom>
+            <a:noFill/>
+          </p:spPr>
+          <p:txBody>
+            <a:bodyPr wrap="none" rtlCol="0">
+              <a:spAutoFit/>
+            </a:bodyPr>
+            <a:lstStyle/>
+            <a:p>
+              <a:r>
+                <a:rPr lang="en-US" sz="4000" dirty="0"/>
+                <a:t>…</a:t>
+              </a:r>
+            </a:p>
+          </p:txBody>
+        </p:sp>
+      </p:grpSp>
+      <p:sp>
+        <p:nvSpPr>
+          <p:cNvPr id="109" name="TextBox 108">
+            <a:extLst>
+              <a:ext uri="{FF2B5EF4-FFF2-40B4-BE49-F238E27FC236}">
+                <a16:creationId xmlns:a16="http://schemas.microsoft.com/office/drawing/2014/main" id="{C807C50B-06F5-64C4-B902-7E9196FEF805}"/>
+              </a:ext>
+            </a:extLst>
+          </p:cNvPr>
+          <p:cNvSpPr txBox="1"/>
+          <p:nvPr/>
+        </p:nvSpPr>
+        <p:spPr>
+          <a:xfrm rot="4384904">
+            <a:off x="1525474" y="4681818"/>
+            <a:ext cx="1783310" cy="307777"/>
+          </a:xfrm>
+          <a:prstGeom prst="rect">
+            <a:avLst/>
+          </a:prstGeom>
+          <a:noFill/>
+        </p:spPr>
+        <p:txBody>
+          <a:bodyPr wrap="square" rtlCol="0">
+            <a:spAutoFit/>
+          </a:bodyPr>
+          <a:lstStyle/>
+          <a:p>
+            <a:r>
+              <a:rPr lang="en-US" sz="1400" dirty="0"/>
+              <a:t>Encodings (masked)</a:t>
+            </a:r>
+          </a:p>
+        </p:txBody>
+      </p:sp>
+      <p:sp>
+        <p:nvSpPr>
+          <p:cNvPr id="110" name="TextBox 109">
+            <a:extLst>
+              <a:ext uri="{FF2B5EF4-FFF2-40B4-BE49-F238E27FC236}">
+                <a16:creationId xmlns:a16="http://schemas.microsoft.com/office/drawing/2014/main" id="{48714DA4-457C-1045-8F62-F687EF4EE71D}"/>
+              </a:ext>
+            </a:extLst>
+          </p:cNvPr>
+          <p:cNvSpPr txBox="1"/>
+          <p:nvPr/>
+        </p:nvSpPr>
+        <p:spPr>
+          <a:xfrm rot="4384904">
+            <a:off x="2598749" y="4579303"/>
+            <a:ext cx="1569005" cy="307777"/>
+          </a:xfrm>
+          <a:prstGeom prst="rect">
+            <a:avLst/>
+          </a:prstGeom>
+          <a:noFill/>
+        </p:spPr>
+        <p:txBody>
+          <a:bodyPr wrap="square" rtlCol="0">
+            <a:spAutoFit/>
+          </a:bodyPr>
+          <a:lstStyle/>
+          <a:p>
+            <a:r>
+              <a:rPr lang="en-US" sz="1400" dirty="0"/>
+              <a:t>Embeddings</a:t>
+            </a:r>
+          </a:p>
+        </p:txBody>
+      </p:sp>
+      <p:cxnSp>
+        <p:nvCxnSpPr>
+          <p:cNvPr id="111" name="Straight Arrow Connector 110">
+            <a:extLst>
+              <a:ext uri="{FF2B5EF4-FFF2-40B4-BE49-F238E27FC236}">
+                <a16:creationId xmlns:a16="http://schemas.microsoft.com/office/drawing/2014/main" id="{1775893F-94EC-985A-64D3-350962951035}"/>
+              </a:ext>
+            </a:extLst>
+          </p:cNvPr>
+          <p:cNvCxnSpPr>
+            <a:cxnSpLocks/>
+          </p:cNvCxnSpPr>
+          <p:nvPr/>
+        </p:nvCxnSpPr>
+        <p:spPr>
+          <a:xfrm flipV="1">
+            <a:off x="1687408" y="2756452"/>
+            <a:ext cx="241615" cy="1087"/>
+          </a:xfrm>
+          <a:prstGeom prst="straightConnector1">
+            <a:avLst/>
+          </a:prstGeom>
+          <a:ln>
+            <a:solidFill>
+              <a:schemeClr val="tx1"/>
+            </a:solidFill>
+            <a:tailEnd type="triangle"/>
+          </a:ln>
+        </p:spPr>
+        <p:style>
+          <a:lnRef idx="2">
+            <a:schemeClr val="accent1"/>
+          </a:lnRef>
+          <a:fillRef idx="0">
+            <a:schemeClr val="accent1"/>
+          </a:fillRef>
+          <a:effectRef idx="1">
+            <a:schemeClr val="accent1"/>
+          </a:effectRef>
+          <a:fontRef idx="minor">
+            <a:schemeClr val="tx1"/>
+          </a:fontRef>
+        </p:style>
+      </p:cxnSp>
+      <p:cxnSp>
+        <p:nvCxnSpPr>
+          <p:cNvPr id="112" name="Straight Arrow Connector 111">
+            <a:extLst>
+              <a:ext uri="{FF2B5EF4-FFF2-40B4-BE49-F238E27FC236}">
+                <a16:creationId xmlns:a16="http://schemas.microsoft.com/office/drawing/2014/main" id="{A268E77C-E77E-4D68-8B43-9BDA3E5CB67C}"/>
+              </a:ext>
+            </a:extLst>
+          </p:cNvPr>
+          <p:cNvCxnSpPr>
+            <a:cxnSpLocks/>
+          </p:cNvCxnSpPr>
+          <p:nvPr/>
+        </p:nvCxnSpPr>
+        <p:spPr>
+          <a:xfrm flipV="1">
+            <a:off x="2506643" y="2756452"/>
+            <a:ext cx="241615" cy="1087"/>
+          </a:xfrm>
+          <a:prstGeom prst="straightConnector1">
+            <a:avLst/>
+          </a:prstGeom>
+          <a:ln>
+            <a:solidFill>
+              <a:schemeClr val="tx1"/>
+            </a:solidFill>
+            <a:tailEnd type="triangle"/>
+          </a:ln>
+        </p:spPr>
+        <p:style>
+          <a:lnRef idx="2">
+            <a:schemeClr val="accent1"/>
+          </a:lnRef>
+          <a:fillRef idx="0">
+            <a:schemeClr val="accent1"/>
+          </a:fillRef>
+          <a:effectRef idx="1">
+            <a:schemeClr val="accent1"/>
+          </a:effectRef>
+          <a:fontRef idx="minor">
+            <a:schemeClr val="tx1"/>
+          </a:fontRef>
+        </p:style>
+      </p:cxnSp>
+      <p:grpSp>
+        <p:nvGrpSpPr>
+          <p:cNvPr id="125" name="Group 124">
+            <a:extLst>
+              <a:ext uri="{FF2B5EF4-FFF2-40B4-BE49-F238E27FC236}">
+                <a16:creationId xmlns:a16="http://schemas.microsoft.com/office/drawing/2014/main" id="{75828BF5-F154-3890-597F-EE0B15C9317B}"/>
+              </a:ext>
+            </a:extLst>
+          </p:cNvPr>
+          <p:cNvGrpSpPr/>
+          <p:nvPr/>
+        </p:nvGrpSpPr>
+        <p:grpSpPr>
+          <a:xfrm>
+            <a:off x="5608297" y="1351067"/>
+            <a:ext cx="934503" cy="2520669"/>
+            <a:chOff x="2368975" y="1356675"/>
+            <a:chExt cx="934503" cy="2520669"/>
+          </a:xfrm>
+          <a:pattFill prst="pct5">
+            <a:fgClr>
+              <a:schemeClr val="accent1"/>
+            </a:fgClr>
+            <a:bgClr>
+              <a:schemeClr val="bg1"/>
+            </a:bgClr>
+          </a:pattFill>
+        </p:grpSpPr>
+        <p:grpSp>
+          <p:nvGrpSpPr>
+            <p:cNvPr id="126" name="Group 125">
+              <a:extLst>
+                <a:ext uri="{FF2B5EF4-FFF2-40B4-BE49-F238E27FC236}">
+                  <a16:creationId xmlns:a16="http://schemas.microsoft.com/office/drawing/2014/main" id="{8C822D27-C68B-A31E-656B-3BB7856FFCE2}"/>
+                </a:ext>
+              </a:extLst>
+            </p:cNvPr>
+            <p:cNvGrpSpPr/>
+            <p:nvPr/>
+          </p:nvGrpSpPr>
+          <p:grpSpPr>
+            <a:xfrm>
+              <a:off x="2368975" y="1356675"/>
+              <a:ext cx="885451" cy="2520669"/>
+              <a:chOff x="1596587" y="2286038"/>
+              <a:chExt cx="353739" cy="2520669"/>
+            </a:xfrm>
+            <a:grpFill/>
+          </p:grpSpPr>
+          <p:grpSp>
+            <p:nvGrpSpPr>
+              <p:cNvPr id="128" name="Group 127">
+                <a:extLst>
+                  <a:ext uri="{FF2B5EF4-FFF2-40B4-BE49-F238E27FC236}">
+                    <a16:creationId xmlns:a16="http://schemas.microsoft.com/office/drawing/2014/main" id="{5DF01B61-9784-1C98-CC92-98BDAACC0DA2}"/>
+                  </a:ext>
+                </a:extLst>
+              </p:cNvPr>
+              <p:cNvGrpSpPr/>
+              <p:nvPr/>
+            </p:nvGrpSpPr>
+            <p:grpSpPr>
+              <a:xfrm>
+                <a:off x="1606674" y="2724827"/>
+                <a:ext cx="343652" cy="755423"/>
+                <a:chOff x="826242" y="2998440"/>
+                <a:chExt cx="486340" cy="520584"/>
+              </a:xfrm>
+              <a:grpFill/>
+            </p:grpSpPr>
+            <p:sp>
+              <p:nvSpPr>
+                <p:cNvPr id="134" name="Rectangle 133">
+                  <a:extLst>
+                    <a:ext uri="{FF2B5EF4-FFF2-40B4-BE49-F238E27FC236}">
+                      <a16:creationId xmlns:a16="http://schemas.microsoft.com/office/drawing/2014/main" id="{C6EF3EF5-484B-91E9-CDA2-5089668E4AB2}"/>
+                    </a:ext>
+                  </a:extLst>
+                </p:cNvPr>
+                <p:cNvSpPr/>
+                <p:nvPr/>
+              </p:nvSpPr>
+              <p:spPr>
+                <a:xfrm>
+                  <a:off x="826242" y="2998440"/>
+                  <a:ext cx="486340" cy="175596"/>
+                </a:xfrm>
+                <a:prstGeom prst="rect">
+                  <a:avLst/>
+                </a:prstGeom>
+                <a:grpFill/>
+              </p:spPr>
+              <p:style>
+                <a:lnRef idx="2">
+                  <a:schemeClr val="accent1">
+                    <a:shade val="15000"/>
+                  </a:schemeClr>
+                </a:lnRef>
+                <a:fillRef idx="1">
+                  <a:schemeClr val="accent1"/>
+                </a:fillRef>
+                <a:effectRef idx="0">
+                  <a:schemeClr val="accent1"/>
+                </a:effectRef>
+                <a:fontRef idx="minor">
+                  <a:schemeClr val="lt1"/>
+                </a:fontRef>
+              </p:style>
+              <p:txBody>
+                <a:bodyPr rtlCol="0" anchor="ctr"/>
+                <a:lstStyle/>
+                <a:p>
+                  <a:pPr algn="ctr"/>
+                  <a:endParaRPr lang="en-US" sz="1000" dirty="0">
+                    <a:solidFill>
+                      <a:schemeClr val="tx1"/>
+                    </a:solidFill>
+                  </a:endParaRPr>
+                </a:p>
+              </p:txBody>
+            </p:sp>
+            <p:sp>
+              <p:nvSpPr>
+                <p:cNvPr id="135" name="Rectangle 134">
+                  <a:extLst>
+                    <a:ext uri="{FF2B5EF4-FFF2-40B4-BE49-F238E27FC236}">
+                      <a16:creationId xmlns:a16="http://schemas.microsoft.com/office/drawing/2014/main" id="{B7221257-FCCD-A821-550E-F8C2B620308D}"/>
+                    </a:ext>
+                  </a:extLst>
+                </p:cNvPr>
+                <p:cNvSpPr/>
+                <p:nvPr/>
+              </p:nvSpPr>
+              <p:spPr>
+                <a:xfrm>
+                  <a:off x="826242" y="3170927"/>
+                  <a:ext cx="486340" cy="175596"/>
+                </a:xfrm>
+                <a:prstGeom prst="rect">
+                  <a:avLst/>
+                </a:prstGeom>
+                <a:grpFill/>
+              </p:spPr>
+              <p:style>
+                <a:lnRef idx="2">
+                  <a:schemeClr val="accent1">
+                    <a:shade val="15000"/>
+                  </a:schemeClr>
+                </a:lnRef>
+                <a:fillRef idx="1">
+                  <a:schemeClr val="accent1"/>
+                </a:fillRef>
+                <a:effectRef idx="0">
+                  <a:schemeClr val="accent1"/>
+                </a:effectRef>
+                <a:fontRef idx="minor">
+                  <a:schemeClr val="lt1"/>
+                </a:fontRef>
+              </p:style>
+              <p:txBody>
+                <a:bodyPr rtlCol="0" anchor="ctr"/>
+                <a:lstStyle/>
+                <a:p>
+                  <a:pPr algn="ctr"/>
+                  <a:endParaRPr lang="en-US" sz="1000" dirty="0">
+                    <a:solidFill>
+                      <a:schemeClr val="tx1"/>
+                    </a:solidFill>
+                  </a:endParaRPr>
+                </a:p>
+              </p:txBody>
+            </p:sp>
+            <p:sp>
+              <p:nvSpPr>
+                <p:cNvPr id="136" name="Rectangle 135">
+                  <a:extLst>
+                    <a:ext uri="{FF2B5EF4-FFF2-40B4-BE49-F238E27FC236}">
+                      <a16:creationId xmlns:a16="http://schemas.microsoft.com/office/drawing/2014/main" id="{C4C46389-87A7-0917-45FC-0645AB6C2010}"/>
+                    </a:ext>
+                  </a:extLst>
+                </p:cNvPr>
+                <p:cNvSpPr/>
+                <p:nvPr/>
+              </p:nvSpPr>
+              <p:spPr>
+                <a:xfrm>
+                  <a:off x="826242" y="3343428"/>
+                  <a:ext cx="486340" cy="175596"/>
+                </a:xfrm>
+                <a:prstGeom prst="rect">
+                  <a:avLst/>
+                </a:prstGeom>
+                <a:grpFill/>
+              </p:spPr>
+              <p:style>
+                <a:lnRef idx="2">
+                  <a:schemeClr val="accent1">
+                    <a:shade val="15000"/>
+                  </a:schemeClr>
+                </a:lnRef>
+                <a:fillRef idx="1">
+                  <a:schemeClr val="accent1"/>
+                </a:fillRef>
+                <a:effectRef idx="0">
+                  <a:schemeClr val="accent1"/>
+                </a:effectRef>
+                <a:fontRef idx="minor">
+                  <a:schemeClr val="lt1"/>
+                </a:fontRef>
+              </p:style>
+              <p:txBody>
+                <a:bodyPr rtlCol="0" anchor="ctr"/>
+                <a:lstStyle/>
+                <a:p>
+                  <a:pPr algn="ctr"/>
+                  <a:endParaRPr lang="en-US" sz="1000" dirty="0">
+                    <a:solidFill>
+                      <a:schemeClr val="tx1"/>
+                    </a:solidFill>
+                  </a:endParaRPr>
+                </a:p>
+              </p:txBody>
+            </p:sp>
+          </p:grpSp>
+          <p:sp>
+            <p:nvSpPr>
+              <p:cNvPr id="129" name="Rectangle 128">
+                <a:extLst>
+                  <a:ext uri="{FF2B5EF4-FFF2-40B4-BE49-F238E27FC236}">
+                    <a16:creationId xmlns:a16="http://schemas.microsoft.com/office/drawing/2014/main" id="{33FD39C9-BE68-D8BD-0A32-0BADC1F383D1}"/>
+                  </a:ext>
+                </a:extLst>
+              </p:cNvPr>
+              <p:cNvSpPr/>
+              <p:nvPr/>
+            </p:nvSpPr>
+            <p:spPr>
+              <a:xfrm>
+                <a:off x="1611340" y="2286038"/>
+                <a:ext cx="338986" cy="279400"/>
+              </a:xfrm>
+              <a:prstGeom prst="rect">
+                <a:avLst/>
+              </a:prstGeom>
+              <a:grpFill/>
+              <a:ln>
+                <a:solidFill>
+                  <a:schemeClr val="tx1"/>
+                </a:solidFill>
+              </a:ln>
+            </p:spPr>
+            <p:style>
+              <a:lnRef idx="2">
+                <a:schemeClr val="accent1">
+                  <a:shade val="15000"/>
+                </a:schemeClr>
+              </a:lnRef>
+              <a:fillRef idx="1">
+                <a:schemeClr val="accent1"/>
+              </a:fillRef>
+              <a:effectRef idx="0">
+                <a:schemeClr val="accent1"/>
+              </a:effectRef>
+              <a:fontRef idx="minor">
+                <a:schemeClr val="lt1"/>
+              </a:fontRef>
+            </p:style>
+            <p:txBody>
+              <a:bodyPr rtlCol="0" anchor="ctr"/>
+              <a:lstStyle/>
+              <a:p>
+                <a:pPr algn="ctr"/>
+                <a:endParaRPr lang="en-US" sz="1200" dirty="0">
+                  <a:solidFill>
+                    <a:schemeClr val="tx1"/>
+                  </a:solidFill>
+                </a:endParaRPr>
+              </a:p>
+            </p:txBody>
+          </p:sp>
+          <p:grpSp>
+            <p:nvGrpSpPr>
+              <p:cNvPr id="130" name="Group 129">
+                <a:extLst>
+                  <a:ext uri="{FF2B5EF4-FFF2-40B4-BE49-F238E27FC236}">
+                    <a16:creationId xmlns:a16="http://schemas.microsoft.com/office/drawing/2014/main" id="{BD520636-9970-4600-4F4B-A145E86BD115}"/>
+                  </a:ext>
+                </a:extLst>
+              </p:cNvPr>
+              <p:cNvGrpSpPr/>
+              <p:nvPr/>
+            </p:nvGrpSpPr>
+            <p:grpSpPr>
+              <a:xfrm>
+                <a:off x="1596587" y="4051284"/>
+                <a:ext cx="343652" cy="755423"/>
+                <a:chOff x="826242" y="2998440"/>
+                <a:chExt cx="486340" cy="520584"/>
+              </a:xfrm>
+              <a:grpFill/>
+            </p:grpSpPr>
+            <p:sp>
+              <p:nvSpPr>
+                <p:cNvPr id="131" name="Rectangle 130">
+                  <a:extLst>
+                    <a:ext uri="{FF2B5EF4-FFF2-40B4-BE49-F238E27FC236}">
+                      <a16:creationId xmlns:a16="http://schemas.microsoft.com/office/drawing/2014/main" id="{6D0371B5-E54D-5220-AA99-14D1C17EF26A}"/>
+                    </a:ext>
+                  </a:extLst>
+                </p:cNvPr>
+                <p:cNvSpPr/>
+                <p:nvPr/>
+              </p:nvSpPr>
+              <p:spPr>
+                <a:xfrm>
+                  <a:off x="826242" y="2998440"/>
+                  <a:ext cx="486340" cy="175596"/>
+                </a:xfrm>
+                <a:prstGeom prst="rect">
+                  <a:avLst/>
+                </a:prstGeom>
+                <a:grpFill/>
+              </p:spPr>
+              <p:style>
+                <a:lnRef idx="2">
+                  <a:schemeClr val="accent1">
+                    <a:shade val="15000"/>
+                  </a:schemeClr>
+                </a:lnRef>
+                <a:fillRef idx="1">
+                  <a:schemeClr val="accent1"/>
+                </a:fillRef>
+                <a:effectRef idx="0">
+                  <a:schemeClr val="accent1"/>
+                </a:effectRef>
+                <a:fontRef idx="minor">
+                  <a:schemeClr val="lt1"/>
+                </a:fontRef>
+              </p:style>
+              <p:txBody>
+                <a:bodyPr rtlCol="0" anchor="ctr"/>
+                <a:lstStyle/>
+                <a:p>
+                  <a:pPr algn="ctr"/>
+                  <a:endParaRPr lang="en-US" sz="1000" dirty="0">
+                    <a:solidFill>
+                      <a:schemeClr val="tx1"/>
+                    </a:solidFill>
+                  </a:endParaRPr>
+                </a:p>
+              </p:txBody>
+            </p:sp>
+            <p:sp>
+              <p:nvSpPr>
+                <p:cNvPr id="132" name="Rectangle 131">
+                  <a:extLst>
+                    <a:ext uri="{FF2B5EF4-FFF2-40B4-BE49-F238E27FC236}">
+                      <a16:creationId xmlns:a16="http://schemas.microsoft.com/office/drawing/2014/main" id="{02FA62A3-9D24-61C4-BB56-C1B22FFDF50D}"/>
+                    </a:ext>
+                  </a:extLst>
+                </p:cNvPr>
+                <p:cNvSpPr/>
+                <p:nvPr/>
+              </p:nvSpPr>
+              <p:spPr>
+                <a:xfrm>
+                  <a:off x="826242" y="3170927"/>
+                  <a:ext cx="486340" cy="175596"/>
+                </a:xfrm>
+                <a:prstGeom prst="rect">
+                  <a:avLst/>
+                </a:prstGeom>
+                <a:grpFill/>
+              </p:spPr>
+              <p:style>
+                <a:lnRef idx="2">
+                  <a:schemeClr val="accent1">
+                    <a:shade val="15000"/>
+                  </a:schemeClr>
+                </a:lnRef>
+                <a:fillRef idx="1">
+                  <a:schemeClr val="accent1"/>
+                </a:fillRef>
+                <a:effectRef idx="0">
+                  <a:schemeClr val="accent1"/>
+                </a:effectRef>
+                <a:fontRef idx="minor">
+                  <a:schemeClr val="lt1"/>
+                </a:fontRef>
+              </p:style>
+              <p:txBody>
+                <a:bodyPr rtlCol="0" anchor="ctr"/>
+                <a:lstStyle/>
+                <a:p>
+                  <a:pPr algn="ctr"/>
+                  <a:endParaRPr lang="en-US" sz="1000" dirty="0">
+                    <a:solidFill>
+                      <a:schemeClr val="tx1"/>
+                    </a:solidFill>
+                  </a:endParaRPr>
+                </a:p>
+              </p:txBody>
+            </p:sp>
+            <p:sp>
+              <p:nvSpPr>
+                <p:cNvPr id="133" name="Rectangle 132">
+                  <a:extLst>
+                    <a:ext uri="{FF2B5EF4-FFF2-40B4-BE49-F238E27FC236}">
+                      <a16:creationId xmlns:a16="http://schemas.microsoft.com/office/drawing/2014/main" id="{F32AC907-5D4B-FADD-E773-A30AB6641051}"/>
+                    </a:ext>
+                  </a:extLst>
+                </p:cNvPr>
+                <p:cNvSpPr/>
+                <p:nvPr/>
+              </p:nvSpPr>
+              <p:spPr>
+                <a:xfrm>
+                  <a:off x="826242" y="3343428"/>
+                  <a:ext cx="486340" cy="175596"/>
+                </a:xfrm>
+                <a:prstGeom prst="rect">
+                  <a:avLst/>
+                </a:prstGeom>
+                <a:grpFill/>
+              </p:spPr>
+              <p:style>
+                <a:lnRef idx="2">
+                  <a:schemeClr val="accent1">
+                    <a:shade val="15000"/>
+                  </a:schemeClr>
+                </a:lnRef>
+                <a:fillRef idx="1">
+                  <a:schemeClr val="accent1"/>
+                </a:fillRef>
+                <a:effectRef idx="0">
+                  <a:schemeClr val="accent1"/>
+                </a:effectRef>
+                <a:fontRef idx="minor">
+                  <a:schemeClr val="lt1"/>
+                </a:fontRef>
+              </p:style>
+              <p:txBody>
+                <a:bodyPr rtlCol="0" anchor="ctr"/>
+                <a:lstStyle/>
+                <a:p>
+                  <a:pPr algn="ctr"/>
+                  <a:endParaRPr lang="en-US" sz="1000" dirty="0">
+                    <a:solidFill>
+                      <a:schemeClr val="tx1"/>
+                    </a:solidFill>
+                  </a:endParaRPr>
+                </a:p>
+              </p:txBody>
+            </p:sp>
+          </p:grpSp>
+        </p:grpSp>
+        <p:sp>
+          <p:nvSpPr>
+            <p:cNvPr id="127" name="TextBox 126">
+              <a:extLst>
+                <a:ext uri="{FF2B5EF4-FFF2-40B4-BE49-F238E27FC236}">
+                  <a16:creationId xmlns:a16="http://schemas.microsoft.com/office/drawing/2014/main" id="{A74B21AE-146B-4186-20A2-6DE0D2A9EBFB}"/>
+                </a:ext>
+              </a:extLst>
+            </p:cNvPr>
+            <p:cNvSpPr txBox="1"/>
+            <p:nvPr/>
+          </p:nvSpPr>
+          <p:spPr>
+            <a:xfrm rot="5400000">
+              <a:off x="2647208" y="2483254"/>
+              <a:ext cx="604653" cy="707886"/>
+            </a:xfrm>
+            <a:prstGeom prst="rect">
+              <a:avLst/>
+            </a:prstGeom>
+            <a:noFill/>
+          </p:spPr>
+          <p:txBody>
+            <a:bodyPr wrap="none" rtlCol="0">
+              <a:spAutoFit/>
+            </a:bodyPr>
+            <a:lstStyle/>
+            <a:p>
+              <a:r>
+                <a:rPr lang="en-US" sz="4000" dirty="0"/>
+                <a:t>…</a:t>
+              </a:r>
+            </a:p>
+          </p:txBody>
+        </p:sp>
+      </p:grpSp>
+      <p:sp>
+        <p:nvSpPr>
+          <p:cNvPr id="137" name="Rectangle 136">
+            <a:extLst>
+              <a:ext uri="{FF2B5EF4-FFF2-40B4-BE49-F238E27FC236}">
+                <a16:creationId xmlns:a16="http://schemas.microsoft.com/office/drawing/2014/main" id="{E8FEB44B-EC11-8C1E-3ADF-2662361C9003}"/>
+              </a:ext>
+            </a:extLst>
+          </p:cNvPr>
+          <p:cNvSpPr/>
+          <p:nvPr/>
+        </p:nvSpPr>
+        <p:spPr>
+          <a:xfrm rot="16200000">
+            <a:off x="6624071" y="2586512"/>
+            <a:ext cx="752357" cy="339881"/>
+          </a:xfrm>
+          <a:prstGeom prst="rect">
+            <a:avLst/>
+          </a:prstGeom>
+          <a:solidFill>
+            <a:schemeClr val="bg2">
+              <a:lumMod val="75000"/>
+            </a:schemeClr>
+          </a:solidFill>
+        </p:spPr>
+        <p:style>
+          <a:lnRef idx="2">
+            <a:schemeClr val="accent1">
+              <a:shade val="15000"/>
+            </a:schemeClr>
+          </a:lnRef>
+          <a:fillRef idx="1">
+            <a:schemeClr val="accent1"/>
+          </a:fillRef>
+          <a:effectRef idx="0">
+            <a:schemeClr val="accent1"/>
+          </a:effectRef>
+          <a:fontRef idx="minor">
+            <a:schemeClr val="lt1"/>
+          </a:fontRef>
+        </p:style>
+        <p:txBody>
+          <a:bodyPr rtlCol="0" anchor="ctr"/>
+          <a:lstStyle/>
+          <a:p>
+            <a:pPr algn="ctr"/>
+            <a:r>
+              <a:rPr lang="en-US" sz="1600" dirty="0">
+                <a:solidFill>
+                  <a:schemeClr val="tx1"/>
+                </a:solidFill>
+              </a:rPr>
+              <a:t>Linear</a:t>
+            </a:r>
+          </a:p>
+        </p:txBody>
+      </p:sp>
+      <p:cxnSp>
+        <p:nvCxnSpPr>
+          <p:cNvPr id="138" name="Straight Arrow Connector 137">
+            <a:extLst>
+              <a:ext uri="{FF2B5EF4-FFF2-40B4-BE49-F238E27FC236}">
+                <a16:creationId xmlns:a16="http://schemas.microsoft.com/office/drawing/2014/main" id="{72700229-4607-C450-A893-DAA6A2C4B575}"/>
+              </a:ext>
+            </a:extLst>
+          </p:cNvPr>
+          <p:cNvCxnSpPr>
+            <a:cxnSpLocks/>
+          </p:cNvCxnSpPr>
+          <p:nvPr/>
+        </p:nvCxnSpPr>
+        <p:spPr>
+          <a:xfrm flipV="1">
+            <a:off x="6527801" y="2756452"/>
+            <a:ext cx="241615" cy="1087"/>
+          </a:xfrm>
+          <a:prstGeom prst="straightConnector1">
+            <a:avLst/>
+          </a:prstGeom>
+          <a:ln>
+            <a:solidFill>
+              <a:schemeClr val="tx1"/>
+            </a:solidFill>
+            <a:tailEnd type="triangle"/>
+          </a:ln>
+        </p:spPr>
+        <p:style>
+          <a:lnRef idx="2">
+            <a:schemeClr val="accent1"/>
+          </a:lnRef>
+          <a:fillRef idx="0">
+            <a:schemeClr val="accent1"/>
+          </a:fillRef>
+          <a:effectRef idx="1">
+            <a:schemeClr val="accent1"/>
+          </a:effectRef>
+          <a:fontRef idx="minor">
+            <a:schemeClr val="tx1"/>
+          </a:fontRef>
+        </p:style>
+      </p:cxnSp>
+      <p:cxnSp>
+        <p:nvCxnSpPr>
+          <p:cNvPr id="151" name="Straight Arrow Connector 150">
+            <a:extLst>
+              <a:ext uri="{FF2B5EF4-FFF2-40B4-BE49-F238E27FC236}">
+                <a16:creationId xmlns:a16="http://schemas.microsoft.com/office/drawing/2014/main" id="{5AEC59BA-D07A-7A8D-643E-0AA276153271}"/>
+              </a:ext>
+            </a:extLst>
+          </p:cNvPr>
+          <p:cNvCxnSpPr>
+            <a:cxnSpLocks/>
+          </p:cNvCxnSpPr>
+          <p:nvPr/>
+        </p:nvCxnSpPr>
+        <p:spPr>
+          <a:xfrm flipV="1">
+            <a:off x="7336891" y="2756452"/>
+            <a:ext cx="241615" cy="1087"/>
+          </a:xfrm>
+          <a:prstGeom prst="straightConnector1">
+            <a:avLst/>
+          </a:prstGeom>
+          <a:ln>
+            <a:solidFill>
+              <a:schemeClr val="tx1"/>
+            </a:solidFill>
+            <a:tailEnd type="triangle"/>
+          </a:ln>
+        </p:spPr>
+        <p:style>
+          <a:lnRef idx="2">
+            <a:schemeClr val="accent1"/>
+          </a:lnRef>
+          <a:fillRef idx="0">
+            <a:schemeClr val="accent1"/>
+          </a:fillRef>
+          <a:effectRef idx="1">
+            <a:schemeClr val="accent1"/>
+          </a:effectRef>
+          <a:fontRef idx="minor">
+            <a:schemeClr val="tx1"/>
+          </a:fontRef>
+        </p:style>
+      </p:cxnSp>
+      <p:grpSp>
+        <p:nvGrpSpPr>
+          <p:cNvPr id="176" name="Group 175">
+            <a:extLst>
+              <a:ext uri="{FF2B5EF4-FFF2-40B4-BE49-F238E27FC236}">
+                <a16:creationId xmlns:a16="http://schemas.microsoft.com/office/drawing/2014/main" id="{E4D5F4BA-BA7E-9AE3-D213-CE70E379AEC0}"/>
+              </a:ext>
+            </a:extLst>
+          </p:cNvPr>
+          <p:cNvGrpSpPr/>
+          <p:nvPr/>
+        </p:nvGrpSpPr>
+        <p:grpSpPr>
+          <a:xfrm>
+            <a:off x="8427446" y="1351067"/>
+            <a:ext cx="707886" cy="2520669"/>
+            <a:chOff x="1562764" y="1371634"/>
+            <a:chExt cx="707886" cy="2520669"/>
+          </a:xfrm>
+        </p:grpSpPr>
+        <p:sp>
+          <p:nvSpPr>
+            <p:cNvPr id="177" name="TextBox 176">
+              <a:extLst>
+                <a:ext uri="{FF2B5EF4-FFF2-40B4-BE49-F238E27FC236}">
+                  <a16:creationId xmlns:a16="http://schemas.microsoft.com/office/drawing/2014/main" id="{ADC33B5B-3C4A-662C-A3C7-716B2749A154}"/>
+                </a:ext>
+              </a:extLst>
+            </p:cNvPr>
+            <p:cNvSpPr txBox="1"/>
+            <p:nvPr/>
+          </p:nvSpPr>
+          <p:spPr>
+            <a:xfrm rot="5400000">
+              <a:off x="1614380" y="2480610"/>
+              <a:ext cx="604653" cy="707886"/>
+            </a:xfrm>
+            <a:prstGeom prst="rect">
+              <a:avLst/>
+            </a:prstGeom>
+            <a:noFill/>
+          </p:spPr>
+          <p:txBody>
+            <a:bodyPr wrap="none" rtlCol="0">
+              <a:spAutoFit/>
+            </a:bodyPr>
+            <a:lstStyle/>
+            <a:p>
+              <a:r>
+                <a:rPr lang="en-US" sz="4000" dirty="0"/>
+                <a:t>…</a:t>
+              </a:r>
+            </a:p>
+          </p:txBody>
+        </p:sp>
+        <p:grpSp>
+          <p:nvGrpSpPr>
+            <p:cNvPr id="178" name="Group 177">
+              <a:extLst>
+                <a:ext uri="{FF2B5EF4-FFF2-40B4-BE49-F238E27FC236}">
+                  <a16:creationId xmlns:a16="http://schemas.microsoft.com/office/drawing/2014/main" id="{FAD1ACF6-92C5-AF77-B60D-A6AC168F9D8A}"/>
+                </a:ext>
+              </a:extLst>
+            </p:cNvPr>
+            <p:cNvGrpSpPr/>
+            <p:nvPr/>
+          </p:nvGrpSpPr>
+          <p:grpSpPr>
+            <a:xfrm>
+              <a:off x="1589276" y="1371634"/>
+              <a:ext cx="361050" cy="2520669"/>
+              <a:chOff x="1589276" y="2286038"/>
+              <a:chExt cx="361050" cy="2520669"/>
+            </a:xfrm>
+          </p:grpSpPr>
+          <p:grpSp>
+            <p:nvGrpSpPr>
+              <p:cNvPr id="179" name="Group 178">
+                <a:extLst>
+                  <a:ext uri="{FF2B5EF4-FFF2-40B4-BE49-F238E27FC236}">
+                    <a16:creationId xmlns:a16="http://schemas.microsoft.com/office/drawing/2014/main" id="{8F2EA21F-D604-6D42-3861-A60D32531688}"/>
+                  </a:ext>
+                </a:extLst>
+              </p:cNvPr>
+              <p:cNvGrpSpPr/>
+              <p:nvPr/>
+            </p:nvGrpSpPr>
+            <p:grpSpPr>
+              <a:xfrm>
+                <a:off x="1606674" y="2724827"/>
+                <a:ext cx="343652" cy="755423"/>
+                <a:chOff x="826242" y="2998440"/>
+                <a:chExt cx="486340" cy="520584"/>
+              </a:xfrm>
+            </p:grpSpPr>
+            <p:sp>
+              <p:nvSpPr>
+                <p:cNvPr id="185" name="Rectangle 184">
+                  <a:extLst>
+                    <a:ext uri="{FF2B5EF4-FFF2-40B4-BE49-F238E27FC236}">
+                      <a16:creationId xmlns:a16="http://schemas.microsoft.com/office/drawing/2014/main" id="{E8A91729-4F02-310F-4506-8EADDDD706CD}"/>
+                    </a:ext>
+                  </a:extLst>
+                </p:cNvPr>
+                <p:cNvSpPr/>
+                <p:nvPr/>
+              </p:nvSpPr>
+              <p:spPr>
+                <a:xfrm>
+                  <a:off x="826242" y="2998440"/>
+                  <a:ext cx="486340" cy="175596"/>
+                </a:xfrm>
+                <a:prstGeom prst="rect">
+                  <a:avLst/>
+                </a:prstGeom>
+                <a:solidFill>
+                  <a:srgbClr val="00B0F0"/>
+                </a:solidFill>
+              </p:spPr>
+              <p:style>
+                <a:lnRef idx="2">
+                  <a:schemeClr val="accent1">
+                    <a:shade val="15000"/>
+                  </a:schemeClr>
+                </a:lnRef>
+                <a:fillRef idx="1">
+                  <a:schemeClr val="accent1"/>
+                </a:fillRef>
+                <a:effectRef idx="0">
+                  <a:schemeClr val="accent1"/>
+                </a:effectRef>
+                <a:fontRef idx="minor">
+                  <a:schemeClr val="lt1"/>
+                </a:fontRef>
+              </p:style>
+              <p:txBody>
+                <a:bodyPr rtlCol="0" anchor="ctr"/>
+                <a:lstStyle/>
+                <a:p>
+                  <a:pPr algn="ctr"/>
+                  <a:r>
+                    <a:rPr lang="en-US" sz="1000" dirty="0">
+                      <a:solidFill>
+                        <a:schemeClr val="tx1"/>
+                      </a:solidFill>
+                    </a:rPr>
+                    <a:t>0</a:t>
+                  </a:r>
+                </a:p>
+              </p:txBody>
+            </p:sp>
+            <p:sp>
+              <p:nvSpPr>
+                <p:cNvPr id="186" name="Rectangle 185">
+                  <a:extLst>
+                    <a:ext uri="{FF2B5EF4-FFF2-40B4-BE49-F238E27FC236}">
+                      <a16:creationId xmlns:a16="http://schemas.microsoft.com/office/drawing/2014/main" id="{987B3564-580C-3217-E8E2-4B63232C2ACF}"/>
+                    </a:ext>
+                  </a:extLst>
+                </p:cNvPr>
+                <p:cNvSpPr/>
+                <p:nvPr/>
+              </p:nvSpPr>
+              <p:spPr>
+                <a:xfrm>
+                  <a:off x="826242" y="3170927"/>
+                  <a:ext cx="486340" cy="175596"/>
+                </a:xfrm>
+                <a:prstGeom prst="rect">
+                  <a:avLst/>
+                </a:prstGeom>
+                <a:solidFill>
+                  <a:srgbClr val="00B0F0"/>
+                </a:solidFill>
+              </p:spPr>
+              <p:style>
+                <a:lnRef idx="2">
+                  <a:schemeClr val="accent1">
+                    <a:shade val="15000"/>
+                  </a:schemeClr>
+                </a:lnRef>
+                <a:fillRef idx="1">
+                  <a:schemeClr val="accent1"/>
+                </a:fillRef>
+                <a:effectRef idx="0">
+                  <a:schemeClr val="accent1"/>
+                </a:effectRef>
+                <a:fontRef idx="minor">
+                  <a:schemeClr val="lt1"/>
+                </a:fontRef>
+              </p:style>
+              <p:txBody>
+                <a:bodyPr rtlCol="0" anchor="ctr"/>
+                <a:lstStyle/>
+                <a:p>
+                  <a:pPr algn="ctr"/>
+                  <a:r>
+                    <a:rPr lang="en-US" sz="1000" dirty="0">
+                      <a:solidFill>
+                        <a:schemeClr val="tx1"/>
+                      </a:solidFill>
+                    </a:rPr>
+                    <a:t>16</a:t>
+                  </a:r>
+                </a:p>
+              </p:txBody>
+            </p:sp>
+            <p:sp>
+              <p:nvSpPr>
+                <p:cNvPr id="187" name="Rectangle 186">
+                  <a:extLst>
+                    <a:ext uri="{FF2B5EF4-FFF2-40B4-BE49-F238E27FC236}">
+                      <a16:creationId xmlns:a16="http://schemas.microsoft.com/office/drawing/2014/main" id="{9EA98F6A-D0E0-9092-5A2D-497C72B775AC}"/>
+                    </a:ext>
+                  </a:extLst>
+                </p:cNvPr>
+                <p:cNvSpPr/>
+                <p:nvPr/>
+              </p:nvSpPr>
+              <p:spPr>
+                <a:xfrm>
+                  <a:off x="826242" y="3343428"/>
+                  <a:ext cx="486340" cy="175596"/>
+                </a:xfrm>
+                <a:prstGeom prst="rect">
+                  <a:avLst/>
+                </a:prstGeom>
+                <a:solidFill>
+                  <a:srgbClr val="00B0F0"/>
+                </a:solidFill>
+              </p:spPr>
+              <p:style>
+                <a:lnRef idx="2">
+                  <a:schemeClr val="accent1">
+                    <a:shade val="15000"/>
+                  </a:schemeClr>
+                </a:lnRef>
+                <a:fillRef idx="1">
+                  <a:schemeClr val="accent1"/>
+                </a:fillRef>
+                <a:effectRef idx="0">
+                  <a:schemeClr val="accent1"/>
+                </a:effectRef>
+                <a:fontRef idx="minor">
+                  <a:schemeClr val="lt1"/>
+                </a:fontRef>
+              </p:style>
+              <p:txBody>
+                <a:bodyPr rtlCol="0" anchor="ctr"/>
+                <a:lstStyle/>
+                <a:p>
+                  <a:pPr algn="ctr"/>
+                  <a:r>
+                    <a:rPr lang="en-US" sz="1000" dirty="0">
+                      <a:solidFill>
+                        <a:schemeClr val="tx1"/>
+                      </a:solidFill>
+                    </a:rPr>
+                    <a:t>0</a:t>
+                  </a:r>
+                </a:p>
+              </p:txBody>
+            </p:sp>
+          </p:grpSp>
+          <p:sp>
+            <p:nvSpPr>
+              <p:cNvPr id="180" name="Rectangle 179">
+                <a:extLst>
+                  <a:ext uri="{FF2B5EF4-FFF2-40B4-BE49-F238E27FC236}">
+                    <a16:creationId xmlns:a16="http://schemas.microsoft.com/office/drawing/2014/main" id="{8A0DBA96-B80F-B419-8FAE-01C8C0E2F4FC}"/>
+                  </a:ext>
+                </a:extLst>
+              </p:cNvPr>
+              <p:cNvSpPr/>
+              <p:nvPr/>
+            </p:nvSpPr>
+            <p:spPr>
+              <a:xfrm>
+                <a:off x="1589276" y="2286038"/>
+                <a:ext cx="361050" cy="279400"/>
+              </a:xfrm>
+              <a:prstGeom prst="rect">
+                <a:avLst/>
+              </a:prstGeom>
+              <a:solidFill>
+                <a:srgbClr val="FFFF00"/>
+              </a:solidFill>
+              <a:ln>
+                <a:solidFill>
+                  <a:schemeClr val="tx1"/>
+                </a:solidFill>
+              </a:ln>
+            </p:spPr>
+            <p:style>
+              <a:lnRef idx="2">
+                <a:schemeClr val="accent1">
+                  <a:shade val="15000"/>
+                </a:schemeClr>
+              </a:lnRef>
+              <a:fillRef idx="1">
+                <a:schemeClr val="accent1"/>
+              </a:fillRef>
+              <a:effectRef idx="0">
+                <a:schemeClr val="accent1"/>
+              </a:effectRef>
+              <a:fontRef idx="minor">
+                <a:schemeClr val="lt1"/>
+              </a:fontRef>
+            </p:style>
+            <p:txBody>
+              <a:bodyPr rtlCol="0" anchor="ctr"/>
+              <a:lstStyle/>
+              <a:p>
+                <a:pPr algn="ctr"/>
+                <a:r>
+                  <a:rPr lang="en-US" sz="1200" dirty="0">
+                    <a:solidFill>
+                      <a:schemeClr val="tx1"/>
+                    </a:solidFill>
+                  </a:rPr>
+                  <a:t>0</a:t>
+                </a:r>
+              </a:p>
+            </p:txBody>
+          </p:sp>
+          <p:grpSp>
+            <p:nvGrpSpPr>
+              <p:cNvPr id="181" name="Group 180">
+                <a:extLst>
+                  <a:ext uri="{FF2B5EF4-FFF2-40B4-BE49-F238E27FC236}">
+                    <a16:creationId xmlns:a16="http://schemas.microsoft.com/office/drawing/2014/main" id="{0F870410-E8A8-C104-FC37-637CD86F3E88}"/>
+                  </a:ext>
+                </a:extLst>
+              </p:cNvPr>
+              <p:cNvGrpSpPr/>
+              <p:nvPr/>
+            </p:nvGrpSpPr>
+            <p:grpSpPr>
+              <a:xfrm>
+                <a:off x="1596587" y="4051284"/>
+                <a:ext cx="343652" cy="755423"/>
+                <a:chOff x="826242" y="2998440"/>
+                <a:chExt cx="486340" cy="520584"/>
+              </a:xfrm>
+            </p:grpSpPr>
+            <p:sp>
+              <p:nvSpPr>
+                <p:cNvPr id="182" name="Rectangle 181">
+                  <a:extLst>
+                    <a:ext uri="{FF2B5EF4-FFF2-40B4-BE49-F238E27FC236}">
+                      <a16:creationId xmlns:a16="http://schemas.microsoft.com/office/drawing/2014/main" id="{95D32EC7-34D4-F582-3DE1-62CFCA79A74D}"/>
+                    </a:ext>
+                  </a:extLst>
+                </p:cNvPr>
+                <p:cNvSpPr/>
+                <p:nvPr/>
+              </p:nvSpPr>
+              <p:spPr>
+                <a:xfrm>
+                  <a:off x="826242" y="2998440"/>
+                  <a:ext cx="486340" cy="175596"/>
+                </a:xfrm>
+                <a:prstGeom prst="rect">
+                  <a:avLst/>
+                </a:prstGeom>
+                <a:solidFill>
+                  <a:srgbClr val="00B0F0"/>
+                </a:solidFill>
+              </p:spPr>
+              <p:style>
+                <a:lnRef idx="2">
+                  <a:schemeClr val="accent1">
+                    <a:shade val="15000"/>
+                  </a:schemeClr>
+                </a:lnRef>
+                <a:fillRef idx="1">
+                  <a:schemeClr val="accent1"/>
+                </a:fillRef>
+                <a:effectRef idx="0">
+                  <a:schemeClr val="accent1"/>
+                </a:effectRef>
+                <a:fontRef idx="minor">
+                  <a:schemeClr val="lt1"/>
+                </a:fontRef>
+              </p:style>
+              <p:txBody>
+                <a:bodyPr rtlCol="0" anchor="ctr"/>
+                <a:lstStyle/>
+                <a:p>
+                  <a:pPr algn="ctr"/>
+                  <a:r>
+                    <a:rPr lang="en-US" sz="1000" dirty="0">
+                      <a:solidFill>
+                        <a:schemeClr val="tx1"/>
+                      </a:solidFill>
+                    </a:rPr>
+                    <a:t>13</a:t>
+                  </a:r>
+                </a:p>
+              </p:txBody>
+            </p:sp>
+            <p:sp>
+              <p:nvSpPr>
+                <p:cNvPr id="183" name="Rectangle 182">
+                  <a:extLst>
+                    <a:ext uri="{FF2B5EF4-FFF2-40B4-BE49-F238E27FC236}">
+                      <a16:creationId xmlns:a16="http://schemas.microsoft.com/office/drawing/2014/main" id="{B2A6217C-2A1E-6F29-7EB6-39065318CE07}"/>
+                    </a:ext>
+                  </a:extLst>
+                </p:cNvPr>
+                <p:cNvSpPr/>
+                <p:nvPr/>
+              </p:nvSpPr>
+              <p:spPr>
+                <a:xfrm>
+                  <a:off x="826242" y="3170927"/>
+                  <a:ext cx="486340" cy="175596"/>
+                </a:xfrm>
+                <a:prstGeom prst="rect">
+                  <a:avLst/>
+                </a:prstGeom>
+                <a:solidFill>
+                  <a:srgbClr val="00B0F0"/>
+                </a:solidFill>
+              </p:spPr>
+              <p:style>
+                <a:lnRef idx="2">
+                  <a:schemeClr val="accent1">
+                    <a:shade val="15000"/>
+                  </a:schemeClr>
+                </a:lnRef>
+                <a:fillRef idx="1">
+                  <a:schemeClr val="accent1"/>
+                </a:fillRef>
+                <a:effectRef idx="0">
+                  <a:schemeClr val="accent1"/>
+                </a:effectRef>
+                <a:fontRef idx="minor">
+                  <a:schemeClr val="lt1"/>
+                </a:fontRef>
+              </p:style>
+              <p:txBody>
+                <a:bodyPr rtlCol="0" anchor="ctr"/>
+                <a:lstStyle/>
+                <a:p>
+                  <a:pPr algn="ctr"/>
+                  <a:r>
+                    <a:rPr lang="en-US" sz="1000" dirty="0">
+                      <a:solidFill>
+                        <a:schemeClr val="tx1"/>
+                      </a:solidFill>
+                    </a:rPr>
+                    <a:t>0</a:t>
+                  </a:r>
+                </a:p>
+              </p:txBody>
+            </p:sp>
+            <p:sp>
+              <p:nvSpPr>
+                <p:cNvPr id="184" name="Rectangle 183">
+                  <a:extLst>
+                    <a:ext uri="{FF2B5EF4-FFF2-40B4-BE49-F238E27FC236}">
+                      <a16:creationId xmlns:a16="http://schemas.microsoft.com/office/drawing/2014/main" id="{EBDB2BF8-C322-1ED6-289A-79ED54B0D6AA}"/>
+                    </a:ext>
+                  </a:extLst>
+                </p:cNvPr>
+                <p:cNvSpPr/>
+                <p:nvPr/>
+              </p:nvSpPr>
+              <p:spPr>
+                <a:xfrm>
+                  <a:off x="826242" y="3343428"/>
+                  <a:ext cx="486340" cy="175596"/>
+                </a:xfrm>
+                <a:prstGeom prst="rect">
+                  <a:avLst/>
+                </a:prstGeom>
+                <a:solidFill>
+                  <a:srgbClr val="00B0F0"/>
+                </a:solidFill>
+              </p:spPr>
+              <p:style>
+                <a:lnRef idx="2">
+                  <a:schemeClr val="accent1">
+                    <a:shade val="15000"/>
+                  </a:schemeClr>
+                </a:lnRef>
+                <a:fillRef idx="1">
+                  <a:schemeClr val="accent1"/>
+                </a:fillRef>
+                <a:effectRef idx="0">
+                  <a:schemeClr val="accent1"/>
+                </a:effectRef>
+                <a:fontRef idx="minor">
+                  <a:schemeClr val="lt1"/>
+                </a:fontRef>
+              </p:style>
+              <p:txBody>
+                <a:bodyPr rtlCol="0" anchor="ctr"/>
+                <a:lstStyle/>
+                <a:p>
+                  <a:pPr algn="ctr"/>
+                  <a:r>
+                    <a:rPr lang="en-US" sz="1000" dirty="0">
+                      <a:solidFill>
+                        <a:schemeClr val="tx1"/>
+                      </a:solidFill>
+                    </a:rPr>
+                    <a:t>0</a:t>
+                  </a:r>
+                </a:p>
+              </p:txBody>
+            </p:sp>
+          </p:grpSp>
+        </p:grpSp>
+      </p:grpSp>
+      <p:sp>
+        <p:nvSpPr>
+          <p:cNvPr id="200" name="TextBox 199">
+            <a:extLst>
+              <a:ext uri="{FF2B5EF4-FFF2-40B4-BE49-F238E27FC236}">
+                <a16:creationId xmlns:a16="http://schemas.microsoft.com/office/drawing/2014/main" id="{B461642F-0A89-D52D-EBD2-BA1E7236366A}"/>
+              </a:ext>
+            </a:extLst>
+          </p:cNvPr>
+          <p:cNvSpPr txBox="1"/>
+          <p:nvPr/>
+        </p:nvSpPr>
+        <p:spPr>
+          <a:xfrm rot="4384904">
+            <a:off x="7539322" y="4175055"/>
+            <a:ext cx="723936" cy="307777"/>
+          </a:xfrm>
+          <a:prstGeom prst="rect">
+            <a:avLst/>
+          </a:prstGeom>
+          <a:noFill/>
+        </p:spPr>
+        <p:txBody>
+          <a:bodyPr wrap="square" rtlCol="0">
+            <a:spAutoFit/>
+          </a:bodyPr>
+          <a:lstStyle/>
+          <a:p>
+            <a:r>
+              <a:rPr lang="en-US" sz="1400" dirty="0"/>
+              <a:t>Logits</a:t>
+            </a:r>
+          </a:p>
+        </p:txBody>
+      </p:sp>
+      <p:sp>
+        <p:nvSpPr>
+          <p:cNvPr id="201" name="TextBox 200">
+            <a:extLst>
+              <a:ext uri="{FF2B5EF4-FFF2-40B4-BE49-F238E27FC236}">
+                <a16:creationId xmlns:a16="http://schemas.microsoft.com/office/drawing/2014/main" id="{0D0FF562-65A3-F418-9B71-466402C67118}"/>
+              </a:ext>
+            </a:extLst>
+          </p:cNvPr>
+          <p:cNvSpPr txBox="1"/>
+          <p:nvPr/>
+        </p:nvSpPr>
+        <p:spPr>
+          <a:xfrm rot="4384904">
+            <a:off x="8340605" y="4175055"/>
+            <a:ext cx="723936" cy="307777"/>
+          </a:xfrm>
+          <a:prstGeom prst="rect">
+            <a:avLst/>
+          </a:prstGeom>
+          <a:noFill/>
+        </p:spPr>
+        <p:txBody>
+          <a:bodyPr wrap="square" rtlCol="0">
+            <a:spAutoFit/>
+          </a:bodyPr>
+          <a:lstStyle/>
+          <a:p>
+            <a:r>
+              <a:rPr lang="en-US" sz="1400" dirty="0"/>
+              <a:t>Mask</a:t>
+            </a:r>
+          </a:p>
+        </p:txBody>
+      </p:sp>
+      <p:sp>
+        <p:nvSpPr>
+          <p:cNvPr id="202" name="Plus 201">
+            <a:extLst>
+              <a:ext uri="{FF2B5EF4-FFF2-40B4-BE49-F238E27FC236}">
+                <a16:creationId xmlns:a16="http://schemas.microsoft.com/office/drawing/2014/main" id="{0B3F7FB2-1831-5C34-188C-C437EBAAE25F}"/>
+              </a:ext>
+            </a:extLst>
+          </p:cNvPr>
+          <p:cNvSpPr/>
+          <p:nvPr/>
+        </p:nvSpPr>
+        <p:spPr>
+          <a:xfrm>
+            <a:off x="8153854" y="2695981"/>
+            <a:ext cx="228306" cy="254809"/>
+          </a:xfrm>
+          <a:prstGeom prst="mathPlus">
+            <a:avLst/>
+          </a:prstGeom>
+          <a:solidFill>
+            <a:schemeClr val="tx1"/>
+          </a:solidFill>
+        </p:spPr>
+        <p:style>
+          <a:lnRef idx="2">
+            <a:schemeClr val="accent1">
+              <a:shade val="15000"/>
+            </a:schemeClr>
+          </a:lnRef>
+          <a:fillRef idx="1">
+            <a:schemeClr val="accent1"/>
+          </a:fillRef>
+          <a:effectRef idx="0">
+            <a:schemeClr val="accent1"/>
+          </a:effectRef>
+          <a:fontRef idx="minor">
+            <a:schemeClr val="lt1"/>
+          </a:fontRef>
+        </p:style>
+        <p:txBody>
+          <a:bodyPr rtlCol="0" anchor="ctr"/>
+          <a:lstStyle/>
+          <a:p>
+            <a:pPr algn="ctr"/>
+            <a:endParaRPr lang="en-US"/>
+          </a:p>
+        </p:txBody>
+      </p:sp>
+      <p:cxnSp>
+        <p:nvCxnSpPr>
+          <p:cNvPr id="203" name="Straight Arrow Connector 202">
+            <a:extLst>
+              <a:ext uri="{FF2B5EF4-FFF2-40B4-BE49-F238E27FC236}">
+                <a16:creationId xmlns:a16="http://schemas.microsoft.com/office/drawing/2014/main" id="{FCE6FDE3-9A92-8125-57B2-648A59AC0292}"/>
+              </a:ext>
+            </a:extLst>
+          </p:cNvPr>
+          <p:cNvCxnSpPr>
+            <a:cxnSpLocks/>
+          </p:cNvCxnSpPr>
+          <p:nvPr/>
+        </p:nvCxnSpPr>
+        <p:spPr>
+          <a:xfrm flipV="1">
+            <a:off x="9014524" y="2756452"/>
+            <a:ext cx="241615" cy="1087"/>
+          </a:xfrm>
+          <a:prstGeom prst="straightConnector1">
+            <a:avLst/>
+          </a:prstGeom>
+          <a:ln>
+            <a:solidFill>
+              <a:schemeClr val="tx1"/>
+            </a:solidFill>
+            <a:tailEnd type="triangle"/>
+          </a:ln>
+        </p:spPr>
+        <p:style>
+          <a:lnRef idx="2">
+            <a:schemeClr val="accent1"/>
+          </a:lnRef>
+          <a:fillRef idx="0">
+            <a:schemeClr val="accent1"/>
+          </a:fillRef>
+          <a:effectRef idx="1">
+            <a:schemeClr val="accent1"/>
+          </a:effectRef>
+          <a:fontRef idx="minor">
+            <a:schemeClr val="tx1"/>
+          </a:fontRef>
+        </p:style>
+      </p:cxnSp>
+      <p:sp>
+        <p:nvSpPr>
+          <p:cNvPr id="204" name="TextBox 203">
+            <a:extLst>
+              <a:ext uri="{FF2B5EF4-FFF2-40B4-BE49-F238E27FC236}">
+                <a16:creationId xmlns:a16="http://schemas.microsoft.com/office/drawing/2014/main" id="{9734B00A-7064-A995-2E9B-65FBBC2442B6}"/>
               </a:ext>
             </a:extLst>
           </p:cNvPr>
@@ -3932,8 +8112,8 @@
         </p:nvSpPr>
         <p:spPr>
           <a:xfrm>
-            <a:off x="1388853" y="1362974"/>
-            <a:ext cx="2315057" cy="369332"/>
+            <a:off x="9322964" y="2587175"/>
+            <a:ext cx="848309" cy="338554"/>
           </a:xfrm>
           <a:prstGeom prst="rect">
             <a:avLst/>
@@ -3947,21 +8127,18 @@
           <a:lstStyle/>
           <a:p>
             <a:r>
-              <a:rPr lang="en-US" b="0" dirty="0">
-                <a:effectLst/>
-              </a:rPr>
-              <a:t>18061315 sequences</a:t>
-            </a:r>
-            <a:endParaRPr lang="en-US" dirty="0"/>
+              <a:rPr lang="en-US" sz="1600" dirty="0"/>
+              <a:t>CE loss</a:t>
+            </a:r>
           </a:p>
         </p:txBody>
       </p:sp>
       <p:sp>
         <p:nvSpPr>
-          <p:cNvPr id="7" name="TextBox 6">
-            <a:extLst>
-              <a:ext uri="{FF2B5EF4-FFF2-40B4-BE49-F238E27FC236}">
-                <a16:creationId xmlns:a16="http://schemas.microsoft.com/office/drawing/2014/main" id="{1B741A1D-2375-DA7B-D1A6-99AB694C08AC}"/>
+          <p:cNvPr id="205" name="TextBox 204">
+            <a:extLst>
+              <a:ext uri="{FF2B5EF4-FFF2-40B4-BE49-F238E27FC236}">
+                <a16:creationId xmlns:a16="http://schemas.microsoft.com/office/drawing/2014/main" id="{34DE4BD2-9A80-AB39-A469-D55B4D4AAA12}"/>
               </a:ext>
             </a:extLst>
           </p:cNvPr>
@@ -3970,8 +8147,8 @@
         </p:nvSpPr>
         <p:spPr>
           <a:xfrm>
-            <a:off x="6862162" y="1362974"/>
-            <a:ext cx="2315057" cy="369332"/>
+            <a:off x="1562235" y="270983"/>
+            <a:ext cx="6154249" cy="369332"/>
           </a:xfrm>
           <a:prstGeom prst="rect">
             <a:avLst/>
@@ -3985,21 +8162,53 @@
           <a:lstStyle/>
           <a:p>
             <a:r>
-              <a:rPr lang="en-US" b="0" i="0" dirty="0">
-                <a:effectLst/>
-              </a:rPr>
-              <a:t>17599987 sequences</a:t>
-            </a:r>
-            <a:endParaRPr lang="en-US" dirty="0"/>
+              <a:rPr lang="en-US" dirty="0"/>
+              <a:t>pre-train in masked-language mode, OAS light-chain dataset</a:t>
+            </a:r>
           </a:p>
         </p:txBody>
       </p:sp>
       <p:sp>
         <p:nvSpPr>
-          <p:cNvPr id="8" name="TextBox 7">
-            <a:extLst>
-              <a:ext uri="{FF2B5EF4-FFF2-40B4-BE49-F238E27FC236}">
-                <a16:creationId xmlns:a16="http://schemas.microsoft.com/office/drawing/2014/main" id="{44458037-5862-9360-6238-08F5720BC272}"/>
+          <p:cNvPr id="206" name="TextBox 205">
+            <a:extLst>
+              <a:ext uri="{FF2B5EF4-FFF2-40B4-BE49-F238E27FC236}">
+                <a16:creationId xmlns:a16="http://schemas.microsoft.com/office/drawing/2014/main" id="{D34CF774-8499-E480-516A-FF6C4A54BF23}"/>
+              </a:ext>
+            </a:extLst>
+          </p:cNvPr>
+          <p:cNvSpPr txBox="1"/>
+          <p:nvPr/>
+        </p:nvSpPr>
+        <p:spPr>
+          <a:xfrm rot="4384904">
+            <a:off x="5640341" y="4260857"/>
+            <a:ext cx="903303" cy="307777"/>
+          </a:xfrm>
+          <a:prstGeom prst="rect">
+            <a:avLst/>
+          </a:prstGeom>
+          <a:noFill/>
+        </p:spPr>
+        <p:txBody>
+          <a:bodyPr wrap="square" rtlCol="0">
+            <a:spAutoFit/>
+          </a:bodyPr>
+          <a:lstStyle/>
+          <a:p>
+            <a:r>
+              <a:rPr lang="en-US" sz="1400" dirty="0"/>
+              <a:t>Contexts</a:t>
+            </a:r>
+          </a:p>
+        </p:txBody>
+      </p:sp>
+      <p:sp>
+        <p:nvSpPr>
+          <p:cNvPr id="229" name="TextBox 228">
+            <a:extLst>
+              <a:ext uri="{FF2B5EF4-FFF2-40B4-BE49-F238E27FC236}">
+                <a16:creationId xmlns:a16="http://schemas.microsoft.com/office/drawing/2014/main" id="{44B4CEBE-DBAD-DA2C-AC37-364EFB980BB5}"/>
               </a:ext>
             </a:extLst>
           </p:cNvPr>
@@ -4008,8 +8217,8 @@
         </p:nvSpPr>
         <p:spPr>
           <a:xfrm>
-            <a:off x="3993684" y="4806756"/>
-            <a:ext cx="2868478" cy="369332"/>
+            <a:off x="2231068" y="5659733"/>
+            <a:ext cx="3326616" cy="523220"/>
           </a:xfrm>
           <a:prstGeom prst="rect">
             <a:avLst/>
@@ -4023,133 +8232,22 @@
           <a:lstStyle/>
           <a:p>
             <a:r>
-              <a:rPr lang="en-US" dirty="0">
-                <a:highlight>
-                  <a:srgbClr val="FFFF00"/>
-                </a:highlight>
-              </a:rPr>
-              <a:t>remove all seqs &lt; 90 length</a:t>
-            </a:r>
-          </a:p>
-        </p:txBody>
-      </p:sp>
-      <p:sp>
-        <p:nvSpPr>
-          <p:cNvPr id="9" name="TextBox 8">
-            <a:extLst>
-              <a:ext uri="{FF2B5EF4-FFF2-40B4-BE49-F238E27FC236}">
-                <a16:creationId xmlns:a16="http://schemas.microsoft.com/office/drawing/2014/main" id="{5DCE4DA8-3B27-FD6C-5515-A9606CFAA53F}"/>
-              </a:ext>
-            </a:extLst>
-          </p:cNvPr>
-          <p:cNvSpPr txBox="1"/>
-          <p:nvPr/>
-        </p:nvSpPr>
-        <p:spPr>
-          <a:xfrm>
-            <a:off x="7339857" y="4330289"/>
-            <a:ext cx="1837362" cy="369332"/>
-          </a:xfrm>
-          <a:prstGeom prst="rect">
-            <a:avLst/>
-          </a:prstGeom>
-          <a:noFill/>
-        </p:spPr>
-        <p:txBody>
-          <a:bodyPr wrap="none" rtlCol="0">
-            <a:spAutoFit/>
-          </a:bodyPr>
-          <a:lstStyle/>
-          <a:p>
-            <a:r>
-              <a:rPr lang="en-US" dirty="0"/>
-              <a:t>sequence length</a:t>
-            </a:r>
-          </a:p>
-        </p:txBody>
-      </p:sp>
-      <p:sp>
-        <p:nvSpPr>
-          <p:cNvPr id="10" name="TextBox 9">
-            <a:extLst>
-              <a:ext uri="{FF2B5EF4-FFF2-40B4-BE49-F238E27FC236}">
-                <a16:creationId xmlns:a16="http://schemas.microsoft.com/office/drawing/2014/main" id="{E3635CC3-470B-3685-D2AD-542AC4874315}"/>
-              </a:ext>
-            </a:extLst>
-          </p:cNvPr>
-          <p:cNvSpPr txBox="1"/>
-          <p:nvPr/>
-        </p:nvSpPr>
-        <p:spPr>
-          <a:xfrm>
-            <a:off x="431321" y="5520906"/>
-            <a:ext cx="5909951" cy="1200329"/>
-          </a:xfrm>
-          <a:prstGeom prst="rect">
-            <a:avLst/>
-          </a:prstGeom>
-          <a:noFill/>
-        </p:spPr>
-        <p:txBody>
-          <a:bodyPr wrap="none" rtlCol="0">
-            <a:spAutoFit/>
-          </a:bodyPr>
-          <a:lstStyle/>
-          <a:p>
-            <a:r>
-              <a:rPr lang="en-US" dirty="0"/>
-              <a:t>Final dataset:  </a:t>
-            </a:r>
-          </a:p>
-          <a:p>
-            <a:pPr marL="285750" indent="-285750">
-              <a:buFont typeface="Arial" panose="020B0604020202020204" pitchFamily="34" charset="0"/>
-              <a:buChar char="•"/>
-            </a:pPr>
-            <a:r>
-              <a:rPr lang="en-US" dirty="0"/>
-              <a:t>17,599,987 unique sequences between 90 – 132 length</a:t>
-            </a:r>
-          </a:p>
-          <a:p>
-            <a:pPr marL="285750" indent="-285750">
-              <a:buFont typeface="Arial" panose="020B0604020202020204" pitchFamily="34" charset="0"/>
-              <a:buChar char="•"/>
-            </a:pPr>
-            <a:r>
-              <a:rPr lang="en-US" dirty="0"/>
-              <a:t>train: </a:t>
-            </a:r>
-            <a:r>
-              <a:rPr lang="en-US" b="0" i="0" dirty="0">
-                <a:effectLst/>
-              </a:rPr>
-              <a:t>14,079,989</a:t>
-            </a:r>
-          </a:p>
-          <a:p>
-            <a:pPr marL="285750" indent="-285750">
-              <a:buFont typeface="Arial" panose="020B0604020202020204" pitchFamily="34" charset="0"/>
-              <a:buChar char="•"/>
-            </a:pPr>
-            <a:r>
-              <a:rPr lang="en-US" dirty="0"/>
-              <a:t>test: </a:t>
-            </a:r>
-            <a:r>
-              <a:rPr lang="en-US" b="0" i="0" dirty="0">
-                <a:effectLst/>
-              </a:rPr>
-              <a:t>3,519,998</a:t>
-            </a:r>
-            <a:endParaRPr lang="en-US" dirty="0"/>
+              <a:rPr lang="en-US" sz="1400" dirty="0"/>
+              <a:t>(separate mask created during encoding </a:t>
+            </a:r>
+          </a:p>
+          <a:p>
+            <a:r>
+              <a:rPr lang="en-US" sz="1400" dirty="0"/>
+              <a:t>and also passed into transformer)</a:t>
+            </a:r>
           </a:p>
         </p:txBody>
       </p:sp>
     </p:spTree>
     <p:extLst>
       <p:ext uri="{BB962C8B-B14F-4D97-AF65-F5344CB8AC3E}">
-        <p14:creationId xmlns:p14="http://schemas.microsoft.com/office/powerpoint/2010/main" val="3339313360"/>
+        <p14:creationId xmlns:p14="http://schemas.microsoft.com/office/powerpoint/2010/main" val="869160152"/>
       </p:ext>
     </p:extLst>
   </p:cSld>
@@ -4178,10 +8276,10 @@
       </p:grpSpPr>
       <p:sp>
         <p:nvSpPr>
-          <p:cNvPr id="2" name="TextBox 1">
-            <a:extLst>
-              <a:ext uri="{FF2B5EF4-FFF2-40B4-BE49-F238E27FC236}">
-                <a16:creationId xmlns:a16="http://schemas.microsoft.com/office/drawing/2014/main" id="{173364C4-CB84-A1D3-F6F3-AC3B3E94681F}"/>
+          <p:cNvPr id="3" name="TextBox 2">
+            <a:extLst>
+              <a:ext uri="{FF2B5EF4-FFF2-40B4-BE49-F238E27FC236}">
+                <a16:creationId xmlns:a16="http://schemas.microsoft.com/office/drawing/2014/main" id="{956EFD40-D78B-378C-E823-CCF3AB5FFDA0}"/>
               </a:ext>
             </a:extLst>
           </p:cNvPr>
@@ -4190,8 +8288,8 @@
         </p:nvSpPr>
         <p:spPr>
           <a:xfrm>
-            <a:off x="966158" y="715992"/>
-            <a:ext cx="10325819" cy="2031325"/>
+            <a:off x="630945" y="2726793"/>
+            <a:ext cx="8760123" cy="3416320"/>
           </a:xfrm>
           <a:prstGeom prst="rect">
             <a:avLst/>
@@ -4199,15 +8297,20 @@
           <a:noFill/>
         </p:spPr>
         <p:txBody>
-          <a:bodyPr wrap="square" rtlCol="0">
+          <a:bodyPr wrap="square">
             <a:spAutoFit/>
           </a:bodyPr>
           <a:lstStyle/>
           <a:p>
             <a:r>
-              <a:rPr lang="en-US" dirty="0"/>
-              <a:t>Position embedding:</a:t>
-            </a:r>
+              <a:rPr lang="en-US" b="1" dirty="0">
+                <a:effectLst/>
+              </a:rPr>
+              <a:t>Plan</a:t>
+            </a:r>
+            <a:endParaRPr lang="en-US" b="0" dirty="0">
+              <a:effectLst/>
+            </a:endParaRPr>
           </a:p>
           <a:p>
             <a:pPr marL="285750" indent="-285750">
@@ -4215,8 +8318,34 @@
               <a:buChar char="•"/>
             </a:pPr>
             <a:r>
-              <a:rPr lang="en-US" dirty="0"/>
-              <a:t>Use absolute position in the specific aa sequence?</a:t>
+              <a:rPr lang="en-US" b="0" dirty="0">
+                <a:effectLst/>
+              </a:rPr>
+              <a:t>focus on just </a:t>
+            </a:r>
+            <a:r>
+              <a:rPr lang="en-US" b="0" dirty="0" err="1">
+                <a:effectLst/>
+              </a:rPr>
+              <a:t>sequence_alignment_aa</a:t>
+            </a:r>
+            <a:r>
+              <a:rPr lang="en-US" b="0" dirty="0">
+                <a:effectLst/>
+              </a:rPr>
+              <a:t> column (not germline)</a:t>
+            </a:r>
+          </a:p>
+          <a:p>
+            <a:pPr marL="742950" lvl="1" indent="-285750">
+              <a:buFont typeface="Arial" panose="020B0604020202020204" pitchFamily="34" charset="0"/>
+              <a:buChar char="•"/>
+            </a:pPr>
+            <a:r>
+              <a:rPr lang="en-US" b="0" dirty="0">
+                <a:effectLst/>
+              </a:rPr>
+              <a:t>eliminate duplicates</a:t>
             </a:r>
           </a:p>
           <a:p>
@@ -4225,54 +8354,305 @@
               <a:buChar char="•"/>
             </a:pPr>
             <a:r>
-              <a:rPr lang="en-US" dirty="0"/>
-              <a:t>Or, the absolute position in the entire human light chain? </a:t>
-            </a:r>
-          </a:p>
-          <a:p>
-            <a:pPr marL="742950" lvl="1" indent="-285750">
+              <a:rPr lang="en-US" b="0" dirty="0">
+                <a:effectLst/>
+              </a:rPr>
+              <a:t>ignore the separate v, d, and j (they are already in the light chain)</a:t>
+            </a:r>
+          </a:p>
+          <a:p>
+            <a:pPr marL="285750" indent="-285750">
               <a:buFont typeface="Arial" panose="020B0604020202020204" pitchFamily="34" charset="0"/>
               <a:buChar char="•"/>
             </a:pPr>
             <a:r>
-              <a:rPr lang="en-US" dirty="0"/>
-              <a:t>makes more sense but not sure how I can get this information or if it changes for different antibody types (</a:t>
-            </a:r>
-            <a:r>
-              <a:rPr lang="en-US" dirty="0" err="1"/>
-              <a:t>ie</a:t>
-            </a:r>
-            <a:r>
-              <a:rPr lang="en-US" dirty="0"/>
-              <a:t>. IgG, IgA, </a:t>
-            </a:r>
-            <a:r>
-              <a:rPr lang="en-US" dirty="0" err="1"/>
-              <a:t>etc</a:t>
-            </a:r>
-            <a:endParaRPr lang="en-US" dirty="0"/>
-          </a:p>
-          <a:p>
-            <a:pPr marL="742950" lvl="1" indent="-285750">
+              <a:rPr lang="en-US" b="0" dirty="0">
+                <a:effectLst/>
+              </a:rPr>
+              <a:t>ignore fwr1, fwr2, fwr3, fwr4 regions (on the heavy chain?)</a:t>
+            </a:r>
+          </a:p>
+          <a:p>
+            <a:pPr marL="285750" indent="-285750">
               <a:buFont typeface="Arial" panose="020B0604020202020204" pitchFamily="34" charset="0"/>
               <a:buChar char="•"/>
             </a:pPr>
             <a:r>
+              <a:rPr lang="en-US" b="0" dirty="0">
+                <a:effectLst/>
+              </a:rPr>
+              <a:t>ignore </a:t>
+            </a:r>
+            <a:r>
+              <a:rPr lang="en-US" b="0" dirty="0" err="1">
+                <a:effectLst/>
+              </a:rPr>
+              <a:t>cdr</a:t>
+            </a:r>
+            <a:r>
+              <a:rPr lang="en-US" b="0" dirty="0">
+                <a:effectLst/>
+              </a:rPr>
+              <a:t> sequences (they are already contained in the longer light-chain sequences)</a:t>
+            </a:r>
+          </a:p>
+          <a:p>
+            <a:br>
+              <a:rPr lang="en-US" b="0" dirty="0">
+                <a:effectLst/>
+              </a:rPr>
+            </a:br>
+            <a:r>
+              <a:rPr lang="en-US" b="1" dirty="0">
+                <a:effectLst/>
+              </a:rPr>
+              <a:t>Result of data extraction</a:t>
+            </a:r>
+            <a:endParaRPr lang="en-US" b="0" dirty="0">
+              <a:effectLst/>
+            </a:endParaRPr>
+          </a:p>
+          <a:p>
+            <a:pPr marL="285750" indent="-285750">
+              <a:buFont typeface="Arial" panose="020B0604020202020204" pitchFamily="34" charset="0"/>
+              <a:buChar char="•"/>
+            </a:pPr>
+            <a:r>
+              <a:rPr lang="en-US" b="0" dirty="0">
+                <a:effectLst/>
+              </a:rPr>
+              <a:t>total rows 20306305, num unique, </a:t>
+            </a:r>
+            <a:r>
+              <a:rPr lang="en-US" b="0" dirty="0" err="1">
+                <a:effectLst/>
+              </a:rPr>
+              <a:t>len</a:t>
+            </a:r>
+            <a:r>
+              <a:rPr lang="en-US" b="0" dirty="0">
+                <a:effectLst/>
+              </a:rPr>
+              <a:t>(seqs): 18061315</a:t>
+            </a:r>
+          </a:p>
+          <a:p>
+            <a:pPr marL="285750" indent="-285750">
+              <a:buFont typeface="Arial" panose="020B0604020202020204" pitchFamily="34" charset="0"/>
+              <a:buChar char="•"/>
+            </a:pPr>
+            <a:r>
+              <a:rPr lang="en-US" b="0" dirty="0">
+                <a:effectLst/>
+              </a:rPr>
+              <a:t>range in length from </a:t>
+            </a:r>
+            <a:r>
+              <a:rPr lang="en-US" b="0" dirty="0" err="1">
+                <a:effectLst/>
+              </a:rPr>
+              <a:t>min_len</a:t>
+            </a:r>
+            <a:r>
+              <a:rPr lang="en-US" b="0" dirty="0">
+                <a:effectLst/>
+              </a:rPr>
+              <a:t>: 43 , </a:t>
+            </a:r>
+            <a:r>
+              <a:rPr lang="en-US" b="0" dirty="0" err="1">
+                <a:effectLst/>
+              </a:rPr>
+              <a:t>max_len</a:t>
+            </a:r>
+            <a:r>
+              <a:rPr lang="en-US" b="0" dirty="0">
+                <a:effectLst/>
+              </a:rPr>
+              <a:t>: 132</a:t>
+            </a:r>
+            <a:br>
+              <a:rPr lang="en-US" b="0" dirty="0">
+                <a:effectLst/>
+              </a:rPr>
+            </a:br>
+            <a:endParaRPr lang="en-US" b="0" dirty="0">
+              <a:effectLst/>
+            </a:endParaRPr>
+          </a:p>
+        </p:txBody>
+      </p:sp>
+      <p:sp>
+        <p:nvSpPr>
+          <p:cNvPr id="5" name="TextBox 4">
+            <a:extLst>
+              <a:ext uri="{FF2B5EF4-FFF2-40B4-BE49-F238E27FC236}">
+                <a16:creationId xmlns:a16="http://schemas.microsoft.com/office/drawing/2014/main" id="{134BD8A0-CE7C-283D-1E05-408E2C1C9AAE}"/>
+              </a:ext>
+            </a:extLst>
+          </p:cNvPr>
+          <p:cNvSpPr txBox="1"/>
+          <p:nvPr/>
+        </p:nvSpPr>
+        <p:spPr>
+          <a:xfrm>
+            <a:off x="698740" y="1849564"/>
+            <a:ext cx="4439420" cy="646331"/>
+          </a:xfrm>
+          <a:prstGeom prst="rect">
+            <a:avLst/>
+          </a:prstGeom>
+          <a:noFill/>
+        </p:spPr>
+        <p:txBody>
+          <a:bodyPr wrap="none" rtlCol="0">
+            <a:spAutoFit/>
+          </a:bodyPr>
+          <a:lstStyle/>
+          <a:p>
+            <a:r>
               <a:rPr lang="en-US" dirty="0"/>
-              <a:t>There is no absolute light chain length for human IgG abs.  A few different chains have slightly different lengths.  Absolute alignment with reference light chains is probably </a:t>
-            </a:r>
-            <a:r>
-              <a:rPr lang="en-US"/>
-              <a:t>not practical.</a:t>
-            </a:r>
-            <a:endParaRPr lang="en-US" dirty="0"/>
+              <a:t>Human, SARS-COV-2, light chain, unpaired</a:t>
+            </a:r>
+          </a:p>
+          <a:p>
+            <a:pPr marL="285750" indent="-285750">
+              <a:buFont typeface="Arial" panose="020B0604020202020204" pitchFamily="34" charset="0"/>
+              <a:buChar char="•"/>
+            </a:pPr>
+            <a:r>
+              <a:rPr lang="en-US" dirty="0"/>
+              <a:t>175 datafiles </a:t>
+            </a:r>
+          </a:p>
+        </p:txBody>
+      </p:sp>
+      <p:sp>
+        <p:nvSpPr>
+          <p:cNvPr id="6" name="TextBox 5">
+            <a:hlinkClick r:id="rId2"/>
+            <a:extLst>
+              <a:ext uri="{FF2B5EF4-FFF2-40B4-BE49-F238E27FC236}">
+                <a16:creationId xmlns:a16="http://schemas.microsoft.com/office/drawing/2014/main" id="{29B86055-40FC-B110-8BF1-C3F390607AFB}"/>
+              </a:ext>
+            </a:extLst>
+          </p:cNvPr>
+          <p:cNvSpPr txBox="1"/>
+          <p:nvPr/>
+        </p:nvSpPr>
+        <p:spPr>
+          <a:xfrm>
+            <a:off x="7625751" y="6374011"/>
+            <a:ext cx="4270400" cy="369332"/>
+          </a:xfrm>
+          <a:prstGeom prst="rect">
+            <a:avLst/>
+          </a:prstGeom>
+          <a:noFill/>
+        </p:spPr>
+        <p:txBody>
+          <a:bodyPr wrap="none" rtlCol="0">
+            <a:spAutoFit/>
+          </a:bodyPr>
+          <a:lstStyle/>
+          <a:p>
+            <a:r>
+              <a:rPr lang="en-US" dirty="0"/>
+              <a:t>https://</a:t>
+            </a:r>
+            <a:r>
+              <a:rPr lang="en-US" dirty="0" err="1"/>
+              <a:t>opig.stats.ox.ac.uk</a:t>
+            </a:r>
+            <a:r>
+              <a:rPr lang="en-US" dirty="0"/>
+              <a:t>/webapps/</a:t>
+            </a:r>
+            <a:r>
+              <a:rPr lang="en-US" dirty="0" err="1"/>
+              <a:t>oas</a:t>
+            </a:r>
+            <a:r>
+              <a:rPr lang="en-US" dirty="0"/>
+              <a:t>/</a:t>
+            </a:r>
+          </a:p>
+        </p:txBody>
+      </p:sp>
+      <p:sp>
+        <p:nvSpPr>
+          <p:cNvPr id="7" name="TextBox 6">
+            <a:extLst>
+              <a:ext uri="{FF2B5EF4-FFF2-40B4-BE49-F238E27FC236}">
+                <a16:creationId xmlns:a16="http://schemas.microsoft.com/office/drawing/2014/main" id="{9FCB3EB8-5AA1-7DF9-6F60-2FAA11D05739}"/>
+              </a:ext>
+            </a:extLst>
+          </p:cNvPr>
+          <p:cNvSpPr txBox="1"/>
+          <p:nvPr/>
+        </p:nvSpPr>
+        <p:spPr>
+          <a:xfrm>
+            <a:off x="630945" y="1254860"/>
+            <a:ext cx="4102213" cy="369332"/>
+          </a:xfrm>
+          <a:prstGeom prst="rect">
+            <a:avLst/>
+          </a:prstGeom>
+          <a:noFill/>
+        </p:spPr>
+        <p:txBody>
+          <a:bodyPr wrap="none" rtlCol="0">
+            <a:spAutoFit/>
+          </a:bodyPr>
+          <a:lstStyle/>
+          <a:p>
+            <a:r>
+              <a:rPr lang="en-US" dirty="0"/>
+              <a:t>Pretrain (masked language model) with:</a:t>
+            </a:r>
+          </a:p>
+        </p:txBody>
+      </p:sp>
+      <p:sp>
+        <p:nvSpPr>
+          <p:cNvPr id="10" name="TextBox 9">
+            <a:extLst>
+              <a:ext uri="{FF2B5EF4-FFF2-40B4-BE49-F238E27FC236}">
+                <a16:creationId xmlns:a16="http://schemas.microsoft.com/office/drawing/2014/main" id="{997EC2EE-0227-F1B7-7BA5-DDB88BC4DBC8}"/>
+              </a:ext>
+            </a:extLst>
+          </p:cNvPr>
+          <p:cNvSpPr txBox="1"/>
+          <p:nvPr/>
+        </p:nvSpPr>
+        <p:spPr>
+          <a:xfrm>
+            <a:off x="157088" y="241780"/>
+            <a:ext cx="7673191" cy="461665"/>
+          </a:xfrm>
+          <a:prstGeom prst="rect">
+            <a:avLst/>
+          </a:prstGeom>
+          <a:noFill/>
+        </p:spPr>
+        <p:txBody>
+          <a:bodyPr wrap="none" rtlCol="0">
+            <a:spAutoFit/>
+          </a:bodyPr>
+          <a:lstStyle/>
+          <a:p>
+            <a:r>
+              <a:rPr lang="en-US" sz="2400" dirty="0"/>
+              <a:t>Training Data:  OAS (Observed Antibody Space) database</a:t>
+            </a:r>
           </a:p>
         </p:txBody>
       </p:sp>
     </p:spTree>
     <p:extLst>
       <p:ext uri="{BB962C8B-B14F-4D97-AF65-F5344CB8AC3E}">
-        <p14:creationId xmlns:p14="http://schemas.microsoft.com/office/powerpoint/2010/main" val="1802993917"/>
+        <p14:creationId xmlns:p14="http://schemas.microsoft.com/office/powerpoint/2010/main" val="2598926606"/>
       </p:ext>
     </p:extLst>
   </p:cSld>
@@ -4299,10 +8679,368 @@
           <a:chExt cx="0" cy="0"/>
         </a:xfrm>
       </p:grpSpPr>
+      <p:pic>
+        <p:nvPicPr>
+          <p:cNvPr id="3" name="Picture 2">
+            <a:extLst>
+              <a:ext uri="{FF2B5EF4-FFF2-40B4-BE49-F238E27FC236}">
+                <a16:creationId xmlns:a16="http://schemas.microsoft.com/office/drawing/2014/main" id="{64948729-3F72-C5CE-039F-870B604CA0CB}"/>
+              </a:ext>
+            </a:extLst>
+          </p:cNvPr>
+          <p:cNvPicPr>
+            <a:picLocks noChangeAspect="1"/>
+          </p:cNvPicPr>
+          <p:nvPr/>
+        </p:nvPicPr>
+        <p:blipFill>
+          <a:blip r:embed="rId2"/>
+          <a:stretch>
+            <a:fillRect/>
+          </a:stretch>
+        </p:blipFill>
+        <p:spPr>
+          <a:xfrm>
+            <a:off x="7869577" y="1612489"/>
+            <a:ext cx="3390900" cy="2717800"/>
+          </a:xfrm>
+          <a:prstGeom prst="rect">
+            <a:avLst/>
+          </a:prstGeom>
+        </p:spPr>
+      </p:pic>
+      <p:pic>
+        <p:nvPicPr>
+          <p:cNvPr id="4" name="Picture 3">
+            <a:extLst>
+              <a:ext uri="{FF2B5EF4-FFF2-40B4-BE49-F238E27FC236}">
+                <a16:creationId xmlns:a16="http://schemas.microsoft.com/office/drawing/2014/main" id="{3FC35F10-2E2B-6C99-CFDE-7CC76685FCFE}"/>
+              </a:ext>
+            </a:extLst>
+          </p:cNvPr>
+          <p:cNvPicPr>
+            <a:picLocks noChangeAspect="1"/>
+          </p:cNvPicPr>
+          <p:nvPr/>
+        </p:nvPicPr>
+        <p:blipFill>
+          <a:blip r:embed="rId3"/>
+          <a:stretch>
+            <a:fillRect/>
+          </a:stretch>
+        </p:blipFill>
+        <p:spPr>
+          <a:xfrm>
+            <a:off x="1009093" y="1612489"/>
+            <a:ext cx="3390900" cy="2717800"/>
+          </a:xfrm>
+          <a:prstGeom prst="rect">
+            <a:avLst/>
+          </a:prstGeom>
+        </p:spPr>
+      </p:pic>
+      <p:sp>
+        <p:nvSpPr>
+          <p:cNvPr id="5" name="TextBox 4">
+            <a:extLst>
+              <a:ext uri="{FF2B5EF4-FFF2-40B4-BE49-F238E27FC236}">
+                <a16:creationId xmlns:a16="http://schemas.microsoft.com/office/drawing/2014/main" id="{3263153C-4088-0D30-46AC-9C60901E6F67}"/>
+              </a:ext>
+            </a:extLst>
+          </p:cNvPr>
+          <p:cNvSpPr txBox="1"/>
+          <p:nvPr/>
+        </p:nvSpPr>
+        <p:spPr>
+          <a:xfrm>
+            <a:off x="1820173" y="4330289"/>
+            <a:ext cx="1837362" cy="369332"/>
+          </a:xfrm>
+          <a:prstGeom prst="rect">
+            <a:avLst/>
+          </a:prstGeom>
+          <a:noFill/>
+        </p:spPr>
+        <p:txBody>
+          <a:bodyPr wrap="none" rtlCol="0">
+            <a:spAutoFit/>
+          </a:bodyPr>
+          <a:lstStyle/>
+          <a:p>
+            <a:r>
+              <a:rPr lang="en-US" dirty="0"/>
+              <a:t>sequence length</a:t>
+            </a:r>
+          </a:p>
+        </p:txBody>
+      </p:sp>
+      <p:sp>
+        <p:nvSpPr>
+          <p:cNvPr id="6" name="TextBox 5">
+            <a:extLst>
+              <a:ext uri="{FF2B5EF4-FFF2-40B4-BE49-F238E27FC236}">
+                <a16:creationId xmlns:a16="http://schemas.microsoft.com/office/drawing/2014/main" id="{7BEA78C9-A044-5DEF-4A91-AEAD6C084346}"/>
+              </a:ext>
+            </a:extLst>
+          </p:cNvPr>
+          <p:cNvSpPr txBox="1"/>
+          <p:nvPr/>
+        </p:nvSpPr>
+        <p:spPr>
+          <a:xfrm>
+            <a:off x="1388853" y="1293551"/>
+            <a:ext cx="2315057" cy="369332"/>
+          </a:xfrm>
+          <a:prstGeom prst="rect">
+            <a:avLst/>
+          </a:prstGeom>
+          <a:noFill/>
+        </p:spPr>
+        <p:txBody>
+          <a:bodyPr wrap="none" rtlCol="0">
+            <a:spAutoFit/>
+          </a:bodyPr>
+          <a:lstStyle/>
+          <a:p>
+            <a:r>
+              <a:rPr lang="en-US" b="0" dirty="0">
+                <a:effectLst/>
+              </a:rPr>
+              <a:t>18061315 sequences</a:t>
+            </a:r>
+            <a:endParaRPr lang="en-US" dirty="0"/>
+          </a:p>
+        </p:txBody>
+      </p:sp>
+      <p:sp>
+        <p:nvSpPr>
+          <p:cNvPr id="7" name="TextBox 6">
+            <a:extLst>
+              <a:ext uri="{FF2B5EF4-FFF2-40B4-BE49-F238E27FC236}">
+                <a16:creationId xmlns:a16="http://schemas.microsoft.com/office/drawing/2014/main" id="{1B741A1D-2375-DA7B-D1A6-99AB694C08AC}"/>
+              </a:ext>
+            </a:extLst>
+          </p:cNvPr>
+          <p:cNvSpPr txBox="1"/>
+          <p:nvPr/>
+        </p:nvSpPr>
+        <p:spPr>
+          <a:xfrm>
+            <a:off x="8407498" y="1293551"/>
+            <a:ext cx="2315057" cy="369332"/>
+          </a:xfrm>
+          <a:prstGeom prst="rect">
+            <a:avLst/>
+          </a:prstGeom>
+          <a:noFill/>
+        </p:spPr>
+        <p:txBody>
+          <a:bodyPr wrap="none" rtlCol="0">
+            <a:spAutoFit/>
+          </a:bodyPr>
+          <a:lstStyle/>
+          <a:p>
+            <a:r>
+              <a:rPr lang="en-US" b="0" i="0" dirty="0">
+                <a:effectLst/>
+              </a:rPr>
+              <a:t>17599987 sequences</a:t>
+            </a:r>
+            <a:endParaRPr lang="en-US" dirty="0"/>
+          </a:p>
+        </p:txBody>
+      </p:sp>
+      <p:sp>
+        <p:nvSpPr>
+          <p:cNvPr id="8" name="TextBox 7">
+            <a:extLst>
+              <a:ext uri="{FF2B5EF4-FFF2-40B4-BE49-F238E27FC236}">
+                <a16:creationId xmlns:a16="http://schemas.microsoft.com/office/drawing/2014/main" id="{44458037-5862-9360-6238-08F5720BC272}"/>
+              </a:ext>
+            </a:extLst>
+          </p:cNvPr>
+          <p:cNvSpPr txBox="1"/>
+          <p:nvPr/>
+        </p:nvSpPr>
+        <p:spPr>
+          <a:xfrm>
+            <a:off x="4661761" y="2786723"/>
+            <a:ext cx="2868478" cy="369332"/>
+          </a:xfrm>
+          <a:prstGeom prst="rect">
+            <a:avLst/>
+          </a:prstGeom>
+          <a:noFill/>
+        </p:spPr>
+        <p:txBody>
+          <a:bodyPr wrap="none" rtlCol="0">
+            <a:spAutoFit/>
+          </a:bodyPr>
+          <a:lstStyle/>
+          <a:p>
+            <a:r>
+              <a:rPr lang="en-US" dirty="0">
+                <a:highlight>
+                  <a:srgbClr val="FFFF00"/>
+                </a:highlight>
+              </a:rPr>
+              <a:t>remove all seqs &lt; 90 length</a:t>
+            </a:r>
+          </a:p>
+        </p:txBody>
+      </p:sp>
+      <p:sp>
+        <p:nvSpPr>
+          <p:cNvPr id="9" name="TextBox 8">
+            <a:extLst>
+              <a:ext uri="{FF2B5EF4-FFF2-40B4-BE49-F238E27FC236}">
+                <a16:creationId xmlns:a16="http://schemas.microsoft.com/office/drawing/2014/main" id="{5DCE4DA8-3B27-FD6C-5515-A9606CFAA53F}"/>
+              </a:ext>
+            </a:extLst>
+          </p:cNvPr>
+          <p:cNvSpPr txBox="1"/>
+          <p:nvPr/>
+        </p:nvSpPr>
+        <p:spPr>
+          <a:xfrm>
+            <a:off x="8885193" y="4260866"/>
+            <a:ext cx="1837362" cy="369332"/>
+          </a:xfrm>
+          <a:prstGeom prst="rect">
+            <a:avLst/>
+          </a:prstGeom>
+          <a:noFill/>
+        </p:spPr>
+        <p:txBody>
+          <a:bodyPr wrap="none" rtlCol="0">
+            <a:spAutoFit/>
+          </a:bodyPr>
+          <a:lstStyle/>
+          <a:p>
+            <a:r>
+              <a:rPr lang="en-US" dirty="0"/>
+              <a:t>sequence length</a:t>
+            </a:r>
+          </a:p>
+        </p:txBody>
+      </p:sp>
+      <p:sp>
+        <p:nvSpPr>
+          <p:cNvPr id="10" name="TextBox 9">
+            <a:extLst>
+              <a:ext uri="{FF2B5EF4-FFF2-40B4-BE49-F238E27FC236}">
+                <a16:creationId xmlns:a16="http://schemas.microsoft.com/office/drawing/2014/main" id="{E3635CC3-470B-3685-D2AD-542AC4874315}"/>
+              </a:ext>
+            </a:extLst>
+          </p:cNvPr>
+          <p:cNvSpPr txBox="1"/>
+          <p:nvPr/>
+        </p:nvSpPr>
+        <p:spPr>
+          <a:xfrm>
+            <a:off x="1445017" y="5080307"/>
+            <a:ext cx="5909951" cy="1200329"/>
+          </a:xfrm>
+          <a:prstGeom prst="rect">
+            <a:avLst/>
+          </a:prstGeom>
+          <a:noFill/>
+        </p:spPr>
+        <p:txBody>
+          <a:bodyPr wrap="none" rtlCol="0">
+            <a:spAutoFit/>
+          </a:bodyPr>
+          <a:lstStyle/>
+          <a:p>
+            <a:r>
+              <a:rPr lang="en-US" dirty="0"/>
+              <a:t>Final dataset:  </a:t>
+            </a:r>
+          </a:p>
+          <a:p>
+            <a:pPr marL="285750" indent="-285750">
+              <a:buFont typeface="Arial" panose="020B0604020202020204" pitchFamily="34" charset="0"/>
+              <a:buChar char="•"/>
+            </a:pPr>
+            <a:r>
+              <a:rPr lang="en-US" dirty="0"/>
+              <a:t>17,599,987 unique sequences between 90 – 132 length</a:t>
+            </a:r>
+          </a:p>
+          <a:p>
+            <a:pPr marL="285750" indent="-285750">
+              <a:buFont typeface="Arial" panose="020B0604020202020204" pitchFamily="34" charset="0"/>
+              <a:buChar char="•"/>
+            </a:pPr>
+            <a:r>
+              <a:rPr lang="en-US" dirty="0"/>
+              <a:t>train: </a:t>
+            </a:r>
+            <a:r>
+              <a:rPr lang="en-US" b="0" i="0" dirty="0">
+                <a:effectLst/>
+              </a:rPr>
+              <a:t>14,079,989</a:t>
+            </a:r>
+          </a:p>
+          <a:p>
+            <a:pPr marL="285750" indent="-285750">
+              <a:buFont typeface="Arial" panose="020B0604020202020204" pitchFamily="34" charset="0"/>
+              <a:buChar char="•"/>
+            </a:pPr>
+            <a:r>
+              <a:rPr lang="en-US" dirty="0"/>
+              <a:t>test: </a:t>
+            </a:r>
+            <a:r>
+              <a:rPr lang="en-US" b="0" i="0" dirty="0">
+                <a:effectLst/>
+              </a:rPr>
+              <a:t>3,519,998</a:t>
+            </a:r>
+            <a:endParaRPr lang="en-US" dirty="0"/>
+          </a:p>
+        </p:txBody>
+      </p:sp>
+      <p:sp>
+        <p:nvSpPr>
+          <p:cNvPr id="11" name="TextBox 10">
+            <a:extLst>
+              <a:ext uri="{FF2B5EF4-FFF2-40B4-BE49-F238E27FC236}">
+                <a16:creationId xmlns:a16="http://schemas.microsoft.com/office/drawing/2014/main" id="{CA4BBF3D-2B4A-5ABA-DDD8-860228311B7F}"/>
+              </a:ext>
+            </a:extLst>
+          </p:cNvPr>
+          <p:cNvSpPr txBox="1"/>
+          <p:nvPr/>
+        </p:nvSpPr>
+        <p:spPr>
+          <a:xfrm>
+            <a:off x="157088" y="241780"/>
+            <a:ext cx="6094745" cy="461665"/>
+          </a:xfrm>
+          <a:prstGeom prst="rect">
+            <a:avLst/>
+          </a:prstGeom>
+          <a:noFill/>
+        </p:spPr>
+        <p:txBody>
+          <a:bodyPr wrap="none" rtlCol="0">
+            <a:spAutoFit/>
+          </a:bodyPr>
+          <a:lstStyle/>
+          <a:p>
+            <a:r>
+              <a:rPr lang="en-US" sz="2400" dirty="0"/>
+              <a:t>Training Data:  distribution of peptide lengths</a:t>
+            </a:r>
+          </a:p>
+        </p:txBody>
+      </p:sp>
     </p:spTree>
     <p:extLst>
       <p:ext uri="{BB962C8B-B14F-4D97-AF65-F5344CB8AC3E}">
-        <p14:creationId xmlns:p14="http://schemas.microsoft.com/office/powerpoint/2010/main" val="441825283"/>
+        <p14:creationId xmlns:p14="http://schemas.microsoft.com/office/powerpoint/2010/main" val="3339313360"/>
       </p:ext>
     </p:extLst>
   </p:cSld>
@@ -4329,10 +9067,3679 @@
           <a:chExt cx="0" cy="0"/>
         </a:xfrm>
       </p:grpSpPr>
+      <p:sp>
+        <p:nvSpPr>
+          <p:cNvPr id="2" name="TextBox 1">
+            <a:extLst>
+              <a:ext uri="{FF2B5EF4-FFF2-40B4-BE49-F238E27FC236}">
+                <a16:creationId xmlns:a16="http://schemas.microsoft.com/office/drawing/2014/main" id="{173364C4-CB84-A1D3-F6F3-AC3B3E94681F}"/>
+              </a:ext>
+            </a:extLst>
+          </p:cNvPr>
+          <p:cNvSpPr txBox="1"/>
+          <p:nvPr/>
+        </p:nvSpPr>
+        <p:spPr>
+          <a:xfrm>
+            <a:off x="933090" y="1100040"/>
+            <a:ext cx="10325819" cy="2308324"/>
+          </a:xfrm>
+          <a:prstGeom prst="rect">
+            <a:avLst/>
+          </a:prstGeom>
+          <a:noFill/>
+        </p:spPr>
+        <p:txBody>
+          <a:bodyPr wrap="square" rtlCol="0">
+            <a:spAutoFit/>
+          </a:bodyPr>
+          <a:lstStyle/>
+          <a:p>
+            <a:r>
+              <a:rPr lang="en-US" dirty="0"/>
+              <a:t>Position embedding:</a:t>
+            </a:r>
+          </a:p>
+          <a:p>
+            <a:pPr marL="342900" indent="-342900">
+              <a:buFont typeface="+mj-lt"/>
+              <a:buAutoNum type="arabicPeriod"/>
+            </a:pPr>
+            <a:r>
+              <a:rPr lang="en-US" dirty="0"/>
+              <a:t>Use absolute position determined from each specific aa sequence?</a:t>
+            </a:r>
+          </a:p>
+          <a:p>
+            <a:pPr marL="342900" indent="-342900">
+              <a:buFont typeface="+mj-lt"/>
+              <a:buAutoNum type="arabicPeriod"/>
+            </a:pPr>
+            <a:endParaRPr lang="en-US" dirty="0"/>
+          </a:p>
+          <a:p>
+            <a:pPr marL="342900" indent="-342900">
+              <a:buFont typeface="+mj-lt"/>
+              <a:buAutoNum type="arabicPeriod"/>
+            </a:pPr>
+            <a:r>
+              <a:rPr lang="en-US" dirty="0"/>
+              <a:t>Or, the absolute position in the entire human light chain? </a:t>
+            </a:r>
+          </a:p>
+          <a:p>
+            <a:pPr marL="742950" lvl="1" indent="-285750">
+              <a:buFont typeface="Arial" panose="020B0604020202020204" pitchFamily="34" charset="0"/>
+              <a:buChar char="•"/>
+            </a:pPr>
+            <a:r>
+              <a:rPr lang="en-US" dirty="0"/>
+              <a:t>makes more sense but not sure how I can get this information or if it changes for different antibody types (</a:t>
+            </a:r>
+            <a:r>
+              <a:rPr lang="en-US" dirty="0" err="1"/>
+              <a:t>ie</a:t>
+            </a:r>
+            <a:r>
+              <a:rPr lang="en-US" dirty="0"/>
+              <a:t>. IgG, IgA, </a:t>
+            </a:r>
+            <a:r>
+              <a:rPr lang="en-US" dirty="0" err="1"/>
+              <a:t>etc</a:t>
+            </a:r>
+            <a:r>
+              <a:rPr lang="en-US" dirty="0"/>
+              <a:t>)</a:t>
+            </a:r>
+          </a:p>
+          <a:p>
+            <a:pPr marL="742950" lvl="1" indent="-285750">
+              <a:buFont typeface="Arial" panose="020B0604020202020204" pitchFamily="34" charset="0"/>
+              <a:buChar char="•"/>
+            </a:pPr>
+            <a:r>
+              <a:rPr lang="en-US" dirty="0"/>
+              <a:t>There is no absolute light chain length for human IgG abs.  A few different chains have slightly different lengths.  Absolute alignment with reference light chains is probably not practical.</a:t>
+            </a:r>
+          </a:p>
+        </p:txBody>
+      </p:sp>
+      <p:sp>
+        <p:nvSpPr>
+          <p:cNvPr id="3" name="TextBox 2">
+            <a:extLst>
+              <a:ext uri="{FF2B5EF4-FFF2-40B4-BE49-F238E27FC236}">
+                <a16:creationId xmlns:a16="http://schemas.microsoft.com/office/drawing/2014/main" id="{86DCB64A-0BD4-1C80-7F06-5E42F0FEC3C4}"/>
+              </a:ext>
+            </a:extLst>
+          </p:cNvPr>
+          <p:cNvSpPr txBox="1"/>
+          <p:nvPr/>
+        </p:nvSpPr>
+        <p:spPr>
+          <a:xfrm>
+            <a:off x="219456" y="192024"/>
+            <a:ext cx="6630918" cy="461665"/>
+          </a:xfrm>
+          <a:prstGeom prst="rect">
+            <a:avLst/>
+          </a:prstGeom>
+          <a:noFill/>
+        </p:spPr>
+        <p:txBody>
+          <a:bodyPr wrap="none" rtlCol="0">
+            <a:spAutoFit/>
+          </a:bodyPr>
+          <a:lstStyle/>
+          <a:p>
+            <a:r>
+              <a:rPr lang="en-US" sz="2400" dirty="0"/>
+              <a:t>Issue(s) I have not resolved to my satisfaction yet</a:t>
+            </a:r>
+          </a:p>
+        </p:txBody>
+      </p:sp>
+      <p:sp>
+        <p:nvSpPr>
+          <p:cNvPr id="4" name="TextBox 3">
+            <a:extLst>
+              <a:ext uri="{FF2B5EF4-FFF2-40B4-BE49-F238E27FC236}">
+                <a16:creationId xmlns:a16="http://schemas.microsoft.com/office/drawing/2014/main" id="{F743C41F-EB12-14F8-5B10-D2C9FEE59C1B}"/>
+              </a:ext>
+            </a:extLst>
+          </p:cNvPr>
+          <p:cNvSpPr txBox="1"/>
+          <p:nvPr/>
+        </p:nvSpPr>
+        <p:spPr>
+          <a:xfrm>
+            <a:off x="630936" y="4233672"/>
+            <a:ext cx="2885342" cy="369332"/>
+          </a:xfrm>
+          <a:prstGeom prst="rect">
+            <a:avLst/>
+          </a:prstGeom>
+          <a:noFill/>
+        </p:spPr>
+        <p:txBody>
+          <a:bodyPr wrap="none" rtlCol="0">
+            <a:spAutoFit/>
+          </a:bodyPr>
+          <a:lstStyle/>
+          <a:p>
+            <a:r>
+              <a:rPr lang="en-US" dirty="0"/>
+              <a:t>I’ll pre-train using option #1</a:t>
+            </a:r>
+          </a:p>
+        </p:txBody>
+      </p:sp>
     </p:spTree>
     <p:extLst>
       <p:ext uri="{BB962C8B-B14F-4D97-AF65-F5344CB8AC3E}">
-        <p14:creationId xmlns:p14="http://schemas.microsoft.com/office/powerpoint/2010/main" val="312208813"/>
+        <p14:creationId xmlns:p14="http://schemas.microsoft.com/office/powerpoint/2010/main" val="1802993917"/>
+      </p:ext>
+    </p:extLst>
+  </p:cSld>
+  <p:clrMapOvr>
+    <a:masterClrMapping/>
+  </p:clrMapOvr>
+</p:sld>
+</file>
+
+<file path=ppt/slides/slide7.xml><?xml version="1.0" encoding="utf-8"?>
+<p:sld xmlns:a="http://schemas.openxmlformats.org/drawingml/2006/main" xmlns:r="http://schemas.openxmlformats.org/officeDocument/2006/relationships" xmlns:p="http://schemas.openxmlformats.org/presentationml/2006/main">
+  <p:cSld>
+    <p:spTree>
+      <p:nvGrpSpPr>
+        <p:cNvPr id="1" name=""/>
+        <p:cNvGrpSpPr/>
+        <p:nvPr/>
+      </p:nvGrpSpPr>
+      <p:grpSpPr>
+        <a:xfrm>
+          <a:off x="0" y="0"/>
+          <a:ext cx="0" cy="0"/>
+          <a:chOff x="0" y="0"/>
+          <a:chExt cx="0" cy="0"/>
+        </a:xfrm>
+      </p:grpSpPr>
+      <p:sp>
+        <p:nvSpPr>
+          <p:cNvPr id="2" name="TextBox 1">
+            <a:extLst>
+              <a:ext uri="{FF2B5EF4-FFF2-40B4-BE49-F238E27FC236}">
+                <a16:creationId xmlns:a16="http://schemas.microsoft.com/office/drawing/2014/main" id="{F1009346-0A06-C618-B97B-16F018B30694}"/>
+              </a:ext>
+            </a:extLst>
+          </p:cNvPr>
+          <p:cNvSpPr txBox="1"/>
+          <p:nvPr/>
+        </p:nvSpPr>
+        <p:spPr>
+          <a:xfrm>
+            <a:off x="157088" y="241780"/>
+            <a:ext cx="3415166" cy="461665"/>
+          </a:xfrm>
+          <a:prstGeom prst="rect">
+            <a:avLst/>
+          </a:prstGeom>
+          <a:noFill/>
+        </p:spPr>
+        <p:txBody>
+          <a:bodyPr wrap="none" rtlCol="0">
+            <a:spAutoFit/>
+          </a:bodyPr>
+          <a:lstStyle/>
+          <a:p>
+            <a:r>
+              <a:rPr lang="en-US" sz="2400" dirty="0"/>
+              <a:t>Pre-training on OAS data</a:t>
+            </a:r>
+          </a:p>
+        </p:txBody>
+      </p:sp>
+      <p:sp>
+        <p:nvSpPr>
+          <p:cNvPr id="3" name="TextBox 2">
+            <a:extLst>
+              <a:ext uri="{FF2B5EF4-FFF2-40B4-BE49-F238E27FC236}">
+                <a16:creationId xmlns:a16="http://schemas.microsoft.com/office/drawing/2014/main" id="{E24C06AD-EB4C-77BC-393E-A30EC9AFB234}"/>
+              </a:ext>
+            </a:extLst>
+          </p:cNvPr>
+          <p:cNvSpPr txBox="1"/>
+          <p:nvPr/>
+        </p:nvSpPr>
+        <p:spPr>
+          <a:xfrm>
+            <a:off x="1426464" y="1161288"/>
+            <a:ext cx="8333115" cy="4801314"/>
+          </a:xfrm>
+          <a:prstGeom prst="rect">
+            <a:avLst/>
+          </a:prstGeom>
+          <a:noFill/>
+        </p:spPr>
+        <p:txBody>
+          <a:bodyPr wrap="none" rtlCol="0">
+            <a:spAutoFit/>
+          </a:bodyPr>
+          <a:lstStyle/>
+          <a:p>
+            <a:pPr marL="285750" indent="-285750">
+              <a:buFont typeface="Arial" panose="020B0604020202020204" pitchFamily="34" charset="0"/>
+              <a:buChar char="•"/>
+            </a:pPr>
+            <a:r>
+              <a:rPr lang="en-US" dirty="0"/>
+              <a:t>Code: </a:t>
+            </a:r>
+            <a:r>
+              <a:rPr lang="en-US" dirty="0" err="1"/>
+              <a:t>pytorch</a:t>
+            </a:r>
+            <a:r>
+              <a:rPr lang="en-US" dirty="0"/>
+              <a:t> with a </a:t>
+            </a:r>
+            <a:r>
+              <a:rPr lang="en-US" dirty="0" err="1"/>
+              <a:t>pytorch</a:t>
+            </a:r>
+            <a:r>
+              <a:rPr lang="en-US" dirty="0"/>
+              <a:t>-lightning harness to manage the training, test loop</a:t>
+            </a:r>
+          </a:p>
+          <a:p>
+            <a:pPr marL="285750" indent="-285750">
+              <a:buFont typeface="Arial" panose="020B0604020202020204" pitchFamily="34" charset="0"/>
+              <a:buChar char="•"/>
+            </a:pPr>
+            <a:endParaRPr lang="en-US" dirty="0"/>
+          </a:p>
+          <a:p>
+            <a:pPr marL="285750" indent="-285750">
+              <a:buFont typeface="Arial" panose="020B0604020202020204" pitchFamily="34" charset="0"/>
+              <a:buChar char="•"/>
+            </a:pPr>
+            <a:r>
+              <a:rPr lang="en-US" dirty="0"/>
+              <a:t>Hardware: two </a:t>
+            </a:r>
+            <a:r>
+              <a:rPr lang="en-US" b="0" dirty="0">
+                <a:effectLst/>
+              </a:rPr>
+              <a:t>GeForce RTX 2080 </a:t>
+            </a:r>
+            <a:r>
+              <a:rPr lang="en-US" b="0" dirty="0" err="1">
+                <a:effectLst/>
+              </a:rPr>
+              <a:t>Ti</a:t>
+            </a:r>
+            <a:r>
+              <a:rPr lang="en-US" b="0" dirty="0">
+                <a:effectLst/>
+              </a:rPr>
+              <a:t> with 11GB memory each.</a:t>
+            </a:r>
+          </a:p>
+          <a:p>
+            <a:pPr marL="285750" indent="-285750">
+              <a:buFont typeface="Arial" panose="020B0604020202020204" pitchFamily="34" charset="0"/>
+              <a:buChar char="•"/>
+            </a:pPr>
+            <a:endParaRPr lang="en-US" b="0" dirty="0">
+              <a:effectLst/>
+            </a:endParaRPr>
+          </a:p>
+          <a:p>
+            <a:pPr marL="285750" indent="-285750">
+              <a:buFont typeface="Arial" panose="020B0604020202020204" pitchFamily="34" charset="0"/>
+              <a:buChar char="•"/>
+            </a:pPr>
+            <a:r>
+              <a:rPr lang="en-US" dirty="0"/>
+              <a:t>Settings:</a:t>
+            </a:r>
+          </a:p>
+          <a:p>
+            <a:pPr marL="742950" lvl="1" indent="-285750">
+              <a:buFont typeface="Arial" panose="020B0604020202020204" pitchFamily="34" charset="0"/>
+              <a:buChar char="•"/>
+            </a:pPr>
+            <a:r>
+              <a:rPr lang="en-US" b="0" dirty="0" err="1">
+                <a:effectLst/>
+              </a:rPr>
+              <a:t>emb</a:t>
+            </a:r>
+            <a:r>
+              <a:rPr lang="en-US" b="0" dirty="0">
+                <a:effectLst/>
+              </a:rPr>
+              <a:t> dim: 512</a:t>
+            </a:r>
+          </a:p>
+          <a:p>
+            <a:pPr marL="742950" lvl="1" indent="-285750">
+              <a:buFont typeface="Arial" panose="020B0604020202020204" pitchFamily="34" charset="0"/>
+              <a:buChar char="•"/>
+            </a:pPr>
+            <a:r>
+              <a:rPr lang="en-US" dirty="0"/>
+              <a:t>layers: 12</a:t>
+            </a:r>
+          </a:p>
+          <a:p>
+            <a:pPr marL="742950" lvl="1" indent="-285750">
+              <a:buFont typeface="Arial" panose="020B0604020202020204" pitchFamily="34" charset="0"/>
+              <a:buChar char="•"/>
+            </a:pPr>
+            <a:r>
+              <a:rPr lang="en-US" b="0" dirty="0">
+                <a:effectLst/>
+              </a:rPr>
+              <a:t>heads: 16</a:t>
+            </a:r>
+          </a:p>
+          <a:p>
+            <a:pPr marL="742950" lvl="1" indent="-285750">
+              <a:buFont typeface="Arial" panose="020B0604020202020204" pitchFamily="34" charset="0"/>
+              <a:buChar char="•"/>
+            </a:pPr>
+            <a:r>
+              <a:rPr lang="en-US" dirty="0"/>
+              <a:t>dropouts: 0.1</a:t>
+            </a:r>
+          </a:p>
+          <a:p>
+            <a:pPr marL="742950" lvl="1" indent="-285750">
+              <a:buFont typeface="Arial" panose="020B0604020202020204" pitchFamily="34" charset="0"/>
+              <a:buChar char="•"/>
+            </a:pPr>
+            <a:r>
+              <a:rPr lang="en-US" b="0" dirty="0">
+                <a:effectLst/>
+              </a:rPr>
+              <a:t>vocab size: 23 (20 aa, CLS, X, and MASK tokens)</a:t>
+            </a:r>
+          </a:p>
+          <a:p>
+            <a:pPr marL="742950" lvl="1" indent="-285750">
+              <a:buFont typeface="Arial" panose="020B0604020202020204" pitchFamily="34" charset="0"/>
+              <a:buChar char="•"/>
+            </a:pPr>
+            <a:r>
+              <a:rPr lang="en-US" dirty="0"/>
+              <a:t>block size: 91 (CLS token + 90 aa)</a:t>
+            </a:r>
+          </a:p>
+          <a:p>
+            <a:pPr marL="742950" lvl="1" indent="-285750">
+              <a:buFont typeface="Arial" panose="020B0604020202020204" pitchFamily="34" charset="0"/>
+              <a:buChar char="•"/>
+            </a:pPr>
+            <a:r>
+              <a:rPr lang="en-US" b="0" dirty="0">
+                <a:effectLst/>
+              </a:rPr>
+              <a:t>mask pro</a:t>
+            </a:r>
+            <a:r>
+              <a:rPr lang="en-US" dirty="0"/>
+              <a:t>b: 0.15</a:t>
+            </a:r>
+          </a:p>
+          <a:p>
+            <a:pPr marL="742950" lvl="1" indent="-285750">
+              <a:buFont typeface="Arial" panose="020B0604020202020204" pitchFamily="34" charset="0"/>
+              <a:buChar char="•"/>
+            </a:pPr>
+            <a:r>
+              <a:rPr lang="en-US" b="0" dirty="0" err="1">
+                <a:effectLst/>
+              </a:rPr>
+              <a:t>AdamW</a:t>
+            </a:r>
+            <a:r>
+              <a:rPr lang="en-US" b="0" dirty="0">
+                <a:effectLst/>
+              </a:rPr>
+              <a:t>, </a:t>
+            </a:r>
+            <a:r>
+              <a:rPr lang="en-US" dirty="0"/>
+              <a:t>learn rate 10</a:t>
+            </a:r>
+            <a:r>
+              <a:rPr lang="en-US" baseline="30000" dirty="0"/>
+              <a:t>-4</a:t>
+            </a:r>
+            <a:r>
+              <a:rPr lang="en-US" dirty="0"/>
+              <a:t>, decay gamma: 0.9985</a:t>
+            </a:r>
+          </a:p>
+          <a:p>
+            <a:pPr marL="742950" lvl="1" indent="-285750">
+              <a:buFont typeface="Arial" panose="020B0604020202020204" pitchFamily="34" charset="0"/>
+              <a:buChar char="•"/>
+            </a:pPr>
+            <a:r>
+              <a:rPr lang="en-US" b="0" dirty="0">
+                <a:effectLst/>
+              </a:rPr>
+              <a:t>batch size: 120 (it’s what would fit on my compute resources)</a:t>
+            </a:r>
+          </a:p>
+          <a:p>
+            <a:pPr marL="742950" lvl="1" indent="-285750">
+              <a:buFont typeface="Arial" panose="020B0604020202020204" pitchFamily="34" charset="0"/>
+              <a:buChar char="•"/>
+            </a:pPr>
+            <a:r>
+              <a:rPr lang="en-US" dirty="0" err="1"/>
+              <a:t>gpus</a:t>
+            </a:r>
+            <a:r>
+              <a:rPr lang="en-US" dirty="0"/>
+              <a:t>: 2</a:t>
+            </a:r>
+          </a:p>
+          <a:p>
+            <a:pPr marL="742950" lvl="1" indent="-285750">
+              <a:buFont typeface="Arial" panose="020B0604020202020204" pitchFamily="34" charset="0"/>
+              <a:buChar char="•"/>
+            </a:pPr>
+            <a:r>
+              <a:rPr lang="en-US" b="0" dirty="0">
+                <a:effectLst/>
+              </a:rPr>
+              <a:t>max epochs: 10</a:t>
+            </a:r>
+          </a:p>
+          <a:p>
+            <a:pPr marL="285750" indent="-285750">
+              <a:buFont typeface="Arial" panose="020B0604020202020204" pitchFamily="34" charset="0"/>
+              <a:buChar char="•"/>
+            </a:pPr>
+            <a:endParaRPr lang="en-US" dirty="0"/>
+          </a:p>
+        </p:txBody>
+      </p:sp>
+    </p:spTree>
+    <p:extLst>
+      <p:ext uri="{BB962C8B-B14F-4D97-AF65-F5344CB8AC3E}">
+        <p14:creationId xmlns:p14="http://schemas.microsoft.com/office/powerpoint/2010/main" val="3493479101"/>
+      </p:ext>
+    </p:extLst>
+  </p:cSld>
+  <p:clrMapOvr>
+    <a:masterClrMapping/>
+  </p:clrMapOvr>
+</p:sld>
+</file>
+
+<file path=ppt/slides/slide8.xml><?xml version="1.0" encoding="utf-8"?>
+<p:sld xmlns:a="http://schemas.openxmlformats.org/drawingml/2006/main" xmlns:r="http://schemas.openxmlformats.org/officeDocument/2006/relationships" xmlns:p="http://schemas.openxmlformats.org/presentationml/2006/main">
+  <p:cSld>
+    <p:spTree>
+      <p:nvGrpSpPr>
+        <p:cNvPr id="1" name=""/>
+        <p:cNvGrpSpPr/>
+        <p:nvPr/>
+      </p:nvGrpSpPr>
+      <p:grpSpPr>
+        <a:xfrm>
+          <a:off x="0" y="0"/>
+          <a:ext cx="0" cy="0"/>
+          <a:chOff x="0" y="0"/>
+          <a:chExt cx="0" cy="0"/>
+        </a:xfrm>
+      </p:grpSpPr>
+      <p:sp>
+        <p:nvSpPr>
+          <p:cNvPr id="2" name="TextBox 1">
+            <a:extLst>
+              <a:ext uri="{FF2B5EF4-FFF2-40B4-BE49-F238E27FC236}">
+                <a16:creationId xmlns:a16="http://schemas.microsoft.com/office/drawing/2014/main" id="{CC8E6E9A-245E-E1BD-B359-4DDAFACDC878}"/>
+              </a:ext>
+            </a:extLst>
+          </p:cNvPr>
+          <p:cNvSpPr txBox="1"/>
+          <p:nvPr/>
+        </p:nvSpPr>
+        <p:spPr>
+          <a:xfrm>
+            <a:off x="157088" y="241780"/>
+            <a:ext cx="3366306" cy="461665"/>
+          </a:xfrm>
+          <a:prstGeom prst="rect">
+            <a:avLst/>
+          </a:prstGeom>
+          <a:noFill/>
+        </p:spPr>
+        <p:txBody>
+          <a:bodyPr wrap="none" rtlCol="0">
+            <a:spAutoFit/>
+          </a:bodyPr>
+          <a:lstStyle/>
+          <a:p>
+            <a:r>
+              <a:rPr lang="en-US" sz="2400" dirty="0"/>
+              <a:t>Pre-training: loss curves</a:t>
+            </a:r>
+          </a:p>
+        </p:txBody>
+      </p:sp>
+      <p:sp>
+        <p:nvSpPr>
+          <p:cNvPr id="3" name="TextBox 2">
+            <a:extLst>
+              <a:ext uri="{FF2B5EF4-FFF2-40B4-BE49-F238E27FC236}">
+                <a16:creationId xmlns:a16="http://schemas.microsoft.com/office/drawing/2014/main" id="{C40C57B2-1FCD-B225-5C3E-90B2C62DF3D9}"/>
+              </a:ext>
+            </a:extLst>
+          </p:cNvPr>
+          <p:cNvSpPr txBox="1"/>
+          <p:nvPr/>
+        </p:nvSpPr>
+        <p:spPr>
+          <a:xfrm>
+            <a:off x="1892410" y="1717482"/>
+            <a:ext cx="1871090" cy="369332"/>
+          </a:xfrm>
+          <a:prstGeom prst="rect">
+            <a:avLst/>
+          </a:prstGeom>
+          <a:noFill/>
+        </p:spPr>
+        <p:txBody>
+          <a:bodyPr wrap="none" rtlCol="0">
+            <a:spAutoFit/>
+          </a:bodyPr>
+          <a:lstStyle/>
+          <a:p>
+            <a:r>
+              <a:rPr lang="en-US" dirty="0">
+                <a:highlight>
+                  <a:srgbClr val="FFFF00"/>
+                </a:highlight>
+              </a:rPr>
+              <a:t>currently running</a:t>
+            </a:r>
+          </a:p>
+        </p:txBody>
+      </p:sp>
+    </p:spTree>
+    <p:extLst>
+      <p:ext uri="{BB962C8B-B14F-4D97-AF65-F5344CB8AC3E}">
+        <p14:creationId xmlns:p14="http://schemas.microsoft.com/office/powerpoint/2010/main" val="441825283"/>
+      </p:ext>
+    </p:extLst>
+  </p:cSld>
+  <p:clrMapOvr>
+    <a:masterClrMapping/>
+  </p:clrMapOvr>
+</p:sld>
+</file>
+
+<file path=ppt/slides/slide9.xml><?xml version="1.0" encoding="utf-8"?>
+<p:sld xmlns:a="http://schemas.openxmlformats.org/drawingml/2006/main" xmlns:r="http://schemas.openxmlformats.org/officeDocument/2006/relationships" xmlns:p="http://schemas.openxmlformats.org/presentationml/2006/main">
+  <p:cSld>
+    <p:spTree>
+      <p:nvGrpSpPr>
+        <p:cNvPr id="1" name=""/>
+        <p:cNvGrpSpPr/>
+        <p:nvPr/>
+      </p:nvGrpSpPr>
+      <p:grpSpPr>
+        <a:xfrm>
+          <a:off x="0" y="0"/>
+          <a:ext cx="0" cy="0"/>
+          <a:chOff x="0" y="0"/>
+          <a:chExt cx="0" cy="0"/>
+        </a:xfrm>
+      </p:grpSpPr>
+      <p:sp>
+        <p:nvSpPr>
+          <p:cNvPr id="2" name="TextBox 1">
+            <a:extLst>
+              <a:ext uri="{FF2B5EF4-FFF2-40B4-BE49-F238E27FC236}">
+                <a16:creationId xmlns:a16="http://schemas.microsoft.com/office/drawing/2014/main" id="{82E9340A-18C0-A348-FE6D-9AD3709D1616}"/>
+              </a:ext>
+            </a:extLst>
+          </p:cNvPr>
+          <p:cNvSpPr txBox="1"/>
+          <p:nvPr/>
+        </p:nvSpPr>
+        <p:spPr>
+          <a:xfrm>
+            <a:off x="136762" y="204349"/>
+            <a:ext cx="869725" cy="461665"/>
+          </a:xfrm>
+          <a:prstGeom prst="rect">
+            <a:avLst/>
+          </a:prstGeom>
+          <a:noFill/>
+        </p:spPr>
+        <p:txBody>
+          <a:bodyPr wrap="none" rtlCol="0">
+            <a:spAutoFit/>
+          </a:bodyPr>
+          <a:lstStyle/>
+          <a:p>
+            <a:r>
+              <a:rPr lang="en-US" sz="2400" dirty="0"/>
+              <a:t>BERT</a:t>
+            </a:r>
+            <a:endParaRPr lang="en-US" sz="2400" dirty="0">
+              <a:highlight>
+                <a:srgbClr val="FFFF00"/>
+              </a:highlight>
+            </a:endParaRPr>
+          </a:p>
+        </p:txBody>
+      </p:sp>
+      <p:sp>
+        <p:nvSpPr>
+          <p:cNvPr id="31" name="Rectangle 30">
+            <a:extLst>
+              <a:ext uri="{FF2B5EF4-FFF2-40B4-BE49-F238E27FC236}">
+                <a16:creationId xmlns:a16="http://schemas.microsoft.com/office/drawing/2014/main" id="{CB9B49F4-C05C-BB69-8A3E-4392A162C6FE}"/>
+              </a:ext>
+            </a:extLst>
+          </p:cNvPr>
+          <p:cNvSpPr/>
+          <p:nvPr/>
+        </p:nvSpPr>
+        <p:spPr>
+          <a:xfrm>
+            <a:off x="4126297" y="2425473"/>
+            <a:ext cx="1240385" cy="621435"/>
+          </a:xfrm>
+          <a:prstGeom prst="rect">
+            <a:avLst/>
+          </a:prstGeom>
+          <a:solidFill>
+            <a:schemeClr val="bg2">
+              <a:lumMod val="75000"/>
+            </a:schemeClr>
+          </a:solidFill>
+        </p:spPr>
+        <p:style>
+          <a:lnRef idx="2">
+            <a:schemeClr val="accent1">
+              <a:shade val="15000"/>
+            </a:schemeClr>
+          </a:lnRef>
+          <a:fillRef idx="1">
+            <a:schemeClr val="accent1"/>
+          </a:fillRef>
+          <a:effectRef idx="0">
+            <a:schemeClr val="accent1"/>
+          </a:effectRef>
+          <a:fontRef idx="minor">
+            <a:schemeClr val="lt1"/>
+          </a:fontRef>
+        </p:style>
+        <p:txBody>
+          <a:bodyPr rtlCol="0" anchor="ctr"/>
+          <a:lstStyle/>
+          <a:p>
+            <a:pPr algn="ctr"/>
+            <a:r>
+              <a:rPr lang="en-US" sz="1600" dirty="0">
+                <a:solidFill>
+                  <a:schemeClr val="tx1"/>
+                </a:solidFill>
+              </a:rPr>
+              <a:t>Transformer</a:t>
+            </a:r>
+          </a:p>
+        </p:txBody>
+      </p:sp>
+      <p:sp>
+        <p:nvSpPr>
+          <p:cNvPr id="32" name="Right Brace 31">
+            <a:extLst>
+              <a:ext uri="{FF2B5EF4-FFF2-40B4-BE49-F238E27FC236}">
+                <a16:creationId xmlns:a16="http://schemas.microsoft.com/office/drawing/2014/main" id="{AAE10190-D77A-C3A1-6AC5-34C3B6F9FC9B}"/>
+              </a:ext>
+            </a:extLst>
+          </p:cNvPr>
+          <p:cNvSpPr/>
+          <p:nvPr/>
+        </p:nvSpPr>
+        <p:spPr>
+          <a:xfrm>
+            <a:off x="3781835" y="1432315"/>
+            <a:ext cx="237811" cy="2623430"/>
+          </a:xfrm>
+          <a:prstGeom prst="rightBrace">
+            <a:avLst/>
+          </a:prstGeom>
+          <a:ln>
+            <a:solidFill>
+              <a:schemeClr val="tx1"/>
+            </a:solidFill>
+          </a:ln>
+        </p:spPr>
+        <p:style>
+          <a:lnRef idx="2">
+            <a:schemeClr val="accent1"/>
+          </a:lnRef>
+          <a:fillRef idx="0">
+            <a:schemeClr val="accent1"/>
+          </a:fillRef>
+          <a:effectRef idx="1">
+            <a:schemeClr val="accent1"/>
+          </a:effectRef>
+          <a:fontRef idx="minor">
+            <a:schemeClr val="tx1"/>
+          </a:fontRef>
+        </p:style>
+        <p:txBody>
+          <a:bodyPr rtlCol="0" anchor="ctr"/>
+          <a:lstStyle/>
+          <a:p>
+            <a:pPr algn="ctr"/>
+            <a:endParaRPr lang="en-US" dirty="0"/>
+          </a:p>
+        </p:txBody>
+      </p:sp>
+      <p:cxnSp>
+        <p:nvCxnSpPr>
+          <p:cNvPr id="38" name="Straight Arrow Connector 37">
+            <a:extLst>
+              <a:ext uri="{FF2B5EF4-FFF2-40B4-BE49-F238E27FC236}">
+                <a16:creationId xmlns:a16="http://schemas.microsoft.com/office/drawing/2014/main" id="{8F657D18-5914-69A6-9AFB-FCD3E127DCC5}"/>
+              </a:ext>
+            </a:extLst>
+          </p:cNvPr>
+          <p:cNvCxnSpPr>
+            <a:cxnSpLocks/>
+          </p:cNvCxnSpPr>
+          <p:nvPr/>
+        </p:nvCxnSpPr>
+        <p:spPr>
+          <a:xfrm flipV="1">
+            <a:off x="5471763" y="2756452"/>
+            <a:ext cx="241615" cy="1087"/>
+          </a:xfrm>
+          <a:prstGeom prst="straightConnector1">
+            <a:avLst/>
+          </a:prstGeom>
+          <a:ln>
+            <a:solidFill>
+              <a:schemeClr val="tx1"/>
+            </a:solidFill>
+            <a:tailEnd type="triangle"/>
+          </a:ln>
+        </p:spPr>
+        <p:style>
+          <a:lnRef idx="2">
+            <a:schemeClr val="accent1"/>
+          </a:lnRef>
+          <a:fillRef idx="0">
+            <a:schemeClr val="accent1"/>
+          </a:fillRef>
+          <a:effectRef idx="1">
+            <a:schemeClr val="accent1"/>
+          </a:effectRef>
+          <a:fontRef idx="minor">
+            <a:schemeClr val="tx1"/>
+          </a:fontRef>
+        </p:style>
+      </p:cxnSp>
+      <p:grpSp>
+        <p:nvGrpSpPr>
+          <p:cNvPr id="64" name="Group 63">
+            <a:extLst>
+              <a:ext uri="{FF2B5EF4-FFF2-40B4-BE49-F238E27FC236}">
+                <a16:creationId xmlns:a16="http://schemas.microsoft.com/office/drawing/2014/main" id="{AD6A53F5-6FC8-799B-3759-A35F535094B1}"/>
+              </a:ext>
+            </a:extLst>
+          </p:cNvPr>
+          <p:cNvGrpSpPr/>
+          <p:nvPr/>
+        </p:nvGrpSpPr>
+        <p:grpSpPr>
+          <a:xfrm>
+            <a:off x="1188621" y="1351067"/>
+            <a:ext cx="707886" cy="2520669"/>
+            <a:chOff x="794657" y="2313552"/>
+            <a:chExt cx="707886" cy="2520669"/>
+          </a:xfrm>
+        </p:grpSpPr>
+        <p:grpSp>
+          <p:nvGrpSpPr>
+            <p:cNvPr id="59" name="Group 58">
+              <a:extLst>
+                <a:ext uri="{FF2B5EF4-FFF2-40B4-BE49-F238E27FC236}">
+                  <a16:creationId xmlns:a16="http://schemas.microsoft.com/office/drawing/2014/main" id="{E9D2FAA8-5906-2EB8-8AED-4E7D65FD08FF}"/>
+                </a:ext>
+              </a:extLst>
+            </p:cNvPr>
+            <p:cNvGrpSpPr/>
+            <p:nvPr/>
+          </p:nvGrpSpPr>
+          <p:grpSpPr>
+            <a:xfrm>
+              <a:off x="838567" y="2752341"/>
+              <a:ext cx="343652" cy="755423"/>
+              <a:chOff x="826242" y="2998440"/>
+              <a:chExt cx="486340" cy="520584"/>
+            </a:xfrm>
+          </p:grpSpPr>
+          <p:sp>
+            <p:nvSpPr>
+              <p:cNvPr id="4" name="Rectangle 3">
+                <a:extLst>
+                  <a:ext uri="{FF2B5EF4-FFF2-40B4-BE49-F238E27FC236}">
+                    <a16:creationId xmlns:a16="http://schemas.microsoft.com/office/drawing/2014/main" id="{C4C864D8-23AD-3F9B-B17A-C9E95344F8AD}"/>
+                  </a:ext>
+                </a:extLst>
+              </p:cNvPr>
+              <p:cNvSpPr/>
+              <p:nvPr/>
+            </p:nvSpPr>
+            <p:spPr>
+              <a:xfrm>
+                <a:off x="826242" y="2998440"/>
+                <a:ext cx="486340" cy="175596"/>
+              </a:xfrm>
+              <a:prstGeom prst="rect">
+                <a:avLst/>
+              </a:prstGeom>
+              <a:solidFill>
+                <a:srgbClr val="00B0F0"/>
+              </a:solidFill>
+            </p:spPr>
+            <p:style>
+              <a:lnRef idx="2">
+                <a:schemeClr val="accent1">
+                  <a:shade val="15000"/>
+                </a:schemeClr>
+              </a:lnRef>
+              <a:fillRef idx="1">
+                <a:schemeClr val="accent1"/>
+              </a:fillRef>
+              <a:effectRef idx="0">
+                <a:schemeClr val="accent1"/>
+              </a:effectRef>
+              <a:fontRef idx="minor">
+                <a:schemeClr val="lt1"/>
+              </a:fontRef>
+            </p:style>
+            <p:txBody>
+              <a:bodyPr rtlCol="0" anchor="ctr"/>
+              <a:lstStyle/>
+              <a:p>
+                <a:pPr algn="ctr"/>
+                <a:r>
+                  <a:rPr lang="en-US" sz="1200" dirty="0">
+                    <a:solidFill>
+                      <a:schemeClr val="tx1"/>
+                    </a:solidFill>
+                  </a:rPr>
+                  <a:t>Q</a:t>
+                </a:r>
+              </a:p>
+            </p:txBody>
+          </p:sp>
+          <p:sp>
+            <p:nvSpPr>
+              <p:cNvPr id="5" name="Rectangle 4">
+                <a:extLst>
+                  <a:ext uri="{FF2B5EF4-FFF2-40B4-BE49-F238E27FC236}">
+                    <a16:creationId xmlns:a16="http://schemas.microsoft.com/office/drawing/2014/main" id="{5EABA0B3-985A-C0A7-6226-C534738A104E}"/>
+                  </a:ext>
+                </a:extLst>
+              </p:cNvPr>
+              <p:cNvSpPr/>
+              <p:nvPr/>
+            </p:nvSpPr>
+            <p:spPr>
+              <a:xfrm>
+                <a:off x="826242" y="3170927"/>
+                <a:ext cx="486340" cy="175596"/>
+              </a:xfrm>
+              <a:prstGeom prst="rect">
+                <a:avLst/>
+              </a:prstGeom>
+              <a:solidFill>
+                <a:srgbClr val="00B0F0"/>
+              </a:solidFill>
+            </p:spPr>
+            <p:style>
+              <a:lnRef idx="2">
+                <a:schemeClr val="accent1">
+                  <a:shade val="15000"/>
+                </a:schemeClr>
+              </a:lnRef>
+              <a:fillRef idx="1">
+                <a:schemeClr val="accent1"/>
+              </a:fillRef>
+              <a:effectRef idx="0">
+                <a:schemeClr val="accent1"/>
+              </a:effectRef>
+              <a:fontRef idx="minor">
+                <a:schemeClr val="lt1"/>
+              </a:fontRef>
+            </p:style>
+            <p:txBody>
+              <a:bodyPr rtlCol="0" anchor="ctr"/>
+              <a:lstStyle/>
+              <a:p>
+                <a:pPr algn="ctr"/>
+                <a:r>
+                  <a:rPr lang="en-US" sz="1200" dirty="0">
+                    <a:solidFill>
+                      <a:schemeClr val="tx1"/>
+                    </a:solidFill>
+                  </a:rPr>
+                  <a:t>S</a:t>
+                </a:r>
+              </a:p>
+            </p:txBody>
+          </p:sp>
+          <p:sp>
+            <p:nvSpPr>
+              <p:cNvPr id="6" name="Rectangle 5">
+                <a:extLst>
+                  <a:ext uri="{FF2B5EF4-FFF2-40B4-BE49-F238E27FC236}">
+                    <a16:creationId xmlns:a16="http://schemas.microsoft.com/office/drawing/2014/main" id="{50406C6C-B4E7-F211-BCBC-32C3067F2632}"/>
+                  </a:ext>
+                </a:extLst>
+              </p:cNvPr>
+              <p:cNvSpPr/>
+              <p:nvPr/>
+            </p:nvSpPr>
+            <p:spPr>
+              <a:xfrm>
+                <a:off x="826242" y="3343428"/>
+                <a:ext cx="486340" cy="175596"/>
+              </a:xfrm>
+              <a:prstGeom prst="rect">
+                <a:avLst/>
+              </a:prstGeom>
+              <a:solidFill>
+                <a:srgbClr val="00B0F0"/>
+              </a:solidFill>
+            </p:spPr>
+            <p:style>
+              <a:lnRef idx="2">
+                <a:schemeClr val="accent1">
+                  <a:shade val="15000"/>
+                </a:schemeClr>
+              </a:lnRef>
+              <a:fillRef idx="1">
+                <a:schemeClr val="accent1"/>
+              </a:fillRef>
+              <a:effectRef idx="0">
+                <a:schemeClr val="accent1"/>
+              </a:effectRef>
+              <a:fontRef idx="minor">
+                <a:schemeClr val="lt1"/>
+              </a:fontRef>
+            </p:style>
+            <p:txBody>
+              <a:bodyPr rtlCol="0" anchor="ctr"/>
+              <a:lstStyle/>
+              <a:p>
+                <a:pPr algn="ctr"/>
+                <a:r>
+                  <a:rPr lang="en-US" sz="1200" dirty="0">
+                    <a:solidFill>
+                      <a:schemeClr val="tx1"/>
+                    </a:solidFill>
+                  </a:rPr>
+                  <a:t>V</a:t>
+                </a:r>
+              </a:p>
+            </p:txBody>
+          </p:sp>
+        </p:grpSp>
+        <p:sp>
+          <p:nvSpPr>
+            <p:cNvPr id="39" name="TextBox 38">
+              <a:extLst>
+                <a:ext uri="{FF2B5EF4-FFF2-40B4-BE49-F238E27FC236}">
+                  <a16:creationId xmlns:a16="http://schemas.microsoft.com/office/drawing/2014/main" id="{D5CB9BD8-BEFF-B8CA-CF7E-32948BDA828F}"/>
+                </a:ext>
+              </a:extLst>
+            </p:cNvPr>
+            <p:cNvSpPr txBox="1"/>
+            <p:nvPr/>
+          </p:nvSpPr>
+          <p:spPr>
+            <a:xfrm rot="5400000">
+              <a:off x="846273" y="3422528"/>
+              <a:ext cx="604653" cy="707886"/>
+            </a:xfrm>
+            <a:prstGeom prst="rect">
+              <a:avLst/>
+            </a:prstGeom>
+            <a:noFill/>
+          </p:spPr>
+          <p:txBody>
+            <a:bodyPr wrap="none" rtlCol="0">
+              <a:spAutoFit/>
+            </a:bodyPr>
+            <a:lstStyle/>
+            <a:p>
+              <a:r>
+                <a:rPr lang="en-US" sz="4000" dirty="0"/>
+                <a:t>…</a:t>
+              </a:r>
+            </a:p>
+          </p:txBody>
+        </p:sp>
+        <p:sp>
+          <p:nvSpPr>
+            <p:cNvPr id="40" name="Rectangle 39">
+              <a:extLst>
+                <a:ext uri="{FF2B5EF4-FFF2-40B4-BE49-F238E27FC236}">
+                  <a16:creationId xmlns:a16="http://schemas.microsoft.com/office/drawing/2014/main" id="{99659B51-5FC4-1CC2-1CF9-811AC8C3B6D7}"/>
+                </a:ext>
+              </a:extLst>
+            </p:cNvPr>
+            <p:cNvSpPr/>
+            <p:nvPr/>
+          </p:nvSpPr>
+          <p:spPr>
+            <a:xfrm>
+              <a:off x="821168" y="2313552"/>
+              <a:ext cx="415961" cy="279400"/>
+            </a:xfrm>
+            <a:prstGeom prst="rect">
+              <a:avLst/>
+            </a:prstGeom>
+            <a:solidFill>
+              <a:srgbClr val="FFFF00"/>
+            </a:solidFill>
+            <a:ln>
+              <a:solidFill>
+                <a:schemeClr val="tx1"/>
+              </a:solidFill>
+            </a:ln>
+          </p:spPr>
+          <p:style>
+            <a:lnRef idx="2">
+              <a:schemeClr val="accent1">
+                <a:shade val="15000"/>
+              </a:schemeClr>
+            </a:lnRef>
+            <a:fillRef idx="1">
+              <a:schemeClr val="accent1"/>
+            </a:fillRef>
+            <a:effectRef idx="0">
+              <a:schemeClr val="accent1"/>
+            </a:effectRef>
+            <a:fontRef idx="minor">
+              <a:schemeClr val="lt1"/>
+            </a:fontRef>
+          </p:style>
+          <p:txBody>
+            <a:bodyPr rtlCol="0" anchor="ctr"/>
+            <a:lstStyle/>
+            <a:p>
+              <a:pPr algn="ctr"/>
+              <a:r>
+                <a:rPr lang="en-US" sz="1000" dirty="0">
+                  <a:solidFill>
+                    <a:schemeClr val="tx1"/>
+                  </a:solidFill>
+                </a:rPr>
+                <a:t>CLS</a:t>
+              </a:r>
+            </a:p>
+          </p:txBody>
+        </p:sp>
+        <p:grpSp>
+          <p:nvGrpSpPr>
+            <p:cNvPr id="60" name="Group 59">
+              <a:extLst>
+                <a:ext uri="{FF2B5EF4-FFF2-40B4-BE49-F238E27FC236}">
+                  <a16:creationId xmlns:a16="http://schemas.microsoft.com/office/drawing/2014/main" id="{0CA855F1-DB88-A525-B072-1C3DB8DF3682}"/>
+                </a:ext>
+              </a:extLst>
+            </p:cNvPr>
+            <p:cNvGrpSpPr/>
+            <p:nvPr/>
+          </p:nvGrpSpPr>
+          <p:grpSpPr>
+            <a:xfrm>
+              <a:off x="828480" y="4078798"/>
+              <a:ext cx="343652" cy="755423"/>
+              <a:chOff x="826242" y="2998440"/>
+              <a:chExt cx="486340" cy="520584"/>
+            </a:xfrm>
+          </p:grpSpPr>
+          <p:sp>
+            <p:nvSpPr>
+              <p:cNvPr id="61" name="Rectangle 60">
+                <a:extLst>
+                  <a:ext uri="{FF2B5EF4-FFF2-40B4-BE49-F238E27FC236}">
+                    <a16:creationId xmlns:a16="http://schemas.microsoft.com/office/drawing/2014/main" id="{DB91EEAC-4DB2-9F8E-1230-9D812DA7F3D9}"/>
+                  </a:ext>
+                </a:extLst>
+              </p:cNvPr>
+              <p:cNvSpPr/>
+              <p:nvPr/>
+            </p:nvSpPr>
+            <p:spPr>
+              <a:xfrm>
+                <a:off x="826242" y="2998440"/>
+                <a:ext cx="486340" cy="175596"/>
+              </a:xfrm>
+              <a:prstGeom prst="rect">
+                <a:avLst/>
+              </a:prstGeom>
+              <a:solidFill>
+                <a:srgbClr val="00B0F0"/>
+              </a:solidFill>
+            </p:spPr>
+            <p:style>
+              <a:lnRef idx="2">
+                <a:schemeClr val="accent1">
+                  <a:shade val="15000"/>
+                </a:schemeClr>
+              </a:lnRef>
+              <a:fillRef idx="1">
+                <a:schemeClr val="accent1"/>
+              </a:fillRef>
+              <a:effectRef idx="0">
+                <a:schemeClr val="accent1"/>
+              </a:effectRef>
+              <a:fontRef idx="minor">
+                <a:schemeClr val="lt1"/>
+              </a:fontRef>
+            </p:style>
+            <p:txBody>
+              <a:bodyPr rtlCol="0" anchor="ctr"/>
+              <a:lstStyle/>
+              <a:p>
+                <a:pPr algn="ctr"/>
+                <a:r>
+                  <a:rPr lang="en-US" sz="1200" dirty="0">
+                    <a:solidFill>
+                      <a:schemeClr val="tx1"/>
+                    </a:solidFill>
+                  </a:rPr>
+                  <a:t>P</a:t>
+                </a:r>
+              </a:p>
+            </p:txBody>
+          </p:sp>
+          <p:sp>
+            <p:nvSpPr>
+              <p:cNvPr id="62" name="Rectangle 61">
+                <a:extLst>
+                  <a:ext uri="{FF2B5EF4-FFF2-40B4-BE49-F238E27FC236}">
+                    <a16:creationId xmlns:a16="http://schemas.microsoft.com/office/drawing/2014/main" id="{245FD8C5-9608-5D24-664C-FAC96D65A044}"/>
+                  </a:ext>
+                </a:extLst>
+              </p:cNvPr>
+              <p:cNvSpPr/>
+              <p:nvPr/>
+            </p:nvSpPr>
+            <p:spPr>
+              <a:xfrm>
+                <a:off x="826242" y="3170927"/>
+                <a:ext cx="486340" cy="175596"/>
+              </a:xfrm>
+              <a:prstGeom prst="rect">
+                <a:avLst/>
+              </a:prstGeom>
+              <a:solidFill>
+                <a:srgbClr val="00B0F0"/>
+              </a:solidFill>
+            </p:spPr>
+            <p:style>
+              <a:lnRef idx="2">
+                <a:schemeClr val="accent1">
+                  <a:shade val="15000"/>
+                </a:schemeClr>
+              </a:lnRef>
+              <a:fillRef idx="1">
+                <a:schemeClr val="accent1"/>
+              </a:fillRef>
+              <a:effectRef idx="0">
+                <a:schemeClr val="accent1"/>
+              </a:effectRef>
+              <a:fontRef idx="minor">
+                <a:schemeClr val="lt1"/>
+              </a:fontRef>
+            </p:style>
+            <p:txBody>
+              <a:bodyPr rtlCol="0" anchor="ctr"/>
+              <a:lstStyle/>
+              <a:p>
+                <a:pPr algn="ctr"/>
+                <a:r>
+                  <a:rPr lang="en-US" sz="1200" dirty="0">
+                    <a:solidFill>
+                      <a:schemeClr val="tx1"/>
+                    </a:solidFill>
+                  </a:rPr>
+                  <a:t>T</a:t>
+                </a:r>
+              </a:p>
+            </p:txBody>
+          </p:sp>
+          <p:sp>
+            <p:nvSpPr>
+              <p:cNvPr id="63" name="Rectangle 62">
+                <a:extLst>
+                  <a:ext uri="{FF2B5EF4-FFF2-40B4-BE49-F238E27FC236}">
+                    <a16:creationId xmlns:a16="http://schemas.microsoft.com/office/drawing/2014/main" id="{4C03EE80-F3CA-DD08-71AB-6A544FB61F81}"/>
+                  </a:ext>
+                </a:extLst>
+              </p:cNvPr>
+              <p:cNvSpPr/>
+              <p:nvPr/>
+            </p:nvSpPr>
+            <p:spPr>
+              <a:xfrm>
+                <a:off x="826242" y="3343428"/>
+                <a:ext cx="486340" cy="175596"/>
+              </a:xfrm>
+              <a:prstGeom prst="rect">
+                <a:avLst/>
+              </a:prstGeom>
+              <a:solidFill>
+                <a:srgbClr val="00B0F0"/>
+              </a:solidFill>
+            </p:spPr>
+            <p:style>
+              <a:lnRef idx="2">
+                <a:schemeClr val="accent1">
+                  <a:shade val="15000"/>
+                </a:schemeClr>
+              </a:lnRef>
+              <a:fillRef idx="1">
+                <a:schemeClr val="accent1"/>
+              </a:fillRef>
+              <a:effectRef idx="0">
+                <a:schemeClr val="accent1"/>
+              </a:effectRef>
+              <a:fontRef idx="minor">
+                <a:schemeClr val="lt1"/>
+              </a:fontRef>
+            </p:style>
+            <p:txBody>
+              <a:bodyPr rtlCol="0" anchor="ctr"/>
+              <a:lstStyle/>
+              <a:p>
+                <a:pPr algn="ctr"/>
+                <a:r>
+                  <a:rPr lang="en-US" sz="1200" dirty="0">
+                    <a:solidFill>
+                      <a:schemeClr val="tx1"/>
+                    </a:solidFill>
+                  </a:rPr>
+                  <a:t>S</a:t>
+                </a:r>
+              </a:p>
+            </p:txBody>
+          </p:sp>
+        </p:grpSp>
+      </p:grpSp>
+      <p:sp>
+        <p:nvSpPr>
+          <p:cNvPr id="65" name="TextBox 64">
+            <a:extLst>
+              <a:ext uri="{FF2B5EF4-FFF2-40B4-BE49-F238E27FC236}">
+                <a16:creationId xmlns:a16="http://schemas.microsoft.com/office/drawing/2014/main" id="{31857FF4-F8E9-4EF8-D172-C8DD16BD5F76}"/>
+              </a:ext>
+            </a:extLst>
+          </p:cNvPr>
+          <p:cNvSpPr txBox="1"/>
+          <p:nvPr/>
+        </p:nvSpPr>
+        <p:spPr>
+          <a:xfrm rot="4384904">
+            <a:off x="732921" y="4579303"/>
+            <a:ext cx="1569005" cy="307777"/>
+          </a:xfrm>
+          <a:prstGeom prst="rect">
+            <a:avLst/>
+          </a:prstGeom>
+          <a:noFill/>
+        </p:spPr>
+        <p:txBody>
+          <a:bodyPr wrap="square" rtlCol="0">
+            <a:spAutoFit/>
+          </a:bodyPr>
+          <a:lstStyle/>
+          <a:p>
+            <a:r>
+              <a:rPr lang="en-US" sz="1400" dirty="0"/>
+              <a:t>CLS + </a:t>
+            </a:r>
+            <a:r>
+              <a:rPr lang="en-US" sz="1400" dirty="0" err="1"/>
+              <a:t>scFv</a:t>
+            </a:r>
+            <a:r>
+              <a:rPr lang="en-US" sz="1400" dirty="0"/>
+              <a:t> aa</a:t>
+            </a:r>
+          </a:p>
+        </p:txBody>
+      </p:sp>
+      <p:grpSp>
+        <p:nvGrpSpPr>
+          <p:cNvPr id="124" name="Group 123">
+            <a:extLst>
+              <a:ext uri="{FF2B5EF4-FFF2-40B4-BE49-F238E27FC236}">
+                <a16:creationId xmlns:a16="http://schemas.microsoft.com/office/drawing/2014/main" id="{D7087214-E592-8643-B2C5-EBA71BF2DA31}"/>
+              </a:ext>
+            </a:extLst>
+          </p:cNvPr>
+          <p:cNvGrpSpPr/>
+          <p:nvPr/>
+        </p:nvGrpSpPr>
+        <p:grpSpPr>
+          <a:xfrm>
+            <a:off x="1986346" y="1351067"/>
+            <a:ext cx="707886" cy="2520669"/>
+            <a:chOff x="1562764" y="1371634"/>
+            <a:chExt cx="707886" cy="2520669"/>
+          </a:xfrm>
+        </p:grpSpPr>
+        <p:sp>
+          <p:nvSpPr>
+            <p:cNvPr id="68" name="TextBox 67">
+              <a:extLst>
+                <a:ext uri="{FF2B5EF4-FFF2-40B4-BE49-F238E27FC236}">
+                  <a16:creationId xmlns:a16="http://schemas.microsoft.com/office/drawing/2014/main" id="{B505B256-A2A7-7488-4DAD-8547B8F32BED}"/>
+                </a:ext>
+              </a:extLst>
+            </p:cNvPr>
+            <p:cNvSpPr txBox="1"/>
+            <p:nvPr/>
+          </p:nvSpPr>
+          <p:spPr>
+            <a:xfrm rot="5400000">
+              <a:off x="1614380" y="2480610"/>
+              <a:ext cx="604653" cy="707886"/>
+            </a:xfrm>
+            <a:prstGeom prst="rect">
+              <a:avLst/>
+            </a:prstGeom>
+            <a:noFill/>
+          </p:spPr>
+          <p:txBody>
+            <a:bodyPr wrap="none" rtlCol="0">
+              <a:spAutoFit/>
+            </a:bodyPr>
+            <a:lstStyle/>
+            <a:p>
+              <a:r>
+                <a:rPr lang="en-US" sz="4000" dirty="0"/>
+                <a:t>…</a:t>
+              </a:r>
+            </a:p>
+          </p:txBody>
+        </p:sp>
+        <p:grpSp>
+          <p:nvGrpSpPr>
+            <p:cNvPr id="84" name="Group 83">
+              <a:extLst>
+                <a:ext uri="{FF2B5EF4-FFF2-40B4-BE49-F238E27FC236}">
+                  <a16:creationId xmlns:a16="http://schemas.microsoft.com/office/drawing/2014/main" id="{8360462A-3CE7-DA2C-7810-5D6703548719}"/>
+                </a:ext>
+              </a:extLst>
+            </p:cNvPr>
+            <p:cNvGrpSpPr/>
+            <p:nvPr/>
+          </p:nvGrpSpPr>
+          <p:grpSpPr>
+            <a:xfrm>
+              <a:off x="1589275" y="1371634"/>
+              <a:ext cx="464879" cy="2520669"/>
+              <a:chOff x="1589275" y="2286038"/>
+              <a:chExt cx="464879" cy="2520669"/>
+            </a:xfrm>
+          </p:grpSpPr>
+          <p:grpSp>
+            <p:nvGrpSpPr>
+              <p:cNvPr id="67" name="Group 66">
+                <a:extLst>
+                  <a:ext uri="{FF2B5EF4-FFF2-40B4-BE49-F238E27FC236}">
+                    <a16:creationId xmlns:a16="http://schemas.microsoft.com/office/drawing/2014/main" id="{615A5D28-85F4-35D4-1429-ABCE89804760}"/>
+                  </a:ext>
+                </a:extLst>
+              </p:cNvPr>
+              <p:cNvGrpSpPr/>
+              <p:nvPr/>
+            </p:nvGrpSpPr>
+            <p:grpSpPr>
+              <a:xfrm>
+                <a:off x="1606674" y="2724827"/>
+                <a:ext cx="447480" cy="755423"/>
+                <a:chOff x="826241" y="2998440"/>
+                <a:chExt cx="633278" cy="520584"/>
+              </a:xfrm>
+            </p:grpSpPr>
+            <p:sp>
+              <p:nvSpPr>
+                <p:cNvPr id="74" name="Rectangle 73">
+                  <a:extLst>
+                    <a:ext uri="{FF2B5EF4-FFF2-40B4-BE49-F238E27FC236}">
+                      <a16:creationId xmlns:a16="http://schemas.microsoft.com/office/drawing/2014/main" id="{0511B4C5-29A1-C8A4-A3A0-A853335784E3}"/>
+                    </a:ext>
+                  </a:extLst>
+                </p:cNvPr>
+                <p:cNvSpPr/>
+                <p:nvPr/>
+              </p:nvSpPr>
+              <p:spPr>
+                <a:xfrm>
+                  <a:off x="826241" y="2998440"/>
+                  <a:ext cx="633277" cy="175596"/>
+                </a:xfrm>
+                <a:prstGeom prst="rect">
+                  <a:avLst/>
+                </a:prstGeom>
+                <a:solidFill>
+                  <a:srgbClr val="00B0F0"/>
+                </a:solidFill>
+              </p:spPr>
+              <p:style>
+                <a:lnRef idx="2">
+                  <a:schemeClr val="accent1">
+                    <a:shade val="15000"/>
+                  </a:schemeClr>
+                </a:lnRef>
+                <a:fillRef idx="1">
+                  <a:schemeClr val="accent1"/>
+                </a:fillRef>
+                <a:effectRef idx="0">
+                  <a:schemeClr val="accent1"/>
+                </a:effectRef>
+                <a:fontRef idx="minor">
+                  <a:schemeClr val="lt1"/>
+                </a:fontRef>
+              </p:style>
+              <p:txBody>
+                <a:bodyPr rtlCol="0" anchor="ctr"/>
+                <a:lstStyle/>
+                <a:p>
+                  <a:pPr algn="ctr"/>
+                  <a:r>
+                    <a:rPr lang="en-US" sz="1000" dirty="0">
+                      <a:solidFill>
+                        <a:schemeClr val="tx1"/>
+                      </a:solidFill>
+                    </a:rPr>
+                    <a:t>14</a:t>
+                  </a:r>
+                </a:p>
+              </p:txBody>
+            </p:sp>
+            <p:sp>
+              <p:nvSpPr>
+                <p:cNvPr id="79" name="Rectangle 78">
+                  <a:extLst>
+                    <a:ext uri="{FF2B5EF4-FFF2-40B4-BE49-F238E27FC236}">
+                      <a16:creationId xmlns:a16="http://schemas.microsoft.com/office/drawing/2014/main" id="{01E94BCF-0B38-48AA-CC97-4719202D24A2}"/>
+                    </a:ext>
+                  </a:extLst>
+                </p:cNvPr>
+                <p:cNvSpPr/>
+                <p:nvPr/>
+              </p:nvSpPr>
+              <p:spPr>
+                <a:xfrm>
+                  <a:off x="826241" y="3170927"/>
+                  <a:ext cx="633278" cy="175596"/>
+                </a:xfrm>
+                <a:prstGeom prst="rect">
+                  <a:avLst/>
+                </a:prstGeom>
+                <a:solidFill>
+                  <a:srgbClr val="00B0F0"/>
+                </a:solidFill>
+              </p:spPr>
+              <p:style>
+                <a:lnRef idx="2">
+                  <a:schemeClr val="accent1">
+                    <a:shade val="15000"/>
+                  </a:schemeClr>
+                </a:lnRef>
+                <a:fillRef idx="1">
+                  <a:schemeClr val="accent1"/>
+                </a:fillRef>
+                <a:effectRef idx="0">
+                  <a:schemeClr val="accent1"/>
+                </a:effectRef>
+                <a:fontRef idx="minor">
+                  <a:schemeClr val="lt1"/>
+                </a:fontRef>
+              </p:style>
+              <p:txBody>
+                <a:bodyPr rtlCol="0" anchor="ctr"/>
+                <a:lstStyle/>
+                <a:p>
+                  <a:pPr algn="ctr"/>
+                  <a:r>
+                    <a:rPr lang="en-US" sz="1000" dirty="0">
+                      <a:solidFill>
+                        <a:schemeClr val="tx1"/>
+                      </a:solidFill>
+                    </a:rPr>
+                    <a:t>16</a:t>
+                  </a:r>
+                </a:p>
+              </p:txBody>
+            </p:sp>
+            <p:sp>
+              <p:nvSpPr>
+                <p:cNvPr id="81" name="Rectangle 80">
+                  <a:extLst>
+                    <a:ext uri="{FF2B5EF4-FFF2-40B4-BE49-F238E27FC236}">
+                      <a16:creationId xmlns:a16="http://schemas.microsoft.com/office/drawing/2014/main" id="{29285862-28DE-7FA3-D3CA-1199CF4B9A40}"/>
+                    </a:ext>
+                  </a:extLst>
+                </p:cNvPr>
+                <p:cNvSpPr/>
+                <p:nvPr/>
+              </p:nvSpPr>
+              <p:spPr>
+                <a:xfrm>
+                  <a:off x="826242" y="3343428"/>
+                  <a:ext cx="633275" cy="175596"/>
+                </a:xfrm>
+                <a:prstGeom prst="rect">
+                  <a:avLst/>
+                </a:prstGeom>
+                <a:solidFill>
+                  <a:srgbClr val="00B0F0"/>
+                </a:solidFill>
+              </p:spPr>
+              <p:style>
+                <a:lnRef idx="2">
+                  <a:schemeClr val="accent1">
+                    <a:shade val="15000"/>
+                  </a:schemeClr>
+                </a:lnRef>
+                <a:fillRef idx="1">
+                  <a:schemeClr val="accent1"/>
+                </a:fillRef>
+                <a:effectRef idx="0">
+                  <a:schemeClr val="accent1"/>
+                </a:effectRef>
+                <a:fontRef idx="minor">
+                  <a:schemeClr val="lt1"/>
+                </a:fontRef>
+              </p:style>
+              <p:txBody>
+                <a:bodyPr rtlCol="0" anchor="ctr"/>
+                <a:lstStyle/>
+                <a:p>
+                  <a:pPr algn="ctr"/>
+                  <a:r>
+                    <a:rPr lang="en-US" sz="1000" dirty="0">
+                      <a:solidFill>
+                        <a:schemeClr val="tx1"/>
+                      </a:solidFill>
+                    </a:rPr>
+                    <a:t>18</a:t>
+                  </a:r>
+                </a:p>
+              </p:txBody>
+            </p:sp>
+          </p:grpSp>
+          <p:sp>
+            <p:nvSpPr>
+              <p:cNvPr id="69" name="Rectangle 68">
+                <a:extLst>
+                  <a:ext uri="{FF2B5EF4-FFF2-40B4-BE49-F238E27FC236}">
+                    <a16:creationId xmlns:a16="http://schemas.microsoft.com/office/drawing/2014/main" id="{FA9507B8-F5E0-62B2-F910-60103BF766BB}"/>
+                  </a:ext>
+                </a:extLst>
+              </p:cNvPr>
+              <p:cNvSpPr/>
+              <p:nvPr/>
+            </p:nvSpPr>
+            <p:spPr>
+              <a:xfrm>
+                <a:off x="1589275" y="2286038"/>
+                <a:ext cx="464878" cy="279400"/>
+              </a:xfrm>
+              <a:prstGeom prst="rect">
+                <a:avLst/>
+              </a:prstGeom>
+              <a:solidFill>
+                <a:srgbClr val="FFFF00"/>
+              </a:solidFill>
+              <a:ln>
+                <a:solidFill>
+                  <a:schemeClr val="tx1"/>
+                </a:solidFill>
+              </a:ln>
+            </p:spPr>
+            <p:style>
+              <a:lnRef idx="2">
+                <a:schemeClr val="accent1">
+                  <a:shade val="15000"/>
+                </a:schemeClr>
+              </a:lnRef>
+              <a:fillRef idx="1">
+                <a:schemeClr val="accent1"/>
+              </a:fillRef>
+              <a:effectRef idx="0">
+                <a:schemeClr val="accent1"/>
+              </a:effectRef>
+              <a:fontRef idx="minor">
+                <a:schemeClr val="lt1"/>
+              </a:fontRef>
+            </p:style>
+            <p:txBody>
+              <a:bodyPr rtlCol="0" anchor="ctr"/>
+              <a:lstStyle/>
+              <a:p>
+                <a:pPr algn="ctr"/>
+                <a:r>
+                  <a:rPr lang="en-US" sz="1200" dirty="0">
+                    <a:solidFill>
+                      <a:schemeClr val="tx1"/>
+                    </a:solidFill>
+                  </a:rPr>
+                  <a:t>0</a:t>
+                </a:r>
+              </a:p>
+            </p:txBody>
+          </p:sp>
+          <p:grpSp>
+            <p:nvGrpSpPr>
+              <p:cNvPr id="70" name="Group 69">
+                <a:extLst>
+                  <a:ext uri="{FF2B5EF4-FFF2-40B4-BE49-F238E27FC236}">
+                    <a16:creationId xmlns:a16="http://schemas.microsoft.com/office/drawing/2014/main" id="{78361089-DAA3-2409-6A1E-22A70028F63C}"/>
+                  </a:ext>
+                </a:extLst>
+              </p:cNvPr>
+              <p:cNvGrpSpPr/>
+              <p:nvPr/>
+            </p:nvGrpSpPr>
+            <p:grpSpPr>
+              <a:xfrm>
+                <a:off x="1596587" y="4051284"/>
+                <a:ext cx="433491" cy="755423"/>
+                <a:chOff x="826241" y="2998440"/>
+                <a:chExt cx="613481" cy="520584"/>
+              </a:xfrm>
+            </p:grpSpPr>
+            <p:sp>
+              <p:nvSpPr>
+                <p:cNvPr id="71" name="Rectangle 70">
+                  <a:extLst>
+                    <a:ext uri="{FF2B5EF4-FFF2-40B4-BE49-F238E27FC236}">
+                      <a16:creationId xmlns:a16="http://schemas.microsoft.com/office/drawing/2014/main" id="{35F4A33B-64CE-B4AE-3504-62B66069BEC8}"/>
+                    </a:ext>
+                  </a:extLst>
+                </p:cNvPr>
+                <p:cNvSpPr/>
+                <p:nvPr/>
+              </p:nvSpPr>
+              <p:spPr>
+                <a:xfrm>
+                  <a:off x="826242" y="2998440"/>
+                  <a:ext cx="613480" cy="175596"/>
+                </a:xfrm>
+                <a:prstGeom prst="rect">
+                  <a:avLst/>
+                </a:prstGeom>
+                <a:solidFill>
+                  <a:srgbClr val="00B0F0"/>
+                </a:solidFill>
+              </p:spPr>
+              <p:style>
+                <a:lnRef idx="2">
+                  <a:schemeClr val="accent1">
+                    <a:shade val="15000"/>
+                  </a:schemeClr>
+                </a:lnRef>
+                <a:fillRef idx="1">
+                  <a:schemeClr val="accent1"/>
+                </a:fillRef>
+                <a:effectRef idx="0">
+                  <a:schemeClr val="accent1"/>
+                </a:effectRef>
+                <a:fontRef idx="minor">
+                  <a:schemeClr val="lt1"/>
+                </a:fontRef>
+              </p:style>
+              <p:txBody>
+                <a:bodyPr rtlCol="0" anchor="ctr"/>
+                <a:lstStyle/>
+                <a:p>
+                  <a:pPr algn="ctr"/>
+                  <a:r>
+                    <a:rPr lang="en-US" sz="1000" dirty="0">
+                      <a:solidFill>
+                        <a:schemeClr val="tx1"/>
+                      </a:solidFill>
+                    </a:rPr>
+                    <a:t>13</a:t>
+                  </a:r>
+                </a:p>
+              </p:txBody>
+            </p:sp>
+            <p:sp>
+              <p:nvSpPr>
+                <p:cNvPr id="72" name="Rectangle 71">
+                  <a:extLst>
+                    <a:ext uri="{FF2B5EF4-FFF2-40B4-BE49-F238E27FC236}">
+                      <a16:creationId xmlns:a16="http://schemas.microsoft.com/office/drawing/2014/main" id="{D6F672A4-CCCA-ADDD-9186-3D7A597D40A7}"/>
+                    </a:ext>
+                  </a:extLst>
+                </p:cNvPr>
+                <p:cNvSpPr/>
+                <p:nvPr/>
+              </p:nvSpPr>
+              <p:spPr>
+                <a:xfrm>
+                  <a:off x="826242" y="3170927"/>
+                  <a:ext cx="613480" cy="175596"/>
+                </a:xfrm>
+                <a:prstGeom prst="rect">
+                  <a:avLst/>
+                </a:prstGeom>
+                <a:solidFill>
+                  <a:srgbClr val="00B0F0"/>
+                </a:solidFill>
+              </p:spPr>
+              <p:style>
+                <a:lnRef idx="2">
+                  <a:schemeClr val="accent1">
+                    <a:shade val="15000"/>
+                  </a:schemeClr>
+                </a:lnRef>
+                <a:fillRef idx="1">
+                  <a:schemeClr val="accent1"/>
+                </a:fillRef>
+                <a:effectRef idx="0">
+                  <a:schemeClr val="accent1"/>
+                </a:effectRef>
+                <a:fontRef idx="minor">
+                  <a:schemeClr val="lt1"/>
+                </a:fontRef>
+              </p:style>
+              <p:txBody>
+                <a:bodyPr rtlCol="0" anchor="ctr"/>
+                <a:lstStyle/>
+                <a:p>
+                  <a:pPr algn="ctr"/>
+                  <a:r>
+                    <a:rPr lang="en-US" sz="1000" dirty="0">
+                      <a:solidFill>
+                        <a:schemeClr val="tx1"/>
+                      </a:solidFill>
+                    </a:rPr>
+                    <a:t>17</a:t>
+                  </a:r>
+                </a:p>
+              </p:txBody>
+            </p:sp>
+            <p:sp>
+              <p:nvSpPr>
+                <p:cNvPr id="73" name="Rectangle 72">
+                  <a:extLst>
+                    <a:ext uri="{FF2B5EF4-FFF2-40B4-BE49-F238E27FC236}">
+                      <a16:creationId xmlns:a16="http://schemas.microsoft.com/office/drawing/2014/main" id="{EDA4C7AA-DE90-76A2-0B58-FBFEE30E6FB3}"/>
+                    </a:ext>
+                  </a:extLst>
+                </p:cNvPr>
+                <p:cNvSpPr/>
+                <p:nvPr/>
+              </p:nvSpPr>
+              <p:spPr>
+                <a:xfrm>
+                  <a:off x="826241" y="3343428"/>
+                  <a:ext cx="613479" cy="175596"/>
+                </a:xfrm>
+                <a:prstGeom prst="rect">
+                  <a:avLst/>
+                </a:prstGeom>
+                <a:solidFill>
+                  <a:srgbClr val="00B0F0"/>
+                </a:solidFill>
+              </p:spPr>
+              <p:style>
+                <a:lnRef idx="2">
+                  <a:schemeClr val="accent1">
+                    <a:shade val="15000"/>
+                  </a:schemeClr>
+                </a:lnRef>
+                <a:fillRef idx="1">
+                  <a:schemeClr val="accent1"/>
+                </a:fillRef>
+                <a:effectRef idx="0">
+                  <a:schemeClr val="accent1"/>
+                </a:effectRef>
+                <a:fontRef idx="minor">
+                  <a:schemeClr val="lt1"/>
+                </a:fontRef>
+              </p:style>
+              <p:txBody>
+                <a:bodyPr rtlCol="0" anchor="ctr"/>
+                <a:lstStyle/>
+                <a:p>
+                  <a:pPr algn="ctr"/>
+                  <a:r>
+                    <a:rPr lang="en-US" sz="1000" dirty="0">
+                      <a:solidFill>
+                        <a:schemeClr val="tx1"/>
+                      </a:solidFill>
+                    </a:rPr>
+                    <a:t>16</a:t>
+                  </a:r>
+                </a:p>
+              </p:txBody>
+            </p:sp>
+          </p:grpSp>
+        </p:grpSp>
+      </p:grpSp>
+      <p:grpSp>
+        <p:nvGrpSpPr>
+          <p:cNvPr id="123" name="Group 122">
+            <a:extLst>
+              <a:ext uri="{FF2B5EF4-FFF2-40B4-BE49-F238E27FC236}">
+                <a16:creationId xmlns:a16="http://schemas.microsoft.com/office/drawing/2014/main" id="{03B94C03-321F-3BB6-B0B6-F9B570CB4C15}"/>
+              </a:ext>
+            </a:extLst>
+          </p:cNvPr>
+          <p:cNvGrpSpPr/>
+          <p:nvPr/>
+        </p:nvGrpSpPr>
+        <p:grpSpPr>
+          <a:xfrm>
+            <a:off x="2792557" y="1351067"/>
+            <a:ext cx="934503" cy="2520669"/>
+            <a:chOff x="2368975" y="1356675"/>
+            <a:chExt cx="934503" cy="2520669"/>
+          </a:xfrm>
+        </p:grpSpPr>
+        <p:grpSp>
+          <p:nvGrpSpPr>
+            <p:cNvPr id="85" name="Group 84">
+              <a:extLst>
+                <a:ext uri="{FF2B5EF4-FFF2-40B4-BE49-F238E27FC236}">
+                  <a16:creationId xmlns:a16="http://schemas.microsoft.com/office/drawing/2014/main" id="{19829FE7-2340-9AE2-78E7-038C777A68CD}"/>
+                </a:ext>
+              </a:extLst>
+            </p:cNvPr>
+            <p:cNvGrpSpPr/>
+            <p:nvPr/>
+          </p:nvGrpSpPr>
+          <p:grpSpPr>
+            <a:xfrm>
+              <a:off x="2368975" y="1356675"/>
+              <a:ext cx="885451" cy="2520669"/>
+              <a:chOff x="1596587" y="2286038"/>
+              <a:chExt cx="353739" cy="2520669"/>
+            </a:xfrm>
+            <a:pattFill prst="pct5">
+              <a:fgClr>
+                <a:schemeClr val="tx1"/>
+              </a:fgClr>
+              <a:bgClr>
+                <a:schemeClr val="bg1"/>
+              </a:bgClr>
+            </a:pattFill>
+          </p:grpSpPr>
+          <p:grpSp>
+            <p:nvGrpSpPr>
+              <p:cNvPr id="86" name="Group 85">
+                <a:extLst>
+                  <a:ext uri="{FF2B5EF4-FFF2-40B4-BE49-F238E27FC236}">
+                    <a16:creationId xmlns:a16="http://schemas.microsoft.com/office/drawing/2014/main" id="{4D0536C4-157F-A5F1-4D46-18732BF0AC82}"/>
+                  </a:ext>
+                </a:extLst>
+              </p:cNvPr>
+              <p:cNvGrpSpPr/>
+              <p:nvPr/>
+            </p:nvGrpSpPr>
+            <p:grpSpPr>
+              <a:xfrm>
+                <a:off x="1606674" y="2724827"/>
+                <a:ext cx="343652" cy="755423"/>
+                <a:chOff x="826242" y="2998440"/>
+                <a:chExt cx="486340" cy="520584"/>
+              </a:xfrm>
+              <a:grpFill/>
+            </p:grpSpPr>
+            <p:sp>
+              <p:nvSpPr>
+                <p:cNvPr id="95" name="Rectangle 94">
+                  <a:extLst>
+                    <a:ext uri="{FF2B5EF4-FFF2-40B4-BE49-F238E27FC236}">
+                      <a16:creationId xmlns:a16="http://schemas.microsoft.com/office/drawing/2014/main" id="{1F03CE2F-A842-C122-3118-2DDB896659B8}"/>
+                    </a:ext>
+                  </a:extLst>
+                </p:cNvPr>
+                <p:cNvSpPr/>
+                <p:nvPr/>
+              </p:nvSpPr>
+              <p:spPr>
+                <a:xfrm>
+                  <a:off x="826242" y="2998440"/>
+                  <a:ext cx="486340" cy="175596"/>
+                </a:xfrm>
+                <a:prstGeom prst="rect">
+                  <a:avLst/>
+                </a:prstGeom>
+                <a:pattFill prst="pct5">
+                  <a:fgClr>
+                    <a:schemeClr val="tx1"/>
+                  </a:fgClr>
+                  <a:bgClr>
+                    <a:srgbClr val="00B0F0"/>
+                  </a:bgClr>
+                </a:pattFill>
+              </p:spPr>
+              <p:style>
+                <a:lnRef idx="2">
+                  <a:schemeClr val="accent1">
+                    <a:shade val="15000"/>
+                  </a:schemeClr>
+                </a:lnRef>
+                <a:fillRef idx="1">
+                  <a:schemeClr val="accent1"/>
+                </a:fillRef>
+                <a:effectRef idx="0">
+                  <a:schemeClr val="accent1"/>
+                </a:effectRef>
+                <a:fontRef idx="minor">
+                  <a:schemeClr val="lt1"/>
+                </a:fontRef>
+              </p:style>
+              <p:txBody>
+                <a:bodyPr rtlCol="0" anchor="ctr"/>
+                <a:lstStyle/>
+                <a:p>
+                  <a:pPr algn="ctr"/>
+                  <a:endParaRPr lang="en-US" sz="1000" dirty="0">
+                    <a:solidFill>
+                      <a:schemeClr val="tx1"/>
+                    </a:solidFill>
+                  </a:endParaRPr>
+                </a:p>
+              </p:txBody>
+            </p:sp>
+            <p:sp>
+              <p:nvSpPr>
+                <p:cNvPr id="96" name="Rectangle 95">
+                  <a:extLst>
+                    <a:ext uri="{FF2B5EF4-FFF2-40B4-BE49-F238E27FC236}">
+                      <a16:creationId xmlns:a16="http://schemas.microsoft.com/office/drawing/2014/main" id="{826A67FF-AB2D-184C-953B-3A08D6ED08F0}"/>
+                    </a:ext>
+                  </a:extLst>
+                </p:cNvPr>
+                <p:cNvSpPr/>
+                <p:nvPr/>
+              </p:nvSpPr>
+              <p:spPr>
+                <a:xfrm>
+                  <a:off x="826242" y="3170927"/>
+                  <a:ext cx="486340" cy="175596"/>
+                </a:xfrm>
+                <a:prstGeom prst="rect">
+                  <a:avLst/>
+                </a:prstGeom>
+                <a:pattFill prst="pct5">
+                  <a:fgClr>
+                    <a:schemeClr val="tx1"/>
+                  </a:fgClr>
+                  <a:bgClr>
+                    <a:srgbClr val="00B0F0"/>
+                  </a:bgClr>
+                </a:pattFill>
+              </p:spPr>
+              <p:style>
+                <a:lnRef idx="2">
+                  <a:schemeClr val="accent1">
+                    <a:shade val="15000"/>
+                  </a:schemeClr>
+                </a:lnRef>
+                <a:fillRef idx="1">
+                  <a:schemeClr val="accent1"/>
+                </a:fillRef>
+                <a:effectRef idx="0">
+                  <a:schemeClr val="accent1"/>
+                </a:effectRef>
+                <a:fontRef idx="minor">
+                  <a:schemeClr val="lt1"/>
+                </a:fontRef>
+              </p:style>
+              <p:txBody>
+                <a:bodyPr rtlCol="0" anchor="ctr"/>
+                <a:lstStyle/>
+                <a:p>
+                  <a:pPr algn="ctr"/>
+                  <a:endParaRPr lang="en-US" sz="1000" dirty="0">
+                    <a:solidFill>
+                      <a:schemeClr val="tx1"/>
+                    </a:solidFill>
+                  </a:endParaRPr>
+                </a:p>
+              </p:txBody>
+            </p:sp>
+            <p:sp>
+              <p:nvSpPr>
+                <p:cNvPr id="97" name="Rectangle 96">
+                  <a:extLst>
+                    <a:ext uri="{FF2B5EF4-FFF2-40B4-BE49-F238E27FC236}">
+                      <a16:creationId xmlns:a16="http://schemas.microsoft.com/office/drawing/2014/main" id="{3F0B4F63-C5C8-B17F-397C-D7D7169DBC63}"/>
+                    </a:ext>
+                  </a:extLst>
+                </p:cNvPr>
+                <p:cNvSpPr/>
+                <p:nvPr/>
+              </p:nvSpPr>
+              <p:spPr>
+                <a:xfrm>
+                  <a:off x="826242" y="3343428"/>
+                  <a:ext cx="486340" cy="175596"/>
+                </a:xfrm>
+                <a:prstGeom prst="rect">
+                  <a:avLst/>
+                </a:prstGeom>
+                <a:pattFill prst="pct5">
+                  <a:fgClr>
+                    <a:schemeClr val="tx1"/>
+                  </a:fgClr>
+                  <a:bgClr>
+                    <a:srgbClr val="00B0F0"/>
+                  </a:bgClr>
+                </a:pattFill>
+              </p:spPr>
+              <p:style>
+                <a:lnRef idx="2">
+                  <a:schemeClr val="accent1">
+                    <a:shade val="15000"/>
+                  </a:schemeClr>
+                </a:lnRef>
+                <a:fillRef idx="1">
+                  <a:schemeClr val="accent1"/>
+                </a:fillRef>
+                <a:effectRef idx="0">
+                  <a:schemeClr val="accent1"/>
+                </a:effectRef>
+                <a:fontRef idx="minor">
+                  <a:schemeClr val="lt1"/>
+                </a:fontRef>
+              </p:style>
+              <p:txBody>
+                <a:bodyPr rtlCol="0" anchor="ctr"/>
+                <a:lstStyle/>
+                <a:p>
+                  <a:pPr algn="ctr"/>
+                  <a:endParaRPr lang="en-US" sz="1000" dirty="0">
+                    <a:solidFill>
+                      <a:schemeClr val="tx1"/>
+                    </a:solidFill>
+                  </a:endParaRPr>
+                </a:p>
+              </p:txBody>
+            </p:sp>
+          </p:grpSp>
+          <p:sp>
+            <p:nvSpPr>
+              <p:cNvPr id="90" name="Rectangle 89">
+                <a:extLst>
+                  <a:ext uri="{FF2B5EF4-FFF2-40B4-BE49-F238E27FC236}">
+                    <a16:creationId xmlns:a16="http://schemas.microsoft.com/office/drawing/2014/main" id="{A054DAD1-07DA-1694-84C3-0CC393B19EA5}"/>
+                  </a:ext>
+                </a:extLst>
+              </p:cNvPr>
+              <p:cNvSpPr/>
+              <p:nvPr/>
+            </p:nvSpPr>
+            <p:spPr>
+              <a:xfrm>
+                <a:off x="1611340" y="2286038"/>
+                <a:ext cx="338986" cy="279400"/>
+              </a:xfrm>
+              <a:prstGeom prst="rect">
+                <a:avLst/>
+              </a:prstGeom>
+              <a:pattFill prst="pct5">
+                <a:fgClr>
+                  <a:schemeClr val="tx1"/>
+                </a:fgClr>
+                <a:bgClr>
+                  <a:srgbClr val="FFFF00"/>
+                </a:bgClr>
+              </a:pattFill>
+              <a:ln>
+                <a:solidFill>
+                  <a:schemeClr val="tx1"/>
+                </a:solidFill>
+              </a:ln>
+            </p:spPr>
+            <p:style>
+              <a:lnRef idx="2">
+                <a:schemeClr val="accent1">
+                  <a:shade val="15000"/>
+                </a:schemeClr>
+              </a:lnRef>
+              <a:fillRef idx="1">
+                <a:schemeClr val="accent1"/>
+              </a:fillRef>
+              <a:effectRef idx="0">
+                <a:schemeClr val="accent1"/>
+              </a:effectRef>
+              <a:fontRef idx="minor">
+                <a:schemeClr val="lt1"/>
+              </a:fontRef>
+            </p:style>
+            <p:txBody>
+              <a:bodyPr rtlCol="0" anchor="ctr"/>
+              <a:lstStyle/>
+              <a:p>
+                <a:pPr algn="ctr"/>
+                <a:endParaRPr lang="en-US" sz="1200" dirty="0">
+                  <a:solidFill>
+                    <a:schemeClr val="tx1"/>
+                  </a:solidFill>
+                </a:endParaRPr>
+              </a:p>
+            </p:txBody>
+          </p:sp>
+          <p:grpSp>
+            <p:nvGrpSpPr>
+              <p:cNvPr id="91" name="Group 90">
+                <a:extLst>
+                  <a:ext uri="{FF2B5EF4-FFF2-40B4-BE49-F238E27FC236}">
+                    <a16:creationId xmlns:a16="http://schemas.microsoft.com/office/drawing/2014/main" id="{0934CBA1-9E0B-6B88-9E84-A5691A784DEB}"/>
+                  </a:ext>
+                </a:extLst>
+              </p:cNvPr>
+              <p:cNvGrpSpPr/>
+              <p:nvPr/>
+            </p:nvGrpSpPr>
+            <p:grpSpPr>
+              <a:xfrm>
+                <a:off x="1596587" y="4051284"/>
+                <a:ext cx="343652" cy="755423"/>
+                <a:chOff x="826242" y="2998440"/>
+                <a:chExt cx="486340" cy="520584"/>
+              </a:xfrm>
+              <a:grpFill/>
+            </p:grpSpPr>
+            <p:sp>
+              <p:nvSpPr>
+                <p:cNvPr id="92" name="Rectangle 91">
+                  <a:extLst>
+                    <a:ext uri="{FF2B5EF4-FFF2-40B4-BE49-F238E27FC236}">
+                      <a16:creationId xmlns:a16="http://schemas.microsoft.com/office/drawing/2014/main" id="{E234BC74-C205-27AF-2A51-F273B4C17AAF}"/>
+                    </a:ext>
+                  </a:extLst>
+                </p:cNvPr>
+                <p:cNvSpPr/>
+                <p:nvPr/>
+              </p:nvSpPr>
+              <p:spPr>
+                <a:xfrm>
+                  <a:off x="826242" y="2998440"/>
+                  <a:ext cx="486340" cy="175596"/>
+                </a:xfrm>
+                <a:prstGeom prst="rect">
+                  <a:avLst/>
+                </a:prstGeom>
+                <a:pattFill prst="pct5">
+                  <a:fgClr>
+                    <a:schemeClr val="tx1"/>
+                  </a:fgClr>
+                  <a:bgClr>
+                    <a:srgbClr val="00B0F0"/>
+                  </a:bgClr>
+                </a:pattFill>
+              </p:spPr>
+              <p:style>
+                <a:lnRef idx="2">
+                  <a:schemeClr val="accent1">
+                    <a:shade val="15000"/>
+                  </a:schemeClr>
+                </a:lnRef>
+                <a:fillRef idx="1">
+                  <a:schemeClr val="accent1"/>
+                </a:fillRef>
+                <a:effectRef idx="0">
+                  <a:schemeClr val="accent1"/>
+                </a:effectRef>
+                <a:fontRef idx="minor">
+                  <a:schemeClr val="lt1"/>
+                </a:fontRef>
+              </p:style>
+              <p:txBody>
+                <a:bodyPr rtlCol="0" anchor="ctr"/>
+                <a:lstStyle/>
+                <a:p>
+                  <a:pPr algn="ctr"/>
+                  <a:endParaRPr lang="en-US" sz="1000" dirty="0">
+                    <a:solidFill>
+                      <a:schemeClr val="tx1"/>
+                    </a:solidFill>
+                  </a:endParaRPr>
+                </a:p>
+              </p:txBody>
+            </p:sp>
+            <p:sp>
+              <p:nvSpPr>
+                <p:cNvPr id="93" name="Rectangle 92">
+                  <a:extLst>
+                    <a:ext uri="{FF2B5EF4-FFF2-40B4-BE49-F238E27FC236}">
+                      <a16:creationId xmlns:a16="http://schemas.microsoft.com/office/drawing/2014/main" id="{AF948747-C58B-496D-4EC0-86DC1183EFD4}"/>
+                    </a:ext>
+                  </a:extLst>
+                </p:cNvPr>
+                <p:cNvSpPr/>
+                <p:nvPr/>
+              </p:nvSpPr>
+              <p:spPr>
+                <a:xfrm>
+                  <a:off x="826242" y="3170927"/>
+                  <a:ext cx="486340" cy="175596"/>
+                </a:xfrm>
+                <a:prstGeom prst="rect">
+                  <a:avLst/>
+                </a:prstGeom>
+                <a:pattFill prst="pct5">
+                  <a:fgClr>
+                    <a:schemeClr val="tx1"/>
+                  </a:fgClr>
+                  <a:bgClr>
+                    <a:srgbClr val="00B0F0"/>
+                  </a:bgClr>
+                </a:pattFill>
+              </p:spPr>
+              <p:style>
+                <a:lnRef idx="2">
+                  <a:schemeClr val="accent1">
+                    <a:shade val="15000"/>
+                  </a:schemeClr>
+                </a:lnRef>
+                <a:fillRef idx="1">
+                  <a:schemeClr val="accent1"/>
+                </a:fillRef>
+                <a:effectRef idx="0">
+                  <a:schemeClr val="accent1"/>
+                </a:effectRef>
+                <a:fontRef idx="minor">
+                  <a:schemeClr val="lt1"/>
+                </a:fontRef>
+              </p:style>
+              <p:txBody>
+                <a:bodyPr rtlCol="0" anchor="ctr"/>
+                <a:lstStyle/>
+                <a:p>
+                  <a:pPr algn="ctr"/>
+                  <a:endParaRPr lang="en-US" sz="1000" dirty="0">
+                    <a:solidFill>
+                      <a:schemeClr val="tx1"/>
+                    </a:solidFill>
+                  </a:endParaRPr>
+                </a:p>
+              </p:txBody>
+            </p:sp>
+            <p:sp>
+              <p:nvSpPr>
+                <p:cNvPr id="94" name="Rectangle 93">
+                  <a:extLst>
+                    <a:ext uri="{FF2B5EF4-FFF2-40B4-BE49-F238E27FC236}">
+                      <a16:creationId xmlns:a16="http://schemas.microsoft.com/office/drawing/2014/main" id="{48A79A65-CED4-5FC0-8B89-CB649EAF5D94}"/>
+                    </a:ext>
+                  </a:extLst>
+                </p:cNvPr>
+                <p:cNvSpPr/>
+                <p:nvPr/>
+              </p:nvSpPr>
+              <p:spPr>
+                <a:xfrm>
+                  <a:off x="826242" y="3343428"/>
+                  <a:ext cx="486340" cy="175596"/>
+                </a:xfrm>
+                <a:prstGeom prst="rect">
+                  <a:avLst/>
+                </a:prstGeom>
+                <a:pattFill prst="pct5">
+                  <a:fgClr>
+                    <a:schemeClr val="tx1"/>
+                  </a:fgClr>
+                  <a:bgClr>
+                    <a:srgbClr val="00B0F0"/>
+                  </a:bgClr>
+                </a:pattFill>
+              </p:spPr>
+              <p:style>
+                <a:lnRef idx="2">
+                  <a:schemeClr val="accent1">
+                    <a:shade val="15000"/>
+                  </a:schemeClr>
+                </a:lnRef>
+                <a:fillRef idx="1">
+                  <a:schemeClr val="accent1"/>
+                </a:fillRef>
+                <a:effectRef idx="0">
+                  <a:schemeClr val="accent1"/>
+                </a:effectRef>
+                <a:fontRef idx="minor">
+                  <a:schemeClr val="lt1"/>
+                </a:fontRef>
+              </p:style>
+              <p:txBody>
+                <a:bodyPr rtlCol="0" anchor="ctr"/>
+                <a:lstStyle/>
+                <a:p>
+                  <a:pPr algn="ctr"/>
+                  <a:endParaRPr lang="en-US" sz="1000" dirty="0">
+                    <a:solidFill>
+                      <a:schemeClr val="tx1"/>
+                    </a:solidFill>
+                  </a:endParaRPr>
+                </a:p>
+              </p:txBody>
+            </p:sp>
+          </p:grpSp>
+        </p:grpSp>
+        <p:sp>
+          <p:nvSpPr>
+            <p:cNvPr id="108" name="TextBox 107">
+              <a:extLst>
+                <a:ext uri="{FF2B5EF4-FFF2-40B4-BE49-F238E27FC236}">
+                  <a16:creationId xmlns:a16="http://schemas.microsoft.com/office/drawing/2014/main" id="{7A98645A-EF68-13DD-7B81-9A3746CF1C44}"/>
+                </a:ext>
+              </a:extLst>
+            </p:cNvPr>
+            <p:cNvSpPr txBox="1"/>
+            <p:nvPr/>
+          </p:nvSpPr>
+          <p:spPr>
+            <a:xfrm rot="5400000">
+              <a:off x="2647208" y="2483254"/>
+              <a:ext cx="604653" cy="707886"/>
+            </a:xfrm>
+            <a:prstGeom prst="rect">
+              <a:avLst/>
+            </a:prstGeom>
+            <a:noFill/>
+          </p:spPr>
+          <p:txBody>
+            <a:bodyPr wrap="none" rtlCol="0">
+              <a:spAutoFit/>
+            </a:bodyPr>
+            <a:lstStyle/>
+            <a:p>
+              <a:r>
+                <a:rPr lang="en-US" sz="4000" dirty="0"/>
+                <a:t>…</a:t>
+              </a:r>
+            </a:p>
+          </p:txBody>
+        </p:sp>
+      </p:grpSp>
+      <p:sp>
+        <p:nvSpPr>
+          <p:cNvPr id="109" name="TextBox 108">
+            <a:extLst>
+              <a:ext uri="{FF2B5EF4-FFF2-40B4-BE49-F238E27FC236}">
+                <a16:creationId xmlns:a16="http://schemas.microsoft.com/office/drawing/2014/main" id="{C807C50B-06F5-64C4-B902-7E9196FEF805}"/>
+              </a:ext>
+            </a:extLst>
+          </p:cNvPr>
+          <p:cNvSpPr txBox="1"/>
+          <p:nvPr/>
+        </p:nvSpPr>
+        <p:spPr>
+          <a:xfrm rot="4384904">
+            <a:off x="1525474" y="4681818"/>
+            <a:ext cx="1783310" cy="307777"/>
+          </a:xfrm>
+          <a:prstGeom prst="rect">
+            <a:avLst/>
+          </a:prstGeom>
+          <a:noFill/>
+        </p:spPr>
+        <p:txBody>
+          <a:bodyPr wrap="square" rtlCol="0">
+            <a:spAutoFit/>
+          </a:bodyPr>
+          <a:lstStyle/>
+          <a:p>
+            <a:r>
+              <a:rPr lang="en-US" sz="1400" dirty="0"/>
+              <a:t>Encodings (masked)</a:t>
+            </a:r>
+          </a:p>
+        </p:txBody>
+      </p:sp>
+      <p:sp>
+        <p:nvSpPr>
+          <p:cNvPr id="110" name="TextBox 109">
+            <a:extLst>
+              <a:ext uri="{FF2B5EF4-FFF2-40B4-BE49-F238E27FC236}">
+                <a16:creationId xmlns:a16="http://schemas.microsoft.com/office/drawing/2014/main" id="{48714DA4-457C-1045-8F62-F687EF4EE71D}"/>
+              </a:ext>
+            </a:extLst>
+          </p:cNvPr>
+          <p:cNvSpPr txBox="1"/>
+          <p:nvPr/>
+        </p:nvSpPr>
+        <p:spPr>
+          <a:xfrm rot="4384904">
+            <a:off x="2598749" y="4579303"/>
+            <a:ext cx="1569005" cy="307777"/>
+          </a:xfrm>
+          <a:prstGeom prst="rect">
+            <a:avLst/>
+          </a:prstGeom>
+          <a:noFill/>
+        </p:spPr>
+        <p:txBody>
+          <a:bodyPr wrap="square" rtlCol="0">
+            <a:spAutoFit/>
+          </a:bodyPr>
+          <a:lstStyle/>
+          <a:p>
+            <a:r>
+              <a:rPr lang="en-US" sz="1400" dirty="0"/>
+              <a:t>Embeddings</a:t>
+            </a:r>
+          </a:p>
+        </p:txBody>
+      </p:sp>
+      <p:cxnSp>
+        <p:nvCxnSpPr>
+          <p:cNvPr id="111" name="Straight Arrow Connector 110">
+            <a:extLst>
+              <a:ext uri="{FF2B5EF4-FFF2-40B4-BE49-F238E27FC236}">
+                <a16:creationId xmlns:a16="http://schemas.microsoft.com/office/drawing/2014/main" id="{1775893F-94EC-985A-64D3-350962951035}"/>
+              </a:ext>
+            </a:extLst>
+          </p:cNvPr>
+          <p:cNvCxnSpPr>
+            <a:cxnSpLocks/>
+          </p:cNvCxnSpPr>
+          <p:nvPr/>
+        </p:nvCxnSpPr>
+        <p:spPr>
+          <a:xfrm flipV="1">
+            <a:off x="1687408" y="2756452"/>
+            <a:ext cx="241615" cy="1087"/>
+          </a:xfrm>
+          <a:prstGeom prst="straightConnector1">
+            <a:avLst/>
+          </a:prstGeom>
+          <a:ln>
+            <a:solidFill>
+              <a:schemeClr val="tx1"/>
+            </a:solidFill>
+            <a:tailEnd type="triangle"/>
+          </a:ln>
+        </p:spPr>
+        <p:style>
+          <a:lnRef idx="2">
+            <a:schemeClr val="accent1"/>
+          </a:lnRef>
+          <a:fillRef idx="0">
+            <a:schemeClr val="accent1"/>
+          </a:fillRef>
+          <a:effectRef idx="1">
+            <a:schemeClr val="accent1"/>
+          </a:effectRef>
+          <a:fontRef idx="minor">
+            <a:schemeClr val="tx1"/>
+          </a:fontRef>
+        </p:style>
+      </p:cxnSp>
+      <p:cxnSp>
+        <p:nvCxnSpPr>
+          <p:cNvPr id="112" name="Straight Arrow Connector 111">
+            <a:extLst>
+              <a:ext uri="{FF2B5EF4-FFF2-40B4-BE49-F238E27FC236}">
+                <a16:creationId xmlns:a16="http://schemas.microsoft.com/office/drawing/2014/main" id="{A268E77C-E77E-4D68-8B43-9BDA3E5CB67C}"/>
+              </a:ext>
+            </a:extLst>
+          </p:cNvPr>
+          <p:cNvCxnSpPr>
+            <a:cxnSpLocks/>
+          </p:cNvCxnSpPr>
+          <p:nvPr/>
+        </p:nvCxnSpPr>
+        <p:spPr>
+          <a:xfrm flipV="1">
+            <a:off x="2506643" y="2756452"/>
+            <a:ext cx="241615" cy="1087"/>
+          </a:xfrm>
+          <a:prstGeom prst="straightConnector1">
+            <a:avLst/>
+          </a:prstGeom>
+          <a:ln>
+            <a:solidFill>
+              <a:schemeClr val="tx1"/>
+            </a:solidFill>
+            <a:tailEnd type="triangle"/>
+          </a:ln>
+        </p:spPr>
+        <p:style>
+          <a:lnRef idx="2">
+            <a:schemeClr val="accent1"/>
+          </a:lnRef>
+          <a:fillRef idx="0">
+            <a:schemeClr val="accent1"/>
+          </a:fillRef>
+          <a:effectRef idx="1">
+            <a:schemeClr val="accent1"/>
+          </a:effectRef>
+          <a:fontRef idx="minor">
+            <a:schemeClr val="tx1"/>
+          </a:fontRef>
+        </p:style>
+      </p:cxnSp>
+      <p:grpSp>
+        <p:nvGrpSpPr>
+          <p:cNvPr id="125" name="Group 124">
+            <a:extLst>
+              <a:ext uri="{FF2B5EF4-FFF2-40B4-BE49-F238E27FC236}">
+                <a16:creationId xmlns:a16="http://schemas.microsoft.com/office/drawing/2014/main" id="{75828BF5-F154-3890-597F-EE0B15C9317B}"/>
+              </a:ext>
+            </a:extLst>
+          </p:cNvPr>
+          <p:cNvGrpSpPr/>
+          <p:nvPr/>
+        </p:nvGrpSpPr>
+        <p:grpSpPr>
+          <a:xfrm>
+            <a:off x="5608297" y="1351067"/>
+            <a:ext cx="934503" cy="2520669"/>
+            <a:chOff x="2368975" y="1356675"/>
+            <a:chExt cx="934503" cy="2520669"/>
+          </a:xfrm>
+          <a:pattFill prst="pct5">
+            <a:fgClr>
+              <a:schemeClr val="accent1"/>
+            </a:fgClr>
+            <a:bgClr>
+              <a:schemeClr val="bg1"/>
+            </a:bgClr>
+          </a:pattFill>
+        </p:grpSpPr>
+        <p:grpSp>
+          <p:nvGrpSpPr>
+            <p:cNvPr id="126" name="Group 125">
+              <a:extLst>
+                <a:ext uri="{FF2B5EF4-FFF2-40B4-BE49-F238E27FC236}">
+                  <a16:creationId xmlns:a16="http://schemas.microsoft.com/office/drawing/2014/main" id="{8C822D27-C68B-A31E-656B-3BB7856FFCE2}"/>
+                </a:ext>
+              </a:extLst>
+            </p:cNvPr>
+            <p:cNvGrpSpPr/>
+            <p:nvPr/>
+          </p:nvGrpSpPr>
+          <p:grpSpPr>
+            <a:xfrm>
+              <a:off x="2368975" y="1356675"/>
+              <a:ext cx="885451" cy="2520669"/>
+              <a:chOff x="1596587" y="2286038"/>
+              <a:chExt cx="353739" cy="2520669"/>
+            </a:xfrm>
+            <a:grpFill/>
+          </p:grpSpPr>
+          <p:grpSp>
+            <p:nvGrpSpPr>
+              <p:cNvPr id="128" name="Group 127">
+                <a:extLst>
+                  <a:ext uri="{FF2B5EF4-FFF2-40B4-BE49-F238E27FC236}">
+                    <a16:creationId xmlns:a16="http://schemas.microsoft.com/office/drawing/2014/main" id="{5DF01B61-9784-1C98-CC92-98BDAACC0DA2}"/>
+                  </a:ext>
+                </a:extLst>
+              </p:cNvPr>
+              <p:cNvGrpSpPr/>
+              <p:nvPr/>
+            </p:nvGrpSpPr>
+            <p:grpSpPr>
+              <a:xfrm>
+                <a:off x="1606674" y="2724827"/>
+                <a:ext cx="343652" cy="755423"/>
+                <a:chOff x="826242" y="2998440"/>
+                <a:chExt cx="486340" cy="520584"/>
+              </a:xfrm>
+              <a:grpFill/>
+            </p:grpSpPr>
+            <p:sp>
+              <p:nvSpPr>
+                <p:cNvPr id="134" name="Rectangle 133">
+                  <a:extLst>
+                    <a:ext uri="{FF2B5EF4-FFF2-40B4-BE49-F238E27FC236}">
+                      <a16:creationId xmlns:a16="http://schemas.microsoft.com/office/drawing/2014/main" id="{C6EF3EF5-484B-91E9-CDA2-5089668E4AB2}"/>
+                    </a:ext>
+                  </a:extLst>
+                </p:cNvPr>
+                <p:cNvSpPr/>
+                <p:nvPr/>
+              </p:nvSpPr>
+              <p:spPr>
+                <a:xfrm>
+                  <a:off x="826242" y="2998440"/>
+                  <a:ext cx="486340" cy="175596"/>
+                </a:xfrm>
+                <a:prstGeom prst="rect">
+                  <a:avLst/>
+                </a:prstGeom>
+                <a:grpFill/>
+              </p:spPr>
+              <p:style>
+                <a:lnRef idx="2">
+                  <a:schemeClr val="accent1">
+                    <a:shade val="15000"/>
+                  </a:schemeClr>
+                </a:lnRef>
+                <a:fillRef idx="1">
+                  <a:schemeClr val="accent1"/>
+                </a:fillRef>
+                <a:effectRef idx="0">
+                  <a:schemeClr val="accent1"/>
+                </a:effectRef>
+                <a:fontRef idx="minor">
+                  <a:schemeClr val="lt1"/>
+                </a:fontRef>
+              </p:style>
+              <p:txBody>
+                <a:bodyPr rtlCol="0" anchor="ctr"/>
+                <a:lstStyle/>
+                <a:p>
+                  <a:pPr algn="ctr"/>
+                  <a:endParaRPr lang="en-US" sz="1000" dirty="0">
+                    <a:solidFill>
+                      <a:schemeClr val="tx1"/>
+                    </a:solidFill>
+                  </a:endParaRPr>
+                </a:p>
+              </p:txBody>
+            </p:sp>
+            <p:sp>
+              <p:nvSpPr>
+                <p:cNvPr id="135" name="Rectangle 134">
+                  <a:extLst>
+                    <a:ext uri="{FF2B5EF4-FFF2-40B4-BE49-F238E27FC236}">
+                      <a16:creationId xmlns:a16="http://schemas.microsoft.com/office/drawing/2014/main" id="{B7221257-FCCD-A821-550E-F8C2B620308D}"/>
+                    </a:ext>
+                  </a:extLst>
+                </p:cNvPr>
+                <p:cNvSpPr/>
+                <p:nvPr/>
+              </p:nvSpPr>
+              <p:spPr>
+                <a:xfrm>
+                  <a:off x="826242" y="3170927"/>
+                  <a:ext cx="486340" cy="175596"/>
+                </a:xfrm>
+                <a:prstGeom prst="rect">
+                  <a:avLst/>
+                </a:prstGeom>
+                <a:grpFill/>
+              </p:spPr>
+              <p:style>
+                <a:lnRef idx="2">
+                  <a:schemeClr val="accent1">
+                    <a:shade val="15000"/>
+                  </a:schemeClr>
+                </a:lnRef>
+                <a:fillRef idx="1">
+                  <a:schemeClr val="accent1"/>
+                </a:fillRef>
+                <a:effectRef idx="0">
+                  <a:schemeClr val="accent1"/>
+                </a:effectRef>
+                <a:fontRef idx="minor">
+                  <a:schemeClr val="lt1"/>
+                </a:fontRef>
+              </p:style>
+              <p:txBody>
+                <a:bodyPr rtlCol="0" anchor="ctr"/>
+                <a:lstStyle/>
+                <a:p>
+                  <a:pPr algn="ctr"/>
+                  <a:endParaRPr lang="en-US" sz="1000" dirty="0">
+                    <a:solidFill>
+                      <a:schemeClr val="tx1"/>
+                    </a:solidFill>
+                  </a:endParaRPr>
+                </a:p>
+              </p:txBody>
+            </p:sp>
+            <p:sp>
+              <p:nvSpPr>
+                <p:cNvPr id="136" name="Rectangle 135">
+                  <a:extLst>
+                    <a:ext uri="{FF2B5EF4-FFF2-40B4-BE49-F238E27FC236}">
+                      <a16:creationId xmlns:a16="http://schemas.microsoft.com/office/drawing/2014/main" id="{C4C46389-87A7-0917-45FC-0645AB6C2010}"/>
+                    </a:ext>
+                  </a:extLst>
+                </p:cNvPr>
+                <p:cNvSpPr/>
+                <p:nvPr/>
+              </p:nvSpPr>
+              <p:spPr>
+                <a:xfrm>
+                  <a:off x="826242" y="3343428"/>
+                  <a:ext cx="486340" cy="175596"/>
+                </a:xfrm>
+                <a:prstGeom prst="rect">
+                  <a:avLst/>
+                </a:prstGeom>
+                <a:grpFill/>
+              </p:spPr>
+              <p:style>
+                <a:lnRef idx="2">
+                  <a:schemeClr val="accent1">
+                    <a:shade val="15000"/>
+                  </a:schemeClr>
+                </a:lnRef>
+                <a:fillRef idx="1">
+                  <a:schemeClr val="accent1"/>
+                </a:fillRef>
+                <a:effectRef idx="0">
+                  <a:schemeClr val="accent1"/>
+                </a:effectRef>
+                <a:fontRef idx="minor">
+                  <a:schemeClr val="lt1"/>
+                </a:fontRef>
+              </p:style>
+              <p:txBody>
+                <a:bodyPr rtlCol="0" anchor="ctr"/>
+                <a:lstStyle/>
+                <a:p>
+                  <a:pPr algn="ctr"/>
+                  <a:endParaRPr lang="en-US" sz="1000" dirty="0">
+                    <a:solidFill>
+                      <a:schemeClr val="tx1"/>
+                    </a:solidFill>
+                  </a:endParaRPr>
+                </a:p>
+              </p:txBody>
+            </p:sp>
+          </p:grpSp>
+          <p:sp>
+            <p:nvSpPr>
+              <p:cNvPr id="129" name="Rectangle 128">
+                <a:extLst>
+                  <a:ext uri="{FF2B5EF4-FFF2-40B4-BE49-F238E27FC236}">
+                    <a16:creationId xmlns:a16="http://schemas.microsoft.com/office/drawing/2014/main" id="{33FD39C9-BE68-D8BD-0A32-0BADC1F383D1}"/>
+                  </a:ext>
+                </a:extLst>
+              </p:cNvPr>
+              <p:cNvSpPr/>
+              <p:nvPr/>
+            </p:nvSpPr>
+            <p:spPr>
+              <a:xfrm>
+                <a:off x="1611340" y="2286038"/>
+                <a:ext cx="338986" cy="279400"/>
+              </a:xfrm>
+              <a:prstGeom prst="rect">
+                <a:avLst/>
+              </a:prstGeom>
+              <a:pattFill prst="pct5">
+                <a:fgClr>
+                  <a:schemeClr val="accent1"/>
+                </a:fgClr>
+                <a:bgClr>
+                  <a:srgbClr val="FFFF00"/>
+                </a:bgClr>
+              </a:pattFill>
+              <a:ln>
+                <a:solidFill>
+                  <a:schemeClr val="tx1"/>
+                </a:solidFill>
+              </a:ln>
+            </p:spPr>
+            <p:style>
+              <a:lnRef idx="2">
+                <a:schemeClr val="accent1">
+                  <a:shade val="15000"/>
+                </a:schemeClr>
+              </a:lnRef>
+              <a:fillRef idx="1">
+                <a:schemeClr val="accent1"/>
+              </a:fillRef>
+              <a:effectRef idx="0">
+                <a:schemeClr val="accent1"/>
+              </a:effectRef>
+              <a:fontRef idx="minor">
+                <a:schemeClr val="lt1"/>
+              </a:fontRef>
+            </p:style>
+            <p:txBody>
+              <a:bodyPr rtlCol="0" anchor="ctr"/>
+              <a:lstStyle/>
+              <a:p>
+                <a:pPr algn="ctr"/>
+                <a:endParaRPr lang="en-US" sz="1200" dirty="0">
+                  <a:solidFill>
+                    <a:schemeClr val="tx1"/>
+                  </a:solidFill>
+                </a:endParaRPr>
+              </a:p>
+            </p:txBody>
+          </p:sp>
+          <p:grpSp>
+            <p:nvGrpSpPr>
+              <p:cNvPr id="130" name="Group 129">
+                <a:extLst>
+                  <a:ext uri="{FF2B5EF4-FFF2-40B4-BE49-F238E27FC236}">
+                    <a16:creationId xmlns:a16="http://schemas.microsoft.com/office/drawing/2014/main" id="{BD520636-9970-4600-4F4B-A145E86BD115}"/>
+                  </a:ext>
+                </a:extLst>
+              </p:cNvPr>
+              <p:cNvGrpSpPr/>
+              <p:nvPr/>
+            </p:nvGrpSpPr>
+            <p:grpSpPr>
+              <a:xfrm>
+                <a:off x="1596587" y="4051284"/>
+                <a:ext cx="343652" cy="755423"/>
+                <a:chOff x="826242" y="2998440"/>
+                <a:chExt cx="486340" cy="520584"/>
+              </a:xfrm>
+              <a:grpFill/>
+            </p:grpSpPr>
+            <p:sp>
+              <p:nvSpPr>
+                <p:cNvPr id="131" name="Rectangle 130">
+                  <a:extLst>
+                    <a:ext uri="{FF2B5EF4-FFF2-40B4-BE49-F238E27FC236}">
+                      <a16:creationId xmlns:a16="http://schemas.microsoft.com/office/drawing/2014/main" id="{6D0371B5-E54D-5220-AA99-14D1C17EF26A}"/>
+                    </a:ext>
+                  </a:extLst>
+                </p:cNvPr>
+                <p:cNvSpPr/>
+                <p:nvPr/>
+              </p:nvSpPr>
+              <p:spPr>
+                <a:xfrm>
+                  <a:off x="826242" y="2998440"/>
+                  <a:ext cx="486340" cy="175596"/>
+                </a:xfrm>
+                <a:prstGeom prst="rect">
+                  <a:avLst/>
+                </a:prstGeom>
+                <a:grpFill/>
+              </p:spPr>
+              <p:style>
+                <a:lnRef idx="2">
+                  <a:schemeClr val="accent1">
+                    <a:shade val="15000"/>
+                  </a:schemeClr>
+                </a:lnRef>
+                <a:fillRef idx="1">
+                  <a:schemeClr val="accent1"/>
+                </a:fillRef>
+                <a:effectRef idx="0">
+                  <a:schemeClr val="accent1"/>
+                </a:effectRef>
+                <a:fontRef idx="minor">
+                  <a:schemeClr val="lt1"/>
+                </a:fontRef>
+              </p:style>
+              <p:txBody>
+                <a:bodyPr rtlCol="0" anchor="ctr"/>
+                <a:lstStyle/>
+                <a:p>
+                  <a:pPr algn="ctr"/>
+                  <a:endParaRPr lang="en-US" sz="1000" dirty="0">
+                    <a:solidFill>
+                      <a:schemeClr val="tx1"/>
+                    </a:solidFill>
+                  </a:endParaRPr>
+                </a:p>
+              </p:txBody>
+            </p:sp>
+            <p:sp>
+              <p:nvSpPr>
+                <p:cNvPr id="132" name="Rectangle 131">
+                  <a:extLst>
+                    <a:ext uri="{FF2B5EF4-FFF2-40B4-BE49-F238E27FC236}">
+                      <a16:creationId xmlns:a16="http://schemas.microsoft.com/office/drawing/2014/main" id="{02FA62A3-9D24-61C4-BB56-C1B22FFDF50D}"/>
+                    </a:ext>
+                  </a:extLst>
+                </p:cNvPr>
+                <p:cNvSpPr/>
+                <p:nvPr/>
+              </p:nvSpPr>
+              <p:spPr>
+                <a:xfrm>
+                  <a:off x="826242" y="3170927"/>
+                  <a:ext cx="486340" cy="175596"/>
+                </a:xfrm>
+                <a:prstGeom prst="rect">
+                  <a:avLst/>
+                </a:prstGeom>
+                <a:grpFill/>
+              </p:spPr>
+              <p:style>
+                <a:lnRef idx="2">
+                  <a:schemeClr val="accent1">
+                    <a:shade val="15000"/>
+                  </a:schemeClr>
+                </a:lnRef>
+                <a:fillRef idx="1">
+                  <a:schemeClr val="accent1"/>
+                </a:fillRef>
+                <a:effectRef idx="0">
+                  <a:schemeClr val="accent1"/>
+                </a:effectRef>
+                <a:fontRef idx="minor">
+                  <a:schemeClr val="lt1"/>
+                </a:fontRef>
+              </p:style>
+              <p:txBody>
+                <a:bodyPr rtlCol="0" anchor="ctr"/>
+                <a:lstStyle/>
+                <a:p>
+                  <a:pPr algn="ctr"/>
+                  <a:endParaRPr lang="en-US" sz="1000" dirty="0">
+                    <a:solidFill>
+                      <a:schemeClr val="tx1"/>
+                    </a:solidFill>
+                  </a:endParaRPr>
+                </a:p>
+              </p:txBody>
+            </p:sp>
+            <p:sp>
+              <p:nvSpPr>
+                <p:cNvPr id="133" name="Rectangle 132">
+                  <a:extLst>
+                    <a:ext uri="{FF2B5EF4-FFF2-40B4-BE49-F238E27FC236}">
+                      <a16:creationId xmlns:a16="http://schemas.microsoft.com/office/drawing/2014/main" id="{F32AC907-5D4B-FADD-E773-A30AB6641051}"/>
+                    </a:ext>
+                  </a:extLst>
+                </p:cNvPr>
+                <p:cNvSpPr/>
+                <p:nvPr/>
+              </p:nvSpPr>
+              <p:spPr>
+                <a:xfrm>
+                  <a:off x="826242" y="3343428"/>
+                  <a:ext cx="486340" cy="175596"/>
+                </a:xfrm>
+                <a:prstGeom prst="rect">
+                  <a:avLst/>
+                </a:prstGeom>
+                <a:grpFill/>
+              </p:spPr>
+              <p:style>
+                <a:lnRef idx="2">
+                  <a:schemeClr val="accent1">
+                    <a:shade val="15000"/>
+                  </a:schemeClr>
+                </a:lnRef>
+                <a:fillRef idx="1">
+                  <a:schemeClr val="accent1"/>
+                </a:fillRef>
+                <a:effectRef idx="0">
+                  <a:schemeClr val="accent1"/>
+                </a:effectRef>
+                <a:fontRef idx="minor">
+                  <a:schemeClr val="lt1"/>
+                </a:fontRef>
+              </p:style>
+              <p:txBody>
+                <a:bodyPr rtlCol="0" anchor="ctr"/>
+                <a:lstStyle/>
+                <a:p>
+                  <a:pPr algn="ctr"/>
+                  <a:endParaRPr lang="en-US" sz="1000" dirty="0">
+                    <a:solidFill>
+                      <a:schemeClr val="tx1"/>
+                    </a:solidFill>
+                  </a:endParaRPr>
+                </a:p>
+              </p:txBody>
+            </p:sp>
+          </p:grpSp>
+        </p:grpSp>
+        <p:sp>
+          <p:nvSpPr>
+            <p:cNvPr id="127" name="TextBox 126">
+              <a:extLst>
+                <a:ext uri="{FF2B5EF4-FFF2-40B4-BE49-F238E27FC236}">
+                  <a16:creationId xmlns:a16="http://schemas.microsoft.com/office/drawing/2014/main" id="{A74B21AE-146B-4186-20A2-6DE0D2A9EBFB}"/>
+                </a:ext>
+              </a:extLst>
+            </p:cNvPr>
+            <p:cNvSpPr txBox="1"/>
+            <p:nvPr/>
+          </p:nvSpPr>
+          <p:spPr>
+            <a:xfrm rot="5400000">
+              <a:off x="2647208" y="2483254"/>
+              <a:ext cx="604653" cy="707886"/>
+            </a:xfrm>
+            <a:prstGeom prst="rect">
+              <a:avLst/>
+            </a:prstGeom>
+            <a:noFill/>
+          </p:spPr>
+          <p:txBody>
+            <a:bodyPr wrap="none" rtlCol="0">
+              <a:spAutoFit/>
+            </a:bodyPr>
+            <a:lstStyle/>
+            <a:p>
+              <a:r>
+                <a:rPr lang="en-US" sz="4000" dirty="0"/>
+                <a:t>…</a:t>
+              </a:r>
+            </a:p>
+          </p:txBody>
+        </p:sp>
+      </p:grpSp>
+      <p:cxnSp>
+        <p:nvCxnSpPr>
+          <p:cNvPr id="151" name="Straight Arrow Connector 150">
+            <a:extLst>
+              <a:ext uri="{FF2B5EF4-FFF2-40B4-BE49-F238E27FC236}">
+                <a16:creationId xmlns:a16="http://schemas.microsoft.com/office/drawing/2014/main" id="{5AEC59BA-D07A-7A8D-643E-0AA276153271}"/>
+              </a:ext>
+            </a:extLst>
+          </p:cNvPr>
+          <p:cNvCxnSpPr>
+            <a:cxnSpLocks/>
+          </p:cNvCxnSpPr>
+          <p:nvPr/>
+        </p:nvCxnSpPr>
+        <p:spPr>
+          <a:xfrm>
+            <a:off x="6648608" y="1491854"/>
+            <a:ext cx="606631" cy="0"/>
+          </a:xfrm>
+          <a:prstGeom prst="straightConnector1">
+            <a:avLst/>
+          </a:prstGeom>
+          <a:ln>
+            <a:solidFill>
+              <a:schemeClr val="tx1"/>
+            </a:solidFill>
+            <a:tailEnd type="triangle"/>
+          </a:ln>
+        </p:spPr>
+        <p:style>
+          <a:lnRef idx="2">
+            <a:schemeClr val="accent1"/>
+          </a:lnRef>
+          <a:fillRef idx="0">
+            <a:schemeClr val="accent1"/>
+          </a:fillRef>
+          <a:effectRef idx="1">
+            <a:schemeClr val="accent1"/>
+          </a:effectRef>
+          <a:fontRef idx="minor">
+            <a:schemeClr val="tx1"/>
+          </a:fontRef>
+        </p:style>
+      </p:cxnSp>
+      <p:sp>
+        <p:nvSpPr>
+          <p:cNvPr id="205" name="TextBox 204">
+            <a:extLst>
+              <a:ext uri="{FF2B5EF4-FFF2-40B4-BE49-F238E27FC236}">
+                <a16:creationId xmlns:a16="http://schemas.microsoft.com/office/drawing/2014/main" id="{34DE4BD2-9A80-AB39-A469-D55B4D4AAA12}"/>
+              </a:ext>
+            </a:extLst>
+          </p:cNvPr>
+          <p:cNvSpPr txBox="1"/>
+          <p:nvPr/>
+        </p:nvSpPr>
+        <p:spPr>
+          <a:xfrm>
+            <a:off x="1562235" y="270983"/>
+            <a:ext cx="4702506" cy="369332"/>
+          </a:xfrm>
+          <a:prstGeom prst="rect">
+            <a:avLst/>
+          </a:prstGeom>
+          <a:noFill/>
+        </p:spPr>
+        <p:txBody>
+          <a:bodyPr wrap="none" rtlCol="0">
+            <a:spAutoFit/>
+          </a:bodyPr>
+          <a:lstStyle/>
+          <a:p>
+            <a:r>
+              <a:rPr lang="en-US" dirty="0"/>
+              <a:t>fine-tune on </a:t>
+            </a:r>
+            <a:r>
+              <a:rPr lang="en-US" dirty="0" err="1"/>
+              <a:t>scFv</a:t>
+            </a:r>
+            <a:r>
+              <a:rPr lang="en-US" dirty="0"/>
+              <a:t> library with binding energies</a:t>
+            </a:r>
+          </a:p>
+        </p:txBody>
+      </p:sp>
+      <p:sp>
+        <p:nvSpPr>
+          <p:cNvPr id="206" name="TextBox 205">
+            <a:extLst>
+              <a:ext uri="{FF2B5EF4-FFF2-40B4-BE49-F238E27FC236}">
+                <a16:creationId xmlns:a16="http://schemas.microsoft.com/office/drawing/2014/main" id="{D34CF774-8499-E480-516A-FF6C4A54BF23}"/>
+              </a:ext>
+            </a:extLst>
+          </p:cNvPr>
+          <p:cNvSpPr txBox="1"/>
+          <p:nvPr/>
+        </p:nvSpPr>
+        <p:spPr>
+          <a:xfrm rot="4384904">
+            <a:off x="5640341" y="4260857"/>
+            <a:ext cx="903303" cy="307777"/>
+          </a:xfrm>
+          <a:prstGeom prst="rect">
+            <a:avLst/>
+          </a:prstGeom>
+          <a:noFill/>
+        </p:spPr>
+        <p:txBody>
+          <a:bodyPr wrap="square" rtlCol="0">
+            <a:spAutoFit/>
+          </a:bodyPr>
+          <a:lstStyle/>
+          <a:p>
+            <a:r>
+              <a:rPr lang="en-US" sz="1400" dirty="0"/>
+              <a:t>Contexts</a:t>
+            </a:r>
+          </a:p>
+        </p:txBody>
+      </p:sp>
+      <p:sp>
+        <p:nvSpPr>
+          <p:cNvPr id="17" name="Rectangle 16">
+            <a:extLst>
+              <a:ext uri="{FF2B5EF4-FFF2-40B4-BE49-F238E27FC236}">
+                <a16:creationId xmlns:a16="http://schemas.microsoft.com/office/drawing/2014/main" id="{91B1A6DC-D6FA-B19F-8A23-90F9EC3E5071}"/>
+              </a:ext>
+            </a:extLst>
+          </p:cNvPr>
+          <p:cNvSpPr/>
+          <p:nvPr/>
+        </p:nvSpPr>
+        <p:spPr>
+          <a:xfrm>
+            <a:off x="7329685" y="1214686"/>
+            <a:ext cx="1682819" cy="539155"/>
+          </a:xfrm>
+          <a:prstGeom prst="rect">
+            <a:avLst/>
+          </a:prstGeom>
+          <a:solidFill>
+            <a:schemeClr val="bg2">
+              <a:lumMod val="75000"/>
+            </a:schemeClr>
+          </a:solidFill>
+        </p:spPr>
+        <p:style>
+          <a:lnRef idx="2">
+            <a:schemeClr val="accent1">
+              <a:shade val="15000"/>
+            </a:schemeClr>
+          </a:lnRef>
+          <a:fillRef idx="1">
+            <a:schemeClr val="accent1"/>
+          </a:fillRef>
+          <a:effectRef idx="0">
+            <a:schemeClr val="accent1"/>
+          </a:effectRef>
+          <a:fontRef idx="minor">
+            <a:schemeClr val="lt1"/>
+          </a:fontRef>
+        </p:style>
+        <p:txBody>
+          <a:bodyPr rtlCol="0" anchor="ctr"/>
+          <a:lstStyle/>
+          <a:p>
+            <a:pPr algn="ctr"/>
+            <a:r>
+              <a:rPr lang="en-US" sz="1600" dirty="0">
+                <a:solidFill>
+                  <a:schemeClr val="tx1"/>
+                </a:solidFill>
+              </a:rPr>
+              <a:t>Regression Head</a:t>
+            </a:r>
+          </a:p>
+          <a:p>
+            <a:pPr algn="ctr"/>
+            <a:r>
+              <a:rPr lang="en-US" sz="1600" dirty="0">
+                <a:solidFill>
+                  <a:schemeClr val="tx1"/>
+                </a:solidFill>
+              </a:rPr>
+              <a:t>(e.g. </a:t>
+            </a:r>
+            <a:r>
+              <a:rPr lang="en-US" sz="1600" dirty="0" err="1">
+                <a:solidFill>
+                  <a:schemeClr val="tx1"/>
+                </a:solidFill>
+              </a:rPr>
+              <a:t>mlp</a:t>
+            </a:r>
+            <a:r>
+              <a:rPr lang="en-US" sz="1600" dirty="0">
+                <a:solidFill>
+                  <a:schemeClr val="tx1"/>
+                </a:solidFill>
+              </a:rPr>
+              <a:t>)</a:t>
+            </a:r>
+          </a:p>
+        </p:txBody>
+      </p:sp>
+      <p:sp>
+        <p:nvSpPr>
+          <p:cNvPr id="18" name="Left Brace 17">
+            <a:extLst>
+              <a:ext uri="{FF2B5EF4-FFF2-40B4-BE49-F238E27FC236}">
+                <a16:creationId xmlns:a16="http://schemas.microsoft.com/office/drawing/2014/main" id="{9E564449-752E-A497-6B3B-0E0C4D68DA50}"/>
+              </a:ext>
+            </a:extLst>
+          </p:cNvPr>
+          <p:cNvSpPr/>
+          <p:nvPr/>
+        </p:nvSpPr>
+        <p:spPr>
+          <a:xfrm rot="16200000">
+            <a:off x="3446753" y="3915218"/>
+            <a:ext cx="402201" cy="3437659"/>
+          </a:xfrm>
+          <a:prstGeom prst="leftBrace">
+            <a:avLst/>
+          </a:prstGeom>
+          <a:ln>
+            <a:solidFill>
+              <a:schemeClr val="tx1"/>
+            </a:solidFill>
+          </a:ln>
+        </p:spPr>
+        <p:style>
+          <a:lnRef idx="2">
+            <a:schemeClr val="accent1"/>
+          </a:lnRef>
+          <a:fillRef idx="0">
+            <a:schemeClr val="accent1"/>
+          </a:fillRef>
+          <a:effectRef idx="1">
+            <a:schemeClr val="accent1"/>
+          </a:effectRef>
+          <a:fontRef idx="minor">
+            <a:schemeClr val="tx1"/>
+          </a:fontRef>
+        </p:style>
+        <p:txBody>
+          <a:bodyPr rtlCol="0" anchor="ctr"/>
+          <a:lstStyle/>
+          <a:p>
+            <a:pPr algn="ctr"/>
+            <a:endParaRPr lang="en-US" dirty="0"/>
+          </a:p>
+        </p:txBody>
+      </p:sp>
+      <p:sp>
+        <p:nvSpPr>
+          <p:cNvPr id="19" name="TextBox 18">
+            <a:extLst>
+              <a:ext uri="{FF2B5EF4-FFF2-40B4-BE49-F238E27FC236}">
+                <a16:creationId xmlns:a16="http://schemas.microsoft.com/office/drawing/2014/main" id="{9B6EC208-3BB2-1333-3AEC-D0A00C566FF9}"/>
+              </a:ext>
+            </a:extLst>
+          </p:cNvPr>
+          <p:cNvSpPr txBox="1"/>
+          <p:nvPr/>
+        </p:nvSpPr>
+        <p:spPr>
+          <a:xfrm>
+            <a:off x="2792557" y="5910595"/>
+            <a:ext cx="1600053" cy="369332"/>
+          </a:xfrm>
+          <a:prstGeom prst="rect">
+            <a:avLst/>
+          </a:prstGeom>
+          <a:noFill/>
+        </p:spPr>
+        <p:txBody>
+          <a:bodyPr wrap="none" rtlCol="0">
+            <a:spAutoFit/>
+          </a:bodyPr>
+          <a:lstStyle/>
+          <a:p>
+            <a:r>
+              <a:rPr lang="en-US" dirty="0"/>
+              <a:t>freeze weights</a:t>
+            </a:r>
+          </a:p>
+        </p:txBody>
+      </p:sp>
+      <p:cxnSp>
+        <p:nvCxnSpPr>
+          <p:cNvPr id="20" name="Straight Arrow Connector 19">
+            <a:extLst>
+              <a:ext uri="{FF2B5EF4-FFF2-40B4-BE49-F238E27FC236}">
+                <a16:creationId xmlns:a16="http://schemas.microsoft.com/office/drawing/2014/main" id="{CDFE064D-ED3D-27FB-473B-D1FE2289960A}"/>
+              </a:ext>
+            </a:extLst>
+          </p:cNvPr>
+          <p:cNvCxnSpPr>
+            <a:cxnSpLocks/>
+          </p:cNvCxnSpPr>
+          <p:nvPr/>
+        </p:nvCxnSpPr>
+        <p:spPr>
+          <a:xfrm>
+            <a:off x="9154464" y="1487190"/>
+            <a:ext cx="606631" cy="0"/>
+          </a:xfrm>
+          <a:prstGeom prst="straightConnector1">
+            <a:avLst/>
+          </a:prstGeom>
+          <a:ln>
+            <a:solidFill>
+              <a:schemeClr val="tx1"/>
+            </a:solidFill>
+            <a:tailEnd type="triangle"/>
+          </a:ln>
+        </p:spPr>
+        <p:style>
+          <a:lnRef idx="2">
+            <a:schemeClr val="accent1"/>
+          </a:lnRef>
+          <a:fillRef idx="0">
+            <a:schemeClr val="accent1"/>
+          </a:fillRef>
+          <a:effectRef idx="1">
+            <a:schemeClr val="accent1"/>
+          </a:effectRef>
+          <a:fontRef idx="minor">
+            <a:schemeClr val="tx1"/>
+          </a:fontRef>
+        </p:style>
+      </p:cxnSp>
+      <p:sp>
+        <p:nvSpPr>
+          <p:cNvPr id="21" name="Plus 20">
+            <a:extLst>
+              <a:ext uri="{FF2B5EF4-FFF2-40B4-BE49-F238E27FC236}">
+                <a16:creationId xmlns:a16="http://schemas.microsoft.com/office/drawing/2014/main" id="{9DA504B7-6EF9-88C9-151D-9D0333F842B2}"/>
+              </a:ext>
+            </a:extLst>
+          </p:cNvPr>
+          <p:cNvSpPr/>
+          <p:nvPr/>
+        </p:nvSpPr>
+        <p:spPr>
+          <a:xfrm>
+            <a:off x="9343626" y="1662451"/>
+            <a:ext cx="228306" cy="254809"/>
+          </a:xfrm>
+          <a:prstGeom prst="mathPlus">
+            <a:avLst/>
+          </a:prstGeom>
+          <a:solidFill>
+            <a:schemeClr val="tx1"/>
+          </a:solidFill>
+          <a:ln w="0"/>
+        </p:spPr>
+        <p:style>
+          <a:lnRef idx="2">
+            <a:schemeClr val="accent1">
+              <a:shade val="15000"/>
+            </a:schemeClr>
+          </a:lnRef>
+          <a:fillRef idx="1">
+            <a:schemeClr val="accent1"/>
+          </a:fillRef>
+          <a:effectRef idx="0">
+            <a:schemeClr val="accent1"/>
+          </a:effectRef>
+          <a:fontRef idx="minor">
+            <a:schemeClr val="lt1"/>
+          </a:fontRef>
+        </p:style>
+        <p:txBody>
+          <a:bodyPr rtlCol="0" anchor="ctr"/>
+          <a:lstStyle/>
+          <a:p>
+            <a:pPr algn="ctr"/>
+            <a:endParaRPr lang="en-US"/>
+          </a:p>
+        </p:txBody>
+      </p:sp>
+      <p:sp>
+        <p:nvSpPr>
+          <p:cNvPr id="22" name="TextBox 21">
+            <a:extLst>
+              <a:ext uri="{FF2B5EF4-FFF2-40B4-BE49-F238E27FC236}">
+                <a16:creationId xmlns:a16="http://schemas.microsoft.com/office/drawing/2014/main" id="{7CD439DE-0446-62EE-7F06-94A2ABAF4A0E}"/>
+              </a:ext>
+            </a:extLst>
+          </p:cNvPr>
+          <p:cNvSpPr txBox="1"/>
+          <p:nvPr/>
+        </p:nvSpPr>
+        <p:spPr>
+          <a:xfrm>
+            <a:off x="8609969" y="1929101"/>
+            <a:ext cx="1923925" cy="338554"/>
+          </a:xfrm>
+          <a:prstGeom prst="rect">
+            <a:avLst/>
+          </a:prstGeom>
+          <a:noFill/>
+        </p:spPr>
+        <p:txBody>
+          <a:bodyPr wrap="none" rtlCol="0">
+            <a:spAutoFit/>
+          </a:bodyPr>
+          <a:lstStyle/>
+          <a:p>
+            <a:r>
+              <a:rPr lang="en-US" sz="1600" dirty="0"/>
+              <a:t>binding energy (nm)</a:t>
+            </a:r>
+          </a:p>
+        </p:txBody>
+      </p:sp>
+      <p:sp>
+        <p:nvSpPr>
+          <p:cNvPr id="23" name="TextBox 22">
+            <a:extLst>
+              <a:ext uri="{FF2B5EF4-FFF2-40B4-BE49-F238E27FC236}">
+                <a16:creationId xmlns:a16="http://schemas.microsoft.com/office/drawing/2014/main" id="{8F70E623-402A-26E6-E5C7-E8DFA466AFC8}"/>
+              </a:ext>
+            </a:extLst>
+          </p:cNvPr>
+          <p:cNvSpPr txBox="1"/>
+          <p:nvPr/>
+        </p:nvSpPr>
+        <p:spPr>
+          <a:xfrm>
+            <a:off x="9761095" y="1298363"/>
+            <a:ext cx="982961" cy="338554"/>
+          </a:xfrm>
+          <a:prstGeom prst="rect">
+            <a:avLst/>
+          </a:prstGeom>
+          <a:noFill/>
+        </p:spPr>
+        <p:txBody>
+          <a:bodyPr wrap="none" rtlCol="0">
+            <a:spAutoFit/>
+          </a:bodyPr>
+          <a:lstStyle/>
+          <a:p>
+            <a:r>
+              <a:rPr lang="en-US" sz="1600" dirty="0"/>
+              <a:t>MSE loss</a:t>
+            </a:r>
+          </a:p>
+        </p:txBody>
+      </p:sp>
+      <p:sp>
+        <p:nvSpPr>
+          <p:cNvPr id="24" name="Left Brace 23">
+            <a:extLst>
+              <a:ext uri="{FF2B5EF4-FFF2-40B4-BE49-F238E27FC236}">
+                <a16:creationId xmlns:a16="http://schemas.microsoft.com/office/drawing/2014/main" id="{640A4B81-817D-0DF0-E1F0-F7F5784F4DCE}"/>
+              </a:ext>
+            </a:extLst>
+          </p:cNvPr>
+          <p:cNvSpPr/>
+          <p:nvPr/>
+        </p:nvSpPr>
+        <p:spPr>
+          <a:xfrm rot="10800000">
+            <a:off x="6553012" y="1753841"/>
+            <a:ext cx="383718" cy="2184016"/>
+          </a:xfrm>
+          <a:prstGeom prst="leftBrace">
+            <a:avLst/>
+          </a:prstGeom>
+          <a:ln>
+            <a:solidFill>
+              <a:schemeClr val="tx1"/>
+            </a:solidFill>
+          </a:ln>
+        </p:spPr>
+        <p:style>
+          <a:lnRef idx="2">
+            <a:schemeClr val="accent1"/>
+          </a:lnRef>
+          <a:fillRef idx="0">
+            <a:schemeClr val="accent1"/>
+          </a:fillRef>
+          <a:effectRef idx="1">
+            <a:schemeClr val="accent1"/>
+          </a:effectRef>
+          <a:fontRef idx="minor">
+            <a:schemeClr val="tx1"/>
+          </a:fontRef>
+        </p:style>
+        <p:txBody>
+          <a:bodyPr rtlCol="0" anchor="ctr"/>
+          <a:lstStyle/>
+          <a:p>
+            <a:pPr algn="ctr"/>
+            <a:endParaRPr lang="en-US" dirty="0"/>
+          </a:p>
+        </p:txBody>
+      </p:sp>
+      <p:sp>
+        <p:nvSpPr>
+          <p:cNvPr id="25" name="TextBox 24">
+            <a:extLst>
+              <a:ext uri="{FF2B5EF4-FFF2-40B4-BE49-F238E27FC236}">
+                <a16:creationId xmlns:a16="http://schemas.microsoft.com/office/drawing/2014/main" id="{A08537D6-5DE9-CEC0-D9F3-56424F75986B}"/>
+              </a:ext>
+            </a:extLst>
+          </p:cNvPr>
+          <p:cNvSpPr txBox="1"/>
+          <p:nvPr/>
+        </p:nvSpPr>
+        <p:spPr>
+          <a:xfrm>
+            <a:off x="6958518" y="2669408"/>
+            <a:ext cx="734881" cy="338554"/>
+          </a:xfrm>
+          <a:prstGeom prst="rect">
+            <a:avLst/>
+          </a:prstGeom>
+          <a:noFill/>
+        </p:spPr>
+        <p:txBody>
+          <a:bodyPr wrap="none" rtlCol="0">
+            <a:spAutoFit/>
+          </a:bodyPr>
+          <a:lstStyle/>
+          <a:p>
+            <a:r>
+              <a:rPr lang="en-US" sz="1600" dirty="0"/>
+              <a:t>ignore</a:t>
+            </a:r>
+          </a:p>
+        </p:txBody>
+      </p:sp>
+      <p:sp>
+        <p:nvSpPr>
+          <p:cNvPr id="26" name="TextBox 25">
+            <a:extLst>
+              <a:ext uri="{FF2B5EF4-FFF2-40B4-BE49-F238E27FC236}">
+                <a16:creationId xmlns:a16="http://schemas.microsoft.com/office/drawing/2014/main" id="{CEE51CF7-F613-EA98-5CA4-A432C8BA8511}"/>
+              </a:ext>
+            </a:extLst>
+          </p:cNvPr>
+          <p:cNvSpPr txBox="1"/>
+          <p:nvPr/>
+        </p:nvSpPr>
+        <p:spPr>
+          <a:xfrm>
+            <a:off x="6936731" y="4447480"/>
+            <a:ext cx="4458332" cy="923330"/>
+          </a:xfrm>
+          <a:prstGeom prst="rect">
+            <a:avLst/>
+          </a:prstGeom>
+          <a:noFill/>
+        </p:spPr>
+        <p:txBody>
+          <a:bodyPr wrap="square" rtlCol="0">
+            <a:spAutoFit/>
+          </a:bodyPr>
+          <a:lstStyle/>
+          <a:p>
+            <a:r>
+              <a:rPr lang="en-US" dirty="0"/>
+              <a:t>I’ll do simple regression with a single model</a:t>
+            </a:r>
+          </a:p>
+          <a:p>
+            <a:r>
+              <a:rPr lang="en-US" dirty="0"/>
+              <a:t>(not the ensemble or GP-based approaches from the </a:t>
+            </a:r>
+            <a:r>
+              <a:rPr lang="en-US" dirty="0" err="1"/>
+              <a:t>AlphaBio</a:t>
+            </a:r>
+            <a:r>
+              <a:rPr lang="en-US" dirty="0"/>
+              <a:t> paper)</a:t>
+            </a:r>
+          </a:p>
+        </p:txBody>
+      </p:sp>
+    </p:spTree>
+    <p:extLst>
+      <p:ext uri="{BB962C8B-B14F-4D97-AF65-F5344CB8AC3E}">
+        <p14:creationId xmlns:p14="http://schemas.microsoft.com/office/powerpoint/2010/main" val="1383313923"/>
       </p:ext>
     </p:extLst>
   </p:cSld>

--- a/Experiments.pptx
+++ b/Experiments.pptx
@@ -9651,7 +9651,7 @@
         </p:nvSpPr>
         <p:spPr>
           <a:xfrm>
-            <a:off x="1892410" y="1717482"/>
+            <a:off x="3959749" y="174928"/>
             <a:ext cx="1871090" cy="369332"/>
           </a:xfrm>
           <a:prstGeom prst="rect">
@@ -9672,6 +9672,130 @@
                 </a:highlight>
               </a:rPr>
               <a:t>currently running</a:t>
+            </a:r>
+          </a:p>
+        </p:txBody>
+      </p:sp>
+      <p:pic>
+        <p:nvPicPr>
+          <p:cNvPr id="4" name="Picture 3">
+            <a:extLst>
+              <a:ext uri="{FF2B5EF4-FFF2-40B4-BE49-F238E27FC236}">
+                <a16:creationId xmlns:a16="http://schemas.microsoft.com/office/drawing/2014/main" id="{218A336E-E241-A2E5-D368-8CD551B686C1}"/>
+              </a:ext>
+            </a:extLst>
+          </p:cNvPr>
+          <p:cNvPicPr>
+            <a:picLocks noChangeAspect="1"/>
+          </p:cNvPicPr>
+          <p:nvPr/>
+        </p:nvPicPr>
+        <p:blipFill>
+          <a:blip r:embed="rId2"/>
+          <a:stretch>
+            <a:fillRect/>
+          </a:stretch>
+        </p:blipFill>
+        <p:spPr>
+          <a:xfrm>
+            <a:off x="157088" y="1398880"/>
+            <a:ext cx="11224286" cy="2648333"/>
+          </a:xfrm>
+          <a:prstGeom prst="rect">
+            <a:avLst/>
+          </a:prstGeom>
+        </p:spPr>
+      </p:pic>
+      <p:sp>
+        <p:nvSpPr>
+          <p:cNvPr id="5" name="TextBox 4">
+            <a:extLst>
+              <a:ext uri="{FF2B5EF4-FFF2-40B4-BE49-F238E27FC236}">
+                <a16:creationId xmlns:a16="http://schemas.microsoft.com/office/drawing/2014/main" id="{CA101033-458C-FFAE-C6D6-2A3AFD19E36F}"/>
+              </a:ext>
+            </a:extLst>
+          </p:cNvPr>
+          <p:cNvSpPr txBox="1"/>
+          <p:nvPr/>
+        </p:nvSpPr>
+        <p:spPr>
+          <a:xfrm>
+            <a:off x="842839" y="1029548"/>
+            <a:ext cx="3303084" cy="369332"/>
+          </a:xfrm>
+          <a:prstGeom prst="rect">
+            <a:avLst/>
+          </a:prstGeom>
+          <a:noFill/>
+        </p:spPr>
+        <p:txBody>
+          <a:bodyPr wrap="none" rtlCol="0">
+            <a:spAutoFit/>
+          </a:bodyPr>
+          <a:lstStyle/>
+          <a:p>
+            <a:r>
+              <a:rPr lang="en-US" dirty="0"/>
+              <a:t>Training loss:  after ~2.5 epochs</a:t>
+            </a:r>
+          </a:p>
+        </p:txBody>
+      </p:sp>
+      <p:sp>
+        <p:nvSpPr>
+          <p:cNvPr id="6" name="TextBox 5">
+            <a:extLst>
+              <a:ext uri="{FF2B5EF4-FFF2-40B4-BE49-F238E27FC236}">
+                <a16:creationId xmlns:a16="http://schemas.microsoft.com/office/drawing/2014/main" id="{AB7D8057-A648-1BE7-1208-1BC4C3E7ED7B}"/>
+              </a:ext>
+            </a:extLst>
+          </p:cNvPr>
+          <p:cNvSpPr txBox="1"/>
+          <p:nvPr/>
+        </p:nvSpPr>
+        <p:spPr>
+          <a:xfrm>
+            <a:off x="842839" y="4583781"/>
+            <a:ext cx="3778791" cy="923330"/>
+          </a:xfrm>
+          <a:prstGeom prst="rect">
+            <a:avLst/>
+          </a:prstGeom>
+          <a:noFill/>
+        </p:spPr>
+        <p:txBody>
+          <a:bodyPr wrap="none" rtlCol="0">
+            <a:spAutoFit/>
+          </a:bodyPr>
+          <a:lstStyle/>
+          <a:p>
+            <a:r>
+              <a:rPr lang="en-US" dirty="0"/>
+              <a:t>”final” losses: </a:t>
+            </a:r>
+            <a:r>
+              <a:rPr lang="en-US" dirty="0">
+                <a:highlight>
+                  <a:srgbClr val="FFFF00"/>
+                </a:highlight>
+              </a:rPr>
+              <a:t>(still running)</a:t>
+            </a:r>
+          </a:p>
+          <a:p>
+            <a:r>
+              <a:rPr lang="en-US" dirty="0"/>
+              <a:t>train:  0.31</a:t>
+            </a:r>
+          </a:p>
+          <a:p>
+            <a:r>
+              <a:rPr lang="en-US" dirty="0" err="1"/>
+              <a:t>val</a:t>
+            </a:r>
+            <a:r>
+              <a:rPr lang="en-US" dirty="0"/>
+              <a:t>:   0.35 (no evidence of overfitting)</a:t>
             </a:r>
           </a:p>
         </p:txBody>

--- a/Experiments.pptx
+++ b/Experiments.pptx
@@ -15,6 +15,7 @@
     <p:sldId id="260" r:id="rId9"/>
     <p:sldId id="321" r:id="rId10"/>
     <p:sldId id="261" r:id="rId11"/>
+    <p:sldId id="323" r:id="rId12"/>
   </p:sldIdLst>
   <p:sldSz cx="12192000" cy="6858000"/>
   <p:notesSz cx="6858000" cy="9144000"/>
@@ -3937,6 +3938,71 @@
 </p:sld>
 </file>
 
+<file path=ppt/slides/slide11.xml><?xml version="1.0" encoding="utf-8"?>
+<p:sld xmlns:a="http://schemas.openxmlformats.org/drawingml/2006/main" xmlns:r="http://schemas.openxmlformats.org/officeDocument/2006/relationships" xmlns:p="http://schemas.openxmlformats.org/presentationml/2006/main">
+  <p:cSld>
+    <p:spTree>
+      <p:nvGrpSpPr>
+        <p:cNvPr id="1" name=""/>
+        <p:cNvGrpSpPr/>
+        <p:nvPr/>
+      </p:nvGrpSpPr>
+      <p:grpSpPr>
+        <a:xfrm>
+          <a:off x="0" y="0"/>
+          <a:ext cx="0" cy="0"/>
+          <a:chOff x="0" y="0"/>
+          <a:chExt cx="0" cy="0"/>
+        </a:xfrm>
+      </p:grpSpPr>
+      <p:sp>
+        <p:nvSpPr>
+          <p:cNvPr id="2" name="TextBox 1">
+            <a:extLst>
+              <a:ext uri="{FF2B5EF4-FFF2-40B4-BE49-F238E27FC236}">
+                <a16:creationId xmlns:a16="http://schemas.microsoft.com/office/drawing/2014/main" id="{7CA6890A-9D45-137A-0C69-3C146C4F6C67}"/>
+              </a:ext>
+            </a:extLst>
+          </p:cNvPr>
+          <p:cNvSpPr txBox="1"/>
+          <p:nvPr/>
+        </p:nvSpPr>
+        <p:spPr>
+          <a:xfrm>
+            <a:off x="136762" y="204349"/>
+            <a:ext cx="1944250" cy="461665"/>
+          </a:xfrm>
+          <a:prstGeom prst="rect">
+            <a:avLst/>
+          </a:prstGeom>
+          <a:noFill/>
+        </p:spPr>
+        <p:txBody>
+          <a:bodyPr wrap="none" rtlCol="0">
+            <a:spAutoFit/>
+          </a:bodyPr>
+          <a:lstStyle/>
+          <a:p>
+            <a:r>
+              <a:rPr lang="en-US" sz="2400" dirty="0"/>
+              <a:t>t-SNE plots…</a:t>
+            </a:r>
+          </a:p>
+        </p:txBody>
+      </p:sp>
+    </p:spTree>
+    <p:extLst>
+      <p:ext uri="{BB962C8B-B14F-4D97-AF65-F5344CB8AC3E}">
+        <p14:creationId xmlns:p14="http://schemas.microsoft.com/office/powerpoint/2010/main" val="3909576918"/>
+      </p:ext>
+    </p:extLst>
+  </p:cSld>
+  <p:clrMapOvr>
+    <a:masterClrMapping/>
+  </p:clrMapOvr>
+</p:sld>
+</file>
+
 <file path=ppt/slides/slide2.xml><?xml version="1.0" encoding="utf-8"?>
 <p:sld xmlns:a="http://schemas.openxmlformats.org/drawingml/2006/main" xmlns:r="http://schemas.openxmlformats.org/officeDocument/2006/relationships" xmlns:p="http://schemas.openxmlformats.org/presentationml/2006/main">
   <p:cSld>
@@ -4071,7 +4137,7 @@
             </a:pPr>
             <a:r>
               <a:rPr lang="en-US" dirty="0"/>
-              <a:t>Code fragments taken from:</a:t>
+              <a:t>Code taken from:</a:t>
             </a:r>
           </a:p>
           <a:p>
@@ -9616,8 +9682,8 @@
         </p:nvSpPr>
         <p:spPr>
           <a:xfrm>
-            <a:off x="157088" y="241780"/>
-            <a:ext cx="3366306" cy="461665"/>
+            <a:off x="157088" y="190342"/>
+            <a:ext cx="3217227" cy="461665"/>
           </a:xfrm>
           <a:prstGeom prst="rect">
             <a:avLst/>
@@ -9632,7 +9698,7 @@
           <a:p>
             <a:r>
               <a:rPr lang="en-US" sz="2400" dirty="0"/>
-              <a:t>Pre-training: loss curves</a:t>
+              <a:t>Pre-training: loss curve</a:t>
             </a:r>
           </a:p>
         </p:txBody>
@@ -9676,12 +9742,106 @@
           </a:p>
         </p:txBody>
       </p:sp>
+      <p:sp>
+        <p:nvSpPr>
+          <p:cNvPr id="5" name="TextBox 4">
+            <a:extLst>
+              <a:ext uri="{FF2B5EF4-FFF2-40B4-BE49-F238E27FC236}">
+                <a16:creationId xmlns:a16="http://schemas.microsoft.com/office/drawing/2014/main" id="{CA101033-458C-FFAE-C6D6-2A3AFD19E36F}"/>
+              </a:ext>
+            </a:extLst>
+          </p:cNvPr>
+          <p:cNvSpPr txBox="1"/>
+          <p:nvPr/>
+        </p:nvSpPr>
+        <p:spPr>
+          <a:xfrm>
+            <a:off x="842839" y="1029548"/>
+            <a:ext cx="2990499" cy="369332"/>
+          </a:xfrm>
+          <a:prstGeom prst="rect">
+            <a:avLst/>
+          </a:prstGeom>
+          <a:noFill/>
+        </p:spPr>
+        <p:txBody>
+          <a:bodyPr wrap="none" rtlCol="0">
+            <a:spAutoFit/>
+          </a:bodyPr>
+          <a:lstStyle/>
+          <a:p>
+            <a:r>
+              <a:rPr lang="en-US" dirty="0"/>
+              <a:t>Training loss:  after 4 epochs</a:t>
+            </a:r>
+          </a:p>
+        </p:txBody>
+      </p:sp>
+      <p:sp>
+        <p:nvSpPr>
+          <p:cNvPr id="6" name="TextBox 5">
+            <a:extLst>
+              <a:ext uri="{FF2B5EF4-FFF2-40B4-BE49-F238E27FC236}">
+                <a16:creationId xmlns:a16="http://schemas.microsoft.com/office/drawing/2014/main" id="{AB7D8057-A648-1BE7-1208-1BC4C3E7ED7B}"/>
+              </a:ext>
+            </a:extLst>
+          </p:cNvPr>
+          <p:cNvSpPr txBox="1"/>
+          <p:nvPr/>
+        </p:nvSpPr>
+        <p:spPr>
+          <a:xfrm>
+            <a:off x="842839" y="4583781"/>
+            <a:ext cx="2913105" cy="923330"/>
+          </a:xfrm>
+          <a:prstGeom prst="rect">
+            <a:avLst/>
+          </a:prstGeom>
+          <a:noFill/>
+        </p:spPr>
+        <p:txBody>
+          <a:bodyPr wrap="none" rtlCol="0">
+            <a:spAutoFit/>
+          </a:bodyPr>
+          <a:lstStyle/>
+          <a:p>
+            <a:r>
+              <a:rPr lang="en-US" dirty="0"/>
+              <a:t>”final” losses: </a:t>
+            </a:r>
+            <a:r>
+              <a:rPr lang="en-US" dirty="0">
+                <a:highlight>
+                  <a:srgbClr val="FFFF00"/>
+                </a:highlight>
+              </a:rPr>
+              <a:t>(still running)</a:t>
+            </a:r>
+          </a:p>
+          <a:p>
+            <a:r>
+              <a:rPr lang="en-US" dirty="0"/>
+              <a:t>train:  0.33</a:t>
+            </a:r>
+          </a:p>
+          <a:p>
+            <a:r>
+              <a:rPr lang="en-US" dirty="0" err="1"/>
+              <a:t>val</a:t>
+            </a:r>
+            <a:r>
+              <a:rPr lang="en-US" dirty="0"/>
+              <a:t>:   0.32</a:t>
+            </a:r>
+          </a:p>
+        </p:txBody>
+      </p:sp>
       <p:pic>
         <p:nvPicPr>
-          <p:cNvPr id="4" name="Picture 3">
-            <a:extLst>
-              <a:ext uri="{FF2B5EF4-FFF2-40B4-BE49-F238E27FC236}">
-                <a16:creationId xmlns:a16="http://schemas.microsoft.com/office/drawing/2014/main" id="{218A336E-E241-A2E5-D368-8CD551B686C1}"/>
+          <p:cNvPr id="8" name="Picture 7">
+            <a:extLst>
+              <a:ext uri="{FF2B5EF4-FFF2-40B4-BE49-F238E27FC236}">
+                <a16:creationId xmlns:a16="http://schemas.microsoft.com/office/drawing/2014/main" id="{BF0CC671-4F95-CAAC-64C6-113C99CF6084}"/>
               </a:ext>
             </a:extLst>
           </p:cNvPr>
@@ -9698,108 +9858,14 @@
         </p:blipFill>
         <p:spPr>
           <a:xfrm>
-            <a:off x="157088" y="1398880"/>
-            <a:ext cx="11224286" cy="2648333"/>
+            <a:off x="237876" y="1398880"/>
+            <a:ext cx="11763384" cy="2711944"/>
           </a:xfrm>
           <a:prstGeom prst="rect">
             <a:avLst/>
           </a:prstGeom>
         </p:spPr>
       </p:pic>
-      <p:sp>
-        <p:nvSpPr>
-          <p:cNvPr id="5" name="TextBox 4">
-            <a:extLst>
-              <a:ext uri="{FF2B5EF4-FFF2-40B4-BE49-F238E27FC236}">
-                <a16:creationId xmlns:a16="http://schemas.microsoft.com/office/drawing/2014/main" id="{CA101033-458C-FFAE-C6D6-2A3AFD19E36F}"/>
-              </a:ext>
-            </a:extLst>
-          </p:cNvPr>
-          <p:cNvSpPr txBox="1"/>
-          <p:nvPr/>
-        </p:nvSpPr>
-        <p:spPr>
-          <a:xfrm>
-            <a:off x="842839" y="1029548"/>
-            <a:ext cx="3303084" cy="369332"/>
-          </a:xfrm>
-          <a:prstGeom prst="rect">
-            <a:avLst/>
-          </a:prstGeom>
-          <a:noFill/>
-        </p:spPr>
-        <p:txBody>
-          <a:bodyPr wrap="none" rtlCol="0">
-            <a:spAutoFit/>
-          </a:bodyPr>
-          <a:lstStyle/>
-          <a:p>
-            <a:r>
-              <a:rPr lang="en-US" dirty="0"/>
-              <a:t>Training loss:  after ~2.5 epochs</a:t>
-            </a:r>
-          </a:p>
-        </p:txBody>
-      </p:sp>
-      <p:sp>
-        <p:nvSpPr>
-          <p:cNvPr id="6" name="TextBox 5">
-            <a:extLst>
-              <a:ext uri="{FF2B5EF4-FFF2-40B4-BE49-F238E27FC236}">
-                <a16:creationId xmlns:a16="http://schemas.microsoft.com/office/drawing/2014/main" id="{AB7D8057-A648-1BE7-1208-1BC4C3E7ED7B}"/>
-              </a:ext>
-            </a:extLst>
-          </p:cNvPr>
-          <p:cNvSpPr txBox="1"/>
-          <p:nvPr/>
-        </p:nvSpPr>
-        <p:spPr>
-          <a:xfrm>
-            <a:off x="842839" y="4583781"/>
-            <a:ext cx="3778791" cy="923330"/>
-          </a:xfrm>
-          <a:prstGeom prst="rect">
-            <a:avLst/>
-          </a:prstGeom>
-          <a:noFill/>
-        </p:spPr>
-        <p:txBody>
-          <a:bodyPr wrap="none" rtlCol="0">
-            <a:spAutoFit/>
-          </a:bodyPr>
-          <a:lstStyle/>
-          <a:p>
-            <a:r>
-              <a:rPr lang="en-US" dirty="0"/>
-              <a:t>”final” losses: </a:t>
-            </a:r>
-            <a:r>
-              <a:rPr lang="en-US" dirty="0">
-                <a:highlight>
-                  <a:srgbClr val="FFFF00"/>
-                </a:highlight>
-              </a:rPr>
-              <a:t>(still running)</a:t>
-            </a:r>
-          </a:p>
-          <a:p>
-            <a:r>
-              <a:rPr lang="en-US" dirty="0"/>
-              <a:t>train:  0.31</a:t>
-            </a:r>
-          </a:p>
-          <a:p>
-            <a:r>
-              <a:rPr lang="en-US" dirty="0" err="1"/>
-              <a:t>val</a:t>
-            </a:r>
-            <a:r>
-              <a:rPr lang="en-US" dirty="0"/>
-              <a:t>:   0.35 (no evidence of overfitting)</a:t>
-            </a:r>
-          </a:p>
-        </p:txBody>
-      </p:sp>
     </p:spTree>
     <p:extLst>
       <p:ext uri="{BB962C8B-B14F-4D97-AF65-F5344CB8AC3E}">
@@ -11629,8 +11695,8 @@
         </p:nvSpPr>
         <p:spPr>
           <a:xfrm rot="4384904">
-            <a:off x="1525474" y="4681818"/>
-            <a:ext cx="1783310" cy="307777"/>
+            <a:off x="1768125" y="4354383"/>
+            <a:ext cx="1098816" cy="307777"/>
           </a:xfrm>
           <a:prstGeom prst="rect">
             <a:avLst/>
@@ -11645,7 +11711,7 @@
           <a:p>
             <a:r>
               <a:rPr lang="en-US" sz="1400" dirty="0"/>
-              <a:t>Encodings (masked)</a:t>
+              <a:t>Encodings </a:t>
             </a:r>
           </a:p>
         </p:txBody>
@@ -12331,7 +12397,7 @@
         <p:spPr>
           <a:xfrm>
             <a:off x="1562235" y="270983"/>
-            <a:ext cx="4702506" cy="369332"/>
+            <a:ext cx="8154348" cy="369332"/>
           </a:xfrm>
           <a:prstGeom prst="rect">
             <a:avLst/>
@@ -12354,7 +12420,7 @@
             </a:r>
             <a:r>
               <a:rPr lang="en-US" dirty="0"/>
-              <a:t> library with binding energies</a:t>
+              <a:t> library with binding energies.  Create sequence to affinity model</a:t>
             </a:r>
           </a:p>
         </p:txBody>

--- a/Experiments.pptx
+++ b/Experiments.pptx
@@ -3600,7 +3600,7 @@
           <a:p>
             <a:r>
               <a:rPr lang="en-US" dirty="0"/>
-              <a:t>BERT Homework</a:t>
+              <a:t>BERT for Biology Stuff</a:t>
             </a:r>
           </a:p>
         </p:txBody>
@@ -3629,19 +3629,13 @@
         </p:spPr>
         <p:txBody>
           <a:bodyPr>
-            <a:normAutofit lnSpcReduction="10000"/>
+            <a:normAutofit/>
           </a:bodyPr>
           <a:lstStyle/>
           <a:p>
             <a:r>
               <a:rPr lang="en-US" dirty="0"/>
               <a:t>Mark Thompson</a:t>
-            </a:r>
-          </a:p>
-          <a:p>
-            <a:r>
-              <a:rPr lang="en-US" dirty="0"/>
-              <a:t>April 15-24,  2024</a:t>
             </a:r>
           </a:p>
         </p:txBody>
@@ -3723,7 +3717,7 @@
             </a:pPr>
             <a:r>
               <a:rPr lang="en-US" dirty="0"/>
-              <a:t>Reproduce parts of a-</a:t>
+              <a:t>Reproduce parts of the a-</a:t>
             </a:r>
             <a:r>
               <a:rPr lang="en-US" dirty="0" err="1"/>
@@ -3821,6 +3815,44 @@
           </a:p>
         </p:txBody>
       </p:sp>
+      <p:sp>
+        <p:nvSpPr>
+          <p:cNvPr id="27" name="TextBox 26">
+            <a:extLst>
+              <a:ext uri="{FF2B5EF4-FFF2-40B4-BE49-F238E27FC236}">
+                <a16:creationId xmlns:a16="http://schemas.microsoft.com/office/drawing/2014/main" id="{A661BF7C-9FEE-0F84-60CE-1E8E3EFCC59D}"/>
+              </a:ext>
+            </a:extLst>
+          </p:cNvPr>
+          <p:cNvSpPr txBox="1"/>
+          <p:nvPr/>
+        </p:nvSpPr>
+        <p:spPr>
+          <a:xfrm>
+            <a:off x="8282397" y="5284294"/>
+            <a:ext cx="3772443" cy="276999"/>
+          </a:xfrm>
+          <a:prstGeom prst="rect">
+            <a:avLst/>
+          </a:prstGeom>
+          <a:noFill/>
+        </p:spPr>
+        <p:txBody>
+          <a:bodyPr wrap="none" rtlCol="0">
+            <a:spAutoFit/>
+          </a:bodyPr>
+          <a:lstStyle/>
+          <a:p>
+            <a:r>
+              <a:rPr lang="en-US" sz="1200" dirty="0">
+                <a:hlinkClick r:id="rId3"/>
+              </a:rPr>
+              <a:t>https://www.nature.com/articles/s41597-022-01779-4</a:t>
+            </a:r>
+            <a:endParaRPr lang="en-US" sz="1200" dirty="0"/>
+          </a:p>
+        </p:txBody>
+      </p:sp>
     </p:spTree>
     <p:extLst>
       <p:ext uri="{BB962C8B-B14F-4D97-AF65-F5344CB8AC3E}">
@@ -3986,6 +4018,45 @@
             <a:r>
               <a:rPr lang="en-US" sz="2400" dirty="0"/>
               <a:t>t-SNE plots…</a:t>
+            </a:r>
+          </a:p>
+        </p:txBody>
+      </p:sp>
+      <p:sp>
+        <p:nvSpPr>
+          <p:cNvPr id="3" name="TextBox 2">
+            <a:extLst>
+              <a:ext uri="{FF2B5EF4-FFF2-40B4-BE49-F238E27FC236}">
+                <a16:creationId xmlns:a16="http://schemas.microsoft.com/office/drawing/2014/main" id="{0EB24D74-AB02-0F0F-2DB1-AC32FCC5C7EB}"/>
+              </a:ext>
+            </a:extLst>
+          </p:cNvPr>
+          <p:cNvSpPr txBox="1"/>
+          <p:nvPr/>
+        </p:nvSpPr>
+        <p:spPr>
+          <a:xfrm>
+            <a:off x="1160890" y="1590261"/>
+            <a:ext cx="1279646" cy="369332"/>
+          </a:xfrm>
+          <a:prstGeom prst="rect">
+            <a:avLst/>
+          </a:prstGeom>
+          <a:noFill/>
+        </p:spPr>
+        <p:txBody>
+          <a:bodyPr wrap="none" rtlCol="0">
+            <a:spAutoFit/>
+          </a:bodyPr>
+          <a:lstStyle/>
+          <a:p>
+            <a:r>
+              <a:rPr lang="en-US" dirty="0">
+                <a:highlight>
+                  <a:srgbClr val="FFFF00"/>
+                </a:highlight>
+              </a:rPr>
+              <a:t>In progress</a:t>
             </a:r>
           </a:p>
         </p:txBody>
@@ -9683,7 +9754,7 @@
         <p:spPr>
           <a:xfrm>
             <a:off x="157088" y="190342"/>
-            <a:ext cx="3217227" cy="461665"/>
+            <a:ext cx="2415661" cy="461665"/>
           </a:xfrm>
           <a:prstGeom prst="rect">
             <a:avLst/>
@@ -9698,17 +9769,17 @@
           <a:p>
             <a:r>
               <a:rPr lang="en-US" sz="2400" dirty="0"/>
-              <a:t>Pre-training: loss curve</a:t>
+              <a:t>Pre-training: loss</a:t>
             </a:r>
           </a:p>
         </p:txBody>
       </p:sp>
       <p:sp>
         <p:nvSpPr>
-          <p:cNvPr id="3" name="TextBox 2">
-            <a:extLst>
-              <a:ext uri="{FF2B5EF4-FFF2-40B4-BE49-F238E27FC236}">
-                <a16:creationId xmlns:a16="http://schemas.microsoft.com/office/drawing/2014/main" id="{C40C57B2-1FCD-B225-5C3E-90B2C62DF3D9}"/>
+          <p:cNvPr id="5" name="TextBox 4">
+            <a:extLst>
+              <a:ext uri="{FF2B5EF4-FFF2-40B4-BE49-F238E27FC236}">
+                <a16:creationId xmlns:a16="http://schemas.microsoft.com/office/drawing/2014/main" id="{CA101033-458C-FFAE-C6D6-2A3AFD19E36F}"/>
               </a:ext>
             </a:extLst>
           </p:cNvPr>
@@ -9717,46 +9788,7 @@
         </p:nvSpPr>
         <p:spPr>
           <a:xfrm>
-            <a:off x="3959749" y="174928"/>
-            <a:ext cx="1871090" cy="369332"/>
-          </a:xfrm>
-          <a:prstGeom prst="rect">
-            <a:avLst/>
-          </a:prstGeom>
-          <a:noFill/>
-        </p:spPr>
-        <p:txBody>
-          <a:bodyPr wrap="none" rtlCol="0">
-            <a:spAutoFit/>
-          </a:bodyPr>
-          <a:lstStyle/>
-          <a:p>
-            <a:r>
-              <a:rPr lang="en-US" dirty="0">
-                <a:highlight>
-                  <a:srgbClr val="FFFF00"/>
-                </a:highlight>
-              </a:rPr>
-              <a:t>currently running</a:t>
-            </a:r>
-          </a:p>
-        </p:txBody>
-      </p:sp>
-      <p:sp>
-        <p:nvSpPr>
-          <p:cNvPr id="5" name="TextBox 4">
-            <a:extLst>
-              <a:ext uri="{FF2B5EF4-FFF2-40B4-BE49-F238E27FC236}">
-                <a16:creationId xmlns:a16="http://schemas.microsoft.com/office/drawing/2014/main" id="{CA101033-458C-FFAE-C6D6-2A3AFD19E36F}"/>
-              </a:ext>
-            </a:extLst>
-          </p:cNvPr>
-          <p:cNvSpPr txBox="1"/>
-          <p:nvPr/>
-        </p:nvSpPr>
-        <p:spPr>
-          <a:xfrm>
-            <a:off x="842839" y="1029548"/>
+            <a:off x="383816" y="981557"/>
             <a:ext cx="2990499" cy="369332"/>
           </a:xfrm>
           <a:prstGeom prst="rect">
@@ -9772,7 +9804,7 @@
           <a:p>
             <a:r>
               <a:rPr lang="en-US" dirty="0"/>
-              <a:t>Training loss:  after 4 epochs</a:t>
+              <a:t>Training loss:  after 5 epochs</a:t>
             </a:r>
           </a:p>
         </p:txBody>
@@ -9792,7 +9824,7 @@
         <p:spPr>
           <a:xfrm>
             <a:off x="842839" y="4583781"/>
-            <a:ext cx="2913105" cy="923330"/>
+            <a:ext cx="2495235" cy="1200329"/>
           </a:xfrm>
           <a:prstGeom prst="rect">
             <a:avLst/>
@@ -9807,21 +9839,19 @@
           <a:p>
             <a:r>
               <a:rPr lang="en-US" dirty="0"/>
-              <a:t>”final” losses: </a:t>
-            </a:r>
-            <a:r>
-              <a:rPr lang="en-US" dirty="0">
-                <a:highlight>
-                  <a:srgbClr val="FFFF00"/>
-                </a:highlight>
-              </a:rPr>
-              <a:t>(still running)</a:t>
+              <a:t>Stopped after 5 epochs</a:t>
             </a:r>
           </a:p>
           <a:p>
             <a:r>
               <a:rPr lang="en-US" dirty="0"/>
-              <a:t>train:  0.33</a:t>
+              <a:t>final losses</a:t>
+            </a:r>
+          </a:p>
+          <a:p>
+            <a:r>
+              <a:rPr lang="en-US" dirty="0"/>
+              <a:t>train:  0.32</a:t>
             </a:r>
           </a:p>
           <a:p>
@@ -9831,17 +9861,17 @@
             </a:r>
             <a:r>
               <a:rPr lang="en-US" dirty="0"/>
-              <a:t>:   0.32</a:t>
+              <a:t>:     0.31</a:t>
             </a:r>
           </a:p>
         </p:txBody>
       </p:sp>
       <p:pic>
         <p:nvPicPr>
-          <p:cNvPr id="8" name="Picture 7">
-            <a:extLst>
-              <a:ext uri="{FF2B5EF4-FFF2-40B4-BE49-F238E27FC236}">
-                <a16:creationId xmlns:a16="http://schemas.microsoft.com/office/drawing/2014/main" id="{BF0CC671-4F95-CAAC-64C6-113C99CF6084}"/>
+          <p:cNvPr id="10" name="Picture 9">
+            <a:extLst>
+              <a:ext uri="{FF2B5EF4-FFF2-40B4-BE49-F238E27FC236}">
+                <a16:creationId xmlns:a16="http://schemas.microsoft.com/office/drawing/2014/main" id="{F41B123F-A2C7-15D3-9DF1-EE0715CCCD8B}"/>
               </a:ext>
             </a:extLst>
           </p:cNvPr>
@@ -9858,8 +9888,8 @@
         </p:blipFill>
         <p:spPr>
           <a:xfrm>
-            <a:off x="237876" y="1398880"/>
-            <a:ext cx="11763384" cy="2711944"/>
+            <a:off x="514897" y="1485059"/>
+            <a:ext cx="9825439" cy="2292093"/>
           </a:xfrm>
           <a:prstGeom prst="rect">
             <a:avLst/>
@@ -12877,55 +12907,6 @@
           </a:p>
         </p:txBody>
       </p:sp>
-      <p:sp>
-        <p:nvSpPr>
-          <p:cNvPr id="26" name="TextBox 25">
-            <a:extLst>
-              <a:ext uri="{FF2B5EF4-FFF2-40B4-BE49-F238E27FC236}">
-                <a16:creationId xmlns:a16="http://schemas.microsoft.com/office/drawing/2014/main" id="{CEE51CF7-F613-EA98-5CA4-A432C8BA8511}"/>
-              </a:ext>
-            </a:extLst>
-          </p:cNvPr>
-          <p:cNvSpPr txBox="1"/>
-          <p:nvPr/>
-        </p:nvSpPr>
-        <p:spPr>
-          <a:xfrm>
-            <a:off x="6936731" y="4447480"/>
-            <a:ext cx="4458332" cy="923330"/>
-          </a:xfrm>
-          <a:prstGeom prst="rect">
-            <a:avLst/>
-          </a:prstGeom>
-          <a:noFill/>
-        </p:spPr>
-        <p:txBody>
-          <a:bodyPr wrap="square" rtlCol="0">
-            <a:spAutoFit/>
-          </a:bodyPr>
-          <a:lstStyle/>
-          <a:p>
-            <a:r>
-              <a:rPr lang="en-US" dirty="0"/>
-              <a:t>I’ll do simple regression with a single model</a:t>
-            </a:r>
-          </a:p>
-          <a:p>
-            <a:r>
-              <a:rPr lang="en-US" dirty="0"/>
-              <a:t>(not the ensemble or GP-based approaches from the </a:t>
-            </a:r>
-            <a:r>
-              <a:rPr lang="en-US" dirty="0" err="1"/>
-              <a:t>AlphaBio</a:t>
-            </a:r>
-            <a:r>
-              <a:rPr lang="en-US" dirty="0"/>
-              <a:t> paper)</a:t>
-            </a:r>
-          </a:p>
-        </p:txBody>
-      </p:sp>
     </p:spTree>
     <p:extLst>
       <p:ext uri="{BB962C8B-B14F-4D97-AF65-F5344CB8AC3E}">

--- a/Experiments.pptx
+++ b/Experiments.pptx
@@ -14,8 +14,9 @@
     <p:sldId id="322" r:id="rId8"/>
     <p:sldId id="260" r:id="rId9"/>
     <p:sldId id="321" r:id="rId10"/>
-    <p:sldId id="261" r:id="rId11"/>
-    <p:sldId id="323" r:id="rId12"/>
+    <p:sldId id="324" r:id="rId11"/>
+    <p:sldId id="261" r:id="rId12"/>
+    <p:sldId id="323" r:id="rId13"/>
   </p:sldIdLst>
   <p:sldSz cx="12192000" cy="6858000"/>
   <p:notesSz cx="6858000" cy="9144000"/>
@@ -114,6 +115,11 @@
       </a:defRPr>
     </a:lvl9pPr>
   </p:defaultTextStyle>
+  <p:extLst>
+    <p:ext uri="{EFAFB233-063F-42B5-8137-9DF3F51BA10A}">
+      <p15:sldGuideLst xmlns:p15="http://schemas.microsoft.com/office/powerpoint/2012/main"/>
+    </p:ext>
+  </p:extLst>
 </p:presentation>
 </file>
 
@@ -264,7 +270,7 @@
           <a:p>
             <a:fld id="{A99D5239-F08C-4643-B440-E380AF94EFE9}" type="datetimeFigureOut">
               <a:rPr lang="en-US" smtClean="0"/>
-              <a:t>4/22/24</a:t>
+              <a:t>4/24/24</a:t>
             </a:fld>
             <a:endParaRPr lang="en-US"/>
           </a:p>
@@ -462,7 +468,7 @@
           <a:p>
             <a:fld id="{A99D5239-F08C-4643-B440-E380AF94EFE9}" type="datetimeFigureOut">
               <a:rPr lang="en-US" smtClean="0"/>
-              <a:t>4/22/24</a:t>
+              <a:t>4/24/24</a:t>
             </a:fld>
             <a:endParaRPr lang="en-US"/>
           </a:p>
@@ -670,7 +676,7 @@
           <a:p>
             <a:fld id="{A99D5239-F08C-4643-B440-E380AF94EFE9}" type="datetimeFigureOut">
               <a:rPr lang="en-US" smtClean="0"/>
-              <a:t>4/22/24</a:t>
+              <a:t>4/24/24</a:t>
             </a:fld>
             <a:endParaRPr lang="en-US"/>
           </a:p>
@@ -868,7 +874,7 @@
           <a:p>
             <a:fld id="{A99D5239-F08C-4643-B440-E380AF94EFE9}" type="datetimeFigureOut">
               <a:rPr lang="en-US" smtClean="0"/>
-              <a:t>4/22/24</a:t>
+              <a:t>4/24/24</a:t>
             </a:fld>
             <a:endParaRPr lang="en-US"/>
           </a:p>
@@ -1143,7 +1149,7 @@
           <a:p>
             <a:fld id="{A99D5239-F08C-4643-B440-E380AF94EFE9}" type="datetimeFigureOut">
               <a:rPr lang="en-US" smtClean="0"/>
-              <a:t>4/22/24</a:t>
+              <a:t>4/24/24</a:t>
             </a:fld>
             <a:endParaRPr lang="en-US"/>
           </a:p>
@@ -1408,7 +1414,7 @@
           <a:p>
             <a:fld id="{A99D5239-F08C-4643-B440-E380AF94EFE9}" type="datetimeFigureOut">
               <a:rPr lang="en-US" smtClean="0"/>
-              <a:t>4/22/24</a:t>
+              <a:t>4/24/24</a:t>
             </a:fld>
             <a:endParaRPr lang="en-US"/>
           </a:p>
@@ -1820,7 +1826,7 @@
           <a:p>
             <a:fld id="{A99D5239-F08C-4643-B440-E380AF94EFE9}" type="datetimeFigureOut">
               <a:rPr lang="en-US" smtClean="0"/>
-              <a:t>4/22/24</a:t>
+              <a:t>4/24/24</a:t>
             </a:fld>
             <a:endParaRPr lang="en-US"/>
           </a:p>
@@ -1961,7 +1967,7 @@
           <a:p>
             <a:fld id="{A99D5239-F08C-4643-B440-E380AF94EFE9}" type="datetimeFigureOut">
               <a:rPr lang="en-US" smtClean="0"/>
-              <a:t>4/22/24</a:t>
+              <a:t>4/24/24</a:t>
             </a:fld>
             <a:endParaRPr lang="en-US"/>
           </a:p>
@@ -2074,7 +2080,7 @@
           <a:p>
             <a:fld id="{A99D5239-F08C-4643-B440-E380AF94EFE9}" type="datetimeFigureOut">
               <a:rPr lang="en-US" smtClean="0"/>
-              <a:t>4/22/24</a:t>
+              <a:t>4/24/24</a:t>
             </a:fld>
             <a:endParaRPr lang="en-US"/>
           </a:p>
@@ -2385,7 +2391,7 @@
           <a:p>
             <a:fld id="{A99D5239-F08C-4643-B440-E380AF94EFE9}" type="datetimeFigureOut">
               <a:rPr lang="en-US" smtClean="0"/>
-              <a:t>4/22/24</a:t>
+              <a:t>4/24/24</a:t>
             </a:fld>
             <a:endParaRPr lang="en-US"/>
           </a:p>
@@ -2673,7 +2679,7 @@
           <a:p>
             <a:fld id="{A99D5239-F08C-4643-B440-E380AF94EFE9}" type="datetimeFigureOut">
               <a:rPr lang="en-US" smtClean="0"/>
-              <a:t>4/22/24</a:t>
+              <a:t>4/24/24</a:t>
             </a:fld>
             <a:endParaRPr lang="en-US"/>
           </a:p>
@@ -2914,7 +2920,7 @@
           <a:p>
             <a:fld id="{A99D5239-F08C-4643-B440-E380AF94EFE9}" type="datetimeFigureOut">
               <a:rPr lang="en-US" smtClean="0"/>
-              <a:t>4/22/24</a:t>
+              <a:t>4/24/24</a:t>
             </a:fld>
             <a:endParaRPr lang="en-US"/>
           </a:p>
@@ -3885,6 +3891,558 @@
       </p:grpSpPr>
       <p:sp>
         <p:nvSpPr>
+          <p:cNvPr id="3" name="TextBox 2">
+            <a:extLst>
+              <a:ext uri="{FF2B5EF4-FFF2-40B4-BE49-F238E27FC236}">
+                <a16:creationId xmlns:a16="http://schemas.microsoft.com/office/drawing/2014/main" id="{DADAF6BF-3B4B-4B6A-1679-0DF3F3CCAEDD}"/>
+              </a:ext>
+            </a:extLst>
+          </p:cNvPr>
+          <p:cNvSpPr txBox="1"/>
+          <p:nvPr/>
+        </p:nvSpPr>
+        <p:spPr>
+          <a:xfrm>
+            <a:off x="585389" y="1508107"/>
+            <a:ext cx="7721849" cy="4401205"/>
+          </a:xfrm>
+          <a:prstGeom prst="rect">
+            <a:avLst/>
+          </a:prstGeom>
+          <a:noFill/>
+        </p:spPr>
+        <p:txBody>
+          <a:bodyPr wrap="square">
+            <a:spAutoFit/>
+          </a:bodyPr>
+          <a:lstStyle/>
+          <a:p>
+            <a:pPr marL="285750" indent="-285750">
+              <a:buFont typeface="Arial" panose="020B0604020202020204" pitchFamily="34" charset="0"/>
+              <a:buChar char="•"/>
+            </a:pPr>
+            <a:r>
+              <a:rPr lang="en-US" sz="1400" dirty="0"/>
+              <a:t>T</a:t>
+            </a:r>
+            <a:r>
+              <a:rPr lang="en-US" sz="1400" b="0" dirty="0">
+                <a:effectLst/>
+              </a:rPr>
+              <a:t>otal rows: 1109000</a:t>
+            </a:r>
+            <a:endParaRPr lang="en-US" sz="1400" dirty="0"/>
+          </a:p>
+          <a:p>
+            <a:pPr marL="285750" indent="-285750">
+              <a:buFont typeface="Arial" panose="020B0604020202020204" pitchFamily="34" charset="0"/>
+              <a:buChar char="•"/>
+            </a:pPr>
+            <a:r>
+              <a:rPr lang="en-US" sz="1400" b="0" dirty="0">
+                <a:effectLst/>
+              </a:rPr>
+              <a:t>Number of unique: 104972 (there are between 8-20 instances of each sequence)</a:t>
+            </a:r>
+          </a:p>
+          <a:p>
+            <a:pPr marL="285750" indent="-285750">
+              <a:buFont typeface="Arial" panose="020B0604020202020204" pitchFamily="34" charset="0"/>
+              <a:buChar char="•"/>
+            </a:pPr>
+            <a:endParaRPr lang="en-US" sz="1400" b="0" dirty="0">
+              <a:effectLst/>
+            </a:endParaRPr>
+          </a:p>
+          <a:p>
+            <a:pPr marL="285750" indent="-285750">
+              <a:buFont typeface="Arial" panose="020B0604020202020204" pitchFamily="34" charset="0"/>
+              <a:buChar char="•"/>
+            </a:pPr>
+            <a:r>
+              <a:rPr lang="en-US" sz="1400" b="0" dirty="0">
+                <a:effectLst/>
+              </a:rPr>
+              <a:t>Number of rows where </a:t>
+            </a:r>
+            <a:r>
+              <a:rPr lang="en-US" sz="1400" b="0" dirty="0" err="1">
+                <a:effectLst/>
+              </a:rPr>
+              <a:t>pred_Affinity</a:t>
+            </a:r>
+            <a:r>
+              <a:rPr lang="en-US" sz="1400" b="0" dirty="0">
+                <a:effectLst/>
+              </a:rPr>
+              <a:t> is not NAN : 340100</a:t>
+            </a:r>
+          </a:p>
+          <a:p>
+            <a:pPr marL="742950" lvl="1" indent="-285750">
+              <a:buFont typeface="Arial" panose="020B0604020202020204" pitchFamily="34" charset="0"/>
+              <a:buChar char="•"/>
+            </a:pPr>
+            <a:r>
+              <a:rPr lang="en-US" sz="1400" dirty="0"/>
+              <a:t>NANs are most likely non-binders (perhaps give them affinity 0?)</a:t>
+            </a:r>
+            <a:endParaRPr lang="en-US" sz="1400" b="0" dirty="0">
+              <a:effectLst/>
+            </a:endParaRPr>
+          </a:p>
+          <a:p>
+            <a:pPr marL="742950" lvl="1" indent="-285750">
+              <a:buFont typeface="Arial" panose="020B0604020202020204" pitchFamily="34" charset="0"/>
+              <a:buChar char="•"/>
+            </a:pPr>
+            <a:r>
+              <a:rPr lang="en-US" sz="1400" b="0" dirty="0">
+                <a:effectLst/>
+              </a:rPr>
+              <a:t>number of unique sequences in this subset: 87211</a:t>
+            </a:r>
+          </a:p>
+          <a:p>
+            <a:pPr marL="742950" lvl="1" indent="-285750">
+              <a:buFont typeface="Arial" panose="020B0604020202020204" pitchFamily="34" charset="0"/>
+              <a:buChar char="•"/>
+            </a:pPr>
+            <a:r>
+              <a:rPr lang="en-US" sz="1400" b="0" dirty="0">
+                <a:effectLst/>
+              </a:rPr>
+              <a:t>for each of these unique sequences, there are multiple binding affinity values</a:t>
+            </a:r>
+          </a:p>
+          <a:p>
+            <a:pPr marL="742950" lvl="1" indent="-285750">
+              <a:buFont typeface="Arial" panose="020B0604020202020204" pitchFamily="34" charset="0"/>
+              <a:buChar char="•"/>
+            </a:pPr>
+            <a:r>
+              <a:rPr lang="en-US" sz="1400" dirty="0"/>
+              <a:t>for example, </a:t>
+            </a:r>
+          </a:p>
+          <a:p>
+            <a:pPr marL="1200150" lvl="2" indent="-285750">
+              <a:buFont typeface="Arial" panose="020B0604020202020204" pitchFamily="34" charset="0"/>
+              <a:buChar char="•"/>
+            </a:pPr>
+            <a:r>
+              <a:rPr lang="en-US" sz="1400" b="0" dirty="0">
+                <a:effectLst/>
+              </a:rPr>
+              <a:t>seq 1: num affinity values = 6 , values: {</a:t>
+            </a:r>
+            <a:r>
+              <a:rPr lang="en-US" sz="1400" b="1" dirty="0">
+                <a:effectLst/>
+              </a:rPr>
+              <a:t>0.87</a:t>
+            </a:r>
+            <a:r>
+              <a:rPr lang="en-US" sz="1400" b="0" dirty="0">
+                <a:effectLst/>
+              </a:rPr>
+              <a:t>, 0.91, 0.96, </a:t>
+            </a:r>
+            <a:r>
+              <a:rPr lang="en-US" sz="1400" b="1" dirty="0">
+                <a:effectLst/>
+              </a:rPr>
+              <a:t>3.92</a:t>
+            </a:r>
+            <a:r>
+              <a:rPr lang="en-US" sz="1400" b="0" dirty="0">
+                <a:effectLst/>
+              </a:rPr>
+              <a:t>, </a:t>
+            </a:r>
+            <a:r>
+              <a:rPr lang="en-US" sz="1400" b="0" i="0" dirty="0">
+                <a:effectLst/>
+              </a:rPr>
+              <a:t>4.92, 5.72</a:t>
+            </a:r>
+            <a:r>
+              <a:rPr lang="en-US" sz="1400" b="0" dirty="0">
+                <a:effectLst/>
+              </a:rPr>
+              <a:t>}</a:t>
+            </a:r>
+          </a:p>
+          <a:p>
+            <a:pPr marL="1200150" lvl="2" indent="-285750">
+              <a:buFont typeface="Arial" panose="020B0604020202020204" pitchFamily="34" charset="0"/>
+              <a:buChar char="•"/>
+            </a:pPr>
+            <a:r>
+              <a:rPr lang="en-US" sz="1400" b="0" dirty="0">
+                <a:effectLst/>
+              </a:rPr>
+              <a:t>-RTlog10(</a:t>
+            </a:r>
+            <a:r>
+              <a:rPr lang="en-US" sz="1400" b="1" dirty="0"/>
+              <a:t>5.72</a:t>
+            </a:r>
+            <a:r>
+              <a:rPr lang="en-US" sz="1400" b="0" dirty="0">
+                <a:effectLst/>
+              </a:rPr>
+              <a:t>) = -4.88 kcal/mol binding free energy</a:t>
+            </a:r>
+          </a:p>
+          <a:p>
+            <a:pPr marL="1200150" lvl="2" indent="-285750">
+              <a:buFont typeface="Arial" panose="020B0604020202020204" pitchFamily="34" charset="0"/>
+              <a:buChar char="•"/>
+            </a:pPr>
+            <a:r>
+              <a:rPr lang="en-US" sz="1400" b="0" dirty="0">
+                <a:effectLst/>
+              </a:rPr>
+              <a:t>-RTlog10(</a:t>
+            </a:r>
+            <a:r>
+              <a:rPr lang="en-US" sz="1400" b="1" dirty="0">
+                <a:effectLst/>
+              </a:rPr>
+              <a:t>0.87</a:t>
+            </a:r>
+            <a:r>
+              <a:rPr lang="en-US" sz="1400" b="0" dirty="0">
+                <a:effectLst/>
+              </a:rPr>
+              <a:t>) = -5.36 kcal/mol</a:t>
+            </a:r>
+          </a:p>
+          <a:p>
+            <a:pPr marL="1200150" lvl="2" indent="-285750">
+              <a:buFont typeface="Arial" panose="020B0604020202020204" pitchFamily="34" charset="0"/>
+              <a:buChar char="•"/>
+            </a:pPr>
+            <a:r>
+              <a:rPr lang="en-US" sz="1400" b="0" dirty="0">
+                <a:effectLst/>
+              </a:rPr>
+              <a:t>for reference </a:t>
+            </a:r>
+            <a:r>
+              <a:rPr lang="en-US" sz="1400" b="0" dirty="0" err="1">
+                <a:effectLst/>
+              </a:rPr>
+              <a:t>kT</a:t>
+            </a:r>
+            <a:r>
+              <a:rPr lang="en-US" sz="1400" b="0" dirty="0">
+                <a:effectLst/>
+              </a:rPr>
+              <a:t> = 0.6 kcal/mol so this difference is on the order of </a:t>
+            </a:r>
+            <a:r>
+              <a:rPr lang="en-US" sz="1400" b="0" dirty="0" err="1">
+                <a:effectLst/>
+              </a:rPr>
+              <a:t>kT</a:t>
+            </a:r>
+            <a:endParaRPr lang="en-US" sz="1400" b="0" dirty="0">
+              <a:effectLst/>
+            </a:endParaRPr>
+          </a:p>
+          <a:p>
+            <a:pPr marL="285750" indent="-285750">
+              <a:buFont typeface="Arial" panose="020B0604020202020204" pitchFamily="34" charset="0"/>
+              <a:buChar char="•"/>
+            </a:pPr>
+            <a:endParaRPr lang="en-US" sz="1400" b="0" dirty="0">
+              <a:effectLst/>
+            </a:endParaRPr>
+          </a:p>
+          <a:p>
+            <a:pPr marL="285750" indent="-285750">
+              <a:buFont typeface="Arial" panose="020B0604020202020204" pitchFamily="34" charset="0"/>
+              <a:buChar char="•"/>
+            </a:pPr>
+            <a:endParaRPr lang="en-US" sz="1400" dirty="0"/>
+          </a:p>
+          <a:p>
+            <a:pPr marL="285750" indent="-285750">
+              <a:buFont typeface="Arial" panose="020B0604020202020204" pitchFamily="34" charset="0"/>
+              <a:buChar char="•"/>
+            </a:pPr>
+            <a:r>
+              <a:rPr lang="en-US" sz="1400" b="1" dirty="0">
+                <a:effectLst/>
+              </a:rPr>
+              <a:t>Final data set</a:t>
+            </a:r>
+            <a:r>
+              <a:rPr lang="en-US" sz="1400" b="0" dirty="0">
+                <a:effectLst/>
+              </a:rPr>
+              <a:t>:</a:t>
+            </a:r>
+          </a:p>
+          <a:p>
+            <a:pPr marL="742950" lvl="1" indent="-285750">
+              <a:buFont typeface="Arial" panose="020B0604020202020204" pitchFamily="34" charset="0"/>
+              <a:buChar char="•"/>
+            </a:pPr>
+            <a:r>
+              <a:rPr lang="en-US" sz="1400" dirty="0"/>
+              <a:t>87211 sequences</a:t>
+            </a:r>
+          </a:p>
+          <a:p>
+            <a:pPr marL="742950" lvl="1" indent="-285750">
+              <a:buFont typeface="Arial" panose="020B0604020202020204" pitchFamily="34" charset="0"/>
+              <a:buChar char="•"/>
+            </a:pPr>
+            <a:r>
+              <a:rPr lang="en-US" sz="1400" b="0" dirty="0">
+                <a:effectLst/>
+              </a:rPr>
+              <a:t>affinity will be the mean of each sequence’s multiple affinities</a:t>
+            </a:r>
+          </a:p>
+          <a:p>
+            <a:pPr marL="742950" lvl="1" indent="-285750">
+              <a:buFont typeface="Arial" panose="020B0604020202020204" pitchFamily="34" charset="0"/>
+              <a:buChar char="•"/>
+            </a:pPr>
+            <a:r>
+              <a:rPr lang="en-US" sz="1400" dirty="0"/>
+              <a:t>43 </a:t>
+            </a:r>
+            <a:r>
+              <a:rPr lang="en-US" sz="1400" dirty="0" err="1"/>
+              <a:t>Kd</a:t>
+            </a:r>
+            <a:r>
+              <a:rPr lang="en-US" sz="1400" dirty="0"/>
+              <a:t> values are negative (?!?!) : remove these.</a:t>
+            </a:r>
+          </a:p>
+          <a:p>
+            <a:pPr marL="742950" lvl="1" indent="-285750">
+              <a:buFont typeface="Arial" panose="020B0604020202020204" pitchFamily="34" charset="0"/>
+              <a:buChar char="•"/>
+            </a:pPr>
+            <a:r>
+              <a:rPr lang="en-US" sz="1400" b="0" dirty="0">
+                <a:effectLst/>
+              </a:rPr>
+              <a:t>Final row count = 87168</a:t>
+            </a:r>
+          </a:p>
+          <a:p>
+            <a:pPr marL="742950" lvl="1" indent="-285750">
+              <a:buFont typeface="Arial" panose="020B0604020202020204" pitchFamily="34" charset="0"/>
+              <a:buChar char="•"/>
+            </a:pPr>
+            <a:r>
+              <a:rPr lang="en-US" sz="1400" dirty="0"/>
+              <a:t>Train/test split 90/10: 78451/8717 rows, respectively</a:t>
+            </a:r>
+            <a:endParaRPr lang="en-US" sz="1400" b="0" dirty="0">
+              <a:effectLst/>
+            </a:endParaRPr>
+          </a:p>
+        </p:txBody>
+      </p:sp>
+      <p:sp>
+        <p:nvSpPr>
+          <p:cNvPr id="4" name="TextBox 3">
+            <a:extLst>
+              <a:ext uri="{FF2B5EF4-FFF2-40B4-BE49-F238E27FC236}">
+                <a16:creationId xmlns:a16="http://schemas.microsoft.com/office/drawing/2014/main" id="{066D4060-9E3D-9BF0-F507-08D8FA88FEE7}"/>
+              </a:ext>
+            </a:extLst>
+          </p:cNvPr>
+          <p:cNvSpPr txBox="1"/>
+          <p:nvPr/>
+        </p:nvSpPr>
+        <p:spPr>
+          <a:xfrm>
+            <a:off x="207034" y="258792"/>
+            <a:ext cx="2803585" cy="461665"/>
+          </a:xfrm>
+          <a:prstGeom prst="rect">
+            <a:avLst/>
+          </a:prstGeom>
+          <a:noFill/>
+        </p:spPr>
+        <p:txBody>
+          <a:bodyPr wrap="square" rtlCol="0">
+            <a:spAutoFit/>
+          </a:bodyPr>
+          <a:lstStyle/>
+          <a:p>
+            <a:r>
+              <a:rPr lang="en-US" sz="2400" dirty="0"/>
+              <a:t>Fine Tuning dataset</a:t>
+            </a:r>
+            <a:endParaRPr lang="en-US" sz="1600" dirty="0"/>
+          </a:p>
+        </p:txBody>
+      </p:sp>
+      <p:sp>
+        <p:nvSpPr>
+          <p:cNvPr id="5" name="TextBox 4">
+            <a:extLst>
+              <a:ext uri="{FF2B5EF4-FFF2-40B4-BE49-F238E27FC236}">
+                <a16:creationId xmlns:a16="http://schemas.microsoft.com/office/drawing/2014/main" id="{5C611D8E-C829-FF8A-3AF5-C19358C37D2B}"/>
+              </a:ext>
+            </a:extLst>
+          </p:cNvPr>
+          <p:cNvSpPr txBox="1"/>
+          <p:nvPr/>
+        </p:nvSpPr>
+        <p:spPr>
+          <a:xfrm>
+            <a:off x="379563" y="793630"/>
+            <a:ext cx="11177419" cy="369332"/>
+          </a:xfrm>
+          <a:prstGeom prst="rect">
+            <a:avLst/>
+          </a:prstGeom>
+          <a:noFill/>
+        </p:spPr>
+        <p:txBody>
+          <a:bodyPr wrap="none" rtlCol="0">
+            <a:spAutoFit/>
+          </a:bodyPr>
+          <a:lstStyle/>
+          <a:p>
+            <a:r>
+              <a:rPr lang="en-US" sz="1800" dirty="0">
+                <a:effectLst/>
+              </a:rPr>
+              <a:t>antibody_dataset_1 : the </a:t>
+            </a:r>
+            <a:r>
+              <a:rPr lang="en-US" sz="1800" dirty="0" err="1">
+                <a:effectLst/>
+              </a:rPr>
+              <a:t>scFv</a:t>
+            </a:r>
+            <a:r>
+              <a:rPr lang="en-US" sz="1800" dirty="0">
+                <a:effectLst/>
+              </a:rPr>
+              <a:t> antibody sequence/binding affinity data in the </a:t>
+            </a:r>
+            <a:r>
+              <a:rPr lang="en-US" sz="1800" dirty="0" err="1">
+                <a:effectLst/>
+              </a:rPr>
+              <a:t>AlphaSeq</a:t>
+            </a:r>
+            <a:r>
+              <a:rPr lang="en-US" sz="1800" dirty="0">
+                <a:effectLst/>
+              </a:rPr>
+              <a:t> experimental assay data</a:t>
+            </a:r>
+          </a:p>
+        </p:txBody>
+      </p:sp>
+      <p:sp>
+        <p:nvSpPr>
+          <p:cNvPr id="7" name="TextBox 6">
+            <a:extLst>
+              <a:ext uri="{FF2B5EF4-FFF2-40B4-BE49-F238E27FC236}">
+                <a16:creationId xmlns:a16="http://schemas.microsoft.com/office/drawing/2014/main" id="{1EB34716-DE6F-C17F-A2E0-42E7B410BA11}"/>
+              </a:ext>
+            </a:extLst>
+          </p:cNvPr>
+          <p:cNvSpPr txBox="1"/>
+          <p:nvPr/>
+        </p:nvSpPr>
+        <p:spPr>
+          <a:xfrm>
+            <a:off x="379563" y="6032207"/>
+            <a:ext cx="10191764" cy="461665"/>
+          </a:xfrm>
+          <a:prstGeom prst="rect">
+            <a:avLst/>
+          </a:prstGeom>
+          <a:noFill/>
+        </p:spPr>
+        <p:txBody>
+          <a:bodyPr wrap="none" rtlCol="0">
+            <a:spAutoFit/>
+          </a:bodyPr>
+          <a:lstStyle/>
+          <a:p>
+            <a:r>
+              <a:rPr lang="en-US" sz="1200" b="0" dirty="0">
+                <a:effectLst/>
+                <a:hlinkClick r:id="rId2"/>
+              </a:rPr>
+              <a:t>https://www.nature.com/articles/s41597-022-01779-4</a:t>
+            </a:r>
+            <a:endParaRPr lang="en-US" sz="1200" b="0" dirty="0">
+              <a:effectLst/>
+            </a:endParaRPr>
+          </a:p>
+          <a:p>
+            <a:r>
+              <a:rPr lang="en-US" sz="1200" b="0" dirty="0">
+                <a:effectLst/>
+              </a:rPr>
+              <a:t>"Of the 119,600 designs, 104,972 were successfully built into the </a:t>
+            </a:r>
+            <a:r>
+              <a:rPr lang="en-US" sz="1200" b="0" dirty="0" err="1">
+                <a:effectLst/>
+              </a:rPr>
+              <a:t>AlphaSeq</a:t>
+            </a:r>
+            <a:r>
+              <a:rPr lang="en-US" sz="1200" b="0" dirty="0">
+                <a:effectLst/>
+              </a:rPr>
+              <a:t> library and target binding was subsequently measured with 71,384 designs”</a:t>
+            </a:r>
+          </a:p>
+        </p:txBody>
+      </p:sp>
+    </p:spTree>
+    <p:extLst>
+      <p:ext uri="{BB962C8B-B14F-4D97-AF65-F5344CB8AC3E}">
+        <p14:creationId xmlns:p14="http://schemas.microsoft.com/office/powerpoint/2010/main" val="97067422"/>
+      </p:ext>
+    </p:extLst>
+  </p:cSld>
+  <p:clrMapOvr>
+    <a:masterClrMapping/>
+  </p:clrMapOvr>
+</p:sld>
+</file>
+
+<file path=ppt/slides/slide11.xml><?xml version="1.0" encoding="utf-8"?>
+<p:sld xmlns:a="http://schemas.openxmlformats.org/drawingml/2006/main" xmlns:r="http://schemas.openxmlformats.org/officeDocument/2006/relationships" xmlns:p="http://schemas.openxmlformats.org/presentationml/2006/main">
+  <p:cSld>
+    <p:spTree>
+      <p:nvGrpSpPr>
+        <p:cNvPr id="1" name=""/>
+        <p:cNvGrpSpPr/>
+        <p:nvPr/>
+      </p:nvGrpSpPr>
+      <p:grpSpPr>
+        <a:xfrm>
+          <a:off x="0" y="0"/>
+          <a:ext cx="0" cy="0"/>
+          <a:chOff x="0" y="0"/>
+          <a:chExt cx="0" cy="0"/>
+        </a:xfrm>
+      </p:grpSpPr>
+      <p:sp>
+        <p:nvSpPr>
           <p:cNvPr id="2" name="TextBox 1">
             <a:extLst>
               <a:ext uri="{FF2B5EF4-FFF2-40B4-BE49-F238E27FC236}">
@@ -3957,6 +4515,41 @@
           </a:p>
         </p:txBody>
       </p:sp>
+      <p:sp>
+        <p:nvSpPr>
+          <p:cNvPr id="4" name="TextBox 3">
+            <a:extLst>
+              <a:ext uri="{FF2B5EF4-FFF2-40B4-BE49-F238E27FC236}">
+                <a16:creationId xmlns:a16="http://schemas.microsoft.com/office/drawing/2014/main" id="{D5B133ED-0AD7-1D30-086B-500BFED87CF6}"/>
+              </a:ext>
+            </a:extLst>
+          </p:cNvPr>
+          <p:cNvSpPr txBox="1"/>
+          <p:nvPr/>
+        </p:nvSpPr>
+        <p:spPr>
+          <a:xfrm>
+            <a:off x="1199072" y="897147"/>
+            <a:ext cx="9251443" cy="369332"/>
+          </a:xfrm>
+          <a:prstGeom prst="rect">
+            <a:avLst/>
+          </a:prstGeom>
+          <a:noFill/>
+        </p:spPr>
+        <p:txBody>
+          <a:bodyPr wrap="none" rtlCol="0">
+            <a:spAutoFit/>
+          </a:bodyPr>
+          <a:lstStyle/>
+          <a:p>
+            <a:r>
+              <a:rPr lang="en-US" dirty="0"/>
+              <a:t>issue?   block-size = 90 during pre-training.  How to adapt for fine-tune data of longer length?</a:t>
+            </a:r>
+          </a:p>
+        </p:txBody>
+      </p:sp>
     </p:spTree>
     <p:extLst>
       <p:ext uri="{BB962C8B-B14F-4D97-AF65-F5344CB8AC3E}">
@@ -3970,7 +4563,7 @@
 </p:sld>
 </file>
 
-<file path=ppt/slides/slide11.xml><?xml version="1.0" encoding="utf-8"?>
+<file path=ppt/slides/slide12.xml><?xml version="1.0" encoding="utf-8"?>
 <p:sld xmlns:a="http://schemas.openxmlformats.org/drawingml/2006/main" xmlns:r="http://schemas.openxmlformats.org/officeDocument/2006/relationships" xmlns:p="http://schemas.openxmlformats.org/presentationml/2006/main">
   <p:cSld>
     <p:spTree>

--- a/Experiments.pptx
+++ b/Experiments.pptx
@@ -4490,7 +4490,7 @@
         </p:nvSpPr>
         <p:spPr>
           <a:xfrm>
-            <a:off x="1160890" y="1590261"/>
+            <a:off x="4576951" y="204349"/>
             <a:ext cx="1279646" cy="369332"/>
           </a:xfrm>
           <a:prstGeom prst="rect">
@@ -4529,8 +4529,8 @@
         </p:nvSpPr>
         <p:spPr>
           <a:xfrm>
-            <a:off x="1199072" y="897147"/>
-            <a:ext cx="9251443" cy="369332"/>
+            <a:off x="457201" y="943930"/>
+            <a:ext cx="9914317" cy="830997"/>
           </a:xfrm>
           <a:prstGeom prst="rect">
             <a:avLst/>
@@ -4544,8 +4544,110 @@
           <a:lstStyle/>
           <a:p>
             <a:r>
-              <a:rPr lang="en-US" dirty="0"/>
+              <a:rPr lang="en-US" sz="1600" dirty="0"/>
               <a:t>issue?   block-size = 90 during pre-training.  How to adapt for fine-tune data of longer length?</a:t>
+            </a:r>
+          </a:p>
+          <a:p>
+            <a:r>
+              <a:rPr lang="en-US" sz="1600" dirty="0"/>
+              <a:t>See this link: </a:t>
+            </a:r>
+            <a:r>
+              <a:rPr lang="en-US" sz="1600" dirty="0">
+                <a:hlinkClick r:id="rId2"/>
+              </a:rPr>
+              <a:t>https://discuss.huggingface.co/t/fine-tuning-bert-with-sequences-longer-than-512-tokens/12652</a:t>
+            </a:r>
+            <a:endParaRPr lang="en-US" sz="1600" dirty="0"/>
+          </a:p>
+          <a:p>
+            <a:endParaRPr lang="en-US" sz="1600" dirty="0"/>
+          </a:p>
+        </p:txBody>
+      </p:sp>
+      <p:sp>
+        <p:nvSpPr>
+          <p:cNvPr id="5" name="TextBox 4">
+            <a:extLst>
+              <a:ext uri="{FF2B5EF4-FFF2-40B4-BE49-F238E27FC236}">
+                <a16:creationId xmlns:a16="http://schemas.microsoft.com/office/drawing/2014/main" id="{513AD935-8923-9A18-E0B5-40DD82EFCE21}"/>
+              </a:ext>
+            </a:extLst>
+          </p:cNvPr>
+          <p:cNvSpPr txBox="1"/>
+          <p:nvPr/>
+        </p:nvSpPr>
+        <p:spPr>
+          <a:xfrm>
+            <a:off x="552091" y="2424023"/>
+            <a:ext cx="6659592" cy="2308324"/>
+          </a:xfrm>
+          <a:prstGeom prst="rect">
+            <a:avLst/>
+          </a:prstGeom>
+          <a:noFill/>
+        </p:spPr>
+        <p:txBody>
+          <a:bodyPr wrap="square" rtlCol="0">
+            <a:spAutoFit/>
+          </a:bodyPr>
+          <a:lstStyle/>
+          <a:p>
+            <a:r>
+              <a:rPr lang="en-US" sz="1200" dirty="0" err="1"/>
+              <a:t>ProteinBERT</a:t>
+            </a:r>
+            <a:r>
+              <a:rPr lang="en-US" sz="1200" dirty="0"/>
+              <a:t> paper : </a:t>
+            </a:r>
+            <a:r>
+              <a:rPr lang="en-US" sz="1200" dirty="0">
+                <a:hlinkClick r:id="rId3"/>
+              </a:rPr>
+              <a:t>https://doi.org/10.1093/bioinformatics/btac020</a:t>
+            </a:r>
+            <a:endParaRPr lang="en-US" sz="1200" dirty="0"/>
+          </a:p>
+          <a:p>
+            <a:r>
+              <a:rPr lang="en-US" sz="1200" b="1" dirty="0"/>
+              <a:t>2.2 Sequence and annotation encoding </a:t>
+            </a:r>
+          </a:p>
+          <a:p>
+            <a:r>
+              <a:rPr lang="en-US" sz="1200" dirty="0"/>
+              <a:t>Protein sequences were encoded as sequences of integer tokens. We used 26 unique tokens representing the 20 standard amino acids, selenocysteine (U), an undefined amino-acid (X), another amino acid (OTHER) and 3 additional tokens (START, END and PAD). For each sequence, START and END tokens were added before the first amino acid and after the last amino acid, respectively. </a:t>
+            </a:r>
+            <a:r>
+              <a:rPr lang="en-US" sz="1200" u="sng" dirty="0"/>
+              <a:t>The PAD token was added to pad sequences shorter than the sequence length chosen for the minibatch</a:t>
+            </a:r>
+            <a:r>
+              <a:rPr lang="en-US" sz="1200" dirty="0"/>
+              <a:t>.</a:t>
+            </a:r>
+          </a:p>
+          <a:p>
+            <a:r>
+              <a:rPr lang="en-US" sz="1200" dirty="0"/>
+              <a:t>…..</a:t>
+            </a:r>
+          </a:p>
+          <a:p>
+            <a:r>
+              <a:rPr lang="en-US" sz="1200" dirty="0"/>
+              <a:t>An important feature of </a:t>
+            </a:r>
+            <a:r>
+              <a:rPr lang="en-US" sz="1200" dirty="0" err="1"/>
+              <a:t>ProteinBERT</a:t>
+            </a:r>
+            <a:r>
+              <a:rPr lang="en-US" sz="1200" dirty="0"/>
+              <a:t> is sequence length flexibility. To avoid the risk of overfitting the model to a specific constant length, we periodically (every 15 min of training) switched the encoding length of protein sequences, using lengths of 128, 512 or 1024 tokens.</a:t>
             </a:r>
           </a:p>
         </p:txBody>

--- a/Experiments.pptx
+++ b/Experiments.pptx
@@ -4530,7 +4530,7 @@
         <p:spPr>
           <a:xfrm>
             <a:off x="457201" y="943930"/>
-            <a:ext cx="9914317" cy="830997"/>
+            <a:ext cx="9914317" cy="2062103"/>
           </a:xfrm>
           <a:prstGeom prst="rect">
             <a:avLst/>
@@ -4564,6 +4564,73 @@
           <a:p>
             <a:endParaRPr lang="en-US" sz="1600" dirty="0"/>
           </a:p>
+          <a:p>
+            <a:pPr marL="285750" indent="-285750">
+              <a:buFont typeface="Arial" panose="020B0604020202020204" pitchFamily="34" charset="0"/>
+              <a:buChar char="•"/>
+            </a:pPr>
+            <a:r>
+              <a:rPr lang="en-US" sz="1600" dirty="0"/>
+              <a:t>I’ve </a:t>
+            </a:r>
+            <a:r>
+              <a:rPr lang="en-US" sz="1600" dirty="0" err="1"/>
+              <a:t>choosen</a:t>
+            </a:r>
+            <a:r>
+              <a:rPr lang="en-US" sz="1600" dirty="0"/>
+              <a:t> to use PAD tokens.</a:t>
+            </a:r>
+          </a:p>
+          <a:p>
+            <a:pPr marL="285750" indent="-285750">
+              <a:buFont typeface="Arial" panose="020B0604020202020204" pitchFamily="34" charset="0"/>
+              <a:buChar char="•"/>
+            </a:pPr>
+            <a:r>
+              <a:rPr lang="en-US" sz="1600" dirty="0"/>
+              <a:t>Set </a:t>
+            </a:r>
+            <a:r>
+              <a:rPr lang="en-US" sz="1600" dirty="0" err="1"/>
+              <a:t>block_size</a:t>
+            </a:r>
+            <a:r>
+              <a:rPr lang="en-US" sz="1600" dirty="0"/>
+              <a:t> = 256 (long enough for the </a:t>
+            </a:r>
+            <a:r>
+              <a:rPr lang="en-US" sz="1600" dirty="0" err="1"/>
+              <a:t>scFv</a:t>
+            </a:r>
+            <a:r>
+              <a:rPr lang="en-US" sz="1600" dirty="0"/>
+              <a:t> data set)</a:t>
+            </a:r>
+          </a:p>
+          <a:p>
+            <a:pPr marL="285750" indent="-285750">
+              <a:buFont typeface="Arial" panose="020B0604020202020204" pitchFamily="34" charset="0"/>
+              <a:buChar char="•"/>
+            </a:pPr>
+            <a:r>
+              <a:rPr lang="en-US" sz="1600" dirty="0"/>
+              <a:t>Redo pre-training on OAS data set with this new block size</a:t>
+            </a:r>
+          </a:p>
+          <a:p>
+            <a:pPr marL="285750" indent="-285750">
+              <a:buFont typeface="Arial" panose="020B0604020202020204" pitchFamily="34" charset="0"/>
+              <a:buChar char="•"/>
+            </a:pPr>
+            <a:r>
+              <a:rPr lang="en-US" sz="1600" dirty="0"/>
+              <a:t>Redo the fine-tuning</a:t>
+            </a:r>
+          </a:p>
+          <a:p>
+            <a:endParaRPr lang="en-US" sz="1600" dirty="0"/>
+          </a:p>
         </p:txBody>
       </p:sp>
       <p:sp>
@@ -4580,7 +4647,7 @@
         </p:nvSpPr>
         <p:spPr>
           <a:xfrm>
-            <a:off x="552091" y="2424023"/>
+            <a:off x="457201" y="4345327"/>
             <a:ext cx="6659592" cy="2308324"/>
           </a:xfrm>
           <a:prstGeom prst="rect">
@@ -13284,8 +13351,8 @@
         </p:nvSpPr>
         <p:spPr>
           <a:xfrm rot="16200000">
-            <a:off x="3446753" y="3915218"/>
-            <a:ext cx="402201" cy="3437659"/>
+            <a:off x="4593909" y="2684539"/>
+            <a:ext cx="303650" cy="1315300"/>
           </a:xfrm>
           <a:prstGeom prst="leftBrace">
             <a:avLst/>
@@ -13332,9 +13399,9 @@
           <p:nvPr/>
         </p:nvSpPr>
         <p:spPr>
-          <a:xfrm>
-            <a:off x="2792557" y="5910595"/>
-            <a:ext cx="1600053" cy="369332"/>
+          <a:xfrm rot="4305945">
+            <a:off x="3763359" y="4651275"/>
+            <a:ext cx="2523448" cy="307777"/>
           </a:xfrm>
           <a:prstGeom prst="rect">
             <a:avLst/>
@@ -13348,8 +13415,8 @@
           <a:lstStyle/>
           <a:p>
             <a:r>
-              <a:rPr lang="en-US" dirty="0"/>
-              <a:t>freeze weights</a:t>
+              <a:rPr lang="en-US" sz="1400" dirty="0"/>
+              <a:t>freeze some or all of the layers</a:t>
             </a:r>
           </a:p>
         </p:txBody>
